--- a/Document/Present_Phong.pptx
+++ b/Document/Present_Phong.pptx
@@ -127,7 +127,3674 @@
       </a:defRPr>
     </a:lvl9pPr>
   </p:defaultTextStyle>
+  <p:extLst>
+    <p:ext uri="{EFAFB233-063F-42B5-8137-9DF3F51BA10A}">
+      <p15:sldGuideLst xmlns:p15="http://schemas.microsoft.com/office/powerpoint/2012/main">
+        <p15:guide id="1" orient="horz" pos="2160">
+          <p15:clr>
+            <a:srgbClr val="A4A3A4"/>
+          </p15:clr>
+        </p15:guide>
+        <p15:guide id="2" pos="2880">
+          <p15:clr>
+            <a:srgbClr val="A4A3A4"/>
+          </p15:clr>
+        </p15:guide>
+      </p15:sldGuideLst>
+    </p:ext>
+  </p:extLst>
 </p:presentation>
+</file>
+
+<file path=ppt/diagrams/colors1.xml><?xml version="1.0" encoding="utf-8"?>
+<dgm:colorsDef xmlns:dgm="http://schemas.openxmlformats.org/drawingml/2006/diagram" xmlns:a="http://schemas.openxmlformats.org/drawingml/2006/main" uniqueId="urn:microsoft.com/office/officeart/2005/8/colors/accent1_2">
+  <dgm:title val=""/>
+  <dgm:desc val=""/>
+  <dgm:catLst>
+    <dgm:cat type="accent1" pri="11200"/>
+  </dgm:catLst>
+  <dgm:styleLbl name="node0">
+    <dgm:fillClrLst meth="repeat">
+      <a:schemeClr val="accent1"/>
+    </dgm:fillClrLst>
+    <dgm:linClrLst meth="repeat">
+      <a:schemeClr val="lt1"/>
+    </dgm:linClrLst>
+    <dgm:effectClrLst/>
+    <dgm:txLinClrLst/>
+    <dgm:txFillClrLst/>
+    <dgm:txEffectClrLst/>
+  </dgm:styleLbl>
+  <dgm:styleLbl name="alignNode1">
+    <dgm:fillClrLst meth="repeat">
+      <a:schemeClr val="accent1"/>
+    </dgm:fillClrLst>
+    <dgm:linClrLst meth="repeat">
+      <a:schemeClr val="accent1"/>
+    </dgm:linClrLst>
+    <dgm:effectClrLst/>
+    <dgm:txLinClrLst/>
+    <dgm:txFillClrLst/>
+    <dgm:txEffectClrLst/>
+  </dgm:styleLbl>
+  <dgm:styleLbl name="node1">
+    <dgm:fillClrLst meth="repeat">
+      <a:schemeClr val="accent1"/>
+    </dgm:fillClrLst>
+    <dgm:linClrLst meth="repeat">
+      <a:schemeClr val="lt1"/>
+    </dgm:linClrLst>
+    <dgm:effectClrLst/>
+    <dgm:txLinClrLst/>
+    <dgm:txFillClrLst/>
+    <dgm:txEffectClrLst/>
+  </dgm:styleLbl>
+  <dgm:styleLbl name="lnNode1">
+    <dgm:fillClrLst meth="repeat">
+      <a:schemeClr val="accent1"/>
+    </dgm:fillClrLst>
+    <dgm:linClrLst meth="repeat">
+      <a:schemeClr val="lt1"/>
+    </dgm:linClrLst>
+    <dgm:effectClrLst/>
+    <dgm:txLinClrLst/>
+    <dgm:txFillClrLst/>
+    <dgm:txEffectClrLst/>
+  </dgm:styleLbl>
+  <dgm:styleLbl name="vennNode1">
+    <dgm:fillClrLst meth="repeat">
+      <a:schemeClr val="accent1">
+        <a:alpha val="50000"/>
+      </a:schemeClr>
+    </dgm:fillClrLst>
+    <dgm:linClrLst meth="repeat">
+      <a:schemeClr val="lt1"/>
+    </dgm:linClrLst>
+    <dgm:effectClrLst/>
+    <dgm:txLinClrLst/>
+    <dgm:txFillClrLst/>
+    <dgm:txEffectClrLst/>
+  </dgm:styleLbl>
+  <dgm:styleLbl name="node2">
+    <dgm:fillClrLst meth="repeat">
+      <a:schemeClr val="accent1"/>
+    </dgm:fillClrLst>
+    <dgm:linClrLst meth="repeat">
+      <a:schemeClr val="lt1"/>
+    </dgm:linClrLst>
+    <dgm:effectClrLst/>
+    <dgm:txLinClrLst/>
+    <dgm:txFillClrLst/>
+    <dgm:txEffectClrLst/>
+  </dgm:styleLbl>
+  <dgm:styleLbl name="node3">
+    <dgm:fillClrLst meth="repeat">
+      <a:schemeClr val="accent1"/>
+    </dgm:fillClrLst>
+    <dgm:linClrLst meth="repeat">
+      <a:schemeClr val="lt1"/>
+    </dgm:linClrLst>
+    <dgm:effectClrLst/>
+    <dgm:txLinClrLst/>
+    <dgm:txFillClrLst/>
+    <dgm:txEffectClrLst/>
+  </dgm:styleLbl>
+  <dgm:styleLbl name="node4">
+    <dgm:fillClrLst meth="repeat">
+      <a:schemeClr val="accent1"/>
+    </dgm:fillClrLst>
+    <dgm:linClrLst meth="repeat">
+      <a:schemeClr val="lt1"/>
+    </dgm:linClrLst>
+    <dgm:effectClrLst/>
+    <dgm:txLinClrLst/>
+    <dgm:txFillClrLst/>
+    <dgm:txEffectClrLst/>
+  </dgm:styleLbl>
+  <dgm:styleLbl name="fgImgPlace1">
+    <dgm:fillClrLst meth="repeat">
+      <a:schemeClr val="accent1">
+        <a:tint val="50000"/>
+      </a:schemeClr>
+    </dgm:fillClrLst>
+    <dgm:linClrLst meth="repeat">
+      <a:schemeClr val="lt1"/>
+    </dgm:linClrLst>
+    <dgm:effectClrLst/>
+    <dgm:txLinClrLst/>
+    <dgm:txFillClrLst meth="repeat">
+      <a:schemeClr val="lt1"/>
+    </dgm:txFillClrLst>
+    <dgm:txEffectClrLst/>
+  </dgm:styleLbl>
+  <dgm:styleLbl name="alignImgPlace1">
+    <dgm:fillClrLst meth="repeat">
+      <a:schemeClr val="accent1">
+        <a:tint val="50000"/>
+      </a:schemeClr>
+    </dgm:fillClrLst>
+    <dgm:linClrLst meth="repeat">
+      <a:schemeClr val="lt1"/>
+    </dgm:linClrLst>
+    <dgm:effectClrLst/>
+    <dgm:txLinClrLst/>
+    <dgm:txFillClrLst meth="repeat">
+      <a:schemeClr val="lt1"/>
+    </dgm:txFillClrLst>
+    <dgm:txEffectClrLst/>
+  </dgm:styleLbl>
+  <dgm:styleLbl name="bgImgPlace1">
+    <dgm:fillClrLst meth="repeat">
+      <a:schemeClr val="accent1">
+        <a:tint val="50000"/>
+      </a:schemeClr>
+    </dgm:fillClrLst>
+    <dgm:linClrLst meth="repeat">
+      <a:schemeClr val="lt1"/>
+    </dgm:linClrLst>
+    <dgm:effectClrLst/>
+    <dgm:txLinClrLst/>
+    <dgm:txFillClrLst meth="repeat">
+      <a:schemeClr val="lt1"/>
+    </dgm:txFillClrLst>
+    <dgm:txEffectClrLst/>
+  </dgm:styleLbl>
+  <dgm:styleLbl name="sibTrans2D1">
+    <dgm:fillClrLst meth="repeat">
+      <a:schemeClr val="accent1">
+        <a:tint val="60000"/>
+      </a:schemeClr>
+    </dgm:fillClrLst>
+    <dgm:linClrLst meth="repeat">
+      <a:schemeClr val="accent1">
+        <a:tint val="60000"/>
+      </a:schemeClr>
+    </dgm:linClrLst>
+    <dgm:effectClrLst/>
+    <dgm:txLinClrLst/>
+    <dgm:txFillClrLst/>
+    <dgm:txEffectClrLst/>
+  </dgm:styleLbl>
+  <dgm:styleLbl name="fgSibTrans2D1">
+    <dgm:fillClrLst meth="repeat">
+      <a:schemeClr val="accent1">
+        <a:tint val="60000"/>
+      </a:schemeClr>
+    </dgm:fillClrLst>
+    <dgm:linClrLst meth="repeat">
+      <a:schemeClr val="accent1">
+        <a:tint val="60000"/>
+      </a:schemeClr>
+    </dgm:linClrLst>
+    <dgm:effectClrLst/>
+    <dgm:txLinClrLst/>
+    <dgm:txFillClrLst/>
+    <dgm:txEffectClrLst/>
+  </dgm:styleLbl>
+  <dgm:styleLbl name="bgSibTrans2D1">
+    <dgm:fillClrLst meth="repeat">
+      <a:schemeClr val="accent1">
+        <a:tint val="60000"/>
+      </a:schemeClr>
+    </dgm:fillClrLst>
+    <dgm:linClrLst meth="repeat">
+      <a:schemeClr val="accent1">
+        <a:tint val="60000"/>
+      </a:schemeClr>
+    </dgm:linClrLst>
+    <dgm:effectClrLst/>
+    <dgm:txLinClrLst/>
+    <dgm:txFillClrLst/>
+    <dgm:txEffectClrLst/>
+  </dgm:styleLbl>
+  <dgm:styleLbl name="sibTrans1D1">
+    <dgm:fillClrLst meth="repeat">
+      <a:schemeClr val="accent1"/>
+    </dgm:fillClrLst>
+    <dgm:linClrLst meth="repeat">
+      <a:schemeClr val="accent1"/>
+    </dgm:linClrLst>
+    <dgm:effectClrLst/>
+    <dgm:txLinClrLst/>
+    <dgm:txFillClrLst meth="repeat">
+      <a:schemeClr val="tx1"/>
+    </dgm:txFillClrLst>
+    <dgm:txEffectClrLst/>
+  </dgm:styleLbl>
+  <dgm:styleLbl name="callout">
+    <dgm:fillClrLst meth="repeat">
+      <a:schemeClr val="accent1"/>
+    </dgm:fillClrLst>
+    <dgm:linClrLst meth="repeat">
+      <a:schemeClr val="accent1">
+        <a:tint val="50000"/>
+      </a:schemeClr>
+    </dgm:linClrLst>
+    <dgm:effectClrLst/>
+    <dgm:txLinClrLst/>
+    <dgm:txFillClrLst meth="repeat">
+      <a:schemeClr val="tx1"/>
+    </dgm:txFillClrLst>
+    <dgm:txEffectClrLst/>
+  </dgm:styleLbl>
+  <dgm:styleLbl name="asst0">
+    <dgm:fillClrLst meth="repeat">
+      <a:schemeClr val="accent1"/>
+    </dgm:fillClrLst>
+    <dgm:linClrLst meth="repeat">
+      <a:schemeClr val="lt1"/>
+    </dgm:linClrLst>
+    <dgm:effectClrLst/>
+    <dgm:txLinClrLst/>
+    <dgm:txFillClrLst/>
+    <dgm:txEffectClrLst/>
+  </dgm:styleLbl>
+  <dgm:styleLbl name="asst1">
+    <dgm:fillClrLst meth="repeat">
+      <a:schemeClr val="accent1"/>
+    </dgm:fillClrLst>
+    <dgm:linClrLst meth="repeat">
+      <a:schemeClr val="lt1"/>
+    </dgm:linClrLst>
+    <dgm:effectClrLst/>
+    <dgm:txLinClrLst/>
+    <dgm:txFillClrLst/>
+    <dgm:txEffectClrLst/>
+  </dgm:styleLbl>
+  <dgm:styleLbl name="asst2">
+    <dgm:fillClrLst meth="repeat">
+      <a:schemeClr val="accent1"/>
+    </dgm:fillClrLst>
+    <dgm:linClrLst meth="repeat">
+      <a:schemeClr val="lt1"/>
+    </dgm:linClrLst>
+    <dgm:effectClrLst/>
+    <dgm:txLinClrLst/>
+    <dgm:txFillClrLst/>
+    <dgm:txEffectClrLst/>
+  </dgm:styleLbl>
+  <dgm:styleLbl name="asst3">
+    <dgm:fillClrLst meth="repeat">
+      <a:schemeClr val="accent1"/>
+    </dgm:fillClrLst>
+    <dgm:linClrLst meth="repeat">
+      <a:schemeClr val="lt1"/>
+    </dgm:linClrLst>
+    <dgm:effectClrLst/>
+    <dgm:txLinClrLst/>
+    <dgm:txFillClrLst/>
+    <dgm:txEffectClrLst/>
+  </dgm:styleLbl>
+  <dgm:styleLbl name="asst4">
+    <dgm:fillClrLst meth="repeat">
+      <a:schemeClr val="accent1"/>
+    </dgm:fillClrLst>
+    <dgm:linClrLst meth="repeat">
+      <a:schemeClr val="lt1"/>
+    </dgm:linClrLst>
+    <dgm:effectClrLst/>
+    <dgm:txLinClrLst/>
+    <dgm:txFillClrLst/>
+    <dgm:txEffectClrLst/>
+  </dgm:styleLbl>
+  <dgm:styleLbl name="parChTrans2D1">
+    <dgm:fillClrLst meth="repeat">
+      <a:schemeClr val="accent1">
+        <a:tint val="60000"/>
+      </a:schemeClr>
+    </dgm:fillClrLst>
+    <dgm:linClrLst meth="repeat">
+      <a:schemeClr val="accent1">
+        <a:tint val="60000"/>
+      </a:schemeClr>
+    </dgm:linClrLst>
+    <dgm:effectClrLst/>
+    <dgm:txLinClrLst/>
+    <dgm:txFillClrLst meth="repeat">
+      <a:schemeClr val="lt1"/>
+    </dgm:txFillClrLst>
+    <dgm:txEffectClrLst/>
+  </dgm:styleLbl>
+  <dgm:styleLbl name="parChTrans2D2">
+    <dgm:fillClrLst meth="repeat">
+      <a:schemeClr val="accent1"/>
+    </dgm:fillClrLst>
+    <dgm:linClrLst meth="repeat">
+      <a:schemeClr val="accent1"/>
+    </dgm:linClrLst>
+    <dgm:effectClrLst/>
+    <dgm:txLinClrLst/>
+    <dgm:txFillClrLst meth="repeat">
+      <a:schemeClr val="lt1"/>
+    </dgm:txFillClrLst>
+    <dgm:txEffectClrLst/>
+  </dgm:styleLbl>
+  <dgm:styleLbl name="parChTrans2D3">
+    <dgm:fillClrLst meth="repeat">
+      <a:schemeClr val="accent1"/>
+    </dgm:fillClrLst>
+    <dgm:linClrLst meth="repeat">
+      <a:schemeClr val="accent1"/>
+    </dgm:linClrLst>
+    <dgm:effectClrLst/>
+    <dgm:txLinClrLst/>
+    <dgm:txFillClrLst meth="repeat">
+      <a:schemeClr val="lt1"/>
+    </dgm:txFillClrLst>
+    <dgm:txEffectClrLst/>
+  </dgm:styleLbl>
+  <dgm:styleLbl name="parChTrans2D4">
+    <dgm:fillClrLst meth="repeat">
+      <a:schemeClr val="accent1"/>
+    </dgm:fillClrLst>
+    <dgm:linClrLst meth="repeat">
+      <a:schemeClr val="accent1"/>
+    </dgm:linClrLst>
+    <dgm:effectClrLst/>
+    <dgm:txLinClrLst/>
+    <dgm:txFillClrLst meth="repeat">
+      <a:schemeClr val="lt1"/>
+    </dgm:txFillClrLst>
+    <dgm:txEffectClrLst/>
+  </dgm:styleLbl>
+  <dgm:styleLbl name="parChTrans1D1">
+    <dgm:fillClrLst meth="repeat">
+      <a:schemeClr val="accent1"/>
+    </dgm:fillClrLst>
+    <dgm:linClrLst meth="repeat">
+      <a:schemeClr val="accent1">
+        <a:shade val="60000"/>
+      </a:schemeClr>
+    </dgm:linClrLst>
+    <dgm:effectClrLst/>
+    <dgm:txLinClrLst/>
+    <dgm:txFillClrLst meth="repeat">
+      <a:schemeClr val="tx1"/>
+    </dgm:txFillClrLst>
+    <dgm:txEffectClrLst/>
+  </dgm:styleLbl>
+  <dgm:styleLbl name="parChTrans1D2">
+    <dgm:fillClrLst meth="repeat">
+      <a:schemeClr val="accent1"/>
+    </dgm:fillClrLst>
+    <dgm:linClrLst meth="repeat">
+      <a:schemeClr val="accent1">
+        <a:shade val="60000"/>
+      </a:schemeClr>
+    </dgm:linClrLst>
+    <dgm:effectClrLst/>
+    <dgm:txLinClrLst/>
+    <dgm:txFillClrLst meth="repeat">
+      <a:schemeClr val="tx1"/>
+    </dgm:txFillClrLst>
+    <dgm:txEffectClrLst/>
+  </dgm:styleLbl>
+  <dgm:styleLbl name="parChTrans1D3">
+    <dgm:fillClrLst meth="repeat">
+      <a:schemeClr val="accent1"/>
+    </dgm:fillClrLst>
+    <dgm:linClrLst meth="repeat">
+      <a:schemeClr val="accent1">
+        <a:shade val="80000"/>
+      </a:schemeClr>
+    </dgm:linClrLst>
+    <dgm:effectClrLst/>
+    <dgm:txLinClrLst/>
+    <dgm:txFillClrLst meth="repeat">
+      <a:schemeClr val="tx1"/>
+    </dgm:txFillClrLst>
+    <dgm:txEffectClrLst/>
+  </dgm:styleLbl>
+  <dgm:styleLbl name="parChTrans1D4">
+    <dgm:fillClrLst meth="repeat">
+      <a:schemeClr val="accent1"/>
+    </dgm:fillClrLst>
+    <dgm:linClrLst meth="repeat">
+      <a:schemeClr val="accent1">
+        <a:shade val="80000"/>
+      </a:schemeClr>
+    </dgm:linClrLst>
+    <dgm:effectClrLst/>
+    <dgm:txLinClrLst/>
+    <dgm:txFillClrLst meth="repeat">
+      <a:schemeClr val="tx1"/>
+    </dgm:txFillClrLst>
+    <dgm:txEffectClrLst/>
+  </dgm:styleLbl>
+  <dgm:styleLbl name="fgAcc1">
+    <dgm:fillClrLst meth="repeat">
+      <a:schemeClr val="lt1">
+        <a:alpha val="90000"/>
+      </a:schemeClr>
+    </dgm:fillClrLst>
+    <dgm:linClrLst meth="repeat">
+      <a:schemeClr val="accent1"/>
+    </dgm:linClrLst>
+    <dgm:effectClrLst/>
+    <dgm:txLinClrLst/>
+    <dgm:txFillClrLst meth="repeat">
+      <a:schemeClr val="dk1"/>
+    </dgm:txFillClrLst>
+    <dgm:txEffectClrLst/>
+  </dgm:styleLbl>
+  <dgm:styleLbl name="conFgAcc1">
+    <dgm:fillClrLst meth="repeat">
+      <a:schemeClr val="lt1">
+        <a:alpha val="90000"/>
+      </a:schemeClr>
+    </dgm:fillClrLst>
+    <dgm:linClrLst meth="repeat">
+      <a:schemeClr val="accent1"/>
+    </dgm:linClrLst>
+    <dgm:effectClrLst/>
+    <dgm:txLinClrLst/>
+    <dgm:txFillClrLst meth="repeat">
+      <a:schemeClr val="dk1"/>
+    </dgm:txFillClrLst>
+    <dgm:txEffectClrLst/>
+  </dgm:styleLbl>
+  <dgm:styleLbl name="alignAcc1">
+    <dgm:fillClrLst meth="repeat">
+      <a:schemeClr val="lt1">
+        <a:alpha val="90000"/>
+      </a:schemeClr>
+    </dgm:fillClrLst>
+    <dgm:linClrLst meth="repeat">
+      <a:schemeClr val="accent1"/>
+    </dgm:linClrLst>
+    <dgm:effectClrLst/>
+    <dgm:txLinClrLst/>
+    <dgm:txFillClrLst meth="repeat">
+      <a:schemeClr val="dk1"/>
+    </dgm:txFillClrLst>
+    <dgm:txEffectClrLst/>
+  </dgm:styleLbl>
+  <dgm:styleLbl name="trAlignAcc1">
+    <dgm:fillClrLst meth="repeat">
+      <a:schemeClr val="lt1">
+        <a:alpha val="40000"/>
+      </a:schemeClr>
+    </dgm:fillClrLst>
+    <dgm:linClrLst meth="repeat">
+      <a:schemeClr val="accent1"/>
+    </dgm:linClrLst>
+    <dgm:effectClrLst/>
+    <dgm:txLinClrLst/>
+    <dgm:txFillClrLst meth="repeat">
+      <a:schemeClr val="dk1"/>
+    </dgm:txFillClrLst>
+    <dgm:txEffectClrLst/>
+  </dgm:styleLbl>
+  <dgm:styleLbl name="bgAcc1">
+    <dgm:fillClrLst meth="repeat">
+      <a:schemeClr val="lt1">
+        <a:alpha val="90000"/>
+      </a:schemeClr>
+    </dgm:fillClrLst>
+    <dgm:linClrLst meth="repeat">
+      <a:schemeClr val="accent1"/>
+    </dgm:linClrLst>
+    <dgm:effectClrLst/>
+    <dgm:txLinClrLst/>
+    <dgm:txFillClrLst meth="repeat">
+      <a:schemeClr val="dk1"/>
+    </dgm:txFillClrLst>
+    <dgm:txEffectClrLst/>
+  </dgm:styleLbl>
+  <dgm:styleLbl name="solidFgAcc1">
+    <dgm:fillClrLst meth="repeat">
+      <a:schemeClr val="lt1"/>
+    </dgm:fillClrLst>
+    <dgm:linClrLst meth="repeat">
+      <a:schemeClr val="accent1"/>
+    </dgm:linClrLst>
+    <dgm:effectClrLst/>
+    <dgm:txLinClrLst/>
+    <dgm:txFillClrLst meth="repeat">
+      <a:schemeClr val="dk1"/>
+    </dgm:txFillClrLst>
+    <dgm:txEffectClrLst/>
+  </dgm:styleLbl>
+  <dgm:styleLbl name="solidAlignAcc1">
+    <dgm:fillClrLst meth="repeat">
+      <a:schemeClr val="lt1"/>
+    </dgm:fillClrLst>
+    <dgm:linClrLst meth="repeat">
+      <a:schemeClr val="accent1"/>
+    </dgm:linClrLst>
+    <dgm:effectClrLst/>
+    <dgm:txLinClrLst/>
+    <dgm:txFillClrLst meth="repeat">
+      <a:schemeClr val="dk1"/>
+    </dgm:txFillClrLst>
+    <dgm:txEffectClrLst/>
+  </dgm:styleLbl>
+  <dgm:styleLbl name="solidBgAcc1">
+    <dgm:fillClrLst meth="repeat">
+      <a:schemeClr val="lt1"/>
+    </dgm:fillClrLst>
+    <dgm:linClrLst meth="repeat">
+      <a:schemeClr val="accent1"/>
+    </dgm:linClrLst>
+    <dgm:effectClrLst/>
+    <dgm:txLinClrLst/>
+    <dgm:txFillClrLst meth="repeat">
+      <a:schemeClr val="dk1"/>
+    </dgm:txFillClrLst>
+    <dgm:txEffectClrLst/>
+  </dgm:styleLbl>
+  <dgm:styleLbl name="fgAccFollowNode1">
+    <dgm:fillClrLst meth="repeat">
+      <a:schemeClr val="accent1">
+        <a:alpha val="90000"/>
+        <a:tint val="40000"/>
+      </a:schemeClr>
+    </dgm:fillClrLst>
+    <dgm:linClrLst meth="repeat">
+      <a:schemeClr val="accent1">
+        <a:alpha val="90000"/>
+        <a:tint val="40000"/>
+      </a:schemeClr>
+    </dgm:linClrLst>
+    <dgm:effectClrLst/>
+    <dgm:txLinClrLst/>
+    <dgm:txFillClrLst meth="repeat">
+      <a:schemeClr val="dk1"/>
+    </dgm:txFillClrLst>
+    <dgm:txEffectClrLst/>
+  </dgm:styleLbl>
+  <dgm:styleLbl name="alignAccFollowNode1">
+    <dgm:fillClrLst meth="repeat">
+      <a:schemeClr val="accent1">
+        <a:alpha val="90000"/>
+        <a:tint val="40000"/>
+      </a:schemeClr>
+    </dgm:fillClrLst>
+    <dgm:linClrLst meth="repeat">
+      <a:schemeClr val="accent1">
+        <a:alpha val="90000"/>
+        <a:tint val="40000"/>
+      </a:schemeClr>
+    </dgm:linClrLst>
+    <dgm:effectClrLst/>
+    <dgm:txLinClrLst/>
+    <dgm:txFillClrLst meth="repeat">
+      <a:schemeClr val="dk1"/>
+    </dgm:txFillClrLst>
+    <dgm:txEffectClrLst/>
+  </dgm:styleLbl>
+  <dgm:styleLbl name="bgAccFollowNode1">
+    <dgm:fillClrLst meth="repeat">
+      <a:schemeClr val="accent1">
+        <a:alpha val="90000"/>
+        <a:tint val="40000"/>
+      </a:schemeClr>
+    </dgm:fillClrLst>
+    <dgm:linClrLst meth="repeat">
+      <a:schemeClr val="accent1">
+        <a:alpha val="90000"/>
+        <a:tint val="40000"/>
+      </a:schemeClr>
+    </dgm:linClrLst>
+    <dgm:effectClrLst/>
+    <dgm:txLinClrLst/>
+    <dgm:txFillClrLst meth="repeat">
+      <a:schemeClr val="dk1"/>
+    </dgm:txFillClrLst>
+    <dgm:txEffectClrLst/>
+  </dgm:styleLbl>
+  <dgm:styleLbl name="fgAcc0">
+    <dgm:fillClrLst meth="repeat">
+      <a:schemeClr val="lt1">
+        <a:alpha val="90000"/>
+      </a:schemeClr>
+    </dgm:fillClrLst>
+    <dgm:linClrLst meth="repeat">
+      <a:schemeClr val="accent1"/>
+    </dgm:linClrLst>
+    <dgm:effectClrLst/>
+    <dgm:txLinClrLst/>
+    <dgm:txFillClrLst meth="repeat">
+      <a:schemeClr val="dk1"/>
+    </dgm:txFillClrLst>
+    <dgm:txEffectClrLst/>
+  </dgm:styleLbl>
+  <dgm:styleLbl name="fgAcc2">
+    <dgm:fillClrLst meth="repeat">
+      <a:schemeClr val="lt1">
+        <a:alpha val="90000"/>
+      </a:schemeClr>
+    </dgm:fillClrLst>
+    <dgm:linClrLst meth="repeat">
+      <a:schemeClr val="accent1"/>
+    </dgm:linClrLst>
+    <dgm:effectClrLst/>
+    <dgm:txLinClrLst/>
+    <dgm:txFillClrLst meth="repeat">
+      <a:schemeClr val="dk1"/>
+    </dgm:txFillClrLst>
+    <dgm:txEffectClrLst/>
+  </dgm:styleLbl>
+  <dgm:styleLbl name="fgAcc3">
+    <dgm:fillClrLst meth="repeat">
+      <a:schemeClr val="lt1">
+        <a:alpha val="90000"/>
+      </a:schemeClr>
+    </dgm:fillClrLst>
+    <dgm:linClrLst meth="repeat">
+      <a:schemeClr val="accent1"/>
+    </dgm:linClrLst>
+    <dgm:effectClrLst/>
+    <dgm:txLinClrLst/>
+    <dgm:txFillClrLst meth="repeat">
+      <a:schemeClr val="dk1"/>
+    </dgm:txFillClrLst>
+    <dgm:txEffectClrLst/>
+  </dgm:styleLbl>
+  <dgm:styleLbl name="fgAcc4">
+    <dgm:fillClrLst meth="repeat">
+      <a:schemeClr val="lt1">
+        <a:alpha val="90000"/>
+      </a:schemeClr>
+    </dgm:fillClrLst>
+    <dgm:linClrLst meth="repeat">
+      <a:schemeClr val="accent1"/>
+    </dgm:linClrLst>
+    <dgm:effectClrLst/>
+    <dgm:txLinClrLst/>
+    <dgm:txFillClrLst meth="repeat">
+      <a:schemeClr val="dk1"/>
+    </dgm:txFillClrLst>
+    <dgm:txEffectClrLst/>
+  </dgm:styleLbl>
+  <dgm:styleLbl name="bgShp">
+    <dgm:fillClrLst meth="repeat">
+      <a:schemeClr val="accent1">
+        <a:tint val="40000"/>
+      </a:schemeClr>
+    </dgm:fillClrLst>
+    <dgm:linClrLst meth="repeat">
+      <a:schemeClr val="accent1"/>
+    </dgm:linClrLst>
+    <dgm:effectClrLst/>
+    <dgm:txLinClrLst/>
+    <dgm:txFillClrLst meth="repeat">
+      <a:schemeClr val="dk1"/>
+    </dgm:txFillClrLst>
+    <dgm:txEffectClrLst/>
+  </dgm:styleLbl>
+  <dgm:styleLbl name="dkBgShp">
+    <dgm:fillClrLst meth="repeat">
+      <a:schemeClr val="accent1">
+        <a:shade val="80000"/>
+      </a:schemeClr>
+    </dgm:fillClrLst>
+    <dgm:linClrLst meth="repeat">
+      <a:schemeClr val="accent1"/>
+    </dgm:linClrLst>
+    <dgm:effectClrLst/>
+    <dgm:txLinClrLst/>
+    <dgm:txFillClrLst meth="repeat">
+      <a:schemeClr val="lt1"/>
+    </dgm:txFillClrLst>
+    <dgm:txEffectClrLst/>
+  </dgm:styleLbl>
+  <dgm:styleLbl name="trBgShp">
+    <dgm:fillClrLst meth="repeat">
+      <a:schemeClr val="accent1">
+        <a:tint val="50000"/>
+        <a:alpha val="40000"/>
+      </a:schemeClr>
+    </dgm:fillClrLst>
+    <dgm:linClrLst meth="repeat">
+      <a:schemeClr val="accent1"/>
+    </dgm:linClrLst>
+    <dgm:effectClrLst/>
+    <dgm:txLinClrLst/>
+    <dgm:txFillClrLst meth="repeat">
+      <a:schemeClr val="lt1"/>
+    </dgm:txFillClrLst>
+    <dgm:txEffectClrLst/>
+  </dgm:styleLbl>
+  <dgm:styleLbl name="fgShp">
+    <dgm:fillClrLst meth="repeat">
+      <a:schemeClr val="accent1">
+        <a:tint val="60000"/>
+      </a:schemeClr>
+    </dgm:fillClrLst>
+    <dgm:linClrLst meth="repeat">
+      <a:schemeClr val="lt1"/>
+    </dgm:linClrLst>
+    <dgm:effectClrLst/>
+    <dgm:txLinClrLst/>
+    <dgm:txFillClrLst meth="repeat">
+      <a:schemeClr val="dk1"/>
+    </dgm:txFillClrLst>
+    <dgm:txEffectClrLst/>
+  </dgm:styleLbl>
+  <dgm:styleLbl name="revTx">
+    <dgm:fillClrLst meth="repeat">
+      <a:schemeClr val="lt1">
+        <a:alpha val="0"/>
+      </a:schemeClr>
+    </dgm:fillClrLst>
+    <dgm:linClrLst meth="repeat">
+      <a:schemeClr val="dk1">
+        <a:alpha val="0"/>
+      </a:schemeClr>
+    </dgm:linClrLst>
+    <dgm:effectClrLst/>
+    <dgm:txLinClrLst/>
+    <dgm:txFillClrLst meth="repeat">
+      <a:schemeClr val="tx1"/>
+    </dgm:txFillClrLst>
+    <dgm:txEffectClrLst/>
+  </dgm:styleLbl>
+</dgm:colorsDef>
+</file>
+
+<file path=ppt/diagrams/data1.xml><?xml version="1.0" encoding="utf-8"?>
+<dgm:dataModel xmlns:dgm="http://schemas.openxmlformats.org/drawingml/2006/diagram" xmlns:a="http://schemas.openxmlformats.org/drawingml/2006/main">
+  <dgm:ptLst>
+    <dgm:pt modelId="{EE37044E-EFF3-4DF6-B49C-FEA04D079868}" type="doc">
+      <dgm:prSet loTypeId="urn:microsoft.com/office/officeart/2005/8/layout/vProcess5" loCatId="process" qsTypeId="urn:microsoft.com/office/officeart/2005/8/quickstyle/simple1" qsCatId="simple" csTypeId="urn:microsoft.com/office/officeart/2005/8/colors/accent1_2" csCatId="accent1" phldr="1"/>
+      <dgm:spPr/>
+      <dgm:t>
+        <a:bodyPr/>
+        <a:lstStyle/>
+        <a:p>
+          <a:endParaRPr lang="en-US"/>
+        </a:p>
+      </dgm:t>
+    </dgm:pt>
+    <dgm:pt modelId="{5362BC90-88AA-45F4-82DF-65A3974733C2}">
+      <dgm:prSet phldrT="[Text]"/>
+      <dgm:spPr/>
+      <dgm:t>
+        <a:bodyPr/>
+        <a:lstStyle/>
+        <a:p>
+          <a:r>
+            <a:rPr lang="en-US" dirty="0" smtClean="0"/>
+            <a:t> </a:t>
+          </a:r>
+          <a:endParaRPr lang="en-US" dirty="0"/>
+        </a:p>
+      </dgm:t>
+    </dgm:pt>
+    <dgm:pt modelId="{534118D6-B64B-440B-8FCB-19D53615CB7D}" type="parTrans" cxnId="{BA682020-3A35-424A-BEF5-EC2A1A8B3EAB}">
+      <dgm:prSet/>
+      <dgm:spPr/>
+      <dgm:t>
+        <a:bodyPr/>
+        <a:lstStyle/>
+        <a:p>
+          <a:endParaRPr lang="en-US"/>
+        </a:p>
+      </dgm:t>
+    </dgm:pt>
+    <dgm:pt modelId="{A902485B-4D9E-468D-B7AA-FF268092F514}" type="sibTrans" cxnId="{BA682020-3A35-424A-BEF5-EC2A1A8B3EAB}">
+      <dgm:prSet/>
+      <dgm:spPr/>
+      <dgm:t>
+        <a:bodyPr/>
+        <a:lstStyle/>
+        <a:p>
+          <a:endParaRPr lang="en-US"/>
+        </a:p>
+      </dgm:t>
+    </dgm:pt>
+    <dgm:pt modelId="{927FBEA3-6E7C-4CCC-913E-477BAB727F5E}">
+      <dgm:prSet phldrT="[Text]"/>
+      <dgm:spPr/>
+      <dgm:t>
+        <a:bodyPr/>
+        <a:lstStyle/>
+        <a:p>
+          <a:r>
+            <a:rPr lang="en-US" dirty="0" smtClean="0"/>
+            <a:t> </a:t>
+          </a:r>
+          <a:endParaRPr lang="en-US" dirty="0"/>
+        </a:p>
+      </dgm:t>
+    </dgm:pt>
+    <dgm:pt modelId="{63DBCCBD-49A4-4793-A493-70266EECA829}" type="parTrans" cxnId="{5B1D74B4-2883-429C-A163-A01447E81514}">
+      <dgm:prSet/>
+      <dgm:spPr/>
+      <dgm:t>
+        <a:bodyPr/>
+        <a:lstStyle/>
+        <a:p>
+          <a:endParaRPr lang="en-US"/>
+        </a:p>
+      </dgm:t>
+    </dgm:pt>
+    <dgm:pt modelId="{FC57BE35-DAC4-4C1A-9FDF-1B9C00AFAD47}" type="sibTrans" cxnId="{5B1D74B4-2883-429C-A163-A01447E81514}">
+      <dgm:prSet/>
+      <dgm:spPr/>
+      <dgm:t>
+        <a:bodyPr/>
+        <a:lstStyle/>
+        <a:p>
+          <a:endParaRPr lang="en-US" dirty="0"/>
+        </a:p>
+      </dgm:t>
+    </dgm:pt>
+    <dgm:pt modelId="{264ABED8-1839-418F-B93D-881EF94A15F4}">
+      <dgm:prSet phldrT="[Text]"/>
+      <dgm:spPr/>
+      <dgm:t>
+        <a:bodyPr/>
+        <a:lstStyle/>
+        <a:p>
+          <a:r>
+            <a:rPr lang="en-US" dirty="0" smtClean="0"/>
+            <a:t> </a:t>
+          </a:r>
+          <a:endParaRPr lang="en-US" dirty="0"/>
+        </a:p>
+      </dgm:t>
+    </dgm:pt>
+    <dgm:pt modelId="{E172869D-9A01-4C5D-8B1C-1E8D89445367}" type="parTrans" cxnId="{C338E549-FABC-475A-BBDF-7A82D33F0E01}">
+      <dgm:prSet/>
+      <dgm:spPr/>
+      <dgm:t>
+        <a:bodyPr/>
+        <a:lstStyle/>
+        <a:p>
+          <a:endParaRPr lang="en-US"/>
+        </a:p>
+      </dgm:t>
+    </dgm:pt>
+    <dgm:pt modelId="{DDBD866F-C277-4FAC-AA82-721338E759DA}" type="sibTrans" cxnId="{C338E549-FABC-475A-BBDF-7A82D33F0E01}">
+      <dgm:prSet/>
+      <dgm:spPr/>
+      <dgm:t>
+        <a:bodyPr/>
+        <a:lstStyle/>
+        <a:p>
+          <a:endParaRPr lang="en-US"/>
+        </a:p>
+      </dgm:t>
+    </dgm:pt>
+    <dgm:pt modelId="{A76142A5-A3C5-4B9F-8498-28795D764300}" type="pres">
+      <dgm:prSet presAssocID="{EE37044E-EFF3-4DF6-B49C-FEA04D079868}" presName="outerComposite" presStyleCnt="0">
+        <dgm:presLayoutVars>
+          <dgm:chMax val="5"/>
+          <dgm:dir/>
+          <dgm:resizeHandles val="exact"/>
+        </dgm:presLayoutVars>
+      </dgm:prSet>
+      <dgm:spPr/>
+    </dgm:pt>
+    <dgm:pt modelId="{A9C1B682-970F-4BDE-B0E8-FA36DDCF2539}" type="pres">
+      <dgm:prSet presAssocID="{EE37044E-EFF3-4DF6-B49C-FEA04D079868}" presName="dummyMaxCanvas" presStyleCnt="0">
+        <dgm:presLayoutVars/>
+      </dgm:prSet>
+      <dgm:spPr/>
+    </dgm:pt>
+    <dgm:pt modelId="{922539D6-1411-4F95-ABC6-9CA624F49588}" type="pres">
+      <dgm:prSet presAssocID="{EE37044E-EFF3-4DF6-B49C-FEA04D079868}" presName="ThreeNodes_1" presStyleLbl="node1" presStyleIdx="0" presStyleCnt="3" custScaleX="100478" custLinFactNeighborX="17452" custLinFactNeighborY="5829">
+        <dgm:presLayoutVars>
+          <dgm:bulletEnabled val="1"/>
+        </dgm:presLayoutVars>
+      </dgm:prSet>
+      <dgm:spPr/>
+    </dgm:pt>
+    <dgm:pt modelId="{F412019C-E47A-465C-816F-304AD6E84017}" type="pres">
+      <dgm:prSet presAssocID="{EE37044E-EFF3-4DF6-B49C-FEA04D079868}" presName="ThreeNodes_2" presStyleLbl="node1" presStyleIdx="1" presStyleCnt="3" custScaleX="100005" custLinFactNeighborX="8984" custLinFactNeighborY="387">
+        <dgm:presLayoutVars>
+          <dgm:bulletEnabled val="1"/>
+        </dgm:presLayoutVars>
+      </dgm:prSet>
+      <dgm:spPr/>
+    </dgm:pt>
+    <dgm:pt modelId="{FE30DE2C-C7A2-4B15-8216-38B8E350332C}" type="pres">
+      <dgm:prSet presAssocID="{EE37044E-EFF3-4DF6-B49C-FEA04D079868}" presName="ThreeNodes_3" presStyleLbl="node1" presStyleIdx="2" presStyleCnt="3">
+        <dgm:presLayoutVars>
+          <dgm:bulletEnabled val="1"/>
+        </dgm:presLayoutVars>
+      </dgm:prSet>
+      <dgm:spPr/>
+    </dgm:pt>
+    <dgm:pt modelId="{61599C62-4F73-4153-9B6B-7FC5AE26CD6E}" type="pres">
+      <dgm:prSet presAssocID="{EE37044E-EFF3-4DF6-B49C-FEA04D079868}" presName="ThreeConn_1-2" presStyleLbl="fgAccFollowNode1" presStyleIdx="0" presStyleCnt="2" custLinFactNeighborX="36431" custLinFactNeighborY="-467">
+        <dgm:presLayoutVars>
+          <dgm:bulletEnabled val="1"/>
+        </dgm:presLayoutVars>
+      </dgm:prSet>
+      <dgm:spPr/>
+    </dgm:pt>
+    <dgm:pt modelId="{4501A95C-C412-4557-AD87-F88243C736DA}" type="pres">
+      <dgm:prSet presAssocID="{EE37044E-EFF3-4DF6-B49C-FEA04D079868}" presName="ThreeConn_2-3" presStyleLbl="fgAccFollowNode1" presStyleIdx="1" presStyleCnt="2" custLinFactNeighborY="-4629">
+        <dgm:presLayoutVars>
+          <dgm:bulletEnabled val="1"/>
+        </dgm:presLayoutVars>
+      </dgm:prSet>
+      <dgm:spPr/>
+    </dgm:pt>
+    <dgm:pt modelId="{F00339FD-1D74-454A-97C6-F7D447FC9FD3}" type="pres">
+      <dgm:prSet presAssocID="{EE37044E-EFF3-4DF6-B49C-FEA04D079868}" presName="ThreeNodes_1_text" presStyleLbl="node1" presStyleIdx="2" presStyleCnt="3">
+        <dgm:presLayoutVars>
+          <dgm:bulletEnabled val="1"/>
+        </dgm:presLayoutVars>
+      </dgm:prSet>
+      <dgm:spPr/>
+    </dgm:pt>
+    <dgm:pt modelId="{E54639BF-0C75-444F-9211-68E12BDD1655}" type="pres">
+      <dgm:prSet presAssocID="{EE37044E-EFF3-4DF6-B49C-FEA04D079868}" presName="ThreeNodes_2_text" presStyleLbl="node1" presStyleIdx="2" presStyleCnt="3">
+        <dgm:presLayoutVars>
+          <dgm:bulletEnabled val="1"/>
+        </dgm:presLayoutVars>
+      </dgm:prSet>
+      <dgm:spPr/>
+    </dgm:pt>
+    <dgm:pt modelId="{98E65A7E-B9AF-49C5-A1F5-31963221DADD}" type="pres">
+      <dgm:prSet presAssocID="{EE37044E-EFF3-4DF6-B49C-FEA04D079868}" presName="ThreeNodes_3_text" presStyleLbl="node1" presStyleIdx="2" presStyleCnt="3">
+        <dgm:presLayoutVars>
+          <dgm:bulletEnabled val="1"/>
+        </dgm:presLayoutVars>
+      </dgm:prSet>
+      <dgm:spPr/>
+    </dgm:pt>
+  </dgm:ptLst>
+  <dgm:cxnLst>
+    <dgm:cxn modelId="{0CE765EB-6A19-4E4D-BE3E-AD5EAFB4CDB7}" type="presOf" srcId="{264ABED8-1839-418F-B93D-881EF94A15F4}" destId="{98E65A7E-B9AF-49C5-A1F5-31963221DADD}" srcOrd="1" destOrd="0" presId="urn:microsoft.com/office/officeart/2005/8/layout/vProcess5"/>
+    <dgm:cxn modelId="{A3B5EFA5-C187-49D8-AC1C-FF34017387FE}" type="presOf" srcId="{A902485B-4D9E-468D-B7AA-FF268092F514}" destId="{61599C62-4F73-4153-9B6B-7FC5AE26CD6E}" srcOrd="0" destOrd="0" presId="urn:microsoft.com/office/officeart/2005/8/layout/vProcess5"/>
+    <dgm:cxn modelId="{BA682020-3A35-424A-BEF5-EC2A1A8B3EAB}" srcId="{EE37044E-EFF3-4DF6-B49C-FEA04D079868}" destId="{5362BC90-88AA-45F4-82DF-65A3974733C2}" srcOrd="0" destOrd="0" parTransId="{534118D6-B64B-440B-8FCB-19D53615CB7D}" sibTransId="{A902485B-4D9E-468D-B7AA-FF268092F514}"/>
+    <dgm:cxn modelId="{D518B8B8-124C-458E-87FE-C015385BAF5F}" type="presOf" srcId="{FC57BE35-DAC4-4C1A-9FDF-1B9C00AFAD47}" destId="{4501A95C-C412-4557-AD87-F88243C736DA}" srcOrd="0" destOrd="0" presId="urn:microsoft.com/office/officeart/2005/8/layout/vProcess5"/>
+    <dgm:cxn modelId="{173C5020-9085-4388-ADEF-74E881C25C7B}" type="presOf" srcId="{5362BC90-88AA-45F4-82DF-65A3974733C2}" destId="{922539D6-1411-4F95-ABC6-9CA624F49588}" srcOrd="0" destOrd="0" presId="urn:microsoft.com/office/officeart/2005/8/layout/vProcess5"/>
+    <dgm:cxn modelId="{059727D9-3835-46AB-A986-751CD4E3B4BD}" type="presOf" srcId="{EE37044E-EFF3-4DF6-B49C-FEA04D079868}" destId="{A76142A5-A3C5-4B9F-8498-28795D764300}" srcOrd="0" destOrd="0" presId="urn:microsoft.com/office/officeart/2005/8/layout/vProcess5"/>
+    <dgm:cxn modelId="{1F35471A-0537-4AB9-8043-5A5D5CFC9E32}" type="presOf" srcId="{927FBEA3-6E7C-4CCC-913E-477BAB727F5E}" destId="{F412019C-E47A-465C-816F-304AD6E84017}" srcOrd="0" destOrd="0" presId="urn:microsoft.com/office/officeart/2005/8/layout/vProcess5"/>
+    <dgm:cxn modelId="{5B1D74B4-2883-429C-A163-A01447E81514}" srcId="{EE37044E-EFF3-4DF6-B49C-FEA04D079868}" destId="{927FBEA3-6E7C-4CCC-913E-477BAB727F5E}" srcOrd="1" destOrd="0" parTransId="{63DBCCBD-49A4-4793-A493-70266EECA829}" sibTransId="{FC57BE35-DAC4-4C1A-9FDF-1B9C00AFAD47}"/>
+    <dgm:cxn modelId="{1C8974C2-951D-4BB7-95E5-25B4DD8901A3}" type="presOf" srcId="{5362BC90-88AA-45F4-82DF-65A3974733C2}" destId="{F00339FD-1D74-454A-97C6-F7D447FC9FD3}" srcOrd="1" destOrd="0" presId="urn:microsoft.com/office/officeart/2005/8/layout/vProcess5"/>
+    <dgm:cxn modelId="{ED5DCAC3-EC4B-464E-9446-33033BB66389}" type="presOf" srcId="{264ABED8-1839-418F-B93D-881EF94A15F4}" destId="{FE30DE2C-C7A2-4B15-8216-38B8E350332C}" srcOrd="0" destOrd="0" presId="urn:microsoft.com/office/officeart/2005/8/layout/vProcess5"/>
+    <dgm:cxn modelId="{188061A6-4E06-4AA5-9D83-F629447632AD}" type="presOf" srcId="{927FBEA3-6E7C-4CCC-913E-477BAB727F5E}" destId="{E54639BF-0C75-444F-9211-68E12BDD1655}" srcOrd="1" destOrd="0" presId="urn:microsoft.com/office/officeart/2005/8/layout/vProcess5"/>
+    <dgm:cxn modelId="{C338E549-FABC-475A-BBDF-7A82D33F0E01}" srcId="{EE37044E-EFF3-4DF6-B49C-FEA04D079868}" destId="{264ABED8-1839-418F-B93D-881EF94A15F4}" srcOrd="2" destOrd="0" parTransId="{E172869D-9A01-4C5D-8B1C-1E8D89445367}" sibTransId="{DDBD866F-C277-4FAC-AA82-721338E759DA}"/>
+    <dgm:cxn modelId="{B48FE286-616A-430B-9722-A2223FCD9D72}" type="presParOf" srcId="{A76142A5-A3C5-4B9F-8498-28795D764300}" destId="{A9C1B682-970F-4BDE-B0E8-FA36DDCF2539}" srcOrd="0" destOrd="0" presId="urn:microsoft.com/office/officeart/2005/8/layout/vProcess5"/>
+    <dgm:cxn modelId="{74AD2E76-EB60-4713-AFBD-F21AC415C5C6}" type="presParOf" srcId="{A76142A5-A3C5-4B9F-8498-28795D764300}" destId="{922539D6-1411-4F95-ABC6-9CA624F49588}" srcOrd="1" destOrd="0" presId="urn:microsoft.com/office/officeart/2005/8/layout/vProcess5"/>
+    <dgm:cxn modelId="{0CF43E91-F8F4-4F05-962E-F6DBF2B915E3}" type="presParOf" srcId="{A76142A5-A3C5-4B9F-8498-28795D764300}" destId="{F412019C-E47A-465C-816F-304AD6E84017}" srcOrd="2" destOrd="0" presId="urn:microsoft.com/office/officeart/2005/8/layout/vProcess5"/>
+    <dgm:cxn modelId="{C57CC804-5F75-4667-96B7-A606BDD001BD}" type="presParOf" srcId="{A76142A5-A3C5-4B9F-8498-28795D764300}" destId="{FE30DE2C-C7A2-4B15-8216-38B8E350332C}" srcOrd="3" destOrd="0" presId="urn:microsoft.com/office/officeart/2005/8/layout/vProcess5"/>
+    <dgm:cxn modelId="{0BD44FEF-14FE-4160-B3B9-4D1E5415AE25}" type="presParOf" srcId="{A76142A5-A3C5-4B9F-8498-28795D764300}" destId="{61599C62-4F73-4153-9B6B-7FC5AE26CD6E}" srcOrd="4" destOrd="0" presId="urn:microsoft.com/office/officeart/2005/8/layout/vProcess5"/>
+    <dgm:cxn modelId="{101B68AF-6490-4530-A3B1-0DEAFC5436E9}" type="presParOf" srcId="{A76142A5-A3C5-4B9F-8498-28795D764300}" destId="{4501A95C-C412-4557-AD87-F88243C736DA}" srcOrd="5" destOrd="0" presId="urn:microsoft.com/office/officeart/2005/8/layout/vProcess5"/>
+    <dgm:cxn modelId="{7AA22B0A-F398-4E84-92C6-87B46C3D332C}" type="presParOf" srcId="{A76142A5-A3C5-4B9F-8498-28795D764300}" destId="{F00339FD-1D74-454A-97C6-F7D447FC9FD3}" srcOrd="6" destOrd="0" presId="urn:microsoft.com/office/officeart/2005/8/layout/vProcess5"/>
+    <dgm:cxn modelId="{4BBC03F8-8BDB-43F2-810E-079E5D383F93}" type="presParOf" srcId="{A76142A5-A3C5-4B9F-8498-28795D764300}" destId="{E54639BF-0C75-444F-9211-68E12BDD1655}" srcOrd="7" destOrd="0" presId="urn:microsoft.com/office/officeart/2005/8/layout/vProcess5"/>
+    <dgm:cxn modelId="{97EE61C8-238A-46F5-8273-F1BD6BED4151}" type="presParOf" srcId="{A76142A5-A3C5-4B9F-8498-28795D764300}" destId="{98E65A7E-B9AF-49C5-A1F5-31963221DADD}" srcOrd="8" destOrd="0" presId="urn:microsoft.com/office/officeart/2005/8/layout/vProcess5"/>
+  </dgm:cxnLst>
+  <dgm:bg/>
+  <dgm:whole/>
+  <dgm:extLst>
+    <a:ext uri="http://schemas.microsoft.com/office/drawing/2008/diagram">
+      <dsp:dataModelExt xmlns:dsp="http://schemas.microsoft.com/office/drawing/2008/diagram" relId="rId6" minVer="http://schemas.openxmlformats.org/drawingml/2006/diagram"/>
+    </a:ext>
+  </dgm:extLst>
+</dgm:dataModel>
+</file>
+
+<file path=ppt/diagrams/drawing1.xml><?xml version="1.0" encoding="utf-8"?>
+<dsp:drawing xmlns:dgm="http://schemas.openxmlformats.org/drawingml/2006/diagram" xmlns:dsp="http://schemas.microsoft.com/office/drawing/2008/diagram" xmlns:a="http://schemas.openxmlformats.org/drawingml/2006/main">
+  <dsp:spTree>
+    <dsp:nvGrpSpPr>
+      <dsp:cNvPr id="0" name=""/>
+      <dsp:cNvGrpSpPr/>
+    </dsp:nvGrpSpPr>
+    <dsp:grpSpPr/>
+    <dsp:sp modelId="{922539D6-1411-4F95-ABC6-9CA624F49588}">
+      <dsp:nvSpPr>
+        <dsp:cNvPr id="0" name=""/>
+        <dsp:cNvSpPr/>
+      </dsp:nvSpPr>
+      <dsp:spPr>
+        <a:xfrm>
+          <a:off x="972688" y="105853"/>
+          <a:ext cx="5692437" cy="1815972"/>
+        </a:xfrm>
+        <a:prstGeom prst="roundRect">
+          <a:avLst>
+            <a:gd name="adj" fmla="val 10000"/>
+          </a:avLst>
+        </a:prstGeom>
+        <a:solidFill>
+          <a:schemeClr val="accent1">
+            <a:hueOff val="0"/>
+            <a:satOff val="0"/>
+            <a:lumOff val="0"/>
+            <a:alphaOff val="0"/>
+          </a:schemeClr>
+        </a:solidFill>
+        <a:ln w="25400" cap="flat" cmpd="sng" algn="ctr">
+          <a:solidFill>
+            <a:schemeClr val="lt1">
+              <a:hueOff val="0"/>
+              <a:satOff val="0"/>
+              <a:lumOff val="0"/>
+              <a:alphaOff val="0"/>
+            </a:schemeClr>
+          </a:solidFill>
+          <a:prstDash val="solid"/>
+        </a:ln>
+        <a:effectLst/>
+      </dsp:spPr>
+      <dsp:style>
+        <a:lnRef idx="2">
+          <a:scrgbClr r="0" g="0" b="0"/>
+        </a:lnRef>
+        <a:fillRef idx="1">
+          <a:scrgbClr r="0" g="0" b="0"/>
+        </a:fillRef>
+        <a:effectRef idx="0">
+          <a:scrgbClr r="0" g="0" b="0"/>
+        </a:effectRef>
+        <a:fontRef idx="minor">
+          <a:schemeClr val="lt1"/>
+        </a:fontRef>
+      </dsp:style>
+      <dsp:txBody>
+        <a:bodyPr spcFirstLastPara="0" vert="horz" wrap="square" lIns="247650" tIns="247650" rIns="247650" bIns="247650" numCol="1" spcCol="1270" anchor="ctr" anchorCtr="0">
+          <a:noAutofit/>
+        </a:bodyPr>
+        <a:lstStyle/>
+        <a:p>
+          <a:pPr lvl="0" algn="l" defTabSz="2889250">
+            <a:lnSpc>
+              <a:spcPct val="90000"/>
+            </a:lnSpc>
+            <a:spcBef>
+              <a:spcPct val="0"/>
+            </a:spcBef>
+            <a:spcAft>
+              <a:spcPct val="35000"/>
+            </a:spcAft>
+          </a:pPr>
+          <a:r>
+            <a:rPr lang="en-US" sz="6500" kern="1200" dirty="0" smtClean="0"/>
+            <a:t> </a:t>
+          </a:r>
+          <a:endParaRPr lang="en-US" sz="6500" kern="1200" dirty="0"/>
+        </a:p>
+      </dsp:txBody>
+      <dsp:txXfrm>
+        <a:off x="1025876" y="159041"/>
+        <a:ext cx="3724002" cy="1709596"/>
+      </dsp:txXfrm>
+    </dsp:sp>
+    <dsp:sp modelId="{F412019C-E47A-465C-816F-304AD6E84017}">
+      <dsp:nvSpPr>
+        <dsp:cNvPr id="0" name=""/>
+        <dsp:cNvSpPr/>
+      </dsp:nvSpPr>
+      <dsp:spPr>
+        <a:xfrm>
+          <a:off x="999485" y="2125662"/>
+          <a:ext cx="5665640" cy="1815972"/>
+        </a:xfrm>
+        <a:prstGeom prst="roundRect">
+          <a:avLst>
+            <a:gd name="adj" fmla="val 10000"/>
+          </a:avLst>
+        </a:prstGeom>
+        <a:solidFill>
+          <a:schemeClr val="accent1">
+            <a:hueOff val="0"/>
+            <a:satOff val="0"/>
+            <a:lumOff val="0"/>
+            <a:alphaOff val="0"/>
+          </a:schemeClr>
+        </a:solidFill>
+        <a:ln w="25400" cap="flat" cmpd="sng" algn="ctr">
+          <a:solidFill>
+            <a:schemeClr val="lt1">
+              <a:hueOff val="0"/>
+              <a:satOff val="0"/>
+              <a:lumOff val="0"/>
+              <a:alphaOff val="0"/>
+            </a:schemeClr>
+          </a:solidFill>
+          <a:prstDash val="solid"/>
+        </a:ln>
+        <a:effectLst/>
+      </dsp:spPr>
+      <dsp:style>
+        <a:lnRef idx="2">
+          <a:scrgbClr r="0" g="0" b="0"/>
+        </a:lnRef>
+        <a:fillRef idx="1">
+          <a:scrgbClr r="0" g="0" b="0"/>
+        </a:fillRef>
+        <a:effectRef idx="0">
+          <a:scrgbClr r="0" g="0" b="0"/>
+        </a:effectRef>
+        <a:fontRef idx="minor">
+          <a:schemeClr val="lt1"/>
+        </a:fontRef>
+      </dsp:style>
+      <dsp:txBody>
+        <a:bodyPr spcFirstLastPara="0" vert="horz" wrap="square" lIns="247650" tIns="247650" rIns="247650" bIns="247650" numCol="1" spcCol="1270" anchor="ctr" anchorCtr="0">
+          <a:noAutofit/>
+        </a:bodyPr>
+        <a:lstStyle/>
+        <a:p>
+          <a:pPr lvl="0" algn="l" defTabSz="2889250">
+            <a:lnSpc>
+              <a:spcPct val="90000"/>
+            </a:lnSpc>
+            <a:spcBef>
+              <a:spcPct val="0"/>
+            </a:spcBef>
+            <a:spcAft>
+              <a:spcPct val="35000"/>
+            </a:spcAft>
+          </a:pPr>
+          <a:r>
+            <a:rPr lang="en-US" sz="6500" kern="1200" dirty="0" smtClean="0"/>
+            <a:t> </a:t>
+          </a:r>
+          <a:endParaRPr lang="en-US" sz="6500" kern="1200" dirty="0"/>
+        </a:p>
+      </dsp:txBody>
+      <dsp:txXfrm>
+        <a:off x="1052673" y="2178850"/>
+        <a:ext cx="3878913" cy="1709596"/>
+      </dsp:txXfrm>
+    </dsp:sp>
+    <dsp:sp modelId="{FE30DE2C-C7A2-4B15-8216-38B8E350332C}">
+      <dsp:nvSpPr>
+        <dsp:cNvPr id="0" name=""/>
+        <dsp:cNvSpPr/>
+      </dsp:nvSpPr>
+      <dsp:spPr>
+        <a:xfrm>
+          <a:off x="1006539" y="4237270"/>
+          <a:ext cx="5665357" cy="1815972"/>
+        </a:xfrm>
+        <a:prstGeom prst="roundRect">
+          <a:avLst>
+            <a:gd name="adj" fmla="val 10000"/>
+          </a:avLst>
+        </a:prstGeom>
+        <a:solidFill>
+          <a:schemeClr val="accent1">
+            <a:hueOff val="0"/>
+            <a:satOff val="0"/>
+            <a:lumOff val="0"/>
+            <a:alphaOff val="0"/>
+          </a:schemeClr>
+        </a:solidFill>
+        <a:ln w="25400" cap="flat" cmpd="sng" algn="ctr">
+          <a:solidFill>
+            <a:schemeClr val="lt1">
+              <a:hueOff val="0"/>
+              <a:satOff val="0"/>
+              <a:lumOff val="0"/>
+              <a:alphaOff val="0"/>
+            </a:schemeClr>
+          </a:solidFill>
+          <a:prstDash val="solid"/>
+        </a:ln>
+        <a:effectLst/>
+      </dsp:spPr>
+      <dsp:style>
+        <a:lnRef idx="2">
+          <a:scrgbClr r="0" g="0" b="0"/>
+        </a:lnRef>
+        <a:fillRef idx="1">
+          <a:scrgbClr r="0" g="0" b="0"/>
+        </a:fillRef>
+        <a:effectRef idx="0">
+          <a:scrgbClr r="0" g="0" b="0"/>
+        </a:effectRef>
+        <a:fontRef idx="minor">
+          <a:schemeClr val="lt1"/>
+        </a:fontRef>
+      </dsp:style>
+      <dsp:txBody>
+        <a:bodyPr spcFirstLastPara="0" vert="horz" wrap="square" lIns="247650" tIns="247650" rIns="247650" bIns="247650" numCol="1" spcCol="1270" anchor="ctr" anchorCtr="0">
+          <a:noAutofit/>
+        </a:bodyPr>
+        <a:lstStyle/>
+        <a:p>
+          <a:pPr lvl="0" algn="l" defTabSz="2889250">
+            <a:lnSpc>
+              <a:spcPct val="90000"/>
+            </a:lnSpc>
+            <a:spcBef>
+              <a:spcPct val="0"/>
+            </a:spcBef>
+            <a:spcAft>
+              <a:spcPct val="35000"/>
+            </a:spcAft>
+          </a:pPr>
+          <a:r>
+            <a:rPr lang="en-US" sz="6500" kern="1200" dirty="0" smtClean="0"/>
+            <a:t> </a:t>
+          </a:r>
+          <a:endParaRPr lang="en-US" sz="6500" kern="1200" dirty="0"/>
+        </a:p>
+      </dsp:txBody>
+      <dsp:txXfrm>
+        <a:off x="1059727" y="4290458"/>
+        <a:ext cx="3878714" cy="1709596"/>
+      </dsp:txXfrm>
+    </dsp:sp>
+    <dsp:sp modelId="{61599C62-4F73-4153-9B6B-7FC5AE26CD6E}">
+      <dsp:nvSpPr>
+        <dsp:cNvPr id="0" name=""/>
+        <dsp:cNvSpPr/>
+      </dsp:nvSpPr>
+      <dsp:spPr>
+        <a:xfrm>
+          <a:off x="4921769" y="1371600"/>
+          <a:ext cx="1180382" cy="1180382"/>
+        </a:xfrm>
+        <a:prstGeom prst="downArrow">
+          <a:avLst>
+            <a:gd name="adj1" fmla="val 55000"/>
+            <a:gd name="adj2" fmla="val 45000"/>
+          </a:avLst>
+        </a:prstGeom>
+        <a:solidFill>
+          <a:schemeClr val="accent1">
+            <a:alpha val="90000"/>
+            <a:tint val="40000"/>
+            <a:hueOff val="0"/>
+            <a:satOff val="0"/>
+            <a:lumOff val="0"/>
+            <a:alphaOff val="0"/>
+          </a:schemeClr>
+        </a:solidFill>
+        <a:ln w="25400" cap="flat" cmpd="sng" algn="ctr">
+          <a:solidFill>
+            <a:schemeClr val="accent1">
+              <a:alpha val="90000"/>
+              <a:tint val="40000"/>
+              <a:hueOff val="0"/>
+              <a:satOff val="0"/>
+              <a:lumOff val="0"/>
+              <a:alphaOff val="0"/>
+            </a:schemeClr>
+          </a:solidFill>
+          <a:prstDash val="solid"/>
+        </a:ln>
+        <a:effectLst/>
+      </dsp:spPr>
+      <dsp:style>
+        <a:lnRef idx="2">
+          <a:scrgbClr r="0" g="0" b="0"/>
+        </a:lnRef>
+        <a:fillRef idx="1">
+          <a:scrgbClr r="0" g="0" b="0"/>
+        </a:fillRef>
+        <a:effectRef idx="0">
+          <a:scrgbClr r="0" g="0" b="0"/>
+        </a:effectRef>
+        <a:fontRef idx="minor"/>
+      </dsp:style>
+      <dsp:txBody>
+        <a:bodyPr spcFirstLastPara="0" vert="horz" wrap="square" lIns="45720" tIns="45720" rIns="45720" bIns="45720" numCol="1" spcCol="1270" anchor="ctr" anchorCtr="0">
+          <a:noAutofit/>
+        </a:bodyPr>
+        <a:lstStyle/>
+        <a:p>
+          <a:pPr lvl="0" algn="ctr" defTabSz="1600200">
+            <a:lnSpc>
+              <a:spcPct val="90000"/>
+            </a:lnSpc>
+            <a:spcBef>
+              <a:spcPct val="0"/>
+            </a:spcBef>
+            <a:spcAft>
+              <a:spcPct val="35000"/>
+            </a:spcAft>
+          </a:pPr>
+          <a:endParaRPr lang="en-US" sz="3600" kern="1200"/>
+        </a:p>
+      </dsp:txBody>
+      <dsp:txXfrm>
+        <a:off x="5187355" y="1371600"/>
+        <a:ext cx="649210" cy="888237"/>
+      </dsp:txXfrm>
+    </dsp:sp>
+    <dsp:sp modelId="{4501A95C-C412-4557-AD87-F88243C736DA}">
+      <dsp:nvSpPr>
+        <dsp:cNvPr id="0" name=""/>
+        <dsp:cNvSpPr/>
+      </dsp:nvSpPr>
+      <dsp:spPr>
+        <a:xfrm>
+          <a:off x="4991629" y="3429001"/>
+          <a:ext cx="1180382" cy="1180382"/>
+        </a:xfrm>
+        <a:prstGeom prst="downArrow">
+          <a:avLst>
+            <a:gd name="adj1" fmla="val 55000"/>
+            <a:gd name="adj2" fmla="val 45000"/>
+          </a:avLst>
+        </a:prstGeom>
+        <a:solidFill>
+          <a:schemeClr val="accent1">
+            <a:alpha val="90000"/>
+            <a:tint val="40000"/>
+            <a:hueOff val="0"/>
+            <a:satOff val="0"/>
+            <a:lumOff val="0"/>
+            <a:alphaOff val="0"/>
+          </a:schemeClr>
+        </a:solidFill>
+        <a:ln w="25400" cap="flat" cmpd="sng" algn="ctr">
+          <a:solidFill>
+            <a:schemeClr val="accent1">
+              <a:alpha val="90000"/>
+              <a:tint val="40000"/>
+              <a:hueOff val="0"/>
+              <a:satOff val="0"/>
+              <a:lumOff val="0"/>
+              <a:alphaOff val="0"/>
+            </a:schemeClr>
+          </a:solidFill>
+          <a:prstDash val="solid"/>
+        </a:ln>
+        <a:effectLst/>
+      </dsp:spPr>
+      <dsp:style>
+        <a:lnRef idx="2">
+          <a:scrgbClr r="0" g="0" b="0"/>
+        </a:lnRef>
+        <a:fillRef idx="1">
+          <a:scrgbClr r="0" g="0" b="0"/>
+        </a:fillRef>
+        <a:effectRef idx="0">
+          <a:scrgbClr r="0" g="0" b="0"/>
+        </a:effectRef>
+        <a:fontRef idx="minor"/>
+      </dsp:style>
+      <dsp:txBody>
+        <a:bodyPr spcFirstLastPara="0" vert="horz" wrap="square" lIns="45720" tIns="45720" rIns="45720" bIns="45720" numCol="1" spcCol="1270" anchor="ctr" anchorCtr="0">
+          <a:noAutofit/>
+        </a:bodyPr>
+        <a:lstStyle/>
+        <a:p>
+          <a:pPr lvl="0" algn="ctr" defTabSz="1600200">
+            <a:lnSpc>
+              <a:spcPct val="90000"/>
+            </a:lnSpc>
+            <a:spcBef>
+              <a:spcPct val="0"/>
+            </a:spcBef>
+            <a:spcAft>
+              <a:spcPct val="35000"/>
+            </a:spcAft>
+          </a:pPr>
+          <a:endParaRPr lang="en-US" sz="3600" kern="1200" dirty="0"/>
+        </a:p>
+      </dsp:txBody>
+      <dsp:txXfrm>
+        <a:off x="5257215" y="3429001"/>
+        <a:ext cx="649210" cy="888237"/>
+      </dsp:txXfrm>
+    </dsp:sp>
+  </dsp:spTree>
+</dsp:drawing>
+</file>
+
+<file path=ppt/diagrams/layout1.xml><?xml version="1.0" encoding="utf-8"?>
+<dgm:layoutDef xmlns:dgm="http://schemas.openxmlformats.org/drawingml/2006/diagram" xmlns:a="http://schemas.openxmlformats.org/drawingml/2006/main" uniqueId="urn:microsoft.com/office/officeart/2005/8/layout/vProcess5">
+  <dgm:title val=""/>
+  <dgm:desc val=""/>
+  <dgm:catLst>
+    <dgm:cat type="process" pri="14000"/>
+  </dgm:catLst>
+  <dgm:sampData>
+    <dgm:dataModel>
+      <dgm:ptLst>
+        <dgm:pt modelId="0" type="doc"/>
+        <dgm:pt modelId="1">
+          <dgm:prSet phldr="1"/>
+        </dgm:pt>
+        <dgm:pt modelId="2">
+          <dgm:prSet phldr="1"/>
+        </dgm:pt>
+        <dgm:pt modelId="3">
+          <dgm:prSet phldr="1"/>
+        </dgm:pt>
+      </dgm:ptLst>
+      <dgm:cxnLst>
+        <dgm:cxn modelId="5" srcId="0" destId="1" srcOrd="0" destOrd="0"/>
+        <dgm:cxn modelId="6" srcId="0" destId="2" srcOrd="1" destOrd="0"/>
+        <dgm:cxn modelId="7" srcId="0" destId="3" srcOrd="2" destOrd="0"/>
+      </dgm:cxnLst>
+      <dgm:bg/>
+      <dgm:whole/>
+    </dgm:dataModel>
+  </dgm:sampData>
+  <dgm:styleData>
+    <dgm:dataModel>
+      <dgm:ptLst>
+        <dgm:pt modelId="0" type="doc"/>
+        <dgm:pt modelId="1"/>
+        <dgm:pt modelId="2"/>
+      </dgm:ptLst>
+      <dgm:cxnLst>
+        <dgm:cxn modelId="3" srcId="0" destId="1" srcOrd="0" destOrd="0"/>
+        <dgm:cxn modelId="4" srcId="0" destId="2" srcOrd="1" destOrd="0"/>
+      </dgm:cxnLst>
+      <dgm:bg/>
+      <dgm:whole/>
+    </dgm:dataModel>
+  </dgm:styleData>
+  <dgm:clrData>
+    <dgm:dataModel>
+      <dgm:ptLst>
+        <dgm:pt modelId="0" type="doc"/>
+        <dgm:pt modelId="1"/>
+        <dgm:pt modelId="2"/>
+        <dgm:pt modelId="3"/>
+        <dgm:pt modelId="4"/>
+      </dgm:ptLst>
+      <dgm:cxnLst>
+        <dgm:cxn modelId="6" srcId="0" destId="1" srcOrd="0" destOrd="0"/>
+        <dgm:cxn modelId="7" srcId="0" destId="2" srcOrd="1" destOrd="0"/>
+        <dgm:cxn modelId="8" srcId="0" destId="3" srcOrd="2" destOrd="0"/>
+        <dgm:cxn modelId="9" srcId="0" destId="4" srcOrd="3" destOrd="0"/>
+      </dgm:cxnLst>
+      <dgm:bg/>
+      <dgm:whole/>
+    </dgm:dataModel>
+  </dgm:clrData>
+  <dgm:layoutNode name="outerComposite">
+    <dgm:varLst>
+      <dgm:chMax val="5"/>
+      <dgm:dir/>
+      <dgm:resizeHandles val="exact"/>
+    </dgm:varLst>
+    <dgm:alg type="composite"/>
+    <dgm:shape xmlns:r="http://schemas.openxmlformats.org/officeDocument/2006/relationships" r:blip="">
+      <dgm:adjLst/>
+    </dgm:shape>
+    <dgm:presOf/>
+    <dgm:choose name="Name0">
+      <dgm:if name="Name1" func="var" arg="dir" op="equ" val="norm">
+        <dgm:constrLst>
+          <dgm:constr type="primFontSz" for="ch" ptType="node" op="equ" val="65"/>
+          <dgm:constr type="w" for="ch" forName="dummyMaxCanvas" refType="w"/>
+          <dgm:constr type="h" for="ch" forName="dummyMaxCanvas" refType="h"/>
+          <dgm:constr type="w" for="ch" forName="OneNode_1" refType="w"/>
+          <dgm:constr type="h" for="ch" forName="OneNode_1" refType="h" fact="0.5"/>
+          <dgm:constr type="ctrY" for="ch" forName="OneNode_1" refType="h" fact="0.5"/>
+          <dgm:constr type="w" for="ch" forName="TwoNodes_1" refType="w" fact="0.85"/>
+          <dgm:constr type="h" for="ch" forName="TwoNodes_1" refType="h" fact="0.45"/>
+          <dgm:constr type="t" for="ch" forName="TwoNodes_1"/>
+          <dgm:constr type="l" for="ch" forName="TwoNodes_1"/>
+          <dgm:constr type="w" for="ch" forName="TwoNodes_2" refType="w" fact="0.85"/>
+          <dgm:constr type="h" for="ch" forName="TwoNodes_2" refType="h" fact="0.45"/>
+          <dgm:constr type="b" for="ch" forName="TwoNodes_2" refType="h"/>
+          <dgm:constr type="r" for="ch" forName="TwoNodes_2" refType="w"/>
+          <dgm:constr type="w" for="ch" forName="TwoConn_1-2" refType="h" refFor="ch" refForName="TwoNodes_1" fact="0.65"/>
+          <dgm:constr type="h" for="ch" forName="TwoConn_1-2" refType="h" refFor="ch" refForName="TwoNodes_1" fact="0.65"/>
+          <dgm:constr type="ctrY" for="ch" forName="TwoConn_1-2" refType="h" fact="0.5"/>
+          <dgm:constr type="r" for="ch" forName="TwoConn_1-2" refType="r" refFor="ch" refForName="TwoNodes_1"/>
+          <dgm:constr type="r" for="ch" forName="TwoNodes_1_text" refType="l" refFor="ch" refForName="TwoConn_1-2"/>
+          <dgm:constr type="rOff" for="ch" forName="TwoNodes_1_text" refType="w" refFor="ch" refForName="TwoConn_1-2" fact="-0.5"/>
+          <dgm:constr type="t" for="ch" forName="TwoNodes_1_text" refType="t" refFor="ch" refForName="TwoNodes_1"/>
+          <dgm:constr type="b" for="ch" forName="TwoNodes_1_text" refType="b" refFor="ch" refForName="TwoNodes_1"/>
+          <dgm:constr type="l" for="ch" forName="TwoNodes_1_text" refType="l" refFor="ch" refForName="TwoNodes_1"/>
+          <dgm:constr type="r" for="ch" forName="TwoNodes_2_text" refType="l" refFor="ch" refForName="TwoConn_1-2"/>
+          <dgm:constr type="t" for="ch" forName="TwoNodes_2_text" refType="t" refFor="ch" refForName="TwoNodes_2"/>
+          <dgm:constr type="b" for="ch" forName="TwoNodes_2_text" refType="b" refFor="ch" refForName="TwoNodes_2"/>
+          <dgm:constr type="l" for="ch" forName="TwoNodes_2_text" refType="l" refFor="ch" refForName="TwoNodes_2"/>
+          <dgm:constr type="w" for="ch" forName="ThreeNodes_1" refType="w" fact="0.85"/>
+          <dgm:constr type="h" for="ch" forName="ThreeNodes_1" refType="h" fact="0.3"/>
+          <dgm:constr type="t" for="ch" forName="ThreeNodes_1"/>
+          <dgm:constr type="l" for="ch" forName="ThreeNodes_1"/>
+          <dgm:constr type="w" for="ch" forName="ThreeNodes_2" refType="w" fact="0.85"/>
+          <dgm:constr type="h" for="ch" forName="ThreeNodes_2" refType="h" fact="0.3"/>
+          <dgm:constr type="ctrY" for="ch" forName="ThreeNodes_2" refType="h" fact="0.5"/>
+          <dgm:constr type="ctrX" for="ch" forName="ThreeNodes_2" refType="w" fact="0.5"/>
+          <dgm:constr type="w" for="ch" forName="ThreeNodes_3" refType="w" fact="0.85"/>
+          <dgm:constr type="h" for="ch" forName="ThreeNodes_3" refType="h" fact="0.3"/>
+          <dgm:constr type="b" for="ch" forName="ThreeNodes_3" refType="h"/>
+          <dgm:constr type="r" for="ch" forName="ThreeNodes_3" refType="w"/>
+          <dgm:constr type="w" for="ch" forName="ThreeConn_1-2" refType="h" refFor="ch" refForName="ThreeNodes_1" fact="0.65"/>
+          <dgm:constr type="h" for="ch" forName="ThreeConn_1-2" refType="h" refFor="ch" refForName="ThreeNodes_1" fact="0.65"/>
+          <dgm:constr type="ctrY" for="ch" forName="ThreeConn_1-2" refType="h" fact="0.325"/>
+          <dgm:constr type="r" for="ch" forName="ThreeConn_1-2" refType="r" refFor="ch" refForName="ThreeNodes_1"/>
+          <dgm:constr type="w" for="ch" forName="ThreeConn_2-3" refType="h" refFor="ch" refForName="ThreeNodes_2" fact="0.65"/>
+          <dgm:constr type="h" for="ch" forName="ThreeConn_2-3" refType="h" refFor="ch" refForName="ThreeNodes_2" fact="0.65"/>
+          <dgm:constr type="ctrY" for="ch" forName="ThreeConn_2-3" refType="h" fact="0.673"/>
+          <dgm:constr type="r" for="ch" forName="ThreeConn_2-3" refType="r" refFor="ch" refForName="ThreeNodes_2"/>
+          <dgm:constr type="r" for="ch" forName="ThreeNodes_1_text" refType="l" refFor="ch" refForName="ThreeConn_1-2"/>
+          <dgm:constr type="rOff" for="ch" forName="ThreeNodes_1_text" refType="w" refFor="ch" refForName="ThreeConn_1-2" fact="-0.57"/>
+          <dgm:constr type="t" for="ch" forName="ThreeNodes_1_text" refType="t" refFor="ch" refForName="ThreeNodes_1"/>
+          <dgm:constr type="b" for="ch" forName="ThreeNodes_1_text" refType="b" refFor="ch" refForName="ThreeNodes_1"/>
+          <dgm:constr type="l" for="ch" forName="ThreeNodes_1_text" refType="l" refFor="ch" refForName="ThreeNodes_1"/>
+          <dgm:constr type="r" for="ch" forName="ThreeNodes_2_text" refType="l" refFor="ch" refForName="ThreeConn_1-2"/>
+          <dgm:constr type="t" for="ch" forName="ThreeNodes_2_text" refType="t" refFor="ch" refForName="ThreeNodes_2"/>
+          <dgm:constr type="b" for="ch" forName="ThreeNodes_2_text" refType="b" refFor="ch" refForName="ThreeNodes_2"/>
+          <dgm:constr type="l" for="ch" forName="ThreeNodes_2_text" refType="l" refFor="ch" refForName="ThreeNodes_2"/>
+          <dgm:constr type="r" for="ch" forName="ThreeNodes_3_text" refType="l" refFor="ch" refForName="ThreeConn_2-3"/>
+          <dgm:constr type="t" for="ch" forName="ThreeNodes_3_text" refType="t" refFor="ch" refForName="ThreeNodes_3"/>
+          <dgm:constr type="b" for="ch" forName="ThreeNodes_3_text" refType="b" refFor="ch" refForName="ThreeNodes_3"/>
+          <dgm:constr type="l" for="ch" forName="ThreeNodes_3_text" refType="l" refFor="ch" refForName="ThreeNodes_3"/>
+          <dgm:constr type="w" for="ch" forName="FourNodes_1" refType="w" fact="0.8"/>
+          <dgm:constr type="h" for="ch" forName="FourNodes_1" refType="h" fact="0.22"/>
+          <dgm:constr type="t" for="ch" forName="FourNodes_1"/>
+          <dgm:constr type="l" for="ch" forName="FourNodes_1"/>
+          <dgm:constr type="w" for="ch" forName="FourNodes_2" refType="w" fact="0.8"/>
+          <dgm:constr type="h" for="ch" forName="FourNodes_2" refType="h" fact="0.22"/>
+          <dgm:constr type="ctrY" for="ch" forName="FourNodes_2" refType="h" fact="0.37"/>
+          <dgm:constr type="ctrX" for="ch" forName="FourNodes_2" refType="w" fact="0.467"/>
+          <dgm:constr type="w" for="ch" forName="FourNodes_3" refType="w" fact="0.8"/>
+          <dgm:constr type="h" for="ch" forName="FourNodes_3" refType="h" fact="0.22"/>
+          <dgm:constr type="ctrY" for="ch" forName="FourNodes_3" refType="h" fact="0.63"/>
+          <dgm:constr type="ctrX" for="ch" forName="FourNodes_3" refType="w" fact="0.533"/>
+          <dgm:constr type="w" for="ch" forName="FourNodes_4" refType="w" fact="0.8"/>
+          <dgm:constr type="h" for="ch" forName="FourNodes_4" refType="h" fact="0.22"/>
+          <dgm:constr type="b" for="ch" forName="FourNodes_4" refType="h"/>
+          <dgm:constr type="r" for="ch" forName="FourNodes_4" refType="w"/>
+          <dgm:constr type="w" for="ch" forName="FourConn_1-2" refType="h" refFor="ch" refForName="FourNodes_1" fact="0.65"/>
+          <dgm:constr type="h" for="ch" forName="FourConn_1-2" refType="h" refFor="ch" refForName="FourNodes_1" fact="0.65"/>
+          <dgm:constr type="ctrY" for="ch" forName="FourConn_1-2" refType="h" fact="0.24"/>
+          <dgm:constr type="r" for="ch" forName="FourConn_1-2" refType="r" refFor="ch" refForName="FourNodes_1"/>
+          <dgm:constr type="w" for="ch" forName="FourConn_2-3" refType="h" refFor="ch" refForName="FourNodes_2" fact="0.65"/>
+          <dgm:constr type="h" for="ch" forName="FourConn_2-3" refType="h" refFor="ch" refForName="FourNodes_2" fact="0.65"/>
+          <dgm:constr type="ctrY" for="ch" forName="FourConn_2-3" refType="h" fact="0.5"/>
+          <dgm:constr type="r" for="ch" forName="FourConn_2-3" refType="r" refFor="ch" refForName="FourNodes_2"/>
+          <dgm:constr type="w" for="ch" forName="FourConn_3-4" refType="h" refFor="ch" refForName="FourNodes_3" fact="0.65"/>
+          <dgm:constr type="h" for="ch" forName="FourConn_3-4" refType="h" refFor="ch" refForName="FourNodes_3" fact="0.65"/>
+          <dgm:constr type="ctrY" for="ch" forName="FourConn_3-4" refType="h" fact="0.76"/>
+          <dgm:constr type="r" for="ch" forName="FourConn_3-4" refType="r" refFor="ch" refForName="FourNodes_3"/>
+          <dgm:constr type="r" for="ch" forName="FourNodes_1_text" refType="l" refFor="ch" refForName="FourConn_1-2"/>
+          <dgm:constr type="rOff" for="ch" forName="FourNodes_1_text" refType="w" refFor="ch" refForName="FourConn_1-2" fact="-0.7"/>
+          <dgm:constr type="t" for="ch" forName="FourNodes_1_text" refType="t" refFor="ch" refForName="FourNodes_1"/>
+          <dgm:constr type="b" for="ch" forName="FourNodes_1_text" refType="b" refFor="ch" refForName="FourNodes_1"/>
+          <dgm:constr type="l" for="ch" forName="FourNodes_1_text" refType="l" refFor="ch" refForName="FourNodes_1"/>
+          <dgm:constr type="r" for="ch" forName="FourNodes_2_text" refType="l" refFor="ch" refForName="FourConn_1-2"/>
+          <dgm:constr type="t" for="ch" forName="FourNodes_2_text" refType="t" refFor="ch" refForName="FourNodes_2"/>
+          <dgm:constr type="b" for="ch" forName="FourNodes_2_text" refType="b" refFor="ch" refForName="FourNodes_2"/>
+          <dgm:constr type="l" for="ch" forName="FourNodes_2_text" refType="l" refFor="ch" refForName="FourNodes_2"/>
+          <dgm:constr type="r" for="ch" forName="FourNodes_3_text" refType="l" refFor="ch" refForName="FourConn_2-3"/>
+          <dgm:constr type="t" for="ch" forName="FourNodes_3_text" refType="t" refFor="ch" refForName="FourNodes_3"/>
+          <dgm:constr type="b" for="ch" forName="FourNodes_3_text" refType="b" refFor="ch" refForName="FourNodes_3"/>
+          <dgm:constr type="l" for="ch" forName="FourNodes_3_text" refType="l" refFor="ch" refForName="FourNodes_3"/>
+          <dgm:constr type="r" for="ch" forName="FourNodes_4_text" refType="l" refFor="ch" refForName="FourConn_3-4"/>
+          <dgm:constr type="t" for="ch" forName="FourNodes_4_text" refType="t" refFor="ch" refForName="FourNodes_4"/>
+          <dgm:constr type="b" for="ch" forName="FourNodes_4_text" refType="b" refFor="ch" refForName="FourNodes_4"/>
+          <dgm:constr type="l" for="ch" forName="FourNodes_4_text" refType="l" refFor="ch" refForName="FourNodes_4"/>
+          <dgm:constr type="w" for="ch" forName="FiveNodes_1" refType="w" fact="0.77"/>
+          <dgm:constr type="h" for="ch" forName="FiveNodes_1" refType="h" fact="0.18"/>
+          <dgm:constr type="t" for="ch" forName="FiveNodes_1"/>
+          <dgm:constr type="l" for="ch" forName="FiveNodes_1"/>
+          <dgm:constr type="w" for="ch" forName="FiveNodes_2" refType="w" fact="0.77"/>
+          <dgm:constr type="h" for="ch" forName="FiveNodes_2" refType="h" fact="0.18"/>
+          <dgm:constr type="ctrY" for="ch" forName="FiveNodes_2" refType="h" fact="0.295"/>
+          <dgm:constr type="ctrX" for="ch" forName="FiveNodes_2" refType="w" fact="0.4425"/>
+          <dgm:constr type="w" for="ch" forName="FiveNodes_3" refType="w" fact="0.77"/>
+          <dgm:constr type="h" for="ch" forName="FiveNodes_3" refType="h" fact="0.18"/>
+          <dgm:constr type="ctrY" for="ch" forName="FiveNodes_3" refType="h" fact="0.5"/>
+          <dgm:constr type="ctrX" for="ch" forName="FiveNodes_3" refType="w" fact="0.5"/>
+          <dgm:constr type="w" for="ch" forName="FiveNodes_4" refType="w" fact="0.77"/>
+          <dgm:constr type="h" for="ch" forName="FiveNodes_4" refType="h" fact="0.18"/>
+          <dgm:constr type="ctrY" for="ch" forName="FiveNodes_4" refType="h" fact="0.705"/>
+          <dgm:constr type="ctrX" for="ch" forName="FiveNodes_4" refType="w" fact="0.5575"/>
+          <dgm:constr type="w" for="ch" forName="FiveNodes_5" refType="w" fact="0.77"/>
+          <dgm:constr type="h" for="ch" forName="FiveNodes_5" refType="h" fact="0.18"/>
+          <dgm:constr type="b" for="ch" forName="FiveNodes_5" refType="h"/>
+          <dgm:constr type="r" for="ch" forName="FiveNodes_5" refType="w"/>
+          <dgm:constr type="w" for="ch" forName="FiveConn_1-2" refType="h" refFor="ch" refForName="FiveNodes_1" fact="0.65"/>
+          <dgm:constr type="h" for="ch" forName="FiveConn_1-2" refType="h" refFor="ch" refForName="FiveNodes_1" fact="0.65"/>
+          <dgm:constr type="ctrY" for="ch" forName="FiveConn_1-2" refType="h" fact="0.19"/>
+          <dgm:constr type="r" for="ch" forName="FiveConn_1-2" refType="r" refFor="ch" refForName="FiveNodes_1"/>
+          <dgm:constr type="w" for="ch" forName="FiveConn_2-3" refType="h" refFor="ch" refForName="FiveNodes_2" fact="0.65"/>
+          <dgm:constr type="h" for="ch" forName="FiveConn_2-3" refType="h" refFor="ch" refForName="FiveNodes_2" fact="0.65"/>
+          <dgm:constr type="ctrY" for="ch" forName="FiveConn_2-3" refType="h" fact="0.395"/>
+          <dgm:constr type="r" for="ch" forName="FiveConn_2-3" refType="r" refFor="ch" refForName="FiveNodes_2"/>
+          <dgm:constr type="w" for="ch" forName="FiveConn_3-4" refType="h" refFor="ch" refForName="FiveNodes_3" fact="0.65"/>
+          <dgm:constr type="h" for="ch" forName="FiveConn_3-4" refType="h" refFor="ch" refForName="FiveNodes_3" fact="0.65"/>
+          <dgm:constr type="ctrY" for="ch" forName="FiveConn_3-4" refType="h" fact="0.597"/>
+          <dgm:constr type="r" for="ch" forName="FiveConn_3-4" refType="r" refFor="ch" refForName="FiveNodes_3"/>
+          <dgm:constr type="w" for="ch" forName="FiveConn_4-5" refType="h" refFor="ch" refForName="FiveNodes_4" fact="0.65"/>
+          <dgm:constr type="h" for="ch" forName="FiveConn_4-5" refType="h" refFor="ch" refForName="FiveNodes_4" fact="0.65"/>
+          <dgm:constr type="ctrY" for="ch" forName="FiveConn_4-5" refType="h" fact="0.804"/>
+          <dgm:constr type="r" for="ch" forName="FiveConn_4-5" refType="r" refFor="ch" refForName="FiveNodes_4"/>
+          <dgm:constr type="r" for="ch" forName="FiveNodes_1_text" refType="l" refFor="ch" refForName="FiveConn_1-2"/>
+          <dgm:constr type="rOff" for="ch" forName="FiveNodes_1_text" refType="w" refFor="ch" refForName="FiveConn_1-2" fact="-0.75"/>
+          <dgm:constr type="t" for="ch" forName="FiveNodes_1_text" refType="t" refFor="ch" refForName="FiveNodes_1"/>
+          <dgm:constr type="b" for="ch" forName="FiveNodes_1_text" refType="b" refFor="ch" refForName="FiveNodes_1"/>
+          <dgm:constr type="l" for="ch" forName="FiveNodes_1_text" refType="l" refFor="ch" refForName="FiveNodes_1"/>
+          <dgm:constr type="r" for="ch" forName="FiveNodes_2_text" refType="l" refFor="ch" refForName="FiveConn_1-2"/>
+          <dgm:constr type="t" for="ch" forName="FiveNodes_2_text" refType="t" refFor="ch" refForName="FiveNodes_2"/>
+          <dgm:constr type="b" for="ch" forName="FiveNodes_2_text" refType="b" refFor="ch" refForName="FiveNodes_2"/>
+          <dgm:constr type="l" for="ch" forName="FiveNodes_2_text" refType="l" refFor="ch" refForName="FiveNodes_2"/>
+          <dgm:constr type="r" for="ch" forName="FiveNodes_3_text" refType="l" refFor="ch" refForName="FiveConn_2-3"/>
+          <dgm:constr type="t" for="ch" forName="FiveNodes_3_text" refType="t" refFor="ch" refForName="FiveNodes_3"/>
+          <dgm:constr type="b" for="ch" forName="FiveNodes_3_text" refType="b" refFor="ch" refForName="FiveNodes_3"/>
+          <dgm:constr type="l" for="ch" forName="FiveNodes_3_text" refType="l" refFor="ch" refForName="FiveNodes_3"/>
+          <dgm:constr type="r" for="ch" forName="FiveNodes_4_text" refType="l" refFor="ch" refForName="FiveConn_3-4"/>
+          <dgm:constr type="t" for="ch" forName="FiveNodes_4_text" refType="t" refFor="ch" refForName="FiveNodes_4"/>
+          <dgm:constr type="b" for="ch" forName="FiveNodes_4_text" refType="b" refFor="ch" refForName="FiveNodes_4"/>
+          <dgm:constr type="l" for="ch" forName="FiveNodes_4_text" refType="l" refFor="ch" refForName="FiveNodes_4"/>
+          <dgm:constr type="r" for="ch" forName="FiveNodes_5_text" refType="l" refFor="ch" refForName="FiveConn_4-5"/>
+          <dgm:constr type="t" for="ch" forName="FiveNodes_5_text" refType="t" refFor="ch" refForName="FiveNodes_5"/>
+          <dgm:constr type="b" for="ch" forName="FiveNodes_5_text" refType="b" refFor="ch" refForName="FiveNodes_5"/>
+          <dgm:constr type="l" for="ch" forName="FiveNodes_5_text" refType="l" refFor="ch" refForName="FiveNodes_5"/>
+        </dgm:constrLst>
+      </dgm:if>
+      <dgm:else name="Name2">
+        <dgm:constrLst>
+          <dgm:constr type="primFontSz" for="ch" ptType="node" op="equ" val="65"/>
+          <dgm:constr type="w" for="ch" forName="dummyMaxCanvas" refType="w"/>
+          <dgm:constr type="h" for="ch" forName="dummyMaxCanvas" refType="h"/>
+          <dgm:constr type="w" for="ch" forName="OneNode_1" refType="w"/>
+          <dgm:constr type="h" for="ch" forName="OneNode_1" refType="h" fact="0.5"/>
+          <dgm:constr type="ctrY" for="ch" forName="OneNode_1" refType="h" fact="0.5"/>
+          <dgm:constr type="w" for="ch" forName="TwoNodes_1" refType="w" fact="0.85"/>
+          <dgm:constr type="h" for="ch" forName="TwoNodes_1" refType="h" fact="0.45"/>
+          <dgm:constr type="t" for="ch" forName="TwoNodes_1"/>
+          <dgm:constr type="r" for="ch" forName="TwoNodes_1" refType="w"/>
+          <dgm:constr type="w" for="ch" forName="TwoNodes_2" refType="w" fact="0.85"/>
+          <dgm:constr type="h" for="ch" forName="TwoNodes_2" refType="h" fact="0.45"/>
+          <dgm:constr type="b" for="ch" forName="TwoNodes_2" refType="h"/>
+          <dgm:constr type="l" for="ch" forName="TwoNodes_2"/>
+          <dgm:constr type="w" for="ch" forName="TwoConn_1-2" refType="h" refFor="ch" refForName="TwoNodes_1" fact="0.65"/>
+          <dgm:constr type="h" for="ch" forName="TwoConn_1-2" refType="h" refFor="ch" refForName="TwoNodes_1" fact="0.65"/>
+          <dgm:constr type="ctrY" for="ch" forName="TwoConn_1-2" refType="h" fact="0.5"/>
+          <dgm:constr type="l" for="ch" forName="TwoConn_1-2" refType="l" refFor="ch" refForName="TwoNodes_1"/>
+          <dgm:constr type="l" for="ch" forName="TwoNodes_1_text" refType="r" refFor="ch" refForName="TwoConn_1-2"/>
+          <dgm:constr type="lOff" for="ch" forName="TwoNodes_1_text" refType="w" refFor="ch" refForName="TwoConn_1-2" fact="0.5"/>
+          <dgm:constr type="t" for="ch" forName="TwoNodes_1_text" refType="t" refFor="ch" refForName="TwoNodes_1"/>
+          <dgm:constr type="b" for="ch" forName="TwoNodes_1_text" refType="b" refFor="ch" refForName="TwoNodes_1"/>
+          <dgm:constr type="r" for="ch" forName="TwoNodes_1_text" refType="r" refFor="ch" refForName="TwoNodes_1"/>
+          <dgm:constr type="l" for="ch" forName="TwoNodes_2_text" refType="r" refFor="ch" refForName="TwoConn_1-2"/>
+          <dgm:constr type="t" for="ch" forName="TwoNodes_2_text" refType="t" refFor="ch" refForName="TwoNodes_2"/>
+          <dgm:constr type="b" for="ch" forName="TwoNodes_2_text" refType="b" refFor="ch" refForName="TwoNodes_2"/>
+          <dgm:constr type="r" for="ch" forName="TwoNodes_2_text" refType="r" refFor="ch" refForName="TwoNodes_2"/>
+          <dgm:constr type="w" for="ch" forName="ThreeNodes_1" refType="w" fact="0.85"/>
+          <dgm:constr type="h" for="ch" forName="ThreeNodes_1" refType="h" fact="0.3"/>
+          <dgm:constr type="t" for="ch" forName="ThreeNodes_1"/>
+          <dgm:constr type="r" for="ch" forName="ThreeNodes_1" refType="w"/>
+          <dgm:constr type="w" for="ch" forName="ThreeNodes_2" refType="w" fact="0.85"/>
+          <dgm:constr type="h" for="ch" forName="ThreeNodes_2" refType="h" fact="0.3"/>
+          <dgm:constr type="ctrY" for="ch" forName="ThreeNodes_2" refType="h" fact="0.5"/>
+          <dgm:constr type="ctrX" for="ch" forName="ThreeNodes_2" refType="w" fact="0.5"/>
+          <dgm:constr type="w" for="ch" forName="ThreeNodes_3" refType="w" fact="0.85"/>
+          <dgm:constr type="h" for="ch" forName="ThreeNodes_3" refType="h" fact="0.3"/>
+          <dgm:constr type="b" for="ch" forName="ThreeNodes_3" refType="h"/>
+          <dgm:constr type="l" for="ch" forName="ThreeNodes_3"/>
+          <dgm:constr type="w" for="ch" forName="ThreeConn_1-2" refType="h" refFor="ch" refForName="ThreeNodes_1" fact="0.65"/>
+          <dgm:constr type="h" for="ch" forName="ThreeConn_1-2" refType="h" refFor="ch" refForName="ThreeNodes_1" fact="0.65"/>
+          <dgm:constr type="ctrY" for="ch" forName="ThreeConn_1-2" refType="h" fact="0.325"/>
+          <dgm:constr type="l" for="ch" forName="ThreeConn_1-2" refType="l" refFor="ch" refForName="ThreeNodes_1"/>
+          <dgm:constr type="w" for="ch" forName="ThreeConn_2-3" refType="h" refFor="ch" refForName="ThreeNodes_2" fact="0.65"/>
+          <dgm:constr type="h" for="ch" forName="ThreeConn_2-3" refType="h" refFor="ch" refForName="ThreeNodes_2" fact="0.65"/>
+          <dgm:constr type="ctrY" for="ch" forName="ThreeConn_2-3" refType="h" fact="0.673"/>
+          <dgm:constr type="l" for="ch" forName="ThreeConn_2-3" refType="l" refFor="ch" refForName="ThreeNodes_2"/>
+          <dgm:constr type="l" for="ch" forName="ThreeNodes_1_text" refType="r" refFor="ch" refForName="ThreeConn_1-2"/>
+          <dgm:constr type="lOff" for="ch" forName="ThreeNodes_1_text" refType="w" refFor="ch" refForName="ThreeConn_1-2" fact="0.55"/>
+          <dgm:constr type="t" for="ch" forName="ThreeNodes_1_text" refType="t" refFor="ch" refForName="ThreeNodes_1"/>
+          <dgm:constr type="b" for="ch" forName="ThreeNodes_1_text" refType="b" refFor="ch" refForName="ThreeNodes_1"/>
+          <dgm:constr type="r" for="ch" forName="ThreeNodes_1_text" refType="r" refFor="ch" refForName="ThreeNodes_1"/>
+          <dgm:constr type="l" for="ch" forName="ThreeNodes_2_text" refType="r" refFor="ch" refForName="ThreeConn_1-2"/>
+          <dgm:constr type="t" for="ch" forName="ThreeNodes_2_text" refType="t" refFor="ch" refForName="ThreeNodes_2"/>
+          <dgm:constr type="b" for="ch" forName="ThreeNodes_2_text" refType="b" refFor="ch" refForName="ThreeNodes_2"/>
+          <dgm:constr type="r" for="ch" forName="ThreeNodes_2_text" refType="r" refFor="ch" refForName="ThreeNodes_2"/>
+          <dgm:constr type="l" for="ch" forName="ThreeNodes_3_text" refType="r" refFor="ch" refForName="ThreeConn_2-3"/>
+          <dgm:constr type="t" for="ch" forName="ThreeNodes_3_text" refType="t" refFor="ch" refForName="ThreeNodes_3"/>
+          <dgm:constr type="b" for="ch" forName="ThreeNodes_3_text" refType="b" refFor="ch" refForName="ThreeNodes_3"/>
+          <dgm:constr type="r" for="ch" forName="ThreeNodes_3_text" refType="r" refFor="ch" refForName="ThreeNodes_3"/>
+          <dgm:constr type="w" for="ch" forName="FourNodes_1" refType="w" fact="0.8"/>
+          <dgm:constr type="h" for="ch" forName="FourNodes_1" refType="h" fact="0.22"/>
+          <dgm:constr type="t" for="ch" forName="FourNodes_1"/>
+          <dgm:constr type="r" for="ch" forName="FourNodes_1" refType="w"/>
+          <dgm:constr type="w" for="ch" forName="FourNodes_2" refType="w" fact="0.8"/>
+          <dgm:constr type="h" for="ch" forName="FourNodes_2" refType="h" fact="0.22"/>
+          <dgm:constr type="ctrY" for="ch" forName="FourNodes_2" refType="h" fact="0.37"/>
+          <dgm:constr type="ctrX" for="ch" forName="FourNodes_2" refType="w" fact="0.533"/>
+          <dgm:constr type="w" for="ch" forName="FourNodes_3" refType="w" fact="0.8"/>
+          <dgm:constr type="h" for="ch" forName="FourNodes_3" refType="h" fact="0.22"/>
+          <dgm:constr type="ctrY" for="ch" forName="FourNodes_3" refType="h" fact="0.63"/>
+          <dgm:constr type="ctrX" for="ch" forName="FourNodes_3" refType="w" fact="0.467"/>
+          <dgm:constr type="w" for="ch" forName="FourNodes_4" refType="w" fact="0.8"/>
+          <dgm:constr type="h" for="ch" forName="FourNodes_4" refType="h" fact="0.22"/>
+          <dgm:constr type="b" for="ch" forName="FourNodes_4" refType="h"/>
+          <dgm:constr type="l" for="ch" forName="FourNodes_4"/>
+          <dgm:constr type="w" for="ch" forName="FourConn_1-2" refType="h" refFor="ch" refForName="FourNodes_1" fact="0.65"/>
+          <dgm:constr type="h" for="ch" forName="FourConn_1-2" refType="h" refFor="ch" refForName="FourNodes_1" fact="0.65"/>
+          <dgm:constr type="ctrY" for="ch" forName="FourConn_1-2" refType="h" fact="0.24"/>
+          <dgm:constr type="l" for="ch" forName="FourConn_1-2" refType="l" refFor="ch" refForName="FourNodes_1"/>
+          <dgm:constr type="w" for="ch" forName="FourConn_2-3" refType="h" refFor="ch" refForName="FourNodes_2" fact="0.65"/>
+          <dgm:constr type="h" for="ch" forName="FourConn_2-3" refType="h" refFor="ch" refForName="FourNodes_2" fact="0.65"/>
+          <dgm:constr type="ctrY" for="ch" forName="FourConn_2-3" refType="h" fact="0.5"/>
+          <dgm:constr type="l" for="ch" forName="FourConn_2-3" refType="l" refFor="ch" refForName="FourNodes_2"/>
+          <dgm:constr type="w" for="ch" forName="FourConn_3-4" refType="h" refFor="ch" refForName="FourNodes_3" fact="0.65"/>
+          <dgm:constr type="h" for="ch" forName="FourConn_3-4" refType="h" refFor="ch" refForName="FourNodes_3" fact="0.65"/>
+          <dgm:constr type="ctrY" for="ch" forName="FourConn_3-4" refType="h" fact="0.76"/>
+          <dgm:constr type="l" for="ch" forName="FourConn_3-4" refType="l" refFor="ch" refForName="FourNodes_3"/>
+          <dgm:constr type="l" for="ch" forName="FourNodes_1_text" refType="r" refFor="ch" refForName="FourConn_1-2"/>
+          <dgm:constr type="lOff" for="ch" forName="FourNodes_1_text" refType="w" refFor="ch" refForName="FourConn_1-2" fact="0.69"/>
+          <dgm:constr type="t" for="ch" forName="FourNodes_1_text" refType="t" refFor="ch" refForName="FourNodes_1"/>
+          <dgm:constr type="b" for="ch" forName="FourNodes_1_text" refType="b" refFor="ch" refForName="FourNodes_1"/>
+          <dgm:constr type="r" for="ch" forName="FourNodes_1_text" refType="r" refFor="ch" refForName="FourNodes_1"/>
+          <dgm:constr type="l" for="ch" forName="FourNodes_2_text" refType="r" refFor="ch" refForName="FourConn_1-2"/>
+          <dgm:constr type="t" for="ch" forName="FourNodes_2_text" refType="t" refFor="ch" refForName="FourNodes_2"/>
+          <dgm:constr type="b" for="ch" forName="FourNodes_2_text" refType="b" refFor="ch" refForName="FourNodes_2"/>
+          <dgm:constr type="r" for="ch" forName="FourNodes_2_text" refType="r" refFor="ch" refForName="FourNodes_2"/>
+          <dgm:constr type="l" for="ch" forName="FourNodes_3_text" refType="r" refFor="ch" refForName="FourConn_2-3"/>
+          <dgm:constr type="t" for="ch" forName="FourNodes_3_text" refType="t" refFor="ch" refForName="FourNodes_3"/>
+          <dgm:constr type="b" for="ch" forName="FourNodes_3_text" refType="b" refFor="ch" refForName="FourNodes_3"/>
+          <dgm:constr type="r" for="ch" forName="FourNodes_3_text" refType="r" refFor="ch" refForName="FourNodes_3"/>
+          <dgm:constr type="l" for="ch" forName="FourNodes_4_text" refType="r" refFor="ch" refForName="FourConn_3-4"/>
+          <dgm:constr type="t" for="ch" forName="FourNodes_4_text" refType="t" refFor="ch" refForName="FourNodes_4"/>
+          <dgm:constr type="b" for="ch" forName="FourNodes_4_text" refType="b" refFor="ch" refForName="FourNodes_4"/>
+          <dgm:constr type="r" for="ch" forName="FourNodes_4_text" refType="r" refFor="ch" refForName="FourNodes_4"/>
+          <dgm:constr type="w" for="ch" forName="FiveNodes_1" refType="w" fact="0.77"/>
+          <dgm:constr type="h" for="ch" forName="FiveNodes_1" refType="h" fact="0.18"/>
+          <dgm:constr type="t" for="ch" forName="FiveNodes_1"/>
+          <dgm:constr type="r" for="ch" forName="FiveNodes_1" refType="w"/>
+          <dgm:constr type="w" for="ch" forName="FiveNodes_2" refType="w" fact="0.77"/>
+          <dgm:constr type="h" for="ch" forName="FiveNodes_2" refType="h" fact="0.18"/>
+          <dgm:constr type="ctrY" for="ch" forName="FiveNodes_2" refType="h" fact="0.295"/>
+          <dgm:constr type="ctrX" for="ch" forName="FiveNodes_2" refType="w" fact="0.5575"/>
+          <dgm:constr type="w" for="ch" forName="FiveNodes_3" refType="w" fact="0.77"/>
+          <dgm:constr type="h" for="ch" forName="FiveNodes_3" refType="h" fact="0.18"/>
+          <dgm:constr type="ctrY" for="ch" forName="FiveNodes_3" refType="h" fact="0.5"/>
+          <dgm:constr type="ctrX" for="ch" forName="FiveNodes_3" refType="w" fact="0.5"/>
+          <dgm:constr type="w" for="ch" forName="FiveNodes_4" refType="w" fact="0.77"/>
+          <dgm:constr type="h" for="ch" forName="FiveNodes_4" refType="h" fact="0.18"/>
+          <dgm:constr type="ctrY" for="ch" forName="FiveNodes_4" refType="h" fact="0.705"/>
+          <dgm:constr type="ctrX" for="ch" forName="FiveNodes_4" refType="w" fact="0.4425"/>
+          <dgm:constr type="w" for="ch" forName="FiveNodes_5" refType="w" fact="0.77"/>
+          <dgm:constr type="h" for="ch" forName="FiveNodes_5" refType="h" fact="0.18"/>
+          <dgm:constr type="b" for="ch" forName="FiveNodes_5" refType="h"/>
+          <dgm:constr type="l" for="ch" forName="FiveNodes_5"/>
+          <dgm:constr type="w" for="ch" forName="FiveConn_1-2" refType="h" refFor="ch" refForName="FiveNodes_1" fact="0.65"/>
+          <dgm:constr type="h" for="ch" forName="FiveConn_1-2" refType="h" refFor="ch" refForName="FiveNodes_1" fact="0.65"/>
+          <dgm:constr type="ctrY" for="ch" forName="FiveConn_1-2" refType="h" fact="0.19"/>
+          <dgm:constr type="l" for="ch" forName="FiveConn_1-2" refType="l" refFor="ch" refForName="FiveNodes_1"/>
+          <dgm:constr type="w" for="ch" forName="FiveConn_2-3" refType="h" refFor="ch" refForName="FiveNodes_2" fact="0.65"/>
+          <dgm:constr type="h" for="ch" forName="FiveConn_2-3" refType="h" refFor="ch" refForName="FiveNodes_2" fact="0.65"/>
+          <dgm:constr type="ctrY" for="ch" forName="FiveConn_2-3" refType="h" fact="0.395"/>
+          <dgm:constr type="l" for="ch" forName="FiveConn_2-3" refType="l" refFor="ch" refForName="FiveNodes_2"/>
+          <dgm:constr type="w" for="ch" forName="FiveConn_3-4" refType="h" refFor="ch" refForName="FiveNodes_3" fact="0.65"/>
+          <dgm:constr type="h" for="ch" forName="FiveConn_3-4" refType="h" refFor="ch" refForName="FiveNodes_3" fact="0.65"/>
+          <dgm:constr type="ctrY" for="ch" forName="FiveConn_3-4" refType="h" fact="0.597"/>
+          <dgm:constr type="l" for="ch" forName="FiveConn_3-4" refType="l" refFor="ch" refForName="FiveNodes_3"/>
+          <dgm:constr type="w" for="ch" forName="FiveConn_4-5" refType="h" refFor="ch" refForName="FiveNodes_4" fact="0.65"/>
+          <dgm:constr type="h" for="ch" forName="FiveConn_4-5" refType="h" refFor="ch" refForName="FiveNodes_4" fact="0.65"/>
+          <dgm:constr type="ctrY" for="ch" forName="FiveConn_4-5" refType="h" fact="0.804"/>
+          <dgm:constr type="l" for="ch" forName="FiveConn_4-5" refType="l" refFor="ch" refForName="FiveNodes_4"/>
+          <dgm:constr type="l" for="ch" forName="FiveNodes_1_text" refType="r" refFor="ch" refForName="FiveConn_1-2"/>
+          <dgm:constr type="lOff" for="ch" forName="FiveNodes_1_text" refType="w" refFor="ch" refForName="FiveConn_1-2" fact="0.73"/>
+          <dgm:constr type="t" for="ch" forName="FiveNodes_1_text" refType="t" refFor="ch" refForName="FiveNodes_1"/>
+          <dgm:constr type="b" for="ch" forName="FiveNodes_1_text" refType="b" refFor="ch" refForName="FiveNodes_1"/>
+          <dgm:constr type="r" for="ch" forName="FiveNodes_1_text" refType="r" refFor="ch" refForName="FiveNodes_1"/>
+          <dgm:constr type="l" for="ch" forName="FiveNodes_2_text" refType="r" refFor="ch" refForName="FiveConn_1-2"/>
+          <dgm:constr type="t" for="ch" forName="FiveNodes_2_text" refType="t" refFor="ch" refForName="FiveNodes_2"/>
+          <dgm:constr type="b" for="ch" forName="FiveNodes_2_text" refType="b" refFor="ch" refForName="FiveNodes_2"/>
+          <dgm:constr type="r" for="ch" forName="FiveNodes_2_text" refType="r" refFor="ch" refForName="FiveNodes_2"/>
+          <dgm:constr type="l" for="ch" forName="FiveNodes_3_text" refType="r" refFor="ch" refForName="FiveConn_2-3"/>
+          <dgm:constr type="t" for="ch" forName="FiveNodes_3_text" refType="t" refFor="ch" refForName="FiveNodes_3"/>
+          <dgm:constr type="b" for="ch" forName="FiveNodes_3_text" refType="b" refFor="ch" refForName="FiveNodes_3"/>
+          <dgm:constr type="r" for="ch" forName="FiveNodes_3_text" refType="r" refFor="ch" refForName="FiveNodes_3"/>
+          <dgm:constr type="l" for="ch" forName="FiveNodes_4_text" refType="r" refFor="ch" refForName="FiveConn_3-4"/>
+          <dgm:constr type="t" for="ch" forName="FiveNodes_4_text" refType="t" refFor="ch" refForName="FiveNodes_4"/>
+          <dgm:constr type="b" for="ch" forName="FiveNodes_4_text" refType="b" refFor="ch" refForName="FiveNodes_4"/>
+          <dgm:constr type="r" for="ch" forName="FiveNodes_4_text" refType="r" refFor="ch" refForName="FiveNodes_4"/>
+          <dgm:constr type="l" for="ch" forName="FiveNodes_5_text" refType="r" refFor="ch" refForName="FiveConn_4-5"/>
+          <dgm:constr type="t" for="ch" forName="FiveNodes_5_text" refType="t" refFor="ch" refForName="FiveNodes_5"/>
+          <dgm:constr type="b" for="ch" forName="FiveNodes_5_text" refType="b" refFor="ch" refForName="FiveNodes_5"/>
+          <dgm:constr type="r" for="ch" forName="FiveNodes_5_text" refType="r" refFor="ch" refForName="FiveNodes_5"/>
+        </dgm:constrLst>
+      </dgm:else>
+    </dgm:choose>
+    <dgm:ruleLst/>
+    <dgm:layoutNode name="dummyMaxCanvas">
+      <dgm:varLst/>
+      <dgm:alg type="sp"/>
+      <dgm:shape xmlns:r="http://schemas.openxmlformats.org/officeDocument/2006/relationships" r:blip="">
+        <dgm:adjLst/>
+      </dgm:shape>
+      <dgm:presOf/>
+      <dgm:constrLst/>
+      <dgm:ruleLst/>
+    </dgm:layoutNode>
+    <dgm:choose name="Name3">
+      <dgm:if name="Name4" axis="ch" ptType="node" func="cnt" op="equ" val="1">
+        <dgm:layoutNode name="OneNode_1">
+          <dgm:varLst>
+            <dgm:bulletEnabled val="1"/>
+          </dgm:varLst>
+          <dgm:alg type="tx"/>
+          <dgm:shape xmlns:r="http://schemas.openxmlformats.org/officeDocument/2006/relationships" type="roundRect" r:blip="">
+            <dgm:adjLst>
+              <dgm:adj idx="1" val="0.1"/>
+            </dgm:adjLst>
+          </dgm:shape>
+          <dgm:presOf axis="ch desOrSelf" ptType="node node" st="1 1" cnt="1 0"/>
+          <dgm:constrLst>
+            <dgm:constr type="lMarg" refType="primFontSz" fact="0.3"/>
+            <dgm:constr type="rMarg" refType="primFontSz" fact="0.3"/>
+            <dgm:constr type="tMarg" refType="primFontSz" fact="0.3"/>
+            <dgm:constr type="bMarg" refType="primFontSz" fact="0.3"/>
+          </dgm:constrLst>
+          <dgm:ruleLst>
+            <dgm:rule type="primFontSz" val="5" fact="NaN" max="NaN"/>
+          </dgm:ruleLst>
+        </dgm:layoutNode>
+      </dgm:if>
+      <dgm:else name="Name5">
+        <dgm:choose name="Name6">
+          <dgm:if name="Name7" axis="ch" ptType="node" func="cnt" op="equ" val="2">
+            <dgm:layoutNode name="TwoNodes_1">
+              <dgm:varLst>
+                <dgm:bulletEnabled val="1"/>
+              </dgm:varLst>
+              <dgm:alg type="sp"/>
+              <dgm:shape xmlns:r="http://schemas.openxmlformats.org/officeDocument/2006/relationships" type="roundRect" r:blip="">
+                <dgm:adjLst>
+                  <dgm:adj idx="1" val="0.1"/>
+                </dgm:adjLst>
+              </dgm:shape>
+              <dgm:presOf axis="ch desOrSelf" ptType="node node" st="1 1" cnt="1 0"/>
+              <dgm:constrLst/>
+              <dgm:ruleLst/>
+            </dgm:layoutNode>
+            <dgm:layoutNode name="TwoNodes_2">
+              <dgm:varLst>
+                <dgm:bulletEnabled val="1"/>
+              </dgm:varLst>
+              <dgm:alg type="sp"/>
+              <dgm:shape xmlns:r="http://schemas.openxmlformats.org/officeDocument/2006/relationships" type="roundRect" r:blip="">
+                <dgm:adjLst>
+                  <dgm:adj idx="1" val="0.1"/>
+                </dgm:adjLst>
+              </dgm:shape>
+              <dgm:presOf axis="ch desOrSelf" ptType="node node" st="2 1" cnt="1 0"/>
+              <dgm:constrLst/>
+              <dgm:ruleLst/>
+            </dgm:layoutNode>
+            <dgm:layoutNode name="TwoConn_1-2" styleLbl="fgAccFollowNode1">
+              <dgm:varLst>
+                <dgm:bulletEnabled val="1"/>
+              </dgm:varLst>
+              <dgm:alg type="tx"/>
+              <dgm:shape xmlns:r="http://schemas.openxmlformats.org/officeDocument/2006/relationships" type="downArrow" r:blip="">
+                <dgm:adjLst>
+                  <dgm:adj idx="1" val="0.55"/>
+                  <dgm:adj idx="2" val="0.45"/>
+                </dgm:adjLst>
+              </dgm:shape>
+              <dgm:presOf axis="ch" ptType="sibTrans" cnt="1"/>
+              <dgm:constrLst>
+                <dgm:constr type="lMarg" refType="primFontSz" fact="0.1"/>
+                <dgm:constr type="rMarg" refType="primFontSz" fact="0.1"/>
+                <dgm:constr type="tMarg" refType="primFontSz" fact="0.1"/>
+                <dgm:constr type="bMarg" refType="primFontSz" fact="0.1"/>
+              </dgm:constrLst>
+              <dgm:ruleLst>
+                <dgm:rule type="primFontSz" val="5" fact="NaN" max="NaN"/>
+              </dgm:ruleLst>
+            </dgm:layoutNode>
+            <dgm:layoutNode name="TwoNodes_1_text">
+              <dgm:varLst>
+                <dgm:bulletEnabled val="1"/>
+              </dgm:varLst>
+              <dgm:alg type="tx">
+                <dgm:param type="parTxLTRAlign" val="l"/>
+                <dgm:param type="txAnchorVertCh" val="mid"/>
+              </dgm:alg>
+              <dgm:shape xmlns:r="http://schemas.openxmlformats.org/officeDocument/2006/relationships" type="roundRect" r:blip="" hideGeom="1">
+                <dgm:adjLst>
+                  <dgm:adj idx="1" val="0.1"/>
+                </dgm:adjLst>
+              </dgm:shape>
+              <dgm:presOf axis="ch desOrSelf" ptType="node node" st="1 1" cnt="1 0"/>
+              <dgm:constrLst>
+                <dgm:constr type="lMarg" refType="primFontSz" fact="0.3"/>
+                <dgm:constr type="rMarg" refType="primFontSz" fact="0.3"/>
+                <dgm:constr type="tMarg" refType="primFontSz" fact="0.3"/>
+                <dgm:constr type="bMarg" refType="primFontSz" fact="0.3"/>
+              </dgm:constrLst>
+              <dgm:ruleLst>
+                <dgm:rule type="primFontSz" val="5" fact="NaN" max="NaN"/>
+              </dgm:ruleLst>
+            </dgm:layoutNode>
+            <dgm:layoutNode name="TwoNodes_2_text">
+              <dgm:varLst>
+                <dgm:bulletEnabled val="1"/>
+              </dgm:varLst>
+              <dgm:alg type="tx">
+                <dgm:param type="parTxLTRAlign" val="l"/>
+                <dgm:param type="txAnchorVertCh" val="mid"/>
+              </dgm:alg>
+              <dgm:shape xmlns:r="http://schemas.openxmlformats.org/officeDocument/2006/relationships" type="roundRect" r:blip="" hideGeom="1">
+                <dgm:adjLst>
+                  <dgm:adj idx="1" val="0.1"/>
+                </dgm:adjLst>
+              </dgm:shape>
+              <dgm:presOf axis="ch desOrSelf" ptType="node node" st="2 1" cnt="1 0"/>
+              <dgm:constrLst>
+                <dgm:constr type="lMarg" refType="primFontSz" fact="0.3"/>
+                <dgm:constr type="rMarg" refType="primFontSz" fact="0.3"/>
+                <dgm:constr type="tMarg" refType="primFontSz" fact="0.3"/>
+                <dgm:constr type="bMarg" refType="primFontSz" fact="0.3"/>
+              </dgm:constrLst>
+              <dgm:ruleLst>
+                <dgm:rule type="primFontSz" val="5" fact="NaN" max="NaN"/>
+              </dgm:ruleLst>
+            </dgm:layoutNode>
+          </dgm:if>
+          <dgm:else name="Name8">
+            <dgm:choose name="Name9">
+              <dgm:if name="Name10" axis="ch" ptType="node" func="cnt" op="equ" val="3">
+                <dgm:layoutNode name="ThreeNodes_1">
+                  <dgm:varLst>
+                    <dgm:bulletEnabled val="1"/>
+                  </dgm:varLst>
+                  <dgm:alg type="sp"/>
+                  <dgm:shape xmlns:r="http://schemas.openxmlformats.org/officeDocument/2006/relationships" type="roundRect" r:blip="">
+                    <dgm:adjLst>
+                      <dgm:adj idx="1" val="0.1"/>
+                    </dgm:adjLst>
+                  </dgm:shape>
+                  <dgm:presOf axis="ch desOrSelf" ptType="node node" st="1 1" cnt="1 0"/>
+                  <dgm:constrLst/>
+                  <dgm:ruleLst/>
+                </dgm:layoutNode>
+                <dgm:layoutNode name="ThreeNodes_2">
+                  <dgm:varLst>
+                    <dgm:bulletEnabled val="1"/>
+                  </dgm:varLst>
+                  <dgm:alg type="sp"/>
+                  <dgm:shape xmlns:r="http://schemas.openxmlformats.org/officeDocument/2006/relationships" type="roundRect" r:blip="">
+                    <dgm:adjLst>
+                      <dgm:adj idx="1" val="0.1"/>
+                    </dgm:adjLst>
+                  </dgm:shape>
+                  <dgm:presOf axis="ch desOrSelf" ptType="node node" st="2 1" cnt="1 0"/>
+                  <dgm:constrLst/>
+                  <dgm:ruleLst/>
+                </dgm:layoutNode>
+                <dgm:layoutNode name="ThreeNodes_3">
+                  <dgm:varLst>
+                    <dgm:bulletEnabled val="1"/>
+                  </dgm:varLst>
+                  <dgm:alg type="sp"/>
+                  <dgm:shape xmlns:r="http://schemas.openxmlformats.org/officeDocument/2006/relationships" type="roundRect" r:blip="">
+                    <dgm:adjLst>
+                      <dgm:adj idx="1" val="0.1"/>
+                    </dgm:adjLst>
+                  </dgm:shape>
+                  <dgm:presOf axis="ch desOrSelf" ptType="node node" st="3 1" cnt="1 0"/>
+                  <dgm:constrLst/>
+                  <dgm:ruleLst/>
+                </dgm:layoutNode>
+                <dgm:layoutNode name="ThreeConn_1-2" styleLbl="fgAccFollowNode1">
+                  <dgm:varLst>
+                    <dgm:bulletEnabled val="1"/>
+                  </dgm:varLst>
+                  <dgm:alg type="tx"/>
+                  <dgm:shape xmlns:r="http://schemas.openxmlformats.org/officeDocument/2006/relationships" type="downArrow" r:blip="">
+                    <dgm:adjLst>
+                      <dgm:adj idx="1" val="0.55"/>
+                      <dgm:adj idx="2" val="0.45"/>
+                    </dgm:adjLst>
+                  </dgm:shape>
+                  <dgm:presOf axis="ch" ptType="sibTrans" cnt="1"/>
+                  <dgm:constrLst>
+                    <dgm:constr type="lMarg" refType="primFontSz" fact="0.1"/>
+                    <dgm:constr type="rMarg" refType="primFontSz" fact="0.1"/>
+                    <dgm:constr type="tMarg" refType="primFontSz" fact="0.1"/>
+                    <dgm:constr type="bMarg" refType="primFontSz" fact="0.1"/>
+                  </dgm:constrLst>
+                  <dgm:ruleLst>
+                    <dgm:rule type="primFontSz" val="5" fact="NaN" max="NaN"/>
+                  </dgm:ruleLst>
+                </dgm:layoutNode>
+                <dgm:layoutNode name="ThreeConn_2-3" styleLbl="fgAccFollowNode1">
+                  <dgm:varLst>
+                    <dgm:bulletEnabled val="1"/>
+                  </dgm:varLst>
+                  <dgm:alg type="tx"/>
+                  <dgm:shape xmlns:r="http://schemas.openxmlformats.org/officeDocument/2006/relationships" type="downArrow" r:blip="">
+                    <dgm:adjLst>
+                      <dgm:adj idx="1" val="0.55"/>
+                      <dgm:adj idx="2" val="0.45"/>
+                    </dgm:adjLst>
+                  </dgm:shape>
+                  <dgm:presOf axis="ch" ptType="sibTrans" st="2" cnt="1"/>
+                  <dgm:constrLst>
+                    <dgm:constr type="lMarg" refType="primFontSz" fact="0.1"/>
+                    <dgm:constr type="rMarg" refType="primFontSz" fact="0.1"/>
+                    <dgm:constr type="tMarg" refType="primFontSz" fact="0.1"/>
+                    <dgm:constr type="bMarg" refType="primFontSz" fact="0.1"/>
+                  </dgm:constrLst>
+                  <dgm:ruleLst>
+                    <dgm:rule type="primFontSz" val="5" fact="NaN" max="NaN"/>
+                  </dgm:ruleLst>
+                </dgm:layoutNode>
+                <dgm:layoutNode name="ThreeNodes_1_text">
+                  <dgm:varLst>
+                    <dgm:bulletEnabled val="1"/>
+                  </dgm:varLst>
+                  <dgm:alg type="tx">
+                    <dgm:param type="parTxLTRAlign" val="l"/>
+                    <dgm:param type="txAnchorVertCh" val="mid"/>
+                  </dgm:alg>
+                  <dgm:shape xmlns:r="http://schemas.openxmlformats.org/officeDocument/2006/relationships" type="roundRect" r:blip="" hideGeom="1">
+                    <dgm:adjLst>
+                      <dgm:adj idx="1" val="0.1"/>
+                    </dgm:adjLst>
+                  </dgm:shape>
+                  <dgm:presOf axis="ch desOrSelf" ptType="node node" st="1 1" cnt="1 0"/>
+                  <dgm:constrLst>
+                    <dgm:constr type="lMarg" refType="primFontSz" fact="0.3"/>
+                    <dgm:constr type="rMarg" refType="primFontSz" fact="0.3"/>
+                    <dgm:constr type="tMarg" refType="primFontSz" fact="0.3"/>
+                    <dgm:constr type="bMarg" refType="primFontSz" fact="0.3"/>
+                  </dgm:constrLst>
+                  <dgm:ruleLst>
+                    <dgm:rule type="primFontSz" val="5" fact="NaN" max="NaN"/>
+                  </dgm:ruleLst>
+                </dgm:layoutNode>
+                <dgm:layoutNode name="ThreeNodes_2_text">
+                  <dgm:varLst>
+                    <dgm:bulletEnabled val="1"/>
+                  </dgm:varLst>
+                  <dgm:alg type="tx">
+                    <dgm:param type="parTxLTRAlign" val="l"/>
+                    <dgm:param type="txAnchorVertCh" val="mid"/>
+                  </dgm:alg>
+                  <dgm:shape xmlns:r="http://schemas.openxmlformats.org/officeDocument/2006/relationships" type="roundRect" r:blip="" hideGeom="1">
+                    <dgm:adjLst>
+                      <dgm:adj idx="1" val="0.1"/>
+                    </dgm:adjLst>
+                  </dgm:shape>
+                  <dgm:presOf axis="ch desOrSelf" ptType="node node" st="2 1" cnt="1 0"/>
+                  <dgm:constrLst>
+                    <dgm:constr type="lMarg" refType="primFontSz" fact="0.3"/>
+                    <dgm:constr type="rMarg" refType="primFontSz" fact="0.3"/>
+                    <dgm:constr type="tMarg" refType="primFontSz" fact="0.3"/>
+                    <dgm:constr type="bMarg" refType="primFontSz" fact="0.3"/>
+                  </dgm:constrLst>
+                  <dgm:ruleLst>
+                    <dgm:rule type="primFontSz" val="5" fact="NaN" max="NaN"/>
+                  </dgm:ruleLst>
+                </dgm:layoutNode>
+                <dgm:layoutNode name="ThreeNodes_3_text">
+                  <dgm:varLst>
+                    <dgm:bulletEnabled val="1"/>
+                  </dgm:varLst>
+                  <dgm:alg type="tx">
+                    <dgm:param type="parTxLTRAlign" val="l"/>
+                    <dgm:param type="txAnchorVertCh" val="mid"/>
+                  </dgm:alg>
+                  <dgm:shape xmlns:r="http://schemas.openxmlformats.org/officeDocument/2006/relationships" type="roundRect" r:blip="" hideGeom="1">
+                    <dgm:adjLst>
+                      <dgm:adj idx="1" val="0.1"/>
+                    </dgm:adjLst>
+                  </dgm:shape>
+                  <dgm:presOf axis="ch desOrSelf" ptType="node node" st="3 1" cnt="1 0"/>
+                  <dgm:constrLst>
+                    <dgm:constr type="lMarg" refType="primFontSz" fact="0.3"/>
+                    <dgm:constr type="rMarg" refType="primFontSz" fact="0.3"/>
+                    <dgm:constr type="tMarg" refType="primFontSz" fact="0.3"/>
+                    <dgm:constr type="bMarg" refType="primFontSz" fact="0.3"/>
+                  </dgm:constrLst>
+                  <dgm:ruleLst>
+                    <dgm:rule type="primFontSz" val="5" fact="NaN" max="NaN"/>
+                  </dgm:ruleLst>
+                </dgm:layoutNode>
+              </dgm:if>
+              <dgm:else name="Name11">
+                <dgm:choose name="Name12">
+                  <dgm:if name="Name13" axis="ch" ptType="node" func="cnt" op="equ" val="4">
+                    <dgm:layoutNode name="FourNodes_1">
+                      <dgm:varLst>
+                        <dgm:bulletEnabled val="1"/>
+                      </dgm:varLst>
+                      <dgm:alg type="sp"/>
+                      <dgm:shape xmlns:r="http://schemas.openxmlformats.org/officeDocument/2006/relationships" type="roundRect" r:blip="">
+                        <dgm:adjLst>
+                          <dgm:adj idx="1" val="0.1"/>
+                        </dgm:adjLst>
+                      </dgm:shape>
+                      <dgm:presOf axis="ch desOrSelf" ptType="node node" st="1 1" cnt="1 0"/>
+                      <dgm:constrLst/>
+                      <dgm:ruleLst/>
+                    </dgm:layoutNode>
+                    <dgm:layoutNode name="FourNodes_2">
+                      <dgm:varLst>
+                        <dgm:bulletEnabled val="1"/>
+                      </dgm:varLst>
+                      <dgm:alg type="sp"/>
+                      <dgm:shape xmlns:r="http://schemas.openxmlformats.org/officeDocument/2006/relationships" type="roundRect" r:blip="">
+                        <dgm:adjLst>
+                          <dgm:adj idx="1" val="0.1"/>
+                        </dgm:adjLst>
+                      </dgm:shape>
+                      <dgm:presOf axis="ch desOrSelf" ptType="node node" st="2 1" cnt="1 0"/>
+                      <dgm:constrLst/>
+                      <dgm:ruleLst/>
+                    </dgm:layoutNode>
+                    <dgm:layoutNode name="FourNodes_3">
+                      <dgm:varLst>
+                        <dgm:bulletEnabled val="1"/>
+                      </dgm:varLst>
+                      <dgm:alg type="sp"/>
+                      <dgm:shape xmlns:r="http://schemas.openxmlformats.org/officeDocument/2006/relationships" type="roundRect" r:blip="">
+                        <dgm:adjLst>
+                          <dgm:adj idx="1" val="0.1"/>
+                        </dgm:adjLst>
+                      </dgm:shape>
+                      <dgm:presOf axis="ch desOrSelf" ptType="node node" st="3 1" cnt="1 0"/>
+                      <dgm:constrLst/>
+                      <dgm:ruleLst/>
+                    </dgm:layoutNode>
+                    <dgm:layoutNode name="FourNodes_4">
+                      <dgm:varLst>
+                        <dgm:bulletEnabled val="1"/>
+                      </dgm:varLst>
+                      <dgm:alg type="sp"/>
+                      <dgm:shape xmlns:r="http://schemas.openxmlformats.org/officeDocument/2006/relationships" type="roundRect" r:blip="">
+                        <dgm:adjLst>
+                          <dgm:adj idx="1" val="0.1"/>
+                        </dgm:adjLst>
+                      </dgm:shape>
+                      <dgm:presOf axis="ch desOrSelf" ptType="node node" st="4 1" cnt="1 0"/>
+                      <dgm:constrLst/>
+                      <dgm:ruleLst/>
+                    </dgm:layoutNode>
+                    <dgm:layoutNode name="FourConn_1-2" styleLbl="fgAccFollowNode1">
+                      <dgm:varLst>
+                        <dgm:bulletEnabled val="1"/>
+                      </dgm:varLst>
+                      <dgm:alg type="tx"/>
+                      <dgm:shape xmlns:r="http://schemas.openxmlformats.org/officeDocument/2006/relationships" type="downArrow" r:blip="">
+                        <dgm:adjLst>
+                          <dgm:adj idx="1" val="0.55"/>
+                          <dgm:adj idx="2" val="0.45"/>
+                        </dgm:adjLst>
+                      </dgm:shape>
+                      <dgm:presOf axis="ch" ptType="sibTrans" cnt="1"/>
+                      <dgm:constrLst>
+                        <dgm:constr type="lMarg" refType="primFontSz" fact="0.1"/>
+                        <dgm:constr type="rMarg" refType="primFontSz" fact="0.1"/>
+                        <dgm:constr type="tMarg" refType="primFontSz" fact="0.1"/>
+                        <dgm:constr type="bMarg" refType="primFontSz" fact="0.1"/>
+                      </dgm:constrLst>
+                      <dgm:ruleLst>
+                        <dgm:rule type="primFontSz" val="5" fact="NaN" max="NaN"/>
+                      </dgm:ruleLst>
+                    </dgm:layoutNode>
+                    <dgm:layoutNode name="FourConn_2-3" styleLbl="fgAccFollowNode1">
+                      <dgm:varLst>
+                        <dgm:bulletEnabled val="1"/>
+                      </dgm:varLst>
+                      <dgm:alg type="tx"/>
+                      <dgm:shape xmlns:r="http://schemas.openxmlformats.org/officeDocument/2006/relationships" type="downArrow" r:blip="">
+                        <dgm:adjLst>
+                          <dgm:adj idx="1" val="0.55"/>
+                          <dgm:adj idx="2" val="0.45"/>
+                        </dgm:adjLst>
+                      </dgm:shape>
+                      <dgm:presOf axis="ch" ptType="sibTrans" st="2" cnt="1"/>
+                      <dgm:constrLst>
+                        <dgm:constr type="lMarg" refType="primFontSz" fact="0.1"/>
+                        <dgm:constr type="rMarg" refType="primFontSz" fact="0.1"/>
+                        <dgm:constr type="tMarg" refType="primFontSz" fact="0.1"/>
+                        <dgm:constr type="bMarg" refType="primFontSz" fact="0.1"/>
+                      </dgm:constrLst>
+                      <dgm:ruleLst>
+                        <dgm:rule type="primFontSz" val="5" fact="NaN" max="NaN"/>
+                      </dgm:ruleLst>
+                    </dgm:layoutNode>
+                    <dgm:layoutNode name="FourConn_3-4" styleLbl="fgAccFollowNode1">
+                      <dgm:varLst>
+                        <dgm:bulletEnabled val="1"/>
+                      </dgm:varLst>
+                      <dgm:alg type="tx"/>
+                      <dgm:shape xmlns:r="http://schemas.openxmlformats.org/officeDocument/2006/relationships" type="downArrow" r:blip="">
+                        <dgm:adjLst>
+                          <dgm:adj idx="1" val="0.55"/>
+                          <dgm:adj idx="2" val="0.45"/>
+                        </dgm:adjLst>
+                      </dgm:shape>
+                      <dgm:presOf axis="ch" ptType="sibTrans" st="3" cnt="1"/>
+                      <dgm:constrLst>
+                        <dgm:constr type="lMarg" refType="primFontSz" fact="0.1"/>
+                        <dgm:constr type="rMarg" refType="primFontSz" fact="0.1"/>
+                        <dgm:constr type="tMarg" refType="primFontSz" fact="0.1"/>
+                        <dgm:constr type="bMarg" refType="primFontSz" fact="0.1"/>
+                      </dgm:constrLst>
+                      <dgm:ruleLst>
+                        <dgm:rule type="primFontSz" val="5" fact="NaN" max="NaN"/>
+                      </dgm:ruleLst>
+                    </dgm:layoutNode>
+                    <dgm:layoutNode name="FourNodes_1_text">
+                      <dgm:varLst>
+                        <dgm:bulletEnabled val="1"/>
+                      </dgm:varLst>
+                      <dgm:alg type="tx">
+                        <dgm:param type="parTxLTRAlign" val="l"/>
+                        <dgm:param type="txAnchorVertCh" val="mid"/>
+                      </dgm:alg>
+                      <dgm:shape xmlns:r="http://schemas.openxmlformats.org/officeDocument/2006/relationships" type="roundRect" r:blip="" hideGeom="1">
+                        <dgm:adjLst>
+                          <dgm:adj idx="1" val="0.1"/>
+                        </dgm:adjLst>
+                      </dgm:shape>
+                      <dgm:presOf axis="ch desOrSelf" ptType="node node" st="1 1" cnt="1 0"/>
+                      <dgm:constrLst>
+                        <dgm:constr type="lMarg" refType="primFontSz" fact="0.3"/>
+                        <dgm:constr type="rMarg" refType="primFontSz" fact="0.3"/>
+                        <dgm:constr type="tMarg" refType="primFontSz" fact="0.3"/>
+                        <dgm:constr type="bMarg" refType="primFontSz" fact="0.3"/>
+                      </dgm:constrLst>
+                      <dgm:ruleLst>
+                        <dgm:rule type="primFontSz" val="5" fact="NaN" max="NaN"/>
+                      </dgm:ruleLst>
+                    </dgm:layoutNode>
+                    <dgm:layoutNode name="FourNodes_2_text">
+                      <dgm:varLst>
+                        <dgm:bulletEnabled val="1"/>
+                      </dgm:varLst>
+                      <dgm:alg type="tx">
+                        <dgm:param type="parTxLTRAlign" val="l"/>
+                        <dgm:param type="txAnchorVertCh" val="mid"/>
+                      </dgm:alg>
+                      <dgm:shape xmlns:r="http://schemas.openxmlformats.org/officeDocument/2006/relationships" type="roundRect" r:blip="" hideGeom="1">
+                        <dgm:adjLst>
+                          <dgm:adj idx="1" val="0.1"/>
+                        </dgm:adjLst>
+                      </dgm:shape>
+                      <dgm:presOf axis="ch desOrSelf" ptType="node node" st="2 1" cnt="1 0"/>
+                      <dgm:constrLst>
+                        <dgm:constr type="lMarg" refType="primFontSz" fact="0.3"/>
+                        <dgm:constr type="rMarg" refType="primFontSz" fact="0.3"/>
+                        <dgm:constr type="tMarg" refType="primFontSz" fact="0.3"/>
+                        <dgm:constr type="bMarg" refType="primFontSz" fact="0.3"/>
+                      </dgm:constrLst>
+                      <dgm:ruleLst>
+                        <dgm:rule type="primFontSz" val="5" fact="NaN" max="NaN"/>
+                      </dgm:ruleLst>
+                    </dgm:layoutNode>
+                    <dgm:layoutNode name="FourNodes_3_text">
+                      <dgm:varLst>
+                        <dgm:bulletEnabled val="1"/>
+                      </dgm:varLst>
+                      <dgm:alg type="tx">
+                        <dgm:param type="parTxLTRAlign" val="l"/>
+                        <dgm:param type="txAnchorVertCh" val="mid"/>
+                      </dgm:alg>
+                      <dgm:shape xmlns:r="http://schemas.openxmlformats.org/officeDocument/2006/relationships" type="roundRect" r:blip="" hideGeom="1">
+                        <dgm:adjLst>
+                          <dgm:adj idx="1" val="0.1"/>
+                        </dgm:adjLst>
+                      </dgm:shape>
+                      <dgm:presOf axis="ch desOrSelf" ptType="node node" st="3 1" cnt="1 0"/>
+                      <dgm:constrLst>
+                        <dgm:constr type="lMarg" refType="primFontSz" fact="0.3"/>
+                        <dgm:constr type="rMarg" refType="primFontSz" fact="0.3"/>
+                        <dgm:constr type="tMarg" refType="primFontSz" fact="0.3"/>
+                        <dgm:constr type="bMarg" refType="primFontSz" fact="0.3"/>
+                      </dgm:constrLst>
+                      <dgm:ruleLst>
+                        <dgm:rule type="primFontSz" val="5" fact="NaN" max="NaN"/>
+                      </dgm:ruleLst>
+                    </dgm:layoutNode>
+                    <dgm:layoutNode name="FourNodes_4_text">
+                      <dgm:varLst>
+                        <dgm:bulletEnabled val="1"/>
+                      </dgm:varLst>
+                      <dgm:alg type="tx">
+                        <dgm:param type="parTxLTRAlign" val="l"/>
+                        <dgm:param type="txAnchorVertCh" val="mid"/>
+                      </dgm:alg>
+                      <dgm:shape xmlns:r="http://schemas.openxmlformats.org/officeDocument/2006/relationships" type="roundRect" r:blip="" hideGeom="1">
+                        <dgm:adjLst>
+                          <dgm:adj idx="1" val="0.1"/>
+                        </dgm:adjLst>
+                      </dgm:shape>
+                      <dgm:presOf axis="ch desOrSelf" ptType="node node" st="4 1" cnt="1 0"/>
+                      <dgm:constrLst>
+                        <dgm:constr type="lMarg" refType="primFontSz" fact="0.3"/>
+                        <dgm:constr type="rMarg" refType="primFontSz" fact="0.3"/>
+                        <dgm:constr type="tMarg" refType="primFontSz" fact="0.3"/>
+                        <dgm:constr type="bMarg" refType="primFontSz" fact="0.3"/>
+                      </dgm:constrLst>
+                      <dgm:ruleLst>
+                        <dgm:rule type="primFontSz" val="5" fact="NaN" max="NaN"/>
+                      </dgm:ruleLst>
+                    </dgm:layoutNode>
+                  </dgm:if>
+                  <dgm:else name="Name14">
+                    <dgm:choose name="Name15">
+                      <dgm:if name="Name16" axis="ch" ptType="node" func="cnt" op="gte" val="5">
+                        <dgm:layoutNode name="FiveNodes_1">
+                          <dgm:varLst>
+                            <dgm:bulletEnabled val="1"/>
+                          </dgm:varLst>
+                          <dgm:alg type="sp"/>
+                          <dgm:shape xmlns:r="http://schemas.openxmlformats.org/officeDocument/2006/relationships" type="roundRect" r:blip="">
+                            <dgm:adjLst>
+                              <dgm:adj idx="1" val="0.1"/>
+                            </dgm:adjLst>
+                          </dgm:shape>
+                          <dgm:presOf axis="ch desOrSelf" ptType="node node" st="1 1" cnt="1 0"/>
+                          <dgm:constrLst/>
+                          <dgm:ruleLst/>
+                        </dgm:layoutNode>
+                        <dgm:layoutNode name="FiveNodes_2">
+                          <dgm:varLst>
+                            <dgm:bulletEnabled val="1"/>
+                          </dgm:varLst>
+                          <dgm:alg type="sp"/>
+                          <dgm:shape xmlns:r="http://schemas.openxmlformats.org/officeDocument/2006/relationships" type="roundRect" r:blip="">
+                            <dgm:adjLst>
+                              <dgm:adj idx="1" val="0.1"/>
+                            </dgm:adjLst>
+                          </dgm:shape>
+                          <dgm:presOf axis="ch desOrSelf" ptType="node node" st="2 1" cnt="1 0"/>
+                          <dgm:constrLst/>
+                          <dgm:ruleLst/>
+                        </dgm:layoutNode>
+                        <dgm:layoutNode name="FiveNodes_3">
+                          <dgm:varLst>
+                            <dgm:bulletEnabled val="1"/>
+                          </dgm:varLst>
+                          <dgm:alg type="sp"/>
+                          <dgm:shape xmlns:r="http://schemas.openxmlformats.org/officeDocument/2006/relationships" type="roundRect" r:blip="">
+                            <dgm:adjLst>
+                              <dgm:adj idx="1" val="0.1"/>
+                            </dgm:adjLst>
+                          </dgm:shape>
+                          <dgm:presOf axis="ch desOrSelf" ptType="node node" st="3 1" cnt="1 0"/>
+                          <dgm:constrLst/>
+                          <dgm:ruleLst/>
+                        </dgm:layoutNode>
+                        <dgm:layoutNode name="FiveNodes_4">
+                          <dgm:varLst>
+                            <dgm:bulletEnabled val="1"/>
+                          </dgm:varLst>
+                          <dgm:alg type="sp"/>
+                          <dgm:shape xmlns:r="http://schemas.openxmlformats.org/officeDocument/2006/relationships" type="roundRect" r:blip="">
+                            <dgm:adjLst>
+                              <dgm:adj idx="1" val="0.1"/>
+                            </dgm:adjLst>
+                          </dgm:shape>
+                          <dgm:presOf axis="ch desOrSelf" ptType="node node" st="4 1" cnt="1 0"/>
+                          <dgm:constrLst/>
+                          <dgm:ruleLst/>
+                        </dgm:layoutNode>
+                        <dgm:layoutNode name="FiveNodes_5">
+                          <dgm:varLst>
+                            <dgm:bulletEnabled val="1"/>
+                          </dgm:varLst>
+                          <dgm:alg type="sp"/>
+                          <dgm:shape xmlns:r="http://schemas.openxmlformats.org/officeDocument/2006/relationships" type="roundRect" r:blip="">
+                            <dgm:adjLst>
+                              <dgm:adj idx="1" val="0.1"/>
+                            </dgm:adjLst>
+                          </dgm:shape>
+                          <dgm:presOf axis="ch desOrSelf" ptType="node node" st="5 1" cnt="1 0"/>
+                          <dgm:constrLst/>
+                          <dgm:ruleLst/>
+                        </dgm:layoutNode>
+                        <dgm:layoutNode name="FiveConn_1-2" styleLbl="fgAccFollowNode1">
+                          <dgm:varLst>
+                            <dgm:bulletEnabled val="1"/>
+                          </dgm:varLst>
+                          <dgm:alg type="tx"/>
+                          <dgm:shape xmlns:r="http://schemas.openxmlformats.org/officeDocument/2006/relationships" type="downArrow" r:blip="">
+                            <dgm:adjLst>
+                              <dgm:adj idx="1" val="0.55"/>
+                              <dgm:adj idx="2" val="0.45"/>
+                            </dgm:adjLst>
+                          </dgm:shape>
+                          <dgm:presOf axis="ch" ptType="sibTrans" cnt="1"/>
+                          <dgm:constrLst>
+                            <dgm:constr type="lMarg" refType="primFontSz" fact="0.1"/>
+                            <dgm:constr type="rMarg" refType="primFontSz" fact="0.1"/>
+                            <dgm:constr type="tMarg" refType="primFontSz" fact="0.1"/>
+                            <dgm:constr type="bMarg" refType="primFontSz" fact="0.1"/>
+                          </dgm:constrLst>
+                          <dgm:ruleLst>
+                            <dgm:rule type="primFontSz" val="5" fact="NaN" max="NaN"/>
+                          </dgm:ruleLst>
+                        </dgm:layoutNode>
+                        <dgm:layoutNode name="FiveConn_2-3" styleLbl="fgAccFollowNode1">
+                          <dgm:varLst>
+                            <dgm:bulletEnabled val="1"/>
+                          </dgm:varLst>
+                          <dgm:alg type="tx"/>
+                          <dgm:shape xmlns:r="http://schemas.openxmlformats.org/officeDocument/2006/relationships" type="downArrow" r:blip="">
+                            <dgm:adjLst>
+                              <dgm:adj idx="1" val="0.55"/>
+                              <dgm:adj idx="2" val="0.45"/>
+                            </dgm:adjLst>
+                          </dgm:shape>
+                          <dgm:presOf axis="ch" ptType="sibTrans" st="2" cnt="1"/>
+                          <dgm:constrLst>
+                            <dgm:constr type="lMarg" refType="primFontSz" fact="0.1"/>
+                            <dgm:constr type="rMarg" refType="primFontSz" fact="0.1"/>
+                            <dgm:constr type="tMarg" refType="primFontSz" fact="0.1"/>
+                            <dgm:constr type="bMarg" refType="primFontSz" fact="0.1"/>
+                          </dgm:constrLst>
+                          <dgm:ruleLst>
+                            <dgm:rule type="primFontSz" val="5" fact="NaN" max="NaN"/>
+                          </dgm:ruleLst>
+                        </dgm:layoutNode>
+                        <dgm:layoutNode name="FiveConn_3-4" styleLbl="fgAccFollowNode1">
+                          <dgm:varLst>
+                            <dgm:bulletEnabled val="1"/>
+                          </dgm:varLst>
+                          <dgm:alg type="tx"/>
+                          <dgm:shape xmlns:r="http://schemas.openxmlformats.org/officeDocument/2006/relationships" type="downArrow" r:blip="">
+                            <dgm:adjLst>
+                              <dgm:adj idx="1" val="0.55"/>
+                              <dgm:adj idx="2" val="0.45"/>
+                            </dgm:adjLst>
+                          </dgm:shape>
+                          <dgm:presOf axis="ch" ptType="sibTrans" st="3" cnt="1"/>
+                          <dgm:constrLst>
+                            <dgm:constr type="lMarg" refType="primFontSz" fact="0.1"/>
+                            <dgm:constr type="rMarg" refType="primFontSz" fact="0.1"/>
+                            <dgm:constr type="tMarg" refType="primFontSz" fact="0.1"/>
+                            <dgm:constr type="bMarg" refType="primFontSz" fact="0.1"/>
+                          </dgm:constrLst>
+                          <dgm:ruleLst>
+                            <dgm:rule type="primFontSz" val="5" fact="NaN" max="NaN"/>
+                          </dgm:ruleLst>
+                        </dgm:layoutNode>
+                        <dgm:layoutNode name="FiveConn_4-5" styleLbl="fgAccFollowNode1">
+                          <dgm:varLst>
+                            <dgm:bulletEnabled val="1"/>
+                          </dgm:varLst>
+                          <dgm:alg type="tx"/>
+                          <dgm:shape xmlns:r="http://schemas.openxmlformats.org/officeDocument/2006/relationships" type="downArrow" r:blip="">
+                            <dgm:adjLst>
+                              <dgm:adj idx="1" val="0.55"/>
+                              <dgm:adj idx="2" val="0.45"/>
+                            </dgm:adjLst>
+                          </dgm:shape>
+                          <dgm:presOf axis="ch" ptType="sibTrans" st="4" cnt="1"/>
+                          <dgm:constrLst>
+                            <dgm:constr type="lMarg" refType="primFontSz" fact="0.1"/>
+                            <dgm:constr type="rMarg" refType="primFontSz" fact="0.1"/>
+                            <dgm:constr type="tMarg" refType="primFontSz" fact="0.1"/>
+                            <dgm:constr type="bMarg" refType="primFontSz" fact="0.1"/>
+                          </dgm:constrLst>
+                          <dgm:ruleLst>
+                            <dgm:rule type="primFontSz" val="5" fact="NaN" max="NaN"/>
+                          </dgm:ruleLst>
+                        </dgm:layoutNode>
+                        <dgm:layoutNode name="FiveNodes_1_text">
+                          <dgm:varLst>
+                            <dgm:bulletEnabled val="1"/>
+                          </dgm:varLst>
+                          <dgm:alg type="tx">
+                            <dgm:param type="parTxLTRAlign" val="l"/>
+                            <dgm:param type="txAnchorVertCh" val="mid"/>
+                          </dgm:alg>
+                          <dgm:shape xmlns:r="http://schemas.openxmlformats.org/officeDocument/2006/relationships" type="roundRect" r:blip="" hideGeom="1">
+                            <dgm:adjLst>
+                              <dgm:adj idx="1" val="0.1"/>
+                            </dgm:adjLst>
+                          </dgm:shape>
+                          <dgm:presOf axis="ch desOrSelf" ptType="node node" st="1 1" cnt="1 0"/>
+                          <dgm:constrLst>
+                            <dgm:constr type="lMarg" refType="primFontSz" fact="0.3"/>
+                            <dgm:constr type="rMarg" refType="primFontSz" fact="0.3"/>
+                            <dgm:constr type="tMarg" refType="primFontSz" fact="0.3"/>
+                            <dgm:constr type="bMarg" refType="primFontSz" fact="0.3"/>
+                          </dgm:constrLst>
+                          <dgm:ruleLst>
+                            <dgm:rule type="primFontSz" val="5" fact="NaN" max="NaN"/>
+                          </dgm:ruleLst>
+                        </dgm:layoutNode>
+                        <dgm:layoutNode name="FiveNodes_2_text">
+                          <dgm:varLst>
+                            <dgm:bulletEnabled val="1"/>
+                          </dgm:varLst>
+                          <dgm:alg type="tx">
+                            <dgm:param type="parTxLTRAlign" val="l"/>
+                            <dgm:param type="txAnchorVertCh" val="mid"/>
+                          </dgm:alg>
+                          <dgm:shape xmlns:r="http://schemas.openxmlformats.org/officeDocument/2006/relationships" type="roundRect" r:blip="" hideGeom="1">
+                            <dgm:adjLst>
+                              <dgm:adj idx="1" val="0.1"/>
+                            </dgm:adjLst>
+                          </dgm:shape>
+                          <dgm:presOf axis="ch desOrSelf" ptType="node node" st="2 1" cnt="1 0"/>
+                          <dgm:constrLst>
+                            <dgm:constr type="lMarg" refType="primFontSz" fact="0.3"/>
+                            <dgm:constr type="rMarg" refType="primFontSz" fact="0.3"/>
+                            <dgm:constr type="tMarg" refType="primFontSz" fact="0.3"/>
+                            <dgm:constr type="bMarg" refType="primFontSz" fact="0.3"/>
+                          </dgm:constrLst>
+                          <dgm:ruleLst>
+                            <dgm:rule type="primFontSz" val="5" fact="NaN" max="NaN"/>
+                          </dgm:ruleLst>
+                        </dgm:layoutNode>
+                        <dgm:layoutNode name="FiveNodes_3_text">
+                          <dgm:varLst>
+                            <dgm:bulletEnabled val="1"/>
+                          </dgm:varLst>
+                          <dgm:alg type="tx">
+                            <dgm:param type="parTxLTRAlign" val="l"/>
+                            <dgm:param type="txAnchorVertCh" val="mid"/>
+                          </dgm:alg>
+                          <dgm:shape xmlns:r="http://schemas.openxmlformats.org/officeDocument/2006/relationships" type="roundRect" r:blip="" hideGeom="1">
+                            <dgm:adjLst>
+                              <dgm:adj idx="1" val="0.1"/>
+                            </dgm:adjLst>
+                          </dgm:shape>
+                          <dgm:presOf axis="ch desOrSelf" ptType="node node" st="3 1" cnt="1 0"/>
+                          <dgm:constrLst>
+                            <dgm:constr type="lMarg" refType="primFontSz" fact="0.3"/>
+                            <dgm:constr type="rMarg" refType="primFontSz" fact="0.3"/>
+                            <dgm:constr type="tMarg" refType="primFontSz" fact="0.3"/>
+                            <dgm:constr type="bMarg" refType="primFontSz" fact="0.3"/>
+                          </dgm:constrLst>
+                          <dgm:ruleLst>
+                            <dgm:rule type="primFontSz" val="5" fact="NaN" max="NaN"/>
+                          </dgm:ruleLst>
+                        </dgm:layoutNode>
+                        <dgm:layoutNode name="FiveNodes_4_text">
+                          <dgm:varLst>
+                            <dgm:bulletEnabled val="1"/>
+                          </dgm:varLst>
+                          <dgm:alg type="tx">
+                            <dgm:param type="parTxLTRAlign" val="l"/>
+                            <dgm:param type="txAnchorVertCh" val="mid"/>
+                          </dgm:alg>
+                          <dgm:shape xmlns:r="http://schemas.openxmlformats.org/officeDocument/2006/relationships" type="roundRect" r:blip="" hideGeom="1">
+                            <dgm:adjLst>
+                              <dgm:adj idx="1" val="0.1"/>
+                            </dgm:adjLst>
+                          </dgm:shape>
+                          <dgm:presOf axis="ch desOrSelf" ptType="node node" st="4 1" cnt="1 0"/>
+                          <dgm:constrLst>
+                            <dgm:constr type="lMarg" refType="primFontSz" fact="0.3"/>
+                            <dgm:constr type="rMarg" refType="primFontSz" fact="0.3"/>
+                            <dgm:constr type="tMarg" refType="primFontSz" fact="0.3"/>
+                            <dgm:constr type="bMarg" refType="primFontSz" fact="0.3"/>
+                          </dgm:constrLst>
+                          <dgm:ruleLst>
+                            <dgm:rule type="primFontSz" val="5" fact="NaN" max="NaN"/>
+                          </dgm:ruleLst>
+                        </dgm:layoutNode>
+                        <dgm:layoutNode name="FiveNodes_5_text">
+                          <dgm:varLst>
+                            <dgm:bulletEnabled val="1"/>
+                          </dgm:varLst>
+                          <dgm:alg type="tx">
+                            <dgm:param type="parTxLTRAlign" val="l"/>
+                            <dgm:param type="txAnchorVertCh" val="mid"/>
+                          </dgm:alg>
+                          <dgm:shape xmlns:r="http://schemas.openxmlformats.org/officeDocument/2006/relationships" type="roundRect" r:blip="" hideGeom="1">
+                            <dgm:adjLst>
+                              <dgm:adj idx="1" val="0.1"/>
+                            </dgm:adjLst>
+                          </dgm:shape>
+                          <dgm:presOf axis="ch desOrSelf" ptType="node node" st="5 1" cnt="1 0"/>
+                          <dgm:constrLst>
+                            <dgm:constr type="lMarg" refType="primFontSz" fact="0.3"/>
+                            <dgm:constr type="rMarg" refType="primFontSz" fact="0.3"/>
+                            <dgm:constr type="tMarg" refType="primFontSz" fact="0.3"/>
+                            <dgm:constr type="bMarg" refType="primFontSz" fact="0.3"/>
+                          </dgm:constrLst>
+                          <dgm:ruleLst>
+                            <dgm:rule type="primFontSz" val="5" fact="NaN" max="NaN"/>
+                          </dgm:ruleLst>
+                        </dgm:layoutNode>
+                      </dgm:if>
+                      <dgm:else name="Name17"/>
+                    </dgm:choose>
+                  </dgm:else>
+                </dgm:choose>
+              </dgm:else>
+            </dgm:choose>
+          </dgm:else>
+        </dgm:choose>
+      </dgm:else>
+    </dgm:choose>
+  </dgm:layoutNode>
+</dgm:layoutDef>
+</file>
+
+<file path=ppt/diagrams/quickStyle1.xml><?xml version="1.0" encoding="utf-8"?>
+<dgm:styleDef xmlns:dgm="http://schemas.openxmlformats.org/drawingml/2006/diagram" xmlns:a="http://schemas.openxmlformats.org/drawingml/2006/main" uniqueId="urn:microsoft.com/office/officeart/2005/8/quickstyle/simple1">
+  <dgm:title val=""/>
+  <dgm:desc val=""/>
+  <dgm:catLst>
+    <dgm:cat type="simple" pri="10100"/>
+  </dgm:catLst>
+  <dgm:scene3d>
+    <a:camera prst="orthographicFront"/>
+    <a:lightRig rig="threePt" dir="t"/>
+  </dgm:scene3d>
+  <dgm:styleLbl name="node0">
+    <dgm:scene3d>
+      <a:camera prst="orthographicFront"/>
+      <a:lightRig rig="threePt" dir="t"/>
+    </dgm:scene3d>
+    <dgm:sp3d/>
+    <dgm:txPr/>
+    <dgm:style>
+      <a:lnRef idx="2">
+        <a:scrgbClr r="0" g="0" b="0"/>
+      </a:lnRef>
+      <a:fillRef idx="1">
+        <a:scrgbClr r="0" g="0" b="0"/>
+      </a:fillRef>
+      <a:effectRef idx="0">
+        <a:scrgbClr r="0" g="0" b="0"/>
+      </a:effectRef>
+      <a:fontRef idx="minor">
+        <a:schemeClr val="lt1"/>
+      </a:fontRef>
+    </dgm:style>
+  </dgm:styleLbl>
+  <dgm:styleLbl name="lnNode1">
+    <dgm:scene3d>
+      <a:camera prst="orthographicFront"/>
+      <a:lightRig rig="threePt" dir="t"/>
+    </dgm:scene3d>
+    <dgm:sp3d/>
+    <dgm:txPr/>
+    <dgm:style>
+      <a:lnRef idx="2">
+        <a:scrgbClr r="0" g="0" b="0"/>
+      </a:lnRef>
+      <a:fillRef idx="1">
+        <a:scrgbClr r="0" g="0" b="0"/>
+      </a:fillRef>
+      <a:effectRef idx="0">
+        <a:scrgbClr r="0" g="0" b="0"/>
+      </a:effectRef>
+      <a:fontRef idx="minor">
+        <a:schemeClr val="lt1"/>
+      </a:fontRef>
+    </dgm:style>
+  </dgm:styleLbl>
+  <dgm:styleLbl name="vennNode1">
+    <dgm:scene3d>
+      <a:camera prst="orthographicFront"/>
+      <a:lightRig rig="threePt" dir="t"/>
+    </dgm:scene3d>
+    <dgm:sp3d/>
+    <dgm:txPr/>
+    <dgm:style>
+      <a:lnRef idx="2">
+        <a:scrgbClr r="0" g="0" b="0"/>
+      </a:lnRef>
+      <a:fillRef idx="1">
+        <a:scrgbClr r="0" g="0" b="0"/>
+      </a:fillRef>
+      <a:effectRef idx="0">
+        <a:scrgbClr r="0" g="0" b="0"/>
+      </a:effectRef>
+      <a:fontRef idx="minor">
+        <a:schemeClr val="tx1"/>
+      </a:fontRef>
+    </dgm:style>
+  </dgm:styleLbl>
+  <dgm:styleLbl name="alignNode1">
+    <dgm:scene3d>
+      <a:camera prst="orthographicFront"/>
+      <a:lightRig rig="threePt" dir="t"/>
+    </dgm:scene3d>
+    <dgm:sp3d/>
+    <dgm:txPr/>
+    <dgm:style>
+      <a:lnRef idx="2">
+        <a:scrgbClr r="0" g="0" b="0"/>
+      </a:lnRef>
+      <a:fillRef idx="1">
+        <a:scrgbClr r="0" g="0" b="0"/>
+      </a:fillRef>
+      <a:effectRef idx="0">
+        <a:scrgbClr r="0" g="0" b="0"/>
+      </a:effectRef>
+      <a:fontRef idx="minor">
+        <a:schemeClr val="lt1"/>
+      </a:fontRef>
+    </dgm:style>
+  </dgm:styleLbl>
+  <dgm:styleLbl name="node1">
+    <dgm:scene3d>
+      <a:camera prst="orthographicFront"/>
+      <a:lightRig rig="threePt" dir="t"/>
+    </dgm:scene3d>
+    <dgm:sp3d/>
+    <dgm:txPr/>
+    <dgm:style>
+      <a:lnRef idx="2">
+        <a:scrgbClr r="0" g="0" b="0"/>
+      </a:lnRef>
+      <a:fillRef idx="1">
+        <a:scrgbClr r="0" g="0" b="0"/>
+      </a:fillRef>
+      <a:effectRef idx="0">
+        <a:scrgbClr r="0" g="0" b="0"/>
+      </a:effectRef>
+      <a:fontRef idx="minor">
+        <a:schemeClr val="lt1"/>
+      </a:fontRef>
+    </dgm:style>
+  </dgm:styleLbl>
+  <dgm:styleLbl name="node2">
+    <dgm:scene3d>
+      <a:camera prst="orthographicFront"/>
+      <a:lightRig rig="threePt" dir="t"/>
+    </dgm:scene3d>
+    <dgm:sp3d/>
+    <dgm:txPr/>
+    <dgm:style>
+      <a:lnRef idx="2">
+        <a:scrgbClr r="0" g="0" b="0"/>
+      </a:lnRef>
+      <a:fillRef idx="1">
+        <a:scrgbClr r="0" g="0" b="0"/>
+      </a:fillRef>
+      <a:effectRef idx="0">
+        <a:scrgbClr r="0" g="0" b="0"/>
+      </a:effectRef>
+      <a:fontRef idx="minor">
+        <a:schemeClr val="lt1"/>
+      </a:fontRef>
+    </dgm:style>
+  </dgm:styleLbl>
+  <dgm:styleLbl name="node3">
+    <dgm:scene3d>
+      <a:camera prst="orthographicFront"/>
+      <a:lightRig rig="threePt" dir="t"/>
+    </dgm:scene3d>
+    <dgm:sp3d/>
+    <dgm:txPr/>
+    <dgm:style>
+      <a:lnRef idx="2">
+        <a:scrgbClr r="0" g="0" b="0"/>
+      </a:lnRef>
+      <a:fillRef idx="1">
+        <a:scrgbClr r="0" g="0" b="0"/>
+      </a:fillRef>
+      <a:effectRef idx="0">
+        <a:scrgbClr r="0" g="0" b="0"/>
+      </a:effectRef>
+      <a:fontRef idx="minor">
+        <a:schemeClr val="lt1"/>
+      </a:fontRef>
+    </dgm:style>
+  </dgm:styleLbl>
+  <dgm:styleLbl name="node4">
+    <dgm:scene3d>
+      <a:camera prst="orthographicFront"/>
+      <a:lightRig rig="threePt" dir="t"/>
+    </dgm:scene3d>
+    <dgm:sp3d/>
+    <dgm:txPr/>
+    <dgm:style>
+      <a:lnRef idx="2">
+        <a:scrgbClr r="0" g="0" b="0"/>
+      </a:lnRef>
+      <a:fillRef idx="1">
+        <a:scrgbClr r="0" g="0" b="0"/>
+      </a:fillRef>
+      <a:effectRef idx="0">
+        <a:scrgbClr r="0" g="0" b="0"/>
+      </a:effectRef>
+      <a:fontRef idx="minor">
+        <a:schemeClr val="lt1"/>
+      </a:fontRef>
+    </dgm:style>
+  </dgm:styleLbl>
+  <dgm:styleLbl name="fgImgPlace1">
+    <dgm:scene3d>
+      <a:camera prst="orthographicFront"/>
+      <a:lightRig rig="threePt" dir="t"/>
+    </dgm:scene3d>
+    <dgm:sp3d/>
+    <dgm:txPr/>
+    <dgm:style>
+      <a:lnRef idx="2">
+        <a:scrgbClr r="0" g="0" b="0"/>
+      </a:lnRef>
+      <a:fillRef idx="1">
+        <a:scrgbClr r="0" g="0" b="0"/>
+      </a:fillRef>
+      <a:effectRef idx="0">
+        <a:scrgbClr r="0" g="0" b="0"/>
+      </a:effectRef>
+      <a:fontRef idx="minor"/>
+    </dgm:style>
+  </dgm:styleLbl>
+  <dgm:styleLbl name="alignImgPlace1">
+    <dgm:scene3d>
+      <a:camera prst="orthographicFront"/>
+      <a:lightRig rig="threePt" dir="t"/>
+    </dgm:scene3d>
+    <dgm:sp3d/>
+    <dgm:txPr/>
+    <dgm:style>
+      <a:lnRef idx="2">
+        <a:scrgbClr r="0" g="0" b="0"/>
+      </a:lnRef>
+      <a:fillRef idx="1">
+        <a:scrgbClr r="0" g="0" b="0"/>
+      </a:fillRef>
+      <a:effectRef idx="0">
+        <a:scrgbClr r="0" g="0" b="0"/>
+      </a:effectRef>
+      <a:fontRef idx="minor"/>
+    </dgm:style>
+  </dgm:styleLbl>
+  <dgm:styleLbl name="bgImgPlace1">
+    <dgm:scene3d>
+      <a:camera prst="orthographicFront"/>
+      <a:lightRig rig="threePt" dir="t"/>
+    </dgm:scene3d>
+    <dgm:sp3d/>
+    <dgm:txPr/>
+    <dgm:style>
+      <a:lnRef idx="2">
+        <a:scrgbClr r="0" g="0" b="0"/>
+      </a:lnRef>
+      <a:fillRef idx="1">
+        <a:scrgbClr r="0" g="0" b="0"/>
+      </a:fillRef>
+      <a:effectRef idx="0">
+        <a:scrgbClr r="0" g="0" b="0"/>
+      </a:effectRef>
+      <a:fontRef idx="minor"/>
+    </dgm:style>
+  </dgm:styleLbl>
+  <dgm:styleLbl name="sibTrans2D1">
+    <dgm:scene3d>
+      <a:camera prst="orthographicFront"/>
+      <a:lightRig rig="threePt" dir="t"/>
+    </dgm:scene3d>
+    <dgm:sp3d/>
+    <dgm:txPr/>
+    <dgm:style>
+      <a:lnRef idx="0">
+        <a:scrgbClr r="0" g="0" b="0"/>
+      </a:lnRef>
+      <a:fillRef idx="1">
+        <a:scrgbClr r="0" g="0" b="0"/>
+      </a:fillRef>
+      <a:effectRef idx="0">
+        <a:scrgbClr r="0" g="0" b="0"/>
+      </a:effectRef>
+      <a:fontRef idx="minor">
+        <a:schemeClr val="lt1"/>
+      </a:fontRef>
+    </dgm:style>
+  </dgm:styleLbl>
+  <dgm:styleLbl name="fgSibTrans2D1">
+    <dgm:scene3d>
+      <a:camera prst="orthographicFront"/>
+      <a:lightRig rig="threePt" dir="t"/>
+    </dgm:scene3d>
+    <dgm:sp3d/>
+    <dgm:txPr/>
+    <dgm:style>
+      <a:lnRef idx="0">
+        <a:scrgbClr r="0" g="0" b="0"/>
+      </a:lnRef>
+      <a:fillRef idx="1">
+        <a:scrgbClr r="0" g="0" b="0"/>
+      </a:fillRef>
+      <a:effectRef idx="0">
+        <a:scrgbClr r="0" g="0" b="0"/>
+      </a:effectRef>
+      <a:fontRef idx="minor">
+        <a:schemeClr val="lt1"/>
+      </a:fontRef>
+    </dgm:style>
+  </dgm:styleLbl>
+  <dgm:styleLbl name="bgSibTrans2D1">
+    <dgm:scene3d>
+      <a:camera prst="orthographicFront"/>
+      <a:lightRig rig="threePt" dir="t"/>
+    </dgm:scene3d>
+    <dgm:sp3d/>
+    <dgm:txPr/>
+    <dgm:style>
+      <a:lnRef idx="0">
+        <a:scrgbClr r="0" g="0" b="0"/>
+      </a:lnRef>
+      <a:fillRef idx="1">
+        <a:scrgbClr r="0" g="0" b="0"/>
+      </a:fillRef>
+      <a:effectRef idx="0">
+        <a:scrgbClr r="0" g="0" b="0"/>
+      </a:effectRef>
+      <a:fontRef idx="minor">
+        <a:schemeClr val="lt1"/>
+      </a:fontRef>
+    </dgm:style>
+  </dgm:styleLbl>
+  <dgm:styleLbl name="sibTrans1D1">
+    <dgm:scene3d>
+      <a:camera prst="orthographicFront"/>
+      <a:lightRig rig="threePt" dir="t"/>
+    </dgm:scene3d>
+    <dgm:sp3d/>
+    <dgm:txPr/>
+    <dgm:style>
+      <a:lnRef idx="1">
+        <a:scrgbClr r="0" g="0" b="0"/>
+      </a:lnRef>
+      <a:fillRef idx="0">
+        <a:scrgbClr r="0" g="0" b="0"/>
+      </a:fillRef>
+      <a:effectRef idx="0">
+        <a:scrgbClr r="0" g="0" b="0"/>
+      </a:effectRef>
+      <a:fontRef idx="minor"/>
+    </dgm:style>
+  </dgm:styleLbl>
+  <dgm:styleLbl name="callout">
+    <dgm:scene3d>
+      <a:camera prst="orthographicFront"/>
+      <a:lightRig rig="threePt" dir="t"/>
+    </dgm:scene3d>
+    <dgm:sp3d/>
+    <dgm:txPr/>
+    <dgm:style>
+      <a:lnRef idx="2">
+        <a:scrgbClr r="0" g="0" b="0"/>
+      </a:lnRef>
+      <a:fillRef idx="1">
+        <a:scrgbClr r="0" g="0" b="0"/>
+      </a:fillRef>
+      <a:effectRef idx="0">
+        <a:scrgbClr r="0" g="0" b="0"/>
+      </a:effectRef>
+      <a:fontRef idx="minor"/>
+    </dgm:style>
+  </dgm:styleLbl>
+  <dgm:styleLbl name="asst0">
+    <dgm:scene3d>
+      <a:camera prst="orthographicFront"/>
+      <a:lightRig rig="threePt" dir="t"/>
+    </dgm:scene3d>
+    <dgm:sp3d/>
+    <dgm:txPr/>
+    <dgm:style>
+      <a:lnRef idx="2">
+        <a:scrgbClr r="0" g="0" b="0"/>
+      </a:lnRef>
+      <a:fillRef idx="1">
+        <a:scrgbClr r="0" g="0" b="0"/>
+      </a:fillRef>
+      <a:effectRef idx="0">
+        <a:scrgbClr r="0" g="0" b="0"/>
+      </a:effectRef>
+      <a:fontRef idx="minor">
+        <a:schemeClr val="lt1"/>
+      </a:fontRef>
+    </dgm:style>
+  </dgm:styleLbl>
+  <dgm:styleLbl name="asst1">
+    <dgm:scene3d>
+      <a:camera prst="orthographicFront"/>
+      <a:lightRig rig="threePt" dir="t"/>
+    </dgm:scene3d>
+    <dgm:sp3d/>
+    <dgm:txPr/>
+    <dgm:style>
+      <a:lnRef idx="2">
+        <a:scrgbClr r="0" g="0" b="0"/>
+      </a:lnRef>
+      <a:fillRef idx="1">
+        <a:scrgbClr r="0" g="0" b="0"/>
+      </a:fillRef>
+      <a:effectRef idx="0">
+        <a:scrgbClr r="0" g="0" b="0"/>
+      </a:effectRef>
+      <a:fontRef idx="minor">
+        <a:schemeClr val="lt1"/>
+      </a:fontRef>
+    </dgm:style>
+  </dgm:styleLbl>
+  <dgm:styleLbl name="asst2">
+    <dgm:scene3d>
+      <a:camera prst="orthographicFront"/>
+      <a:lightRig rig="threePt" dir="t"/>
+    </dgm:scene3d>
+    <dgm:sp3d/>
+    <dgm:txPr/>
+    <dgm:style>
+      <a:lnRef idx="2">
+        <a:scrgbClr r="0" g="0" b="0"/>
+      </a:lnRef>
+      <a:fillRef idx="1">
+        <a:scrgbClr r="0" g="0" b="0"/>
+      </a:fillRef>
+      <a:effectRef idx="0">
+        <a:scrgbClr r="0" g="0" b="0"/>
+      </a:effectRef>
+      <a:fontRef idx="minor">
+        <a:schemeClr val="lt1"/>
+      </a:fontRef>
+    </dgm:style>
+  </dgm:styleLbl>
+  <dgm:styleLbl name="asst3">
+    <dgm:scene3d>
+      <a:camera prst="orthographicFront"/>
+      <a:lightRig rig="threePt" dir="t"/>
+    </dgm:scene3d>
+    <dgm:sp3d/>
+    <dgm:txPr/>
+    <dgm:style>
+      <a:lnRef idx="2">
+        <a:scrgbClr r="0" g="0" b="0"/>
+      </a:lnRef>
+      <a:fillRef idx="1">
+        <a:scrgbClr r="0" g="0" b="0"/>
+      </a:fillRef>
+      <a:effectRef idx="0">
+        <a:scrgbClr r="0" g="0" b="0"/>
+      </a:effectRef>
+      <a:fontRef idx="minor">
+        <a:schemeClr val="lt1"/>
+      </a:fontRef>
+    </dgm:style>
+  </dgm:styleLbl>
+  <dgm:styleLbl name="asst4">
+    <dgm:scene3d>
+      <a:camera prst="orthographicFront"/>
+      <a:lightRig rig="threePt" dir="t"/>
+    </dgm:scene3d>
+    <dgm:sp3d/>
+    <dgm:txPr/>
+    <dgm:style>
+      <a:lnRef idx="2">
+        <a:scrgbClr r="0" g="0" b="0"/>
+      </a:lnRef>
+      <a:fillRef idx="1">
+        <a:scrgbClr r="0" g="0" b="0"/>
+      </a:fillRef>
+      <a:effectRef idx="0">
+        <a:scrgbClr r="0" g="0" b="0"/>
+      </a:effectRef>
+      <a:fontRef idx="minor">
+        <a:schemeClr val="lt1"/>
+      </a:fontRef>
+    </dgm:style>
+  </dgm:styleLbl>
+  <dgm:styleLbl name="parChTrans2D1">
+    <dgm:scene3d>
+      <a:camera prst="orthographicFront"/>
+      <a:lightRig rig="threePt" dir="t"/>
+    </dgm:scene3d>
+    <dgm:sp3d/>
+    <dgm:txPr/>
+    <dgm:style>
+      <a:lnRef idx="2">
+        <a:scrgbClr r="0" g="0" b="0"/>
+      </a:lnRef>
+      <a:fillRef idx="1">
+        <a:scrgbClr r="0" g="0" b="0"/>
+      </a:fillRef>
+      <a:effectRef idx="0">
+        <a:scrgbClr r="0" g="0" b="0"/>
+      </a:effectRef>
+      <a:fontRef idx="minor">
+        <a:schemeClr val="lt1"/>
+      </a:fontRef>
+    </dgm:style>
+  </dgm:styleLbl>
+  <dgm:styleLbl name="parChTrans2D2">
+    <dgm:scene3d>
+      <a:camera prst="orthographicFront"/>
+      <a:lightRig rig="threePt" dir="t"/>
+    </dgm:scene3d>
+    <dgm:sp3d/>
+    <dgm:txPr/>
+    <dgm:style>
+      <a:lnRef idx="2">
+        <a:scrgbClr r="0" g="0" b="0"/>
+      </a:lnRef>
+      <a:fillRef idx="1">
+        <a:scrgbClr r="0" g="0" b="0"/>
+      </a:fillRef>
+      <a:effectRef idx="0">
+        <a:scrgbClr r="0" g="0" b="0"/>
+      </a:effectRef>
+      <a:fontRef idx="minor">
+        <a:schemeClr val="lt1"/>
+      </a:fontRef>
+    </dgm:style>
+  </dgm:styleLbl>
+  <dgm:styleLbl name="parChTrans2D3">
+    <dgm:scene3d>
+      <a:camera prst="orthographicFront"/>
+      <a:lightRig rig="threePt" dir="t"/>
+    </dgm:scene3d>
+    <dgm:sp3d/>
+    <dgm:txPr/>
+    <dgm:style>
+      <a:lnRef idx="2">
+        <a:scrgbClr r="0" g="0" b="0"/>
+      </a:lnRef>
+      <a:fillRef idx="1">
+        <a:scrgbClr r="0" g="0" b="0"/>
+      </a:fillRef>
+      <a:effectRef idx="0">
+        <a:scrgbClr r="0" g="0" b="0"/>
+      </a:effectRef>
+      <a:fontRef idx="minor">
+        <a:schemeClr val="lt1"/>
+      </a:fontRef>
+    </dgm:style>
+  </dgm:styleLbl>
+  <dgm:styleLbl name="parChTrans2D4">
+    <dgm:scene3d>
+      <a:camera prst="orthographicFront"/>
+      <a:lightRig rig="threePt" dir="t"/>
+    </dgm:scene3d>
+    <dgm:sp3d/>
+    <dgm:txPr/>
+    <dgm:style>
+      <a:lnRef idx="2">
+        <a:scrgbClr r="0" g="0" b="0"/>
+      </a:lnRef>
+      <a:fillRef idx="1">
+        <a:scrgbClr r="0" g="0" b="0"/>
+      </a:fillRef>
+      <a:effectRef idx="0">
+        <a:scrgbClr r="0" g="0" b="0"/>
+      </a:effectRef>
+      <a:fontRef idx="minor">
+        <a:schemeClr val="lt1"/>
+      </a:fontRef>
+    </dgm:style>
+  </dgm:styleLbl>
+  <dgm:styleLbl name="parChTrans1D1">
+    <dgm:scene3d>
+      <a:camera prst="orthographicFront"/>
+      <a:lightRig rig="threePt" dir="t"/>
+    </dgm:scene3d>
+    <dgm:sp3d/>
+    <dgm:txPr/>
+    <dgm:style>
+      <a:lnRef idx="2">
+        <a:scrgbClr r="0" g="0" b="0"/>
+      </a:lnRef>
+      <a:fillRef idx="0">
+        <a:scrgbClr r="0" g="0" b="0"/>
+      </a:fillRef>
+      <a:effectRef idx="0">
+        <a:scrgbClr r="0" g="0" b="0"/>
+      </a:effectRef>
+      <a:fontRef idx="minor"/>
+    </dgm:style>
+  </dgm:styleLbl>
+  <dgm:styleLbl name="parChTrans1D2">
+    <dgm:scene3d>
+      <a:camera prst="orthographicFront"/>
+      <a:lightRig rig="threePt" dir="t"/>
+    </dgm:scene3d>
+    <dgm:sp3d/>
+    <dgm:txPr/>
+    <dgm:style>
+      <a:lnRef idx="2">
+        <a:scrgbClr r="0" g="0" b="0"/>
+      </a:lnRef>
+      <a:fillRef idx="0">
+        <a:scrgbClr r="0" g="0" b="0"/>
+      </a:fillRef>
+      <a:effectRef idx="0">
+        <a:scrgbClr r="0" g="0" b="0"/>
+      </a:effectRef>
+      <a:fontRef idx="minor"/>
+    </dgm:style>
+  </dgm:styleLbl>
+  <dgm:styleLbl name="parChTrans1D3">
+    <dgm:scene3d>
+      <a:camera prst="orthographicFront"/>
+      <a:lightRig rig="threePt" dir="t"/>
+    </dgm:scene3d>
+    <dgm:sp3d/>
+    <dgm:txPr/>
+    <dgm:style>
+      <a:lnRef idx="2">
+        <a:scrgbClr r="0" g="0" b="0"/>
+      </a:lnRef>
+      <a:fillRef idx="0">
+        <a:scrgbClr r="0" g="0" b="0"/>
+      </a:fillRef>
+      <a:effectRef idx="0">
+        <a:scrgbClr r="0" g="0" b="0"/>
+      </a:effectRef>
+      <a:fontRef idx="minor"/>
+    </dgm:style>
+  </dgm:styleLbl>
+  <dgm:styleLbl name="parChTrans1D4">
+    <dgm:scene3d>
+      <a:camera prst="orthographicFront"/>
+      <a:lightRig rig="threePt" dir="t"/>
+    </dgm:scene3d>
+    <dgm:sp3d/>
+    <dgm:txPr/>
+    <dgm:style>
+      <a:lnRef idx="2">
+        <a:scrgbClr r="0" g="0" b="0"/>
+      </a:lnRef>
+      <a:fillRef idx="0">
+        <a:scrgbClr r="0" g="0" b="0"/>
+      </a:fillRef>
+      <a:effectRef idx="0">
+        <a:scrgbClr r="0" g="0" b="0"/>
+      </a:effectRef>
+      <a:fontRef idx="minor"/>
+    </dgm:style>
+  </dgm:styleLbl>
+  <dgm:styleLbl name="fgAcc1">
+    <dgm:scene3d>
+      <a:camera prst="orthographicFront"/>
+      <a:lightRig rig="threePt" dir="t"/>
+    </dgm:scene3d>
+    <dgm:sp3d/>
+    <dgm:txPr/>
+    <dgm:style>
+      <a:lnRef idx="2">
+        <a:scrgbClr r="0" g="0" b="0"/>
+      </a:lnRef>
+      <a:fillRef idx="1">
+        <a:scrgbClr r="0" g="0" b="0"/>
+      </a:fillRef>
+      <a:effectRef idx="0">
+        <a:scrgbClr r="0" g="0" b="0"/>
+      </a:effectRef>
+      <a:fontRef idx="minor"/>
+    </dgm:style>
+  </dgm:styleLbl>
+  <dgm:styleLbl name="conFgAcc1">
+    <dgm:scene3d>
+      <a:camera prst="orthographicFront"/>
+      <a:lightRig rig="threePt" dir="t"/>
+    </dgm:scene3d>
+    <dgm:sp3d/>
+    <dgm:txPr/>
+    <dgm:style>
+      <a:lnRef idx="2">
+        <a:scrgbClr r="0" g="0" b="0"/>
+      </a:lnRef>
+      <a:fillRef idx="1">
+        <a:scrgbClr r="0" g="0" b="0"/>
+      </a:fillRef>
+      <a:effectRef idx="0">
+        <a:scrgbClr r="0" g="0" b="0"/>
+      </a:effectRef>
+      <a:fontRef idx="minor"/>
+    </dgm:style>
+  </dgm:styleLbl>
+  <dgm:styleLbl name="alignAcc1">
+    <dgm:scene3d>
+      <a:camera prst="orthographicFront"/>
+      <a:lightRig rig="threePt" dir="t"/>
+    </dgm:scene3d>
+    <dgm:sp3d/>
+    <dgm:txPr/>
+    <dgm:style>
+      <a:lnRef idx="2">
+        <a:scrgbClr r="0" g="0" b="0"/>
+      </a:lnRef>
+      <a:fillRef idx="1">
+        <a:scrgbClr r="0" g="0" b="0"/>
+      </a:fillRef>
+      <a:effectRef idx="0">
+        <a:scrgbClr r="0" g="0" b="0"/>
+      </a:effectRef>
+      <a:fontRef idx="minor"/>
+    </dgm:style>
+  </dgm:styleLbl>
+  <dgm:styleLbl name="trAlignAcc1">
+    <dgm:scene3d>
+      <a:camera prst="orthographicFront"/>
+      <a:lightRig rig="threePt" dir="t"/>
+    </dgm:scene3d>
+    <dgm:sp3d/>
+    <dgm:txPr/>
+    <dgm:style>
+      <a:lnRef idx="1">
+        <a:scrgbClr r="0" g="0" b="0"/>
+      </a:lnRef>
+      <a:fillRef idx="1">
+        <a:scrgbClr r="0" g="0" b="0"/>
+      </a:fillRef>
+      <a:effectRef idx="0">
+        <a:scrgbClr r="0" g="0" b="0"/>
+      </a:effectRef>
+      <a:fontRef idx="minor"/>
+    </dgm:style>
+  </dgm:styleLbl>
+  <dgm:styleLbl name="bgAcc1">
+    <dgm:scene3d>
+      <a:camera prst="orthographicFront"/>
+      <a:lightRig rig="threePt" dir="t"/>
+    </dgm:scene3d>
+    <dgm:sp3d/>
+    <dgm:txPr/>
+    <dgm:style>
+      <a:lnRef idx="2">
+        <a:scrgbClr r="0" g="0" b="0"/>
+      </a:lnRef>
+      <a:fillRef idx="1">
+        <a:scrgbClr r="0" g="0" b="0"/>
+      </a:fillRef>
+      <a:effectRef idx="0">
+        <a:scrgbClr r="0" g="0" b="0"/>
+      </a:effectRef>
+      <a:fontRef idx="minor"/>
+    </dgm:style>
+  </dgm:styleLbl>
+  <dgm:styleLbl name="solidFgAcc1">
+    <dgm:scene3d>
+      <a:camera prst="orthographicFront"/>
+      <a:lightRig rig="threePt" dir="t"/>
+    </dgm:scene3d>
+    <dgm:sp3d/>
+    <dgm:txPr/>
+    <dgm:style>
+      <a:lnRef idx="2">
+        <a:scrgbClr r="0" g="0" b="0"/>
+      </a:lnRef>
+      <a:fillRef idx="1">
+        <a:scrgbClr r="0" g="0" b="0"/>
+      </a:fillRef>
+      <a:effectRef idx="0">
+        <a:scrgbClr r="0" g="0" b="0"/>
+      </a:effectRef>
+      <a:fontRef idx="minor"/>
+    </dgm:style>
+  </dgm:styleLbl>
+  <dgm:styleLbl name="solidAlignAcc1">
+    <dgm:scene3d>
+      <a:camera prst="orthographicFront"/>
+      <a:lightRig rig="threePt" dir="t"/>
+    </dgm:scene3d>
+    <dgm:sp3d/>
+    <dgm:txPr/>
+    <dgm:style>
+      <a:lnRef idx="2">
+        <a:scrgbClr r="0" g="0" b="0"/>
+      </a:lnRef>
+      <a:fillRef idx="1">
+        <a:scrgbClr r="0" g="0" b="0"/>
+      </a:fillRef>
+      <a:effectRef idx="0">
+        <a:scrgbClr r="0" g="0" b="0"/>
+      </a:effectRef>
+      <a:fontRef idx="minor"/>
+    </dgm:style>
+  </dgm:styleLbl>
+  <dgm:styleLbl name="solidBgAcc1">
+    <dgm:scene3d>
+      <a:camera prst="orthographicFront"/>
+      <a:lightRig rig="threePt" dir="t"/>
+    </dgm:scene3d>
+    <dgm:sp3d/>
+    <dgm:txPr/>
+    <dgm:style>
+      <a:lnRef idx="2">
+        <a:scrgbClr r="0" g="0" b="0"/>
+      </a:lnRef>
+      <a:fillRef idx="1">
+        <a:scrgbClr r="0" g="0" b="0"/>
+      </a:fillRef>
+      <a:effectRef idx="0">
+        <a:scrgbClr r="0" g="0" b="0"/>
+      </a:effectRef>
+      <a:fontRef idx="minor"/>
+    </dgm:style>
+  </dgm:styleLbl>
+  <dgm:styleLbl name="fgAccFollowNode1">
+    <dgm:scene3d>
+      <a:camera prst="orthographicFront"/>
+      <a:lightRig rig="threePt" dir="t"/>
+    </dgm:scene3d>
+    <dgm:sp3d/>
+    <dgm:txPr/>
+    <dgm:style>
+      <a:lnRef idx="2">
+        <a:scrgbClr r="0" g="0" b="0"/>
+      </a:lnRef>
+      <a:fillRef idx="1">
+        <a:scrgbClr r="0" g="0" b="0"/>
+      </a:fillRef>
+      <a:effectRef idx="0">
+        <a:scrgbClr r="0" g="0" b="0"/>
+      </a:effectRef>
+      <a:fontRef idx="minor"/>
+    </dgm:style>
+  </dgm:styleLbl>
+  <dgm:styleLbl name="alignAccFollowNode1">
+    <dgm:scene3d>
+      <a:camera prst="orthographicFront"/>
+      <a:lightRig rig="threePt" dir="t"/>
+    </dgm:scene3d>
+    <dgm:sp3d/>
+    <dgm:txPr/>
+    <dgm:style>
+      <a:lnRef idx="2">
+        <a:scrgbClr r="0" g="0" b="0"/>
+      </a:lnRef>
+      <a:fillRef idx="1">
+        <a:scrgbClr r="0" g="0" b="0"/>
+      </a:fillRef>
+      <a:effectRef idx="0">
+        <a:scrgbClr r="0" g="0" b="0"/>
+      </a:effectRef>
+      <a:fontRef idx="minor"/>
+    </dgm:style>
+  </dgm:styleLbl>
+  <dgm:styleLbl name="bgAccFollowNode1">
+    <dgm:scene3d>
+      <a:camera prst="orthographicFront"/>
+      <a:lightRig rig="threePt" dir="t"/>
+    </dgm:scene3d>
+    <dgm:sp3d/>
+    <dgm:txPr/>
+    <dgm:style>
+      <a:lnRef idx="2">
+        <a:scrgbClr r="0" g="0" b="0"/>
+      </a:lnRef>
+      <a:fillRef idx="1">
+        <a:scrgbClr r="0" g="0" b="0"/>
+      </a:fillRef>
+      <a:effectRef idx="0">
+        <a:scrgbClr r="0" g="0" b="0"/>
+      </a:effectRef>
+      <a:fontRef idx="minor"/>
+    </dgm:style>
+  </dgm:styleLbl>
+  <dgm:styleLbl name="fgAcc0">
+    <dgm:scene3d>
+      <a:camera prst="orthographicFront"/>
+      <a:lightRig rig="threePt" dir="t"/>
+    </dgm:scene3d>
+    <dgm:sp3d/>
+    <dgm:txPr/>
+    <dgm:style>
+      <a:lnRef idx="2">
+        <a:scrgbClr r="0" g="0" b="0"/>
+      </a:lnRef>
+      <a:fillRef idx="1">
+        <a:scrgbClr r="0" g="0" b="0"/>
+      </a:fillRef>
+      <a:effectRef idx="0">
+        <a:scrgbClr r="0" g="0" b="0"/>
+      </a:effectRef>
+      <a:fontRef idx="minor"/>
+    </dgm:style>
+  </dgm:styleLbl>
+  <dgm:styleLbl name="fgAcc2">
+    <dgm:scene3d>
+      <a:camera prst="orthographicFront"/>
+      <a:lightRig rig="threePt" dir="t"/>
+    </dgm:scene3d>
+    <dgm:sp3d/>
+    <dgm:txPr/>
+    <dgm:style>
+      <a:lnRef idx="2">
+        <a:scrgbClr r="0" g="0" b="0"/>
+      </a:lnRef>
+      <a:fillRef idx="1">
+        <a:scrgbClr r="0" g="0" b="0"/>
+      </a:fillRef>
+      <a:effectRef idx="0">
+        <a:scrgbClr r="0" g="0" b="0"/>
+      </a:effectRef>
+      <a:fontRef idx="minor"/>
+    </dgm:style>
+  </dgm:styleLbl>
+  <dgm:styleLbl name="fgAcc3">
+    <dgm:scene3d>
+      <a:camera prst="orthographicFront"/>
+      <a:lightRig rig="threePt" dir="t"/>
+    </dgm:scene3d>
+    <dgm:sp3d/>
+    <dgm:txPr/>
+    <dgm:style>
+      <a:lnRef idx="2">
+        <a:scrgbClr r="0" g="0" b="0"/>
+      </a:lnRef>
+      <a:fillRef idx="1">
+        <a:scrgbClr r="0" g="0" b="0"/>
+      </a:fillRef>
+      <a:effectRef idx="0">
+        <a:scrgbClr r="0" g="0" b="0"/>
+      </a:effectRef>
+      <a:fontRef idx="minor"/>
+    </dgm:style>
+  </dgm:styleLbl>
+  <dgm:styleLbl name="fgAcc4">
+    <dgm:scene3d>
+      <a:camera prst="orthographicFront"/>
+      <a:lightRig rig="threePt" dir="t"/>
+    </dgm:scene3d>
+    <dgm:sp3d/>
+    <dgm:txPr/>
+    <dgm:style>
+      <a:lnRef idx="2">
+        <a:scrgbClr r="0" g="0" b="0"/>
+      </a:lnRef>
+      <a:fillRef idx="1">
+        <a:scrgbClr r="0" g="0" b="0"/>
+      </a:fillRef>
+      <a:effectRef idx="0">
+        <a:scrgbClr r="0" g="0" b="0"/>
+      </a:effectRef>
+      <a:fontRef idx="minor"/>
+    </dgm:style>
+  </dgm:styleLbl>
+  <dgm:styleLbl name="bgShp">
+    <dgm:scene3d>
+      <a:camera prst="orthographicFront"/>
+      <a:lightRig rig="threePt" dir="t"/>
+    </dgm:scene3d>
+    <dgm:sp3d/>
+    <dgm:txPr/>
+    <dgm:style>
+      <a:lnRef idx="0">
+        <a:scrgbClr r="0" g="0" b="0"/>
+      </a:lnRef>
+      <a:fillRef idx="1">
+        <a:scrgbClr r="0" g="0" b="0"/>
+      </a:fillRef>
+      <a:effectRef idx="0">
+        <a:scrgbClr r="0" g="0" b="0"/>
+      </a:effectRef>
+      <a:fontRef idx="minor"/>
+    </dgm:style>
+  </dgm:styleLbl>
+  <dgm:styleLbl name="dkBgShp">
+    <dgm:scene3d>
+      <a:camera prst="orthographicFront"/>
+      <a:lightRig rig="threePt" dir="t"/>
+    </dgm:scene3d>
+    <dgm:sp3d/>
+    <dgm:txPr/>
+    <dgm:style>
+      <a:lnRef idx="0">
+        <a:scrgbClr r="0" g="0" b="0"/>
+      </a:lnRef>
+      <a:fillRef idx="1">
+        <a:scrgbClr r="0" g="0" b="0"/>
+      </a:fillRef>
+      <a:effectRef idx="0">
+        <a:scrgbClr r="0" g="0" b="0"/>
+      </a:effectRef>
+      <a:fontRef idx="minor"/>
+    </dgm:style>
+  </dgm:styleLbl>
+  <dgm:styleLbl name="trBgShp">
+    <dgm:scene3d>
+      <a:camera prst="orthographicFront"/>
+      <a:lightRig rig="threePt" dir="t"/>
+    </dgm:scene3d>
+    <dgm:sp3d/>
+    <dgm:txPr/>
+    <dgm:style>
+      <a:lnRef idx="0">
+        <a:scrgbClr r="0" g="0" b="0"/>
+      </a:lnRef>
+      <a:fillRef idx="1">
+        <a:scrgbClr r="0" g="0" b="0"/>
+      </a:fillRef>
+      <a:effectRef idx="0">
+        <a:scrgbClr r="0" g="0" b="0"/>
+      </a:effectRef>
+      <a:fontRef idx="minor"/>
+    </dgm:style>
+  </dgm:styleLbl>
+  <dgm:styleLbl name="fgShp">
+    <dgm:scene3d>
+      <a:camera prst="orthographicFront"/>
+      <a:lightRig rig="threePt" dir="t"/>
+    </dgm:scene3d>
+    <dgm:sp3d/>
+    <dgm:txPr/>
+    <dgm:style>
+      <a:lnRef idx="2">
+        <a:scrgbClr r="0" g="0" b="0"/>
+      </a:lnRef>
+      <a:fillRef idx="1">
+        <a:scrgbClr r="0" g="0" b="0"/>
+      </a:fillRef>
+      <a:effectRef idx="0">
+        <a:scrgbClr r="0" g="0" b="0"/>
+      </a:effectRef>
+      <a:fontRef idx="minor"/>
+    </dgm:style>
+  </dgm:styleLbl>
+  <dgm:styleLbl name="revTx">
+    <dgm:scene3d>
+      <a:camera prst="orthographicFront"/>
+      <a:lightRig rig="threePt" dir="t"/>
+    </dgm:scene3d>
+    <dgm:sp3d/>
+    <dgm:txPr/>
+    <dgm:style>
+      <a:lnRef idx="0">
+        <a:scrgbClr r="0" g="0" b="0"/>
+      </a:lnRef>
+      <a:fillRef idx="0">
+        <a:scrgbClr r="0" g="0" b="0"/>
+      </a:fillRef>
+      <a:effectRef idx="0">
+        <a:scrgbClr r="0" g="0" b="0"/>
+      </a:effectRef>
+      <a:fontRef idx="minor"/>
+    </dgm:style>
+  </dgm:styleLbl>
+</dgm:styleDef>
 </file>
 
 <file path=ppt/notesMasters/notesMaster1.xml><?xml version="1.0" encoding="utf-8"?>
@@ -212,7 +3879,7 @@
           <a:p>
             <a:fld id="{5F3C816B-6264-4CFF-B007-776089C8006A}" type="datetimeFigureOut">
               <a:rPr lang="en-US" smtClean="0"/>
-              <a:t>8/24/2013</a:t>
+              <a:t>8/25/2013</a:t>
             </a:fld>
             <a:endParaRPr lang="en-US"/>
           </a:p>
@@ -661,7 +4328,7 @@
           <a:p>
             <a:fld id="{8262F83D-21AC-4462-A57F-A062BBC2BA25}" type="datetimeFigureOut">
               <a:rPr lang="en-US" smtClean="0"/>
-              <a:t>8/24/2013</a:t>
+              <a:t>8/25/2013</a:t>
             </a:fld>
             <a:endParaRPr lang="en-US"/>
           </a:p>
@@ -831,7 +4498,7 @@
           <a:p>
             <a:fld id="{8262F83D-21AC-4462-A57F-A062BBC2BA25}" type="datetimeFigureOut">
               <a:rPr lang="en-US" smtClean="0"/>
-              <a:t>8/24/2013</a:t>
+              <a:t>8/25/2013</a:t>
             </a:fld>
             <a:endParaRPr lang="en-US"/>
           </a:p>
@@ -1011,7 +4678,7 @@
           <a:p>
             <a:fld id="{8262F83D-21AC-4462-A57F-A062BBC2BA25}" type="datetimeFigureOut">
               <a:rPr lang="en-US" smtClean="0"/>
-              <a:t>8/24/2013</a:t>
+              <a:t>8/25/2013</a:t>
             </a:fld>
             <a:endParaRPr lang="en-US"/>
           </a:p>
@@ -1181,7 +4848,7 @@
           <a:p>
             <a:fld id="{8262F83D-21AC-4462-A57F-A062BBC2BA25}" type="datetimeFigureOut">
               <a:rPr lang="en-US" smtClean="0"/>
-              <a:t>8/24/2013</a:t>
+              <a:t>8/25/2013</a:t>
             </a:fld>
             <a:endParaRPr lang="en-US"/>
           </a:p>
@@ -1427,7 +5094,7 @@
           <a:p>
             <a:fld id="{8262F83D-21AC-4462-A57F-A062BBC2BA25}" type="datetimeFigureOut">
               <a:rPr lang="en-US" smtClean="0"/>
-              <a:t>8/24/2013</a:t>
+              <a:t>8/25/2013</a:t>
             </a:fld>
             <a:endParaRPr lang="en-US"/>
           </a:p>
@@ -1715,7 +5382,7 @@
           <a:p>
             <a:fld id="{8262F83D-21AC-4462-A57F-A062BBC2BA25}" type="datetimeFigureOut">
               <a:rPr lang="en-US" smtClean="0"/>
-              <a:t>8/24/2013</a:t>
+              <a:t>8/25/2013</a:t>
             </a:fld>
             <a:endParaRPr lang="en-US"/>
           </a:p>
@@ -2137,7 +5804,7 @@
           <a:p>
             <a:fld id="{8262F83D-21AC-4462-A57F-A062BBC2BA25}" type="datetimeFigureOut">
               <a:rPr lang="en-US" smtClean="0"/>
-              <a:t>8/24/2013</a:t>
+              <a:t>8/25/2013</a:t>
             </a:fld>
             <a:endParaRPr lang="en-US"/>
           </a:p>
@@ -2272,7 +5939,7 @@
           <a:p>
             <a:fld id="{8262F83D-21AC-4462-A57F-A062BBC2BA25}" type="datetimeFigureOut">
               <a:rPr lang="en-US" smtClean="0"/>
-              <a:t>8/24/2013</a:t>
+              <a:t>8/25/2013</a:t>
             </a:fld>
             <a:endParaRPr lang="en-US"/>
           </a:p>
@@ -2367,7 +6034,7 @@
           <a:p>
             <a:fld id="{8262F83D-21AC-4462-A57F-A062BBC2BA25}" type="datetimeFigureOut">
               <a:rPr lang="en-US" smtClean="0"/>
-              <a:t>8/24/2013</a:t>
+              <a:t>8/25/2013</a:t>
             </a:fld>
             <a:endParaRPr lang="en-US"/>
           </a:p>
@@ -2644,7 +6311,7 @@
           <a:p>
             <a:fld id="{8262F83D-21AC-4462-A57F-A062BBC2BA25}" type="datetimeFigureOut">
               <a:rPr lang="en-US" smtClean="0"/>
-              <a:t>8/24/2013</a:t>
+              <a:t>8/25/2013</a:t>
             </a:fld>
             <a:endParaRPr lang="en-US"/>
           </a:p>
@@ -2897,7 +6564,7 @@
           <a:p>
             <a:fld id="{8262F83D-21AC-4462-A57F-A062BBC2BA25}" type="datetimeFigureOut">
               <a:rPr lang="en-US" smtClean="0"/>
-              <a:t>8/24/2013</a:t>
+              <a:t>8/25/2013</a:t>
             </a:fld>
             <a:endParaRPr lang="en-US"/>
           </a:p>
@@ -3110,7 +6777,7 @@
           <a:p>
             <a:fld id="{8262F83D-21AC-4462-A57F-A062BBC2BA25}" type="datetimeFigureOut">
               <a:rPr lang="en-US" smtClean="0"/>
-              <a:t>8/24/2013</a:t>
+              <a:t>8/25/2013</a:t>
             </a:fld>
             <a:endParaRPr lang="en-US"/>
           </a:p>
@@ -8982,6 +12649,28 @@
           <a:chExt cx="0" cy="0"/>
         </a:xfrm>
       </p:grpSpPr>
+      <p:graphicFrame>
+        <p:nvGraphicFramePr>
+          <p:cNvPr id="10" name="Diagram 9"/>
+          <p:cNvGraphicFramePr/>
+          <p:nvPr>
+            <p:extLst>
+              <p:ext uri="{D42A27DB-BD31-4B8C-83A1-F6EECF244321}">
+                <p14:modId xmlns:p14="http://schemas.microsoft.com/office/powerpoint/2010/main" val="2081730028"/>
+              </p:ext>
+            </p:extLst>
+          </p:nvPr>
+        </p:nvGraphicFramePr>
+        <p:xfrm>
+          <a:off x="2317236" y="685800"/>
+          <a:ext cx="6665126" cy="6053243"/>
+        </p:xfrm>
+        <a:graphic>
+          <a:graphicData uri="http://schemas.openxmlformats.org/drawingml/2006/diagram">
+            <dgm:relIds xmlns:dgm="http://schemas.openxmlformats.org/drawingml/2006/diagram" xmlns:r="http://schemas.openxmlformats.org/officeDocument/2006/relationships" r:dm="rId2" r:lo="rId3" r:qs="rId4" r:cs="rId5"/>
+          </a:graphicData>
+        </a:graphic>
+      </p:graphicFrame>
       <p:sp>
         <p:nvSpPr>
           <p:cNvPr id="2" name="Rectangle 1"/>
@@ -9199,7 +12888,7 @@
           <p:nvPr/>
         </p:nvPicPr>
         <p:blipFill>
-          <a:blip r:embed="rId2" cstate="print">
+          <a:blip r:embed="rId7" cstate="print">
             <a:extLst>
               <a:ext uri="{28A0092B-C50C-407E-A947-70E740481C1C}">
                 <a14:useLocalDpi xmlns:a14="http://schemas.microsoft.com/office/drawing/2010/main" val="0"/>
@@ -9281,7 +12970,7 @@
         </p:nvSpPr>
         <p:spPr>
           <a:xfrm>
-            <a:off x="1828800" y="96028"/>
+            <a:off x="1828800" y="70976"/>
             <a:ext cx="3352800" cy="400110"/>
           </a:xfrm>
           <a:prstGeom prst="rect">
@@ -9636,7 +13325,7 @@
           <p:nvPr/>
         </p:nvPicPr>
         <p:blipFill>
-          <a:blip r:embed="rId3">
+          <a:blip r:embed="rId8">
             <a:extLst>
               <a:ext uri="{28A0092B-C50C-407E-A947-70E740481C1C}">
                 <a14:useLocalDpi xmlns:a14="http://schemas.microsoft.com/office/drawing/2010/main" val="0"/>
@@ -9650,7 +13339,7 @@
         </p:blipFill>
         <p:spPr bwMode="auto">
           <a:xfrm>
-            <a:off x="2133600" y="1352565"/>
+            <a:off x="2048064" y="1018669"/>
             <a:ext cx="1123936" cy="1123936"/>
           </a:xfrm>
           <a:prstGeom prst="rect">
@@ -9676,12 +13365,22 @@
         </p:nvSpPr>
         <p:spPr>
           <a:xfrm>
-            <a:off x="3257536" y="1914533"/>
+            <a:off x="3498439" y="1704825"/>
             <a:ext cx="628664" cy="45719"/>
           </a:xfrm>
           <a:prstGeom prst="rightArrow">
             <a:avLst/>
           </a:prstGeom>
+          <a:solidFill>
+            <a:schemeClr val="bg1"/>
+          </a:solidFill>
+          <a:ln>
+            <a:solidFill>
+              <a:schemeClr val="bg2">
+                <a:lumMod val="25000"/>
+              </a:schemeClr>
+            </a:solidFill>
+          </a:ln>
         </p:spPr>
         <p:style>
           <a:lnRef idx="2">
@@ -9716,12 +13415,17 @@
         </p:nvSpPr>
         <p:spPr>
           <a:xfrm>
-            <a:off x="4038600" y="1610891"/>
+            <a:off x="4419600" y="1384154"/>
             <a:ext cx="1371600" cy="676735"/>
           </a:xfrm>
           <a:prstGeom prst="ellipse">
             <a:avLst/>
           </a:prstGeom>
+          <a:solidFill>
+            <a:schemeClr val="bg2">
+              <a:lumMod val="25000"/>
+            </a:schemeClr>
+          </a:solidFill>
         </p:spPr>
         <p:style>
           <a:lnRef idx="2">
@@ -9746,7 +13450,7 @@
             <a:pPr algn="ctr"/>
             <a:r>
               <a:rPr lang="en-US" dirty="0" smtClean="0"/>
-              <a:t>Follow </a:t>
+              <a:t>Follow Event </a:t>
             </a:r>
             <a:endParaRPr lang="en-US" dirty="0"/>
           </a:p>
@@ -9760,12 +13464,17 @@
         </p:nvSpPr>
         <p:spPr>
           <a:xfrm>
-            <a:off x="6019800" y="1676803"/>
+            <a:off x="4427951" y="2973957"/>
             <a:ext cx="1143000" cy="709260"/>
           </a:xfrm>
           <a:prstGeom prst="ellipse">
             <a:avLst/>
           </a:prstGeom>
+          <a:solidFill>
+            <a:schemeClr val="bg2">
+              <a:lumMod val="25000"/>
+            </a:schemeClr>
+          </a:solidFill>
         </p:spPr>
         <p:style>
           <a:lnRef idx="2">
@@ -9805,7 +13514,7 @@
           <p:nvPr/>
         </p:nvPicPr>
         <p:blipFill>
-          <a:blip r:embed="rId4">
+          <a:blip r:embed="rId9">
             <a:extLst>
               <a:ext uri="{28A0092B-C50C-407E-A947-70E740481C1C}">
                 <a14:useLocalDpi xmlns:a14="http://schemas.microsoft.com/office/drawing/2010/main" val="0"/>
@@ -9819,7 +13528,7 @@
         </p:blipFill>
         <p:spPr bwMode="auto">
           <a:xfrm>
-            <a:off x="7620000" y="1281540"/>
+            <a:off x="1963973" y="3032863"/>
             <a:ext cx="1333115" cy="1188489"/>
           </a:xfrm>
           <a:prstGeom prst="rect">
@@ -9839,18 +13548,23 @@
       </p:pic>
       <p:sp>
         <p:nvSpPr>
-          <p:cNvPr id="43" name="Left Arrow 42"/>
+          <p:cNvPr id="44" name="Oval 43"/>
           <p:cNvSpPr/>
           <p:nvPr/>
         </p:nvSpPr>
         <p:spPr>
           <a:xfrm>
-            <a:off x="7239000" y="1985732"/>
-            <a:ext cx="533400" cy="45719"/>
-          </a:xfrm>
-          <a:prstGeom prst="leftArrow">
-            <a:avLst/>
-          </a:prstGeom>
+            <a:off x="4369185" y="3857981"/>
+            <a:ext cx="1409700" cy="645474"/>
+          </a:xfrm>
+          <a:prstGeom prst="ellipse">
+            <a:avLst/>
+          </a:prstGeom>
+          <a:solidFill>
+            <a:schemeClr val="bg2">
+              <a:lumMod val="25000"/>
+            </a:schemeClr>
+          </a:solidFill>
         </p:spPr>
         <p:style>
           <a:lnRef idx="2">
@@ -9873,24 +13587,38 @@
           <a:lstStyle/>
           <a:p>
             <a:pPr algn="ctr"/>
-            <a:endParaRPr lang="en-US"/>
-          </a:p>
-        </p:txBody>
-      </p:sp>
-      <p:sp>
-        <p:nvSpPr>
-          <p:cNvPr id="44" name="Oval 43"/>
+            <a:r>
+              <a:rPr lang="en-US" dirty="0" smtClean="0"/>
+              <a:t>Request Ticket</a:t>
+            </a:r>
+            <a:endParaRPr lang="en-US" dirty="0"/>
+          </a:p>
+        </p:txBody>
+      </p:sp>
+      <p:sp>
+        <p:nvSpPr>
+          <p:cNvPr id="46" name="Left Arrow 45"/>
           <p:cNvSpPr/>
           <p:nvPr/>
         </p:nvSpPr>
         <p:spPr>
-          <a:xfrm>
-            <a:off x="6953788" y="2901556"/>
-            <a:ext cx="1409700" cy="645474"/>
-          </a:xfrm>
-          <a:prstGeom prst="ellipse">
-            <a:avLst/>
-          </a:prstGeom>
+          <a:xfrm rot="11449381" flipV="1">
+            <a:off x="3477144" y="4019570"/>
+            <a:ext cx="613244" cy="45719"/>
+          </a:xfrm>
+          <a:prstGeom prst="leftArrow">
+            <a:avLst/>
+          </a:prstGeom>
+          <a:solidFill>
+            <a:schemeClr val="bg1"/>
+          </a:solidFill>
+          <a:ln>
+            <a:solidFill>
+              <a:schemeClr val="bg2">
+                <a:lumMod val="25000"/>
+              </a:schemeClr>
+            </a:solidFill>
+          </a:ln>
         </p:spPr>
         <p:style>
           <a:lnRef idx="2">
@@ -9913,28 +13641,29 @@
           <a:lstStyle/>
           <a:p>
             <a:pPr algn="ctr"/>
-            <a:r>
-              <a:rPr lang="en-US" dirty="0" smtClean="0"/>
-              <a:t>Request Ticket</a:t>
-            </a:r>
-            <a:endParaRPr lang="en-US" dirty="0"/>
-          </a:p>
-        </p:txBody>
-      </p:sp>
-      <p:sp>
-        <p:nvSpPr>
-          <p:cNvPr id="46" name="Left Arrow 45"/>
+            <a:endParaRPr lang="en-US"/>
+          </a:p>
+        </p:txBody>
+      </p:sp>
+      <p:sp>
+        <p:nvSpPr>
+          <p:cNvPr id="47" name="Oval 46"/>
           <p:cNvSpPr/>
           <p:nvPr/>
         </p:nvSpPr>
         <p:spPr>
-          <a:xfrm rot="19085019" flipV="1">
-            <a:off x="7736500" y="2557118"/>
-            <a:ext cx="613244" cy="45719"/>
-          </a:xfrm>
-          <a:prstGeom prst="leftArrow">
-            <a:avLst/>
-          </a:prstGeom>
+          <a:xfrm>
+            <a:off x="4270865" y="5390038"/>
+            <a:ext cx="1657336" cy="752935"/>
+          </a:xfrm>
+          <a:prstGeom prst="ellipse">
+            <a:avLst/>
+          </a:prstGeom>
+          <a:solidFill>
+            <a:schemeClr val="bg2">
+              <a:lumMod val="25000"/>
+            </a:schemeClr>
+          </a:solidFill>
         </p:spPr>
         <p:style>
           <a:lnRef idx="2">
@@ -9957,24 +13686,38 @@
           <a:lstStyle/>
           <a:p>
             <a:pPr algn="ctr"/>
-            <a:endParaRPr lang="en-US"/>
-          </a:p>
-        </p:txBody>
-      </p:sp>
-      <p:sp>
-        <p:nvSpPr>
-          <p:cNvPr id="47" name="Oval 46"/>
+            <a:r>
+              <a:rPr lang="en-US" sz="1600" dirty="0" smtClean="0"/>
+              <a:t>Receive Notification</a:t>
+            </a:r>
+            <a:endParaRPr lang="en-US" dirty="0"/>
+          </a:p>
+        </p:txBody>
+      </p:sp>
+      <p:sp>
+        <p:nvSpPr>
+          <p:cNvPr id="56" name="Right Arrow 55"/>
           <p:cNvSpPr/>
           <p:nvPr/>
         </p:nvSpPr>
         <p:spPr>
-          <a:xfrm>
-            <a:off x="2743200" y="3729450"/>
-            <a:ext cx="1657336" cy="752935"/>
-          </a:xfrm>
-          <a:prstGeom prst="ellipse">
-            <a:avLst/>
-          </a:prstGeom>
+          <a:xfrm rot="21151333">
+            <a:off x="3462267" y="3481584"/>
+            <a:ext cx="628664" cy="45719"/>
+          </a:xfrm>
+          <a:prstGeom prst="rightArrow">
+            <a:avLst/>
+          </a:prstGeom>
+          <a:solidFill>
+            <a:schemeClr val="bg1"/>
+          </a:solidFill>
+          <a:ln>
+            <a:solidFill>
+              <a:schemeClr val="bg2">
+                <a:lumMod val="25000"/>
+              </a:schemeClr>
+            </a:solidFill>
+          </a:ln>
         </p:spPr>
         <p:style>
           <a:lnRef idx="2">
@@ -9997,9 +13740,35 @@
           <a:lstStyle/>
           <a:p>
             <a:pPr algn="ctr"/>
-            <a:r>
-              <a:rPr lang="en-US" sz="1600" dirty="0" smtClean="0"/>
-              <a:t>Receive Notification</a:t>
+            <a:endParaRPr lang="en-US"/>
+          </a:p>
+        </p:txBody>
+      </p:sp>
+      <p:sp>
+        <p:nvSpPr>
+          <p:cNvPr id="11" name="TextBox 10"/>
+          <p:cNvSpPr txBox="1"/>
+          <p:nvPr/>
+        </p:nvSpPr>
+        <p:spPr>
+          <a:xfrm>
+            <a:off x="1983124" y="2180698"/>
+            <a:ext cx="1279517" cy="369332"/>
+          </a:xfrm>
+          <a:prstGeom prst="rect">
+            <a:avLst/>
+          </a:prstGeom>
+          <a:noFill/>
+        </p:spPr>
+        <p:txBody>
+          <a:bodyPr wrap="none" rtlCol="0">
+            <a:spAutoFit/>
+          </a:bodyPr>
+          <a:lstStyle/>
+          <a:p>
+            <a:r>
+              <a:rPr lang="en-US" dirty="0" smtClean="0"/>
+              <a:t>Customer A</a:t>
             </a:r>
             <a:endParaRPr lang="en-US" dirty="0"/>
           </a:p>
@@ -10007,18 +13776,99 @@
       </p:sp>
       <p:sp>
         <p:nvSpPr>
-          <p:cNvPr id="49" name="Left Arrow 48"/>
+          <p:cNvPr id="17" name="TextBox 16"/>
+          <p:cNvSpPr txBox="1"/>
+          <p:nvPr/>
+        </p:nvSpPr>
+        <p:spPr>
+          <a:xfrm>
+            <a:off x="1963973" y="4180718"/>
+            <a:ext cx="1271502" cy="369332"/>
+          </a:xfrm>
+          <a:prstGeom prst="rect">
+            <a:avLst/>
+          </a:prstGeom>
+          <a:noFill/>
+        </p:spPr>
+        <p:txBody>
+          <a:bodyPr wrap="none" rtlCol="0">
+            <a:spAutoFit/>
+          </a:bodyPr>
+          <a:lstStyle/>
+          <a:p>
+            <a:r>
+              <a:rPr lang="en-US" dirty="0" smtClean="0"/>
+              <a:t>Customer B</a:t>
+            </a:r>
+            <a:endParaRPr lang="en-US" dirty="0"/>
+          </a:p>
+        </p:txBody>
+      </p:sp>
+      <p:pic>
+        <p:nvPicPr>
+          <p:cNvPr id="36" name="Picture 5" descr="http://www.veryicon.com/icon/png/Avatar/People/Engineer.png"/>
+          <p:cNvPicPr>
+            <a:picLocks noChangeAspect="1" noChangeArrowheads="1"/>
+          </p:cNvPicPr>
+          <p:nvPr/>
+        </p:nvPicPr>
+        <p:blipFill>
+          <a:blip r:embed="rId8">
+            <a:extLst>
+              <a:ext uri="{28A0092B-C50C-407E-A947-70E740481C1C}">
+                <a14:useLocalDpi xmlns:a14="http://schemas.microsoft.com/office/drawing/2010/main" val="0"/>
+              </a:ext>
+            </a:extLst>
+          </a:blip>
+          <a:srcRect/>
+          <a:stretch>
+            <a:fillRect/>
+          </a:stretch>
+        </p:blipFill>
+        <p:spPr bwMode="auto">
+          <a:xfrm>
+            <a:off x="1991361" y="4957846"/>
+            <a:ext cx="1123936" cy="1123936"/>
+          </a:xfrm>
+          <a:prstGeom prst="rect">
+            <a:avLst/>
+          </a:prstGeom>
+          <a:noFill/>
+          <a:extLst>
+            <a:ext uri="{909E8E84-426E-40DD-AFC4-6F175D3DCCD1}">
+              <a14:hiddenFill xmlns:a14="http://schemas.microsoft.com/office/drawing/2010/main">
+                <a:solidFill>
+                  <a:srgbClr val="FFFFFF"/>
+                </a:solidFill>
+              </a14:hiddenFill>
+            </a:ext>
+          </a:extLst>
+        </p:spPr>
+      </p:pic>
+      <p:sp>
+        <p:nvSpPr>
+          <p:cNvPr id="37" name="Right Arrow 36"/>
           <p:cNvSpPr/>
           <p:nvPr/>
         </p:nvSpPr>
         <p:spPr>
-          <a:xfrm rot="3074180">
-            <a:off x="2522786" y="3123593"/>
-            <a:ext cx="1274369" cy="45719"/>
-          </a:xfrm>
-          <a:prstGeom prst="leftArrow">
-            <a:avLst/>
-          </a:prstGeom>
+          <a:xfrm>
+            <a:off x="3435869" y="5705193"/>
+            <a:ext cx="628664" cy="45719"/>
+          </a:xfrm>
+          <a:prstGeom prst="rightArrow">
+            <a:avLst/>
+          </a:prstGeom>
+          <a:solidFill>
+            <a:schemeClr val="bg1"/>
+          </a:solidFill>
+          <a:ln>
+            <a:solidFill>
+              <a:schemeClr val="bg2">
+                <a:lumMod val="25000"/>
+              </a:schemeClr>
+            </a:solidFill>
+          </a:ln>
         </p:spPr>
         <p:style>
           <a:lnRef idx="2">
@@ -10047,171 +13897,162 @@
       </p:sp>
       <p:sp>
         <p:nvSpPr>
-          <p:cNvPr id="54" name="Oval 53"/>
-          <p:cNvSpPr/>
+          <p:cNvPr id="38" name="TextBox 37"/>
+          <p:cNvSpPr txBox="1"/>
           <p:nvPr/>
         </p:nvSpPr>
         <p:spPr>
           <a:xfrm>
-            <a:off x="4536303" y="2819470"/>
-            <a:ext cx="1371600" cy="676735"/>
-          </a:xfrm>
-          <a:prstGeom prst="ellipse">
-            <a:avLst/>
-          </a:prstGeom>
-          <a:solidFill>
-            <a:srgbClr val="0070C0"/>
-          </a:solidFill>
-        </p:spPr>
-        <p:style>
-          <a:lnRef idx="2">
-            <a:schemeClr val="accent1">
-              <a:shade val="50000"/>
-            </a:schemeClr>
-          </a:lnRef>
-          <a:fillRef idx="1">
-            <a:schemeClr val="accent1"/>
-          </a:fillRef>
-          <a:effectRef idx="0">
-            <a:schemeClr val="accent1"/>
-          </a:effectRef>
-          <a:fontRef idx="minor">
-            <a:schemeClr val="lt1"/>
-          </a:fontRef>
-        </p:style>
-        <p:txBody>
-          <a:bodyPr rtlCol="0" anchor="ctr"/>
+            <a:off x="1926421" y="6119875"/>
+            <a:ext cx="1279517" cy="369332"/>
+          </a:xfrm>
+          <a:prstGeom prst="rect">
+            <a:avLst/>
+          </a:prstGeom>
+          <a:noFill/>
+        </p:spPr>
+        <p:txBody>
+          <a:bodyPr wrap="none" rtlCol="0">
+            <a:spAutoFit/>
+          </a:bodyPr>
           <a:lstStyle/>
           <a:p>
-            <a:pPr algn="ctr"/>
             <a:r>
               <a:rPr lang="en-US" dirty="0" smtClean="0"/>
-              <a:t>Event</a:t>
+              <a:t>Customer A</a:t>
             </a:r>
             <a:endParaRPr lang="en-US" dirty="0"/>
           </a:p>
         </p:txBody>
       </p:sp>
-      <p:sp>
-        <p:nvSpPr>
-          <p:cNvPr id="55" name="Right Arrow 54"/>
-          <p:cNvSpPr/>
-          <p:nvPr/>
-        </p:nvSpPr>
-        <p:spPr>
-          <a:xfrm rot="3603625">
-            <a:off x="4552936" y="2501587"/>
-            <a:ext cx="628664" cy="101249"/>
-          </a:xfrm>
-          <a:prstGeom prst="rightArrow">
-            <a:avLst/>
-          </a:prstGeom>
-        </p:spPr>
-        <p:style>
-          <a:lnRef idx="2">
-            <a:schemeClr val="accent1">
-              <a:shade val="50000"/>
-            </a:schemeClr>
-          </a:lnRef>
-          <a:fillRef idx="1">
-            <a:schemeClr val="accent1"/>
-          </a:fillRef>
-          <a:effectRef idx="0">
-            <a:schemeClr val="accent1"/>
-          </a:effectRef>
-          <a:fontRef idx="minor">
-            <a:schemeClr val="lt1"/>
-          </a:fontRef>
-        </p:style>
-        <p:txBody>
-          <a:bodyPr rtlCol="0" anchor="ctr"/>
-          <a:lstStyle/>
-          <a:p>
-            <a:pPr algn="ctr"/>
-            <a:endParaRPr lang="en-US"/>
-          </a:p>
-        </p:txBody>
-      </p:sp>
-      <p:sp>
-        <p:nvSpPr>
-          <p:cNvPr id="56" name="Right Arrow 55"/>
-          <p:cNvSpPr/>
-          <p:nvPr/>
-        </p:nvSpPr>
-        <p:spPr>
-          <a:xfrm rot="8444345">
-            <a:off x="5565003" y="2579985"/>
-            <a:ext cx="628664" cy="45719"/>
-          </a:xfrm>
-          <a:prstGeom prst="rightArrow">
-            <a:avLst/>
-          </a:prstGeom>
-        </p:spPr>
-        <p:style>
-          <a:lnRef idx="2">
-            <a:schemeClr val="accent1">
-              <a:shade val="50000"/>
-            </a:schemeClr>
-          </a:lnRef>
-          <a:fillRef idx="1">
-            <a:schemeClr val="accent1"/>
-          </a:fillRef>
-          <a:effectRef idx="0">
-            <a:schemeClr val="accent1"/>
-          </a:effectRef>
-          <a:fontRef idx="minor">
-            <a:schemeClr val="lt1"/>
-          </a:fontRef>
-        </p:style>
-        <p:txBody>
-          <a:bodyPr rtlCol="0" anchor="ctr"/>
-          <a:lstStyle/>
-          <a:p>
-            <a:pPr algn="ctr"/>
-            <a:endParaRPr lang="en-US"/>
-          </a:p>
-        </p:txBody>
-      </p:sp>
-      <p:sp>
-        <p:nvSpPr>
-          <p:cNvPr id="57" name="Right Arrow 56"/>
-          <p:cNvSpPr/>
-          <p:nvPr/>
-        </p:nvSpPr>
-        <p:spPr>
-          <a:xfrm rot="11032245">
-            <a:off x="5841088" y="3068215"/>
-            <a:ext cx="1050843" cy="102966"/>
-          </a:xfrm>
-          <a:prstGeom prst="rightArrow">
-            <a:avLst/>
-          </a:prstGeom>
-        </p:spPr>
-        <p:style>
-          <a:lnRef idx="2">
-            <a:schemeClr val="accent1">
-              <a:shade val="50000"/>
-            </a:schemeClr>
-          </a:lnRef>
-          <a:fillRef idx="1">
-            <a:schemeClr val="accent1"/>
-          </a:fillRef>
-          <a:effectRef idx="0">
-            <a:schemeClr val="accent1"/>
-          </a:effectRef>
-          <a:fontRef idx="minor">
-            <a:schemeClr val="lt1"/>
-          </a:fontRef>
-        </p:style>
-        <p:txBody>
-          <a:bodyPr rtlCol="0" anchor="ctr"/>
-          <a:lstStyle/>
-          <a:p>
-            <a:pPr algn="ctr"/>
-            <a:endParaRPr lang="en-US"/>
-          </a:p>
-        </p:txBody>
-      </p:sp>
+      <p:pic>
+        <p:nvPicPr>
+          <p:cNvPr id="18" name="Picture 2" descr="http://1.bp.blogspot.com/-vW4MzXVsmqQ/UEul7BqjEJI/AAAAAAAAALI/a5HwZjtkwJ4/s200/Follow+me.png"/>
+          <p:cNvPicPr>
+            <a:picLocks noChangeAspect="1" noChangeArrowheads="1"/>
+          </p:cNvPicPr>
+          <p:nvPr/>
+        </p:nvPicPr>
+        <p:blipFill>
+          <a:blip r:embed="rId10">
+            <a:extLst>
+              <a:ext uri="{28A0092B-C50C-407E-A947-70E740481C1C}">
+                <a14:useLocalDpi xmlns:a14="http://schemas.microsoft.com/office/drawing/2010/main" val="0"/>
+              </a:ext>
+            </a:extLst>
+          </a:blip>
+          <a:srcRect/>
+          <a:stretch>
+            <a:fillRect/>
+          </a:stretch>
+        </p:blipFill>
+        <p:spPr bwMode="auto">
+          <a:xfrm>
+            <a:off x="5840477" y="922747"/>
+            <a:ext cx="1564156" cy="1564156"/>
+          </a:xfrm>
+          <a:prstGeom prst="rect">
+            <a:avLst/>
+          </a:prstGeom>
+          <a:noFill/>
+          <a:extLst>
+            <a:ext uri="{909E8E84-426E-40DD-AFC4-6F175D3DCCD1}">
+              <a14:hiddenFill xmlns:a14="http://schemas.microsoft.com/office/drawing/2010/main">
+                <a:solidFill>
+                  <a:srgbClr val="FFFFFF"/>
+                </a:solidFill>
+              </a14:hiddenFill>
+            </a:ext>
+          </a:extLst>
+        </p:spPr>
+      </p:pic>
+      <p:pic>
+        <p:nvPicPr>
+          <p:cNvPr id="1028" name="Picture 4" descr="http://www.eventindustrynews.co.uk/wp-content/uploads/2011/01/tt-square.png"/>
+          <p:cNvPicPr>
+            <a:picLocks noChangeAspect="1" noChangeArrowheads="1"/>
+          </p:cNvPicPr>
+          <p:nvPr/>
+        </p:nvPicPr>
+        <p:blipFill>
+          <a:blip r:embed="rId11">
+            <a:extLst>
+              <a:ext uri="{28A0092B-C50C-407E-A947-70E740481C1C}">
+                <a14:useLocalDpi xmlns:a14="http://schemas.microsoft.com/office/drawing/2010/main" val="0"/>
+              </a:ext>
+            </a:extLst>
+          </a:blip>
+          <a:srcRect/>
+          <a:stretch>
+            <a:fillRect/>
+          </a:stretch>
+        </p:blipFill>
+        <p:spPr bwMode="auto">
+          <a:xfrm>
+            <a:off x="5867093" y="3025477"/>
+            <a:ext cx="1343139" cy="1305830"/>
+          </a:xfrm>
+          <a:prstGeom prst="rect">
+            <a:avLst/>
+          </a:prstGeom>
+          <a:noFill/>
+          <a:extLst>
+            <a:ext uri="{909E8E84-426E-40DD-AFC4-6F175D3DCCD1}">
+              <a14:hiddenFill xmlns:a14="http://schemas.microsoft.com/office/drawing/2010/main">
+                <a:solidFill>
+                  <a:srgbClr val="FFFFFF"/>
+                </a:solidFill>
+              </a14:hiddenFill>
+            </a:ext>
+          </a:extLst>
+        </p:spPr>
+      </p:pic>
+      <p:pic>
+        <p:nvPicPr>
+          <p:cNvPr id="1030" name="Picture 6" descr="http://realtimetricks.com/wp-content/uploads/2012/10/notifications.gif"/>
+          <p:cNvPicPr>
+            <a:picLocks noChangeAspect="1" noChangeArrowheads="1"/>
+          </p:cNvPicPr>
+          <p:nvPr/>
+        </p:nvPicPr>
+        <p:blipFill>
+          <a:blip r:embed="rId12" cstate="print">
+            <a:extLst>
+              <a:ext uri="{28A0092B-C50C-407E-A947-70E740481C1C}">
+                <a14:useLocalDpi xmlns:a14="http://schemas.microsoft.com/office/drawing/2010/main" val="0"/>
+              </a:ext>
+            </a:extLst>
+          </a:blip>
+          <a:srcRect/>
+          <a:stretch>
+            <a:fillRect/>
+          </a:stretch>
+        </p:blipFill>
+        <p:spPr bwMode="auto">
+          <a:xfrm>
+            <a:off x="6134533" y="5447855"/>
+            <a:ext cx="1388872" cy="701381"/>
+          </a:xfrm>
+          <a:prstGeom prst="rect">
+            <a:avLst/>
+          </a:prstGeom>
+          <a:ln>
+            <a:noFill/>
+          </a:ln>
+          <a:effectLst>
+            <a:softEdge rad="112500"/>
+          </a:effectLst>
+          <a:extLst>
+            <a:ext uri="{909E8E84-426E-40DD-AFC4-6F175D3DCCD1}">
+              <a14:hiddenFill xmlns:a14="http://schemas.microsoft.com/office/drawing/2010/main">
+                <a:solidFill>
+                  <a:srgbClr val="FFFFFF"/>
+                </a:solidFill>
+              </a14:hiddenFill>
+            </a:ext>
+          </a:extLst>
+        </p:spPr>
+      </p:pic>
     </p:spTree>
     <p:extLst>
       <p:ext uri="{BB962C8B-B14F-4D97-AF65-F5344CB8AC3E}">
@@ -10347,68 +14188,15 @@
                                   </p:childTnLst>
                                 </p:cTn>
                               </p:par>
-                            </p:childTnLst>
-                          </p:cTn>
-                        </p:par>
-                      </p:childTnLst>
-                    </p:cTn>
-                  </p:par>
-                  <p:par>
-                    <p:cTn id="14" fill="hold">
-                      <p:stCondLst>
-                        <p:cond delay="indefinite"/>
-                      </p:stCondLst>
-                      <p:childTnLst>
-                        <p:par>
-                          <p:cTn id="15" fill="hold">
-                            <p:stCondLst>
-                              <p:cond delay="0"/>
-                            </p:stCondLst>
-                            <p:childTnLst>
                               <p:par>
-                                <p:cTn id="16" presetID="10" presetClass="entr" presetSubtype="0" fill="hold" grpId="0" nodeType="clickEffect">
+                                <p:cTn id="14" presetID="10" presetClass="entr" presetSubtype="0" fill="hold" grpId="0" nodeType="withEffect">
                                   <p:stCondLst>
                                     <p:cond delay="0"/>
                                   </p:stCondLst>
                                   <p:childTnLst>
                                     <p:set>
                                       <p:cBhvr>
-                                        <p:cTn id="17" dur="1" fill="hold">
-                                          <p:stCondLst>
-                                            <p:cond delay="0"/>
-                                          </p:stCondLst>
-                                        </p:cTn>
-                                        <p:tgtEl>
-                                          <p:spTgt spid="43"/>
-                                        </p:tgtEl>
-                                        <p:attrNameLst>
-                                          <p:attrName>style.visibility</p:attrName>
-                                        </p:attrNameLst>
-                                      </p:cBhvr>
-                                      <p:to>
-                                        <p:strVal val="visible"/>
-                                      </p:to>
-                                    </p:set>
-                                    <p:animEffect transition="in" filter="fade">
-                                      <p:cBhvr>
-                                        <p:cTn id="18" dur="500"/>
-                                        <p:tgtEl>
-                                          <p:spTgt spid="43"/>
-                                        </p:tgtEl>
-                                      </p:cBhvr>
-                                    </p:animEffect>
-                                  </p:childTnLst>
-                                </p:cTn>
-                              </p:par>
-                              <p:par>
-                                <p:cTn id="19" presetID="10" presetClass="entr" presetSubtype="0" fill="hold" grpId="0" nodeType="withEffect">
-                                  <p:stCondLst>
-                                    <p:cond delay="0"/>
-                                  </p:stCondLst>
-                                  <p:childTnLst>
-                                    <p:set>
-                                      <p:cBhvr>
-                                        <p:cTn id="20" dur="1" fill="hold">
+                                        <p:cTn id="15" dur="1" fill="hold">
                                           <p:stCondLst>
                                             <p:cond delay="0"/>
                                           </p:stCondLst>
@@ -10426,7 +14214,7 @@
                                     </p:set>
                                     <p:animEffect transition="in" filter="fade">
                                       <p:cBhvr>
-                                        <p:cTn id="21" dur="500"/>
+                                        <p:cTn id="16" dur="500"/>
                                         <p:tgtEl>
                                           <p:spTgt spid="44"/>
                                         </p:tgtEl>
@@ -10442,26 +14230,26 @@
                     </p:cTn>
                   </p:par>
                   <p:par>
-                    <p:cTn id="22" fill="hold">
+                    <p:cTn id="17" fill="hold">
                       <p:stCondLst>
                         <p:cond delay="indefinite"/>
                       </p:stCondLst>
                       <p:childTnLst>
                         <p:par>
-                          <p:cTn id="23" fill="hold">
+                          <p:cTn id="18" fill="hold">
                             <p:stCondLst>
                               <p:cond delay="0"/>
                             </p:stCondLst>
                             <p:childTnLst>
                               <p:par>
-                                <p:cTn id="24" presetID="10" presetClass="entr" presetSubtype="0" fill="hold" grpId="0" nodeType="clickEffect">
+                                <p:cTn id="19" presetID="10" presetClass="entr" presetSubtype="0" fill="hold" grpId="0" nodeType="clickEffect">
                                   <p:stCondLst>
                                     <p:cond delay="0"/>
                                   </p:stCondLst>
                                   <p:childTnLst>
                                     <p:set>
                                       <p:cBhvr>
-                                        <p:cTn id="25" dur="1" fill="hold">
+                                        <p:cTn id="20" dur="1" fill="hold">
                                           <p:stCondLst>
                                             <p:cond delay="0"/>
                                           </p:stCondLst>
@@ -10479,7 +14267,7 @@
                                     </p:set>
                                     <p:animEffect transition="in" filter="fade">
                                       <p:cBhvr>
-                                        <p:cTn id="26" dur="500"/>
+                                        <p:cTn id="21" dur="500"/>
                                         <p:tgtEl>
                                           <p:spTgt spid="46"/>
                                         </p:tgtEl>
@@ -10489,14 +14277,14 @@
                                 </p:cTn>
                               </p:par>
                               <p:par>
-                                <p:cTn id="27" presetID="10" presetClass="entr" presetSubtype="0" fill="hold" grpId="0" nodeType="withEffect">
+                                <p:cTn id="22" presetID="10" presetClass="entr" presetSubtype="0" fill="hold" grpId="0" nodeType="withEffect">
                                   <p:stCondLst>
                                     <p:cond delay="0"/>
                                   </p:stCondLst>
                                   <p:childTnLst>
                                     <p:set>
                                       <p:cBhvr>
-                                        <p:cTn id="28" dur="1" fill="hold">
+                                        <p:cTn id="23" dur="1" fill="hold">
                                           <p:stCondLst>
                                             <p:cond delay="0"/>
                                           </p:stCondLst>
@@ -10514,9 +14302,62 @@
                                     </p:set>
                                     <p:animEffect transition="in" filter="fade">
                                       <p:cBhvr>
+                                        <p:cTn id="24" dur="500"/>
+                                        <p:tgtEl>
+                                          <p:spTgt spid="47"/>
+                                        </p:tgtEl>
+                                      </p:cBhvr>
+                                    </p:animEffect>
+                                  </p:childTnLst>
+                                </p:cTn>
+                              </p:par>
+                            </p:childTnLst>
+                          </p:cTn>
+                        </p:par>
+                      </p:childTnLst>
+                    </p:cTn>
+                  </p:par>
+                  <p:par>
+                    <p:cTn id="25" fill="hold">
+                      <p:stCondLst>
+                        <p:cond delay="indefinite"/>
+                      </p:stCondLst>
+                      <p:childTnLst>
+                        <p:par>
+                          <p:cTn id="26" fill="hold">
+                            <p:stCondLst>
+                              <p:cond delay="0"/>
+                            </p:stCondLst>
+                            <p:childTnLst>
+                              <p:par>
+                                <p:cTn id="27" presetID="10" presetClass="entr" presetSubtype="0" fill="hold" grpId="0" nodeType="clickEffect">
+                                  <p:stCondLst>
+                                    <p:cond delay="0"/>
+                                  </p:stCondLst>
+                                  <p:childTnLst>
+                                    <p:set>
+                                      <p:cBhvr>
+                                        <p:cTn id="28" dur="1" fill="hold">
+                                          <p:stCondLst>
+                                            <p:cond delay="0"/>
+                                          </p:stCondLst>
+                                        </p:cTn>
+                                        <p:tgtEl>
+                                          <p:spTgt spid="56"/>
+                                        </p:tgtEl>
+                                        <p:attrNameLst>
+                                          <p:attrName>style.visibility</p:attrName>
+                                        </p:attrNameLst>
+                                      </p:cBhvr>
+                                      <p:to>
+                                        <p:strVal val="visible"/>
+                                      </p:to>
+                                    </p:set>
+                                    <p:animEffect transition="in" filter="fade">
+                                      <p:cBhvr>
                                         <p:cTn id="29" dur="500"/>
                                         <p:tgtEl>
-                                          <p:spTgt spid="47"/>
+                                          <p:spTgt spid="56"/>
                                         </p:tgtEl>
                                       </p:cBhvr>
                                     </p:animEffect>
@@ -10555,7 +14396,7 @@
                                           </p:stCondLst>
                                         </p:cTn>
                                         <p:tgtEl>
-                                          <p:spTgt spid="49"/>
+                                          <p:spTgt spid="37"/>
                                         </p:tgtEl>
                                         <p:attrNameLst>
                                           <p:attrName>style.visibility</p:attrName>
@@ -10569,201 +14410,7 @@
                                       <p:cBhvr>
                                         <p:cTn id="34" dur="500"/>
                                         <p:tgtEl>
-                                          <p:spTgt spid="49"/>
-                                        </p:tgtEl>
-                                      </p:cBhvr>
-                                    </p:animEffect>
-                                  </p:childTnLst>
-                                </p:cTn>
-                              </p:par>
-                              <p:par>
-                                <p:cTn id="35" presetID="10" presetClass="entr" presetSubtype="0" fill="hold" grpId="0" nodeType="withEffect">
-                                  <p:stCondLst>
-                                    <p:cond delay="0"/>
-                                  </p:stCondLst>
-                                  <p:childTnLst>
-                                    <p:set>
-                                      <p:cBhvr>
-                                        <p:cTn id="36" dur="1" fill="hold">
-                                          <p:stCondLst>
-                                            <p:cond delay="0"/>
-                                          </p:stCondLst>
-                                        </p:cTn>
-                                        <p:tgtEl>
-                                          <p:spTgt spid="54"/>
-                                        </p:tgtEl>
-                                        <p:attrNameLst>
-                                          <p:attrName>style.visibility</p:attrName>
-                                        </p:attrNameLst>
-                                      </p:cBhvr>
-                                      <p:to>
-                                        <p:strVal val="visible"/>
-                                      </p:to>
-                                    </p:set>
-                                    <p:animEffect transition="in" filter="fade">
-                                      <p:cBhvr>
-                                        <p:cTn id="37" dur="500"/>
-                                        <p:tgtEl>
-                                          <p:spTgt spid="54"/>
-                                        </p:tgtEl>
-                                      </p:cBhvr>
-                                    </p:animEffect>
-                                  </p:childTnLst>
-                                </p:cTn>
-                              </p:par>
-                            </p:childTnLst>
-                          </p:cTn>
-                        </p:par>
-                      </p:childTnLst>
-                    </p:cTn>
-                  </p:par>
-                  <p:par>
-                    <p:cTn id="38" fill="hold">
-                      <p:stCondLst>
-                        <p:cond delay="indefinite"/>
-                      </p:stCondLst>
-                      <p:childTnLst>
-                        <p:par>
-                          <p:cTn id="39" fill="hold">
-                            <p:stCondLst>
-                              <p:cond delay="0"/>
-                            </p:stCondLst>
-                            <p:childTnLst>
-                              <p:par>
-                                <p:cTn id="40" presetID="10" presetClass="entr" presetSubtype="0" fill="hold" grpId="0" nodeType="clickEffect">
-                                  <p:stCondLst>
-                                    <p:cond delay="0"/>
-                                  </p:stCondLst>
-                                  <p:childTnLst>
-                                    <p:set>
-                                      <p:cBhvr>
-                                        <p:cTn id="41" dur="1" fill="hold">
-                                          <p:stCondLst>
-                                            <p:cond delay="0"/>
-                                          </p:stCondLst>
-                                        </p:cTn>
-                                        <p:tgtEl>
-                                          <p:spTgt spid="55"/>
-                                        </p:tgtEl>
-                                        <p:attrNameLst>
-                                          <p:attrName>style.visibility</p:attrName>
-                                        </p:attrNameLst>
-                                      </p:cBhvr>
-                                      <p:to>
-                                        <p:strVal val="visible"/>
-                                      </p:to>
-                                    </p:set>
-                                    <p:animEffect transition="in" filter="fade">
-                                      <p:cBhvr>
-                                        <p:cTn id="42" dur="500"/>
-                                        <p:tgtEl>
-                                          <p:spTgt spid="55"/>
-                                        </p:tgtEl>
-                                      </p:cBhvr>
-                                    </p:animEffect>
-                                  </p:childTnLst>
-                                </p:cTn>
-                              </p:par>
-                            </p:childTnLst>
-                          </p:cTn>
-                        </p:par>
-                      </p:childTnLst>
-                    </p:cTn>
-                  </p:par>
-                  <p:par>
-                    <p:cTn id="43" fill="hold">
-                      <p:stCondLst>
-                        <p:cond delay="indefinite"/>
-                      </p:stCondLst>
-                      <p:childTnLst>
-                        <p:par>
-                          <p:cTn id="44" fill="hold">
-                            <p:stCondLst>
-                              <p:cond delay="0"/>
-                            </p:stCondLst>
-                            <p:childTnLst>
-                              <p:par>
-                                <p:cTn id="45" presetID="10" presetClass="entr" presetSubtype="0" fill="hold" grpId="0" nodeType="clickEffect">
-                                  <p:stCondLst>
-                                    <p:cond delay="0"/>
-                                  </p:stCondLst>
-                                  <p:childTnLst>
-                                    <p:set>
-                                      <p:cBhvr>
-                                        <p:cTn id="46" dur="1" fill="hold">
-                                          <p:stCondLst>
-                                            <p:cond delay="0"/>
-                                          </p:stCondLst>
-                                        </p:cTn>
-                                        <p:tgtEl>
-                                          <p:spTgt spid="56"/>
-                                        </p:tgtEl>
-                                        <p:attrNameLst>
-                                          <p:attrName>style.visibility</p:attrName>
-                                        </p:attrNameLst>
-                                      </p:cBhvr>
-                                      <p:to>
-                                        <p:strVal val="visible"/>
-                                      </p:to>
-                                    </p:set>
-                                    <p:animEffect transition="in" filter="fade">
-                                      <p:cBhvr>
-                                        <p:cTn id="47" dur="500"/>
-                                        <p:tgtEl>
-                                          <p:spTgt spid="56"/>
-                                        </p:tgtEl>
-                                      </p:cBhvr>
-                                    </p:animEffect>
-                                  </p:childTnLst>
-                                </p:cTn>
-                              </p:par>
-                            </p:childTnLst>
-                          </p:cTn>
-                        </p:par>
-                      </p:childTnLst>
-                    </p:cTn>
-                  </p:par>
-                  <p:par>
-                    <p:cTn id="48" fill="hold">
-                      <p:stCondLst>
-                        <p:cond delay="indefinite"/>
-                      </p:stCondLst>
-                      <p:childTnLst>
-                        <p:par>
-                          <p:cTn id="49" fill="hold">
-                            <p:stCondLst>
-                              <p:cond delay="0"/>
-                            </p:stCondLst>
-                            <p:childTnLst>
-                              <p:par>
-                                <p:cTn id="50" presetID="10" presetClass="entr" presetSubtype="0" fill="hold" grpId="0" nodeType="clickEffect">
-                                  <p:stCondLst>
-                                    <p:cond delay="0"/>
-                                  </p:stCondLst>
-                                  <p:childTnLst>
-                                    <p:set>
-                                      <p:cBhvr>
-                                        <p:cTn id="51" dur="1" fill="hold">
-                                          <p:stCondLst>
-                                            <p:cond delay="0"/>
-                                          </p:stCondLst>
-                                        </p:cTn>
-                                        <p:tgtEl>
-                                          <p:spTgt spid="57"/>
-                                        </p:tgtEl>
-                                        <p:attrNameLst>
-                                          <p:attrName>style.visibility</p:attrName>
-                                        </p:attrNameLst>
-                                      </p:cBhvr>
-                                      <p:to>
-                                        <p:strVal val="visible"/>
-                                      </p:to>
-                                    </p:set>
-                                    <p:animEffect transition="in" filter="fade">
-                                      <p:cBhvr>
-                                        <p:cTn id="52" dur="500"/>
-                                        <p:tgtEl>
-                                          <p:spTgt spid="57"/>
+                                          <p:spTgt spid="37"/>
                                         </p:tgtEl>
                                       </p:cBhvr>
                                     </p:animEffect>
@@ -10801,15 +14448,11 @@
       <p:bldP spid="33" grpId="0" animBg="1"/>
       <p:bldP spid="34" grpId="0" animBg="1"/>
       <p:bldP spid="35" grpId="0" animBg="1"/>
-      <p:bldP spid="43" grpId="0" animBg="1"/>
       <p:bldP spid="44" grpId="0" animBg="1"/>
       <p:bldP spid="46" grpId="0" animBg="1"/>
       <p:bldP spid="47" grpId="0" animBg="1"/>
-      <p:bldP spid="49" grpId="0" animBg="1"/>
-      <p:bldP spid="54" grpId="0" animBg="1"/>
-      <p:bldP spid="55" grpId="0" animBg="1"/>
       <p:bldP spid="56" grpId="0" animBg="1"/>
-      <p:bldP spid="57" grpId="0" animBg="1"/>
+      <p:bldP spid="37" grpId="0" animBg="1"/>
     </p:bldLst>
   </p:timing>
 </p:sld>

--- a/Document/Present_Phong.pptx
+++ b/Document/Present_Phong.pptx
@@ -5,12 +5,13 @@
     <p:sldMasterId id="2147483648" r:id="rId1"/>
   </p:sldMasterIdLst>
   <p:notesMasterIdLst>
-    <p:notesMasterId r:id="rId5"/>
+    <p:notesMasterId r:id="rId6"/>
   </p:notesMasterIdLst>
   <p:sldIdLst>
     <p:sldId id="280" r:id="rId2"/>
     <p:sldId id="268" r:id="rId3"/>
     <p:sldId id="281" r:id="rId4"/>
+    <p:sldId id="282" r:id="rId5"/>
   </p:sldIdLst>
   <p:sldSz cx="9144000" cy="6858000" type="screen4x3"/>
   <p:notesSz cx="6858000" cy="9144000"/>
@@ -1756,6 +1757,13 @@
         </dgm:presLayoutVars>
       </dgm:prSet>
       <dgm:spPr/>
+      <dgm:t>
+        <a:bodyPr/>
+        <a:lstStyle/>
+        <a:p>
+          <a:endParaRPr lang="en-US"/>
+        </a:p>
+      </dgm:t>
     </dgm:pt>
     <dgm:pt modelId="{A9C1B682-970F-4BDE-B0E8-FA36DDCF2539}" type="pres">
       <dgm:prSet presAssocID="{EE37044E-EFF3-4DF6-B49C-FEA04D079868}" presName="dummyMaxCanvas" presStyleCnt="0">
@@ -1770,6 +1778,13 @@
         </dgm:presLayoutVars>
       </dgm:prSet>
       <dgm:spPr/>
+      <dgm:t>
+        <a:bodyPr/>
+        <a:lstStyle/>
+        <a:p>
+          <a:endParaRPr lang="en-US"/>
+        </a:p>
+      </dgm:t>
     </dgm:pt>
     <dgm:pt modelId="{F412019C-E47A-465C-816F-304AD6E84017}" type="pres">
       <dgm:prSet presAssocID="{EE37044E-EFF3-4DF6-B49C-FEA04D079868}" presName="ThreeNodes_2" presStyleLbl="node1" presStyleIdx="1" presStyleCnt="3" custScaleX="100005" custLinFactNeighborX="8984" custLinFactNeighborY="387">
@@ -1778,6 +1793,13 @@
         </dgm:presLayoutVars>
       </dgm:prSet>
       <dgm:spPr/>
+      <dgm:t>
+        <a:bodyPr/>
+        <a:lstStyle/>
+        <a:p>
+          <a:endParaRPr lang="en-US"/>
+        </a:p>
+      </dgm:t>
     </dgm:pt>
     <dgm:pt modelId="{FE30DE2C-C7A2-4B15-8216-38B8E350332C}" type="pres">
       <dgm:prSet presAssocID="{EE37044E-EFF3-4DF6-B49C-FEA04D079868}" presName="ThreeNodes_3" presStyleLbl="node1" presStyleIdx="2" presStyleCnt="3">
@@ -1786,6 +1808,13 @@
         </dgm:presLayoutVars>
       </dgm:prSet>
       <dgm:spPr/>
+      <dgm:t>
+        <a:bodyPr/>
+        <a:lstStyle/>
+        <a:p>
+          <a:endParaRPr lang="en-US"/>
+        </a:p>
+      </dgm:t>
     </dgm:pt>
     <dgm:pt modelId="{61599C62-4F73-4153-9B6B-7FC5AE26CD6E}" type="pres">
       <dgm:prSet presAssocID="{EE37044E-EFF3-4DF6-B49C-FEA04D079868}" presName="ThreeConn_1-2" presStyleLbl="fgAccFollowNode1" presStyleIdx="0" presStyleCnt="2" custLinFactNeighborX="36431" custLinFactNeighborY="-467">
@@ -1794,6 +1823,13 @@
         </dgm:presLayoutVars>
       </dgm:prSet>
       <dgm:spPr/>
+      <dgm:t>
+        <a:bodyPr/>
+        <a:lstStyle/>
+        <a:p>
+          <a:endParaRPr lang="en-US"/>
+        </a:p>
+      </dgm:t>
     </dgm:pt>
     <dgm:pt modelId="{4501A95C-C412-4557-AD87-F88243C736DA}" type="pres">
       <dgm:prSet presAssocID="{EE37044E-EFF3-4DF6-B49C-FEA04D079868}" presName="ThreeConn_2-3" presStyleLbl="fgAccFollowNode1" presStyleIdx="1" presStyleCnt="2" custLinFactNeighborY="-4629">
@@ -1802,6 +1838,13 @@
         </dgm:presLayoutVars>
       </dgm:prSet>
       <dgm:spPr/>
+      <dgm:t>
+        <a:bodyPr/>
+        <a:lstStyle/>
+        <a:p>
+          <a:endParaRPr lang="en-US"/>
+        </a:p>
+      </dgm:t>
     </dgm:pt>
     <dgm:pt modelId="{F00339FD-1D74-454A-97C6-F7D447FC9FD3}" type="pres">
       <dgm:prSet presAssocID="{EE37044E-EFF3-4DF6-B49C-FEA04D079868}" presName="ThreeNodes_1_text" presStyleLbl="node1" presStyleIdx="2" presStyleCnt="3">
@@ -1810,6 +1853,13 @@
         </dgm:presLayoutVars>
       </dgm:prSet>
       <dgm:spPr/>
+      <dgm:t>
+        <a:bodyPr/>
+        <a:lstStyle/>
+        <a:p>
+          <a:endParaRPr lang="en-US"/>
+        </a:p>
+      </dgm:t>
     </dgm:pt>
     <dgm:pt modelId="{E54639BF-0C75-444F-9211-68E12BDD1655}" type="pres">
       <dgm:prSet presAssocID="{EE37044E-EFF3-4DF6-B49C-FEA04D079868}" presName="ThreeNodes_2_text" presStyleLbl="node1" presStyleIdx="2" presStyleCnt="3">
@@ -1818,6 +1868,13 @@
         </dgm:presLayoutVars>
       </dgm:prSet>
       <dgm:spPr/>
+      <dgm:t>
+        <a:bodyPr/>
+        <a:lstStyle/>
+        <a:p>
+          <a:endParaRPr lang="en-US"/>
+        </a:p>
+      </dgm:t>
     </dgm:pt>
     <dgm:pt modelId="{98E65A7E-B9AF-49C5-A1F5-31963221DADD}" type="pres">
       <dgm:prSet presAssocID="{EE37044E-EFF3-4DF6-B49C-FEA04D079868}" presName="ThreeNodes_3_text" presStyleLbl="node1" presStyleIdx="2" presStyleCnt="3">
@@ -1826,14 +1883,21 @@
         </dgm:presLayoutVars>
       </dgm:prSet>
       <dgm:spPr/>
+      <dgm:t>
+        <a:bodyPr/>
+        <a:lstStyle/>
+        <a:p>
+          <a:endParaRPr lang="en-US"/>
+        </a:p>
+      </dgm:t>
     </dgm:pt>
   </dgm:ptLst>
   <dgm:cxnLst>
     <dgm:cxn modelId="{0CE765EB-6A19-4E4D-BE3E-AD5EAFB4CDB7}" type="presOf" srcId="{264ABED8-1839-418F-B93D-881EF94A15F4}" destId="{98E65A7E-B9AF-49C5-A1F5-31963221DADD}" srcOrd="1" destOrd="0" presId="urn:microsoft.com/office/officeart/2005/8/layout/vProcess5"/>
     <dgm:cxn modelId="{A3B5EFA5-C187-49D8-AC1C-FF34017387FE}" type="presOf" srcId="{A902485B-4D9E-468D-B7AA-FF268092F514}" destId="{61599C62-4F73-4153-9B6B-7FC5AE26CD6E}" srcOrd="0" destOrd="0" presId="urn:microsoft.com/office/officeart/2005/8/layout/vProcess5"/>
-    <dgm:cxn modelId="{BA682020-3A35-424A-BEF5-EC2A1A8B3EAB}" srcId="{EE37044E-EFF3-4DF6-B49C-FEA04D079868}" destId="{5362BC90-88AA-45F4-82DF-65A3974733C2}" srcOrd="0" destOrd="0" parTransId="{534118D6-B64B-440B-8FCB-19D53615CB7D}" sibTransId="{A902485B-4D9E-468D-B7AA-FF268092F514}"/>
     <dgm:cxn modelId="{D518B8B8-124C-458E-87FE-C015385BAF5F}" type="presOf" srcId="{FC57BE35-DAC4-4C1A-9FDF-1B9C00AFAD47}" destId="{4501A95C-C412-4557-AD87-F88243C736DA}" srcOrd="0" destOrd="0" presId="urn:microsoft.com/office/officeart/2005/8/layout/vProcess5"/>
     <dgm:cxn modelId="{173C5020-9085-4388-ADEF-74E881C25C7B}" type="presOf" srcId="{5362BC90-88AA-45F4-82DF-65A3974733C2}" destId="{922539D6-1411-4F95-ABC6-9CA624F49588}" srcOrd="0" destOrd="0" presId="urn:microsoft.com/office/officeart/2005/8/layout/vProcess5"/>
+    <dgm:cxn modelId="{BA682020-3A35-424A-BEF5-EC2A1A8B3EAB}" srcId="{EE37044E-EFF3-4DF6-B49C-FEA04D079868}" destId="{5362BC90-88AA-45F4-82DF-65A3974733C2}" srcOrd="0" destOrd="0" parTransId="{534118D6-B64B-440B-8FCB-19D53615CB7D}" sibTransId="{A902485B-4D9E-468D-B7AA-FF268092F514}"/>
     <dgm:cxn modelId="{059727D9-3835-46AB-A986-751CD4E3B4BD}" type="presOf" srcId="{EE37044E-EFF3-4DF6-B49C-FEA04D079868}" destId="{A76142A5-A3C5-4B9F-8498-28795D764300}" srcOrd="0" destOrd="0" presId="urn:microsoft.com/office/officeart/2005/8/layout/vProcess5"/>
     <dgm:cxn modelId="{1F35471A-0537-4AB9-8043-5A5D5CFC9E32}" type="presOf" srcId="{927FBEA3-6E7C-4CCC-913E-477BAB727F5E}" destId="{F412019C-E47A-465C-816F-304AD6E84017}" srcOrd="0" destOrd="0" presId="urn:microsoft.com/office/officeart/2005/8/layout/vProcess5"/>
     <dgm:cxn modelId="{5B1D74B4-2883-429C-A163-A01447E81514}" srcId="{EE37044E-EFF3-4DF6-B49C-FEA04D079868}" destId="{927FBEA3-6E7C-4CCC-913E-477BAB727F5E}" srcOrd="1" destOrd="0" parTransId="{63DBCCBD-49A4-4793-A493-70266EECA829}" sibTransId="{FC57BE35-DAC4-4C1A-9FDF-1B9C00AFAD47}"/>
@@ -1883,10 +1947,16 @@
         <a:lstStyle/>
         <a:p>
           <a:r>
-            <a:rPr lang="en-US" sz="1800" dirty="0" smtClean="0"/>
+            <a:rPr lang="en-US" sz="1800" dirty="0" smtClean="0">
+              <a:latin typeface="Segoe UI Light" panose="020B0502040204020203" pitchFamily="34" charset="0"/>
+              <a:cs typeface="Segoe UI Light" panose="020B0502040204020203" pitchFamily="34" charset="0"/>
+            </a:rPr>
             <a:t>mark+=0.3 If same venue</a:t>
           </a:r>
-          <a:endParaRPr lang="en-US" sz="1800" dirty="0"/>
+          <a:endParaRPr lang="en-US" sz="1800" dirty="0">
+            <a:latin typeface="Segoe UI Light" panose="020B0502040204020203" pitchFamily="34" charset="0"/>
+            <a:cs typeface="Segoe UI Light" panose="020B0502040204020203" pitchFamily="34" charset="0"/>
+          </a:endParaRPr>
         </a:p>
       </dgm:t>
     </dgm:pt>
@@ -1920,10 +1990,16 @@
         <a:lstStyle/>
         <a:p>
           <a:r>
-            <a:rPr lang="en-US" sz="1800" dirty="0" smtClean="0"/>
+            <a:rPr lang="en-US" sz="1800" dirty="0" smtClean="0">
+              <a:latin typeface="Segoe UI Light" panose="020B0502040204020203" pitchFamily="34" charset="0"/>
+              <a:cs typeface="Segoe UI Light" panose="020B0502040204020203" pitchFamily="34" charset="0"/>
+            </a:rPr>
             <a:t>mark+=0.1 if same category</a:t>
           </a:r>
-          <a:endParaRPr lang="en-US" sz="1800" dirty="0"/>
+          <a:endParaRPr lang="en-US" sz="1800" dirty="0">
+            <a:latin typeface="Segoe UI Light" panose="020B0502040204020203" pitchFamily="34" charset="0"/>
+            <a:cs typeface="Segoe UI Light" panose="020B0502040204020203" pitchFamily="34" charset="0"/>
+          </a:endParaRPr>
         </a:p>
       </dgm:t>
     </dgm:pt>
@@ -1957,102 +2033,20 @@
         <a:lstStyle/>
         <a:p>
           <a:r>
-            <a:rPr lang="en-US" sz="1800" dirty="0" err="1" smtClean="0"/>
-            <a:t>Cộng</a:t>
+            <a:rPr lang="en-US" sz="1800" dirty="0" smtClean="0">
+              <a:solidFill>
+                <a:schemeClr val="bg1"/>
+              </a:solidFill>
+              <a:latin typeface="Segoe UI Light" pitchFamily="34" charset="0"/>
+              <a:cs typeface="Segoe UI Light" pitchFamily="34" charset="0"/>
+            </a:rPr>
+            <a:t>Plus points will be in accordance with range of time</a:t>
           </a:r>
-          <a:r>
-            <a:rPr lang="en-US" sz="1800" dirty="0" smtClean="0"/>
-            <a:t> </a:t>
-          </a:r>
-          <a:r>
-            <a:rPr lang="en-US" sz="1800" dirty="0" err="1" smtClean="0"/>
-            <a:t>điểm</a:t>
-          </a:r>
-          <a:r>
-            <a:rPr lang="en-US" sz="1800" dirty="0" smtClean="0"/>
-            <a:t> </a:t>
-          </a:r>
-          <a:r>
-            <a:rPr lang="en-US" sz="1800" dirty="0" err="1" smtClean="0"/>
-            <a:t>tương</a:t>
-          </a:r>
-          <a:r>
-            <a:rPr lang="en-US" sz="1800" dirty="0" smtClean="0"/>
-            <a:t> </a:t>
-          </a:r>
-          <a:r>
-            <a:rPr lang="en-US" sz="1800" dirty="0" err="1" smtClean="0"/>
-            <a:t>ứng</a:t>
-          </a:r>
-          <a:r>
-            <a:rPr lang="en-US" sz="1800" dirty="0" smtClean="0"/>
-            <a:t> </a:t>
-          </a:r>
-          <a:r>
-            <a:rPr lang="en-US" sz="1800" dirty="0" err="1" smtClean="0"/>
-            <a:t>với</a:t>
-          </a:r>
-          <a:r>
-            <a:rPr lang="en-US" sz="1800" dirty="0" smtClean="0"/>
-            <a:t> </a:t>
-          </a:r>
-          <a:r>
-            <a:rPr lang="en-US" sz="1800" dirty="0" err="1" smtClean="0"/>
-            <a:t>khoảng</a:t>
-          </a:r>
-          <a:r>
-            <a:rPr lang="en-US" sz="1800" dirty="0" smtClean="0"/>
-            <a:t> </a:t>
-          </a:r>
-          <a:r>
-            <a:rPr lang="en-US" sz="1800" dirty="0" err="1" smtClean="0"/>
-            <a:t>cách</a:t>
-          </a:r>
-          <a:r>
-            <a:rPr lang="en-US" sz="1800" dirty="0" smtClean="0"/>
-            <a:t> </a:t>
-          </a:r>
-          <a:r>
-            <a:rPr lang="en-US" sz="1800" dirty="0" err="1" smtClean="0"/>
-            <a:t>về</a:t>
-          </a:r>
-          <a:r>
-            <a:rPr lang="en-US" sz="1800" dirty="0" smtClean="0"/>
-            <a:t> </a:t>
-          </a:r>
-          <a:r>
-            <a:rPr lang="en-US" sz="1800" dirty="0" err="1" smtClean="0"/>
-            <a:t>thời</a:t>
-          </a:r>
-          <a:r>
-            <a:rPr lang="en-US" sz="1800" dirty="0" smtClean="0"/>
-            <a:t> </a:t>
-          </a:r>
-          <a:r>
-            <a:rPr lang="en-US" sz="1800" dirty="0" err="1" smtClean="0"/>
-            <a:t>gian</a:t>
-          </a:r>
-          <a:r>
-            <a:rPr lang="en-US" sz="1800" dirty="0" smtClean="0"/>
-            <a:t> (</a:t>
-          </a:r>
-          <a:r>
-            <a:rPr lang="en-US" sz="1800" dirty="0" err="1" smtClean="0"/>
-            <a:t>Tối</a:t>
-          </a:r>
-          <a:r>
-            <a:rPr lang="en-US" sz="1800" dirty="0" smtClean="0"/>
-            <a:t> </a:t>
-          </a:r>
-          <a:r>
-            <a:rPr lang="en-US" sz="1800" dirty="0" err="1" smtClean="0"/>
-            <a:t>đa</a:t>
-          </a:r>
-          <a:r>
-            <a:rPr lang="en-US" sz="1800" dirty="0" smtClean="0"/>
-            <a:t> 6h)</a:t>
-          </a:r>
-          <a:endParaRPr lang="en-US" sz="1800" dirty="0"/>
+          <a:endParaRPr lang="en-US" sz="1800" dirty="0">
+            <a:solidFill>
+              <a:schemeClr val="bg1"/>
+            </a:solidFill>
+          </a:endParaRPr>
         </a:p>
       </dgm:t>
     </dgm:pt>
@@ -2086,18 +2080,30 @@
         <a:lstStyle/>
         <a:p>
           <a:r>
-            <a:rPr lang="en-US" sz="1800" dirty="0" smtClean="0"/>
+            <a:rPr lang="en-US" sz="1800" dirty="0" smtClean="0">
+              <a:latin typeface="Segoe UI Light" panose="020B0502040204020203" pitchFamily="34" charset="0"/>
+              <a:cs typeface="Segoe UI Light" panose="020B0502040204020203" pitchFamily="34" charset="0"/>
+            </a:rPr>
             <a:t>mark+=0.3 if same </a:t>
           </a:r>
           <a:r>
-            <a:rPr lang="en-US" sz="1800" dirty="0" err="1" smtClean="0"/>
-            <a:t>vanue</a:t>
+            <a:rPr lang="en-US" sz="1800" dirty="0" smtClean="0">
+              <a:latin typeface="Segoe UI Light" panose="020B0502040204020203" pitchFamily="34" charset="0"/>
+              <a:cs typeface="Segoe UI Light" panose="020B0502040204020203" pitchFamily="34" charset="0"/>
+            </a:rPr>
+            <a:t>venue and </a:t>
           </a:r>
           <a:r>
-            <a:rPr lang="en-US" sz="1800" dirty="0" smtClean="0"/>
-            <a:t> and in range of time</a:t>
+            <a:rPr lang="en-US" sz="1800" dirty="0" smtClean="0">
+              <a:latin typeface="Segoe UI Light" panose="020B0502040204020203" pitchFamily="34" charset="0"/>
+              <a:cs typeface="Segoe UI Light" panose="020B0502040204020203" pitchFamily="34" charset="0"/>
+            </a:rPr>
+            <a:t>in range of time</a:t>
           </a:r>
-          <a:endParaRPr lang="en-US" sz="1800" dirty="0"/>
+          <a:endParaRPr lang="en-US" sz="1800" dirty="0">
+            <a:latin typeface="Segoe UI Light" panose="020B0502040204020203" pitchFamily="34" charset="0"/>
+            <a:cs typeface="Segoe UI Light" panose="020B0502040204020203" pitchFamily="34" charset="0"/>
+          </a:endParaRPr>
         </a:p>
       </dgm:t>
     </dgm:pt>
@@ -2131,10 +2137,16 @@
         <a:lstStyle/>
         <a:p>
           <a:r>
-            <a:rPr lang="en-US" sz="1800" dirty="0" smtClean="0"/>
+            <a:rPr lang="en-US" sz="1800" dirty="0" smtClean="0">
+              <a:latin typeface="Segoe UI Light" panose="020B0502040204020203" pitchFamily="34" charset="0"/>
+              <a:cs typeface="Segoe UI Light" panose="020B0502040204020203" pitchFamily="34" charset="0"/>
+            </a:rPr>
             <a:t>Suggest if mark &gt;= 0.3</a:t>
           </a:r>
-          <a:endParaRPr lang="en-US" sz="1800" dirty="0"/>
+          <a:endParaRPr lang="en-US" sz="1800" dirty="0">
+            <a:latin typeface="Segoe UI Light" panose="020B0502040204020203" pitchFamily="34" charset="0"/>
+            <a:cs typeface="Segoe UI Light" panose="020B0502040204020203" pitchFamily="34" charset="0"/>
+          </a:endParaRPr>
         </a:p>
       </dgm:t>
     </dgm:pt>
@@ -2168,6 +2180,13 @@
         </dgm:presLayoutVars>
       </dgm:prSet>
       <dgm:spPr/>
+      <dgm:t>
+        <a:bodyPr/>
+        <a:lstStyle/>
+        <a:p>
+          <a:endParaRPr lang="en-US"/>
+        </a:p>
+      </dgm:t>
     </dgm:pt>
     <dgm:pt modelId="{D17B726D-4BF1-4B7A-B01B-F4CFBFFE8E92}" type="pres">
       <dgm:prSet presAssocID="{BAD00369-7773-49C9-968F-F449E190DD2D}" presName="node" presStyleLbl="node1" presStyleIdx="0" presStyleCnt="5">
@@ -2187,10 +2206,24 @@
     <dgm:pt modelId="{0F736657-134E-4C4C-BDB6-FE75E48FDC2D}" type="pres">
       <dgm:prSet presAssocID="{D1429941-5290-497A-AB5A-935DF24AA9CA}" presName="sibTrans" presStyleLbl="sibTrans1D1" presStyleIdx="0" presStyleCnt="4"/>
       <dgm:spPr/>
+      <dgm:t>
+        <a:bodyPr/>
+        <a:lstStyle/>
+        <a:p>
+          <a:endParaRPr lang="en-US"/>
+        </a:p>
+      </dgm:t>
     </dgm:pt>
     <dgm:pt modelId="{23A55A3F-61DD-4E5A-A26B-60778A6E28B9}" type="pres">
       <dgm:prSet presAssocID="{D1429941-5290-497A-AB5A-935DF24AA9CA}" presName="connectorText" presStyleLbl="sibTrans1D1" presStyleIdx="0" presStyleCnt="4"/>
       <dgm:spPr/>
+      <dgm:t>
+        <a:bodyPr/>
+        <a:lstStyle/>
+        <a:p>
+          <a:endParaRPr lang="en-US"/>
+        </a:p>
+      </dgm:t>
     </dgm:pt>
     <dgm:pt modelId="{4AB946DC-2D10-4304-A5F4-56962390CA6E}" type="pres">
       <dgm:prSet presAssocID="{796C7CD1-1333-442B-845F-CA61B8EB7D46}" presName="node" presStyleLbl="node1" presStyleIdx="1" presStyleCnt="5">
@@ -2210,10 +2243,24 @@
     <dgm:pt modelId="{0C42D59A-1E3B-4B97-8E6A-3443B34552A6}" type="pres">
       <dgm:prSet presAssocID="{3FE60270-F1F8-4053-9AAD-409B4E7B9783}" presName="sibTrans" presStyleLbl="sibTrans1D1" presStyleIdx="1" presStyleCnt="4"/>
       <dgm:spPr/>
+      <dgm:t>
+        <a:bodyPr/>
+        <a:lstStyle/>
+        <a:p>
+          <a:endParaRPr lang="en-US"/>
+        </a:p>
+      </dgm:t>
     </dgm:pt>
     <dgm:pt modelId="{D90BDDDE-2120-4AD7-BBB4-B1CEE5F0C1DF}" type="pres">
       <dgm:prSet presAssocID="{3FE60270-F1F8-4053-9AAD-409B4E7B9783}" presName="connectorText" presStyleLbl="sibTrans1D1" presStyleIdx="1" presStyleCnt="4"/>
       <dgm:spPr/>
+      <dgm:t>
+        <a:bodyPr/>
+        <a:lstStyle/>
+        <a:p>
+          <a:endParaRPr lang="en-US"/>
+        </a:p>
+      </dgm:t>
     </dgm:pt>
     <dgm:pt modelId="{5B0D999D-EE65-46E9-8790-6F60D78B14B9}" type="pres">
       <dgm:prSet presAssocID="{7215AC10-8056-4C69-9631-0433A5C3F811}" presName="node" presStyleLbl="node1" presStyleIdx="2" presStyleCnt="5">
@@ -2233,10 +2280,24 @@
     <dgm:pt modelId="{DAB9BAE2-88EC-472D-BCEE-F89B782392CE}" type="pres">
       <dgm:prSet presAssocID="{3E8DEB96-88E6-4A3F-84E4-B84CE8F6A851}" presName="sibTrans" presStyleLbl="sibTrans1D1" presStyleIdx="2" presStyleCnt="4"/>
       <dgm:spPr/>
+      <dgm:t>
+        <a:bodyPr/>
+        <a:lstStyle/>
+        <a:p>
+          <a:endParaRPr lang="en-US"/>
+        </a:p>
+      </dgm:t>
     </dgm:pt>
     <dgm:pt modelId="{4B30EF9C-5AFE-4750-9158-940E655F1B4A}" type="pres">
       <dgm:prSet presAssocID="{3E8DEB96-88E6-4A3F-84E4-B84CE8F6A851}" presName="connectorText" presStyleLbl="sibTrans1D1" presStyleIdx="2" presStyleCnt="4"/>
       <dgm:spPr/>
+      <dgm:t>
+        <a:bodyPr/>
+        <a:lstStyle/>
+        <a:p>
+          <a:endParaRPr lang="en-US"/>
+        </a:p>
+      </dgm:t>
     </dgm:pt>
     <dgm:pt modelId="{C82C3B18-08B6-4CE3-88ED-648E3F7E00BA}" type="pres">
       <dgm:prSet presAssocID="{C3604770-9BFB-4AE1-B866-46DD6398DA00}" presName="node" presStyleLbl="node1" presStyleIdx="3" presStyleCnt="5">
@@ -2256,10 +2317,24 @@
     <dgm:pt modelId="{76174592-9CD7-418B-AB4A-94EDEE13F023}" type="pres">
       <dgm:prSet presAssocID="{7597335C-5F3C-4B1F-8F97-EE4C170570CD}" presName="sibTrans" presStyleLbl="sibTrans1D1" presStyleIdx="3" presStyleCnt="4"/>
       <dgm:spPr/>
+      <dgm:t>
+        <a:bodyPr/>
+        <a:lstStyle/>
+        <a:p>
+          <a:endParaRPr lang="en-US"/>
+        </a:p>
+      </dgm:t>
     </dgm:pt>
     <dgm:pt modelId="{E284E738-A677-46F4-AB1D-F346A1941819}" type="pres">
       <dgm:prSet presAssocID="{7597335C-5F3C-4B1F-8F97-EE4C170570CD}" presName="connectorText" presStyleLbl="sibTrans1D1" presStyleIdx="3" presStyleCnt="4"/>
       <dgm:spPr/>
+      <dgm:t>
+        <a:bodyPr/>
+        <a:lstStyle/>
+        <a:p>
+          <a:endParaRPr lang="en-US"/>
+        </a:p>
+      </dgm:t>
     </dgm:pt>
     <dgm:pt modelId="{32428080-D253-4E94-946D-C575DAD45734}" type="pres">
       <dgm:prSet presAssocID="{58F3C7E6-85DE-4F6C-86B8-8ADD2EDEDAA2}" presName="node" presStyleLbl="node1" presStyleIdx="4" presStyleCnt="5">
@@ -2287,8 +2362,8 @@
     <dgm:cxn modelId="{3CF1073C-4E16-4AC3-92BB-8BDD70546BEA}" srcId="{F4E9E209-D58C-4BFE-942B-3FEDBF9708F7}" destId="{796C7CD1-1333-442B-845F-CA61B8EB7D46}" srcOrd="1" destOrd="0" parTransId="{AD08C47A-7656-4CAD-B00D-6CEDAD3C9016}" sibTransId="{3FE60270-F1F8-4053-9AAD-409B4E7B9783}"/>
     <dgm:cxn modelId="{14E4EEA8-6AE6-4187-9361-C94F93AFBCAB}" type="presOf" srcId="{C3604770-9BFB-4AE1-B866-46DD6398DA00}" destId="{C82C3B18-08B6-4CE3-88ED-648E3F7E00BA}" srcOrd="0" destOrd="0" presId="urn:microsoft.com/office/officeart/2005/8/layout/bProcess3"/>
     <dgm:cxn modelId="{39A3A6C2-84B9-474B-94BE-D75AC54E8469}" type="presOf" srcId="{7215AC10-8056-4C69-9631-0433A5C3F811}" destId="{5B0D999D-EE65-46E9-8790-6F60D78B14B9}" srcOrd="0" destOrd="0" presId="urn:microsoft.com/office/officeart/2005/8/layout/bProcess3"/>
+    <dgm:cxn modelId="{2D7F0103-2C13-4FD6-A1BF-575130EA2541}" type="presOf" srcId="{7597335C-5F3C-4B1F-8F97-EE4C170570CD}" destId="{76174592-9CD7-418B-AB4A-94EDEE13F023}" srcOrd="0" destOrd="0" presId="urn:microsoft.com/office/officeart/2005/8/layout/bProcess3"/>
     <dgm:cxn modelId="{086B3F53-0B1B-4C1F-BF8D-C727C1FEDEF7}" srcId="{F4E9E209-D58C-4BFE-942B-3FEDBF9708F7}" destId="{BAD00369-7773-49C9-968F-F449E190DD2D}" srcOrd="0" destOrd="0" parTransId="{8B131897-3075-40D4-8A18-F6CEFE2777DA}" sibTransId="{D1429941-5290-497A-AB5A-935DF24AA9CA}"/>
-    <dgm:cxn modelId="{2D7F0103-2C13-4FD6-A1BF-575130EA2541}" type="presOf" srcId="{7597335C-5F3C-4B1F-8F97-EE4C170570CD}" destId="{76174592-9CD7-418B-AB4A-94EDEE13F023}" srcOrd="0" destOrd="0" presId="urn:microsoft.com/office/officeart/2005/8/layout/bProcess3"/>
     <dgm:cxn modelId="{C7854E4D-7DA0-4D8F-8BED-04AE86F489D5}" type="presOf" srcId="{3E8DEB96-88E6-4A3F-84E4-B84CE8F6A851}" destId="{DAB9BAE2-88EC-472D-BCEE-F89B782392CE}" srcOrd="0" destOrd="0" presId="urn:microsoft.com/office/officeart/2005/8/layout/bProcess3"/>
     <dgm:cxn modelId="{9E3244C4-45EA-4DB8-B76C-F2DDE0E8F5AA}" type="presOf" srcId="{58F3C7E6-85DE-4F6C-86B8-8ADD2EDEDAA2}" destId="{32428080-D253-4E94-946D-C575DAD45734}" srcOrd="0" destOrd="0" presId="urn:microsoft.com/office/officeart/2005/8/layout/bProcess3"/>
     <dgm:cxn modelId="{BC7573B1-3E83-4675-B993-BBBC104EE82B}" type="presOf" srcId="{3FE60270-F1F8-4053-9AAD-409B4E7B9783}" destId="{0C42D59A-1E3B-4B97-8E6A-3443B34552A6}" srcOrd="0" destOrd="0" presId="urn:microsoft.com/office/officeart/2005/8/layout/bProcess3"/>
@@ -2879,10 +2954,16 @@
             </a:spcAft>
           </a:pPr>
           <a:r>
-            <a:rPr lang="en-US" sz="1800" kern="1200" dirty="0" smtClean="0"/>
+            <a:rPr lang="en-US" sz="1800" kern="1200" dirty="0" smtClean="0">
+              <a:latin typeface="Segoe UI Light" panose="020B0502040204020203" pitchFamily="34" charset="0"/>
+              <a:cs typeface="Segoe UI Light" panose="020B0502040204020203" pitchFamily="34" charset="0"/>
+            </a:rPr>
             <a:t>mark+=0.3 If same venue</a:t>
           </a:r>
-          <a:endParaRPr lang="en-US" sz="1800" kern="1200" dirty="0"/>
+          <a:endParaRPr lang="en-US" sz="1800" kern="1200" dirty="0">
+            <a:latin typeface="Segoe UI Light" panose="020B0502040204020203" pitchFamily="34" charset="0"/>
+            <a:cs typeface="Segoe UI Light" panose="020B0502040204020203" pitchFamily="34" charset="0"/>
+          </a:endParaRPr>
         </a:p>
       </dsp:txBody>
       <dsp:txXfrm>
@@ -3041,10 +3122,16 @@
             </a:spcAft>
           </a:pPr>
           <a:r>
-            <a:rPr lang="en-US" sz="1800" kern="1200" dirty="0" smtClean="0"/>
+            <a:rPr lang="en-US" sz="1800" kern="1200" dirty="0" smtClean="0">
+              <a:latin typeface="Segoe UI Light" panose="020B0502040204020203" pitchFamily="34" charset="0"/>
+              <a:cs typeface="Segoe UI Light" panose="020B0502040204020203" pitchFamily="34" charset="0"/>
+            </a:rPr>
             <a:t>mark+=0.1 if same category</a:t>
           </a:r>
-          <a:endParaRPr lang="en-US" sz="1800" kern="1200" dirty="0"/>
+          <a:endParaRPr lang="en-US" sz="1800" kern="1200" dirty="0">
+            <a:latin typeface="Segoe UI Light" panose="020B0502040204020203" pitchFamily="34" charset="0"/>
+            <a:cs typeface="Segoe UI Light" panose="020B0502040204020203" pitchFamily="34" charset="0"/>
+          </a:endParaRPr>
         </a:p>
       </dsp:txBody>
       <dsp:txXfrm>
@@ -3197,102 +3284,20 @@
             </a:spcAft>
           </a:pPr>
           <a:r>
-            <a:rPr lang="en-US" sz="1800" kern="1200" dirty="0" err="1" smtClean="0"/>
-            <a:t>Cộng</a:t>
+            <a:rPr lang="en-US" sz="1800" kern="1200" dirty="0" smtClean="0">
+              <a:solidFill>
+                <a:schemeClr val="bg1"/>
+              </a:solidFill>
+              <a:latin typeface="Segoe UI Light" pitchFamily="34" charset="0"/>
+              <a:cs typeface="Segoe UI Light" pitchFamily="34" charset="0"/>
+            </a:rPr>
+            <a:t>Plus points will be in accordance with range of time</a:t>
           </a:r>
-          <a:r>
-            <a:rPr lang="en-US" sz="1800" kern="1200" dirty="0" smtClean="0"/>
-            <a:t> </a:t>
-          </a:r>
-          <a:r>
-            <a:rPr lang="en-US" sz="1800" kern="1200" dirty="0" err="1" smtClean="0"/>
-            <a:t>điểm</a:t>
-          </a:r>
-          <a:r>
-            <a:rPr lang="en-US" sz="1800" kern="1200" dirty="0" smtClean="0"/>
-            <a:t> </a:t>
-          </a:r>
-          <a:r>
-            <a:rPr lang="en-US" sz="1800" kern="1200" dirty="0" err="1" smtClean="0"/>
-            <a:t>tương</a:t>
-          </a:r>
-          <a:r>
-            <a:rPr lang="en-US" sz="1800" kern="1200" dirty="0" smtClean="0"/>
-            <a:t> </a:t>
-          </a:r>
-          <a:r>
-            <a:rPr lang="en-US" sz="1800" kern="1200" dirty="0" err="1" smtClean="0"/>
-            <a:t>ứng</a:t>
-          </a:r>
-          <a:r>
-            <a:rPr lang="en-US" sz="1800" kern="1200" dirty="0" smtClean="0"/>
-            <a:t> </a:t>
-          </a:r>
-          <a:r>
-            <a:rPr lang="en-US" sz="1800" kern="1200" dirty="0" err="1" smtClean="0"/>
-            <a:t>với</a:t>
-          </a:r>
-          <a:r>
-            <a:rPr lang="en-US" sz="1800" kern="1200" dirty="0" smtClean="0"/>
-            <a:t> </a:t>
-          </a:r>
-          <a:r>
-            <a:rPr lang="en-US" sz="1800" kern="1200" dirty="0" err="1" smtClean="0"/>
-            <a:t>khoảng</a:t>
-          </a:r>
-          <a:r>
-            <a:rPr lang="en-US" sz="1800" kern="1200" dirty="0" smtClean="0"/>
-            <a:t> </a:t>
-          </a:r>
-          <a:r>
-            <a:rPr lang="en-US" sz="1800" kern="1200" dirty="0" err="1" smtClean="0"/>
-            <a:t>cách</a:t>
-          </a:r>
-          <a:r>
-            <a:rPr lang="en-US" sz="1800" kern="1200" dirty="0" smtClean="0"/>
-            <a:t> </a:t>
-          </a:r>
-          <a:r>
-            <a:rPr lang="en-US" sz="1800" kern="1200" dirty="0" err="1" smtClean="0"/>
-            <a:t>về</a:t>
-          </a:r>
-          <a:r>
-            <a:rPr lang="en-US" sz="1800" kern="1200" dirty="0" smtClean="0"/>
-            <a:t> </a:t>
-          </a:r>
-          <a:r>
-            <a:rPr lang="en-US" sz="1800" kern="1200" dirty="0" err="1" smtClean="0"/>
-            <a:t>thời</a:t>
-          </a:r>
-          <a:r>
-            <a:rPr lang="en-US" sz="1800" kern="1200" dirty="0" smtClean="0"/>
-            <a:t> </a:t>
-          </a:r>
-          <a:r>
-            <a:rPr lang="en-US" sz="1800" kern="1200" dirty="0" err="1" smtClean="0"/>
-            <a:t>gian</a:t>
-          </a:r>
-          <a:r>
-            <a:rPr lang="en-US" sz="1800" kern="1200" dirty="0" smtClean="0"/>
-            <a:t> (</a:t>
-          </a:r>
-          <a:r>
-            <a:rPr lang="en-US" sz="1800" kern="1200" dirty="0" err="1" smtClean="0"/>
-            <a:t>Tối</a:t>
-          </a:r>
-          <a:r>
-            <a:rPr lang="en-US" sz="1800" kern="1200" dirty="0" smtClean="0"/>
-            <a:t> </a:t>
-          </a:r>
-          <a:r>
-            <a:rPr lang="en-US" sz="1800" kern="1200" dirty="0" err="1" smtClean="0"/>
-            <a:t>đa</a:t>
-          </a:r>
-          <a:r>
-            <a:rPr lang="en-US" sz="1800" kern="1200" dirty="0" smtClean="0"/>
-            <a:t> 6h)</a:t>
-          </a:r>
-          <a:endParaRPr lang="en-US" sz="1800" kern="1200" dirty="0"/>
+          <a:endParaRPr lang="en-US" sz="1800" kern="1200" dirty="0">
+            <a:solidFill>
+              <a:schemeClr val="bg1"/>
+            </a:solidFill>
+          </a:endParaRPr>
         </a:p>
       </dsp:txBody>
       <dsp:txXfrm>
@@ -3451,18 +3456,30 @@
             </a:spcAft>
           </a:pPr>
           <a:r>
-            <a:rPr lang="en-US" sz="1800" kern="1200" dirty="0" smtClean="0"/>
+            <a:rPr lang="en-US" sz="1800" kern="1200" dirty="0" smtClean="0">
+              <a:latin typeface="Segoe UI Light" panose="020B0502040204020203" pitchFamily="34" charset="0"/>
+              <a:cs typeface="Segoe UI Light" panose="020B0502040204020203" pitchFamily="34" charset="0"/>
+            </a:rPr>
             <a:t>mark+=0.3 if same </a:t>
           </a:r>
           <a:r>
-            <a:rPr lang="en-US" sz="1800" kern="1200" dirty="0" err="1" smtClean="0"/>
-            <a:t>vanue</a:t>
+            <a:rPr lang="en-US" sz="1800" kern="1200" dirty="0" smtClean="0">
+              <a:latin typeface="Segoe UI Light" panose="020B0502040204020203" pitchFamily="34" charset="0"/>
+              <a:cs typeface="Segoe UI Light" panose="020B0502040204020203" pitchFamily="34" charset="0"/>
+            </a:rPr>
+            <a:t>venue and </a:t>
           </a:r>
           <a:r>
-            <a:rPr lang="en-US" sz="1800" kern="1200" dirty="0" smtClean="0"/>
-            <a:t> and in range of time</a:t>
+            <a:rPr lang="en-US" sz="1800" kern="1200" dirty="0" smtClean="0">
+              <a:latin typeface="Segoe UI Light" panose="020B0502040204020203" pitchFamily="34" charset="0"/>
+              <a:cs typeface="Segoe UI Light" panose="020B0502040204020203" pitchFamily="34" charset="0"/>
+            </a:rPr>
+            <a:t>in range of time</a:t>
           </a:r>
-          <a:endParaRPr lang="en-US" sz="1800" kern="1200" dirty="0"/>
+          <a:endParaRPr lang="en-US" sz="1800" kern="1200" dirty="0">
+            <a:latin typeface="Segoe UI Light" panose="020B0502040204020203" pitchFamily="34" charset="0"/>
+            <a:cs typeface="Segoe UI Light" panose="020B0502040204020203" pitchFamily="34" charset="0"/>
+          </a:endParaRPr>
         </a:p>
       </dsp:txBody>
       <dsp:txXfrm>
@@ -3536,10 +3553,16 @@
             </a:spcAft>
           </a:pPr>
           <a:r>
-            <a:rPr lang="en-US" sz="1800" kern="1200" dirty="0" smtClean="0"/>
+            <a:rPr lang="en-US" sz="1800" kern="1200" dirty="0" smtClean="0">
+              <a:latin typeface="Segoe UI Light" panose="020B0502040204020203" pitchFamily="34" charset="0"/>
+              <a:cs typeface="Segoe UI Light" panose="020B0502040204020203" pitchFamily="34" charset="0"/>
+            </a:rPr>
             <a:t>Suggest if mark &gt;= 0.3</a:t>
           </a:r>
-          <a:endParaRPr lang="en-US" sz="1800" kern="1200" dirty="0"/>
+          <a:endParaRPr lang="en-US" sz="1800" kern="1200" dirty="0">
+            <a:latin typeface="Segoe UI Light" panose="020B0502040204020203" pitchFamily="34" charset="0"/>
+            <a:cs typeface="Segoe UI Light" panose="020B0502040204020203" pitchFamily="34" charset="0"/>
+          </a:endParaRPr>
         </a:p>
       </dsp:txBody>
       <dsp:txXfrm>
@@ -11893,7 +11916,7 @@
                                 </p:cTn>
                               </p:par>
                               <p:par>
-                                <p:cTn id="11" presetID="10" presetClass="entr" presetSubtype="0" fill="hold" grpId="0" nodeType="withEffect">
+                                <p:cTn id="11" presetID="10" presetClass="entr" presetSubtype="0" fill="hold" nodeType="withEffect">
                                   <p:stCondLst>
                                     <p:cond delay="0"/>
                                   </p:stCondLst>
@@ -11906,7 +11929,7 @@
                                           </p:stCondLst>
                                         </p:cTn>
                                         <p:tgtEl>
-                                          <p:spTgt spid="35"/>
+                                          <p:spTgt spid="18"/>
                                         </p:tgtEl>
                                         <p:attrNameLst>
                                           <p:attrName>style.visibility</p:attrName>
@@ -11920,42 +11943,7 @@
                                       <p:cBhvr>
                                         <p:cTn id="13" dur="500"/>
                                         <p:tgtEl>
-                                          <p:spTgt spid="35"/>
-                                        </p:tgtEl>
-                                      </p:cBhvr>
-                                    </p:animEffect>
-                                  </p:childTnLst>
-                                </p:cTn>
-                              </p:par>
-                              <p:par>
-                                <p:cTn id="14" presetID="10" presetClass="entr" presetSubtype="0" fill="hold" grpId="0" nodeType="withEffect">
-                                  <p:stCondLst>
-                                    <p:cond delay="0"/>
-                                  </p:stCondLst>
-                                  <p:childTnLst>
-                                    <p:set>
-                                      <p:cBhvr>
-                                        <p:cTn id="15" dur="1" fill="hold">
-                                          <p:stCondLst>
-                                            <p:cond delay="0"/>
-                                          </p:stCondLst>
-                                        </p:cTn>
-                                        <p:tgtEl>
-                                          <p:spTgt spid="44"/>
-                                        </p:tgtEl>
-                                        <p:attrNameLst>
-                                          <p:attrName>style.visibility</p:attrName>
-                                        </p:attrNameLst>
-                                      </p:cBhvr>
-                                      <p:to>
-                                        <p:strVal val="visible"/>
-                                      </p:to>
-                                    </p:set>
-                                    <p:animEffect transition="in" filter="fade">
-                                      <p:cBhvr>
-                                        <p:cTn id="16" dur="500"/>
-                                        <p:tgtEl>
-                                          <p:spTgt spid="44"/>
+                                          <p:spTgt spid="18"/>
                                         </p:tgtEl>
                                       </p:cBhvr>
                                     </p:animEffect>
@@ -11969,19 +11957,54 @@
                     </p:cTn>
                   </p:par>
                   <p:par>
-                    <p:cTn id="17" fill="hold">
+                    <p:cTn id="14" fill="hold">
                       <p:stCondLst>
                         <p:cond delay="indefinite"/>
                       </p:stCondLst>
                       <p:childTnLst>
                         <p:par>
-                          <p:cTn id="18" fill="hold">
+                          <p:cTn id="15" fill="hold">
                             <p:stCondLst>
                               <p:cond delay="0"/>
                             </p:stCondLst>
                             <p:childTnLst>
                               <p:par>
-                                <p:cTn id="19" presetID="10" presetClass="entr" presetSubtype="0" fill="hold" grpId="0" nodeType="clickEffect">
+                                <p:cTn id="16" presetID="10" presetClass="entr" presetSubtype="0" fill="hold" nodeType="clickEffect">
+                                  <p:stCondLst>
+                                    <p:cond delay="0"/>
+                                  </p:stCondLst>
+                                  <p:childTnLst>
+                                    <p:set>
+                                      <p:cBhvr>
+                                        <p:cTn id="17" dur="1" fill="hold">
+                                          <p:stCondLst>
+                                            <p:cond delay="0"/>
+                                          </p:stCondLst>
+                                        </p:cTn>
+                                        <p:tgtEl>
+                                          <p:spTgt spid="1026"/>
+                                        </p:tgtEl>
+                                        <p:attrNameLst>
+                                          <p:attrName>style.visibility</p:attrName>
+                                        </p:attrNameLst>
+                                      </p:cBhvr>
+                                      <p:to>
+                                        <p:strVal val="visible"/>
+                                      </p:to>
+                                    </p:set>
+                                    <p:animEffect transition="in" filter="fade">
+                                      <p:cBhvr>
+                                        <p:cTn id="18" dur="500"/>
+                                        <p:tgtEl>
+                                          <p:spTgt spid="1026"/>
+                                        </p:tgtEl>
+                                      </p:cBhvr>
+                                    </p:animEffect>
+                                  </p:childTnLst>
+                                </p:cTn>
+                              </p:par>
+                              <p:par>
+                                <p:cTn id="19" presetID="10" presetClass="entr" presetSubtype="0" fill="hold" grpId="0" nodeType="withEffect">
                                   <p:stCondLst>
                                     <p:cond delay="0"/>
                                   </p:stCondLst>
@@ -11994,7 +12017,7 @@
                                           </p:stCondLst>
                                         </p:cTn>
                                         <p:tgtEl>
-                                          <p:spTgt spid="46"/>
+                                          <p:spTgt spid="17"/>
                                         </p:tgtEl>
                                         <p:attrNameLst>
                                           <p:attrName>style.visibility</p:attrName>
@@ -12008,7 +12031,7 @@
                                       <p:cBhvr>
                                         <p:cTn id="21" dur="500"/>
                                         <p:tgtEl>
-                                          <p:spTgt spid="46"/>
+                                          <p:spTgt spid="17"/>
                                         </p:tgtEl>
                                       </p:cBhvr>
                                     </p:animEffect>
@@ -12029,7 +12052,7 @@
                                           </p:stCondLst>
                                         </p:cTn>
                                         <p:tgtEl>
-                                          <p:spTgt spid="47"/>
+                                          <p:spTgt spid="56"/>
                                         </p:tgtEl>
                                         <p:attrNameLst>
                                           <p:attrName>style.visibility</p:attrName>
@@ -12043,7 +12066,147 @@
                                       <p:cBhvr>
                                         <p:cTn id="24" dur="500"/>
                                         <p:tgtEl>
-                                          <p:spTgt spid="47"/>
+                                          <p:spTgt spid="56"/>
+                                        </p:tgtEl>
+                                      </p:cBhvr>
+                                    </p:animEffect>
+                                  </p:childTnLst>
+                                </p:cTn>
+                              </p:par>
+                              <p:par>
+                                <p:cTn id="25" presetID="10" presetClass="entr" presetSubtype="0" fill="hold" grpId="0" nodeType="withEffect">
+                                  <p:stCondLst>
+                                    <p:cond delay="0"/>
+                                  </p:stCondLst>
+                                  <p:childTnLst>
+                                    <p:set>
+                                      <p:cBhvr>
+                                        <p:cTn id="26" dur="1" fill="hold">
+                                          <p:stCondLst>
+                                            <p:cond delay="0"/>
+                                          </p:stCondLst>
+                                        </p:cTn>
+                                        <p:tgtEl>
+                                          <p:spTgt spid="44"/>
+                                        </p:tgtEl>
+                                        <p:attrNameLst>
+                                          <p:attrName>style.visibility</p:attrName>
+                                        </p:attrNameLst>
+                                      </p:cBhvr>
+                                      <p:to>
+                                        <p:strVal val="visible"/>
+                                      </p:to>
+                                    </p:set>
+                                    <p:animEffect transition="in" filter="fade">
+                                      <p:cBhvr>
+                                        <p:cTn id="27" dur="500"/>
+                                        <p:tgtEl>
+                                          <p:spTgt spid="44"/>
+                                        </p:tgtEl>
+                                      </p:cBhvr>
+                                    </p:animEffect>
+                                  </p:childTnLst>
+                                </p:cTn>
+                              </p:par>
+                              <p:par>
+                                <p:cTn id="28" presetID="10" presetClass="entr" presetSubtype="0" fill="hold" grpId="0" nodeType="withEffect">
+                                  <p:stCondLst>
+                                    <p:cond delay="0"/>
+                                  </p:stCondLst>
+                                  <p:childTnLst>
+                                    <p:set>
+                                      <p:cBhvr>
+                                        <p:cTn id="29" dur="1" fill="hold">
+                                          <p:stCondLst>
+                                            <p:cond delay="0"/>
+                                          </p:stCondLst>
+                                        </p:cTn>
+                                        <p:tgtEl>
+                                          <p:spTgt spid="46"/>
+                                        </p:tgtEl>
+                                        <p:attrNameLst>
+                                          <p:attrName>style.visibility</p:attrName>
+                                        </p:attrNameLst>
+                                      </p:cBhvr>
+                                      <p:to>
+                                        <p:strVal val="visible"/>
+                                      </p:to>
+                                    </p:set>
+                                    <p:animEffect transition="in" filter="fade">
+                                      <p:cBhvr>
+                                        <p:cTn id="30" dur="500"/>
+                                        <p:tgtEl>
+                                          <p:spTgt spid="46"/>
+                                        </p:tgtEl>
+                                      </p:cBhvr>
+                                    </p:animEffect>
+                                  </p:childTnLst>
+                                </p:cTn>
+                              </p:par>
+                              <p:par>
+                                <p:cTn id="31" presetID="10" presetClass="entr" presetSubtype="0" fill="hold" grpId="0" nodeType="withEffect">
+                                  <p:stCondLst>
+                                    <p:cond delay="0"/>
+                                  </p:stCondLst>
+                                  <p:childTnLst>
+                                    <p:set>
+                                      <p:cBhvr>
+                                        <p:cTn id="32" dur="1" fill="hold">
+                                          <p:stCondLst>
+                                            <p:cond delay="0"/>
+                                          </p:stCondLst>
+                                        </p:cTn>
+                                        <p:tgtEl>
+                                          <p:spTgt spid="35"/>
+                                        </p:tgtEl>
+                                        <p:attrNameLst>
+                                          <p:attrName>style.visibility</p:attrName>
+                                        </p:attrNameLst>
+                                      </p:cBhvr>
+                                      <p:to>
+                                        <p:strVal val="visible"/>
+                                      </p:to>
+                                    </p:set>
+                                    <p:animEffect transition="in" filter="fade">
+                                      <p:cBhvr>
+                                        <p:cTn id="33" dur="500"/>
+                                        <p:tgtEl>
+                                          <p:spTgt spid="35"/>
+                                        </p:tgtEl>
+                                      </p:cBhvr>
+                                    </p:animEffect>
+                                  </p:childTnLst>
+                                </p:cTn>
+                              </p:par>
+                              <p:par>
+                                <p:cTn id="34" presetID="10" presetClass="entr" presetSubtype="0" fill="hold" nodeType="withEffect">
+                                  <p:stCondLst>
+                                    <p:cond delay="0"/>
+                                  </p:stCondLst>
+                                  <p:childTnLst>
+                                    <p:set>
+                                      <p:cBhvr>
+                                        <p:cTn id="35" dur="1" fill="hold">
+                                          <p:stCondLst>
+                                            <p:cond delay="0"/>
+                                          </p:stCondLst>
+                                        </p:cTn>
+                                        <p:tgtEl>
+                                          <p:spTgt spid="1028"/>
+                                        </p:tgtEl>
+                                        <p:attrNameLst>
+                                          <p:attrName>style.visibility</p:attrName>
+                                        </p:attrNameLst>
+                                      </p:cBhvr>
+                                      <p:to>
+                                        <p:strVal val="visible"/>
+                                      </p:to>
+                                    </p:set>
+                                    <p:animEffect transition="in" filter="fade">
+                                      <p:cBhvr>
+                                        <p:cTn id="36" dur="500"/>
+                                        <p:tgtEl>
+                                          <p:spTgt spid="1028"/>
                                         </p:tgtEl>
                                       </p:cBhvr>
                                     </p:animEffect>
@@ -12057,32 +12220,32 @@
                     </p:cTn>
                   </p:par>
                   <p:par>
-                    <p:cTn id="25" fill="hold">
+                    <p:cTn id="37" fill="hold">
                       <p:stCondLst>
                         <p:cond delay="indefinite"/>
                       </p:stCondLst>
                       <p:childTnLst>
                         <p:par>
-                          <p:cTn id="26" fill="hold">
+                          <p:cTn id="38" fill="hold">
                             <p:stCondLst>
                               <p:cond delay="0"/>
                             </p:stCondLst>
                             <p:childTnLst>
                               <p:par>
-                                <p:cTn id="27" presetID="10" presetClass="entr" presetSubtype="0" fill="hold" grpId="0" nodeType="clickEffect">
+                                <p:cTn id="39" presetID="10" presetClass="entr" presetSubtype="0" fill="hold" nodeType="clickEffect">
                                   <p:stCondLst>
                                     <p:cond delay="0"/>
                                   </p:stCondLst>
                                   <p:childTnLst>
                                     <p:set>
                                       <p:cBhvr>
-                                        <p:cTn id="28" dur="1" fill="hold">
+                                        <p:cTn id="40" dur="1" fill="hold">
                                           <p:stCondLst>
                                             <p:cond delay="0"/>
                                           </p:stCondLst>
                                         </p:cTn>
                                         <p:tgtEl>
-                                          <p:spTgt spid="56"/>
+                                          <p:spTgt spid="36"/>
                                         </p:tgtEl>
                                         <p:attrNameLst>
                                           <p:attrName>style.visibility</p:attrName>
@@ -12094,42 +12257,59 @@
                                     </p:set>
                                     <p:animEffect transition="in" filter="fade">
                                       <p:cBhvr>
-                                        <p:cTn id="29" dur="500"/>
+                                        <p:cTn id="41" dur="500"/>
                                         <p:tgtEl>
-                                          <p:spTgt spid="56"/>
+                                          <p:spTgt spid="36"/>
                                         </p:tgtEl>
                                       </p:cBhvr>
                                     </p:animEffect>
                                   </p:childTnLst>
                                 </p:cTn>
                               </p:par>
-                            </p:childTnLst>
-                          </p:cTn>
-                        </p:par>
-                      </p:childTnLst>
-                    </p:cTn>
-                  </p:par>
-                  <p:par>
-                    <p:cTn id="30" fill="hold">
-                      <p:stCondLst>
-                        <p:cond delay="indefinite"/>
-                      </p:stCondLst>
-                      <p:childTnLst>
-                        <p:par>
-                          <p:cTn id="31" fill="hold">
-                            <p:stCondLst>
-                              <p:cond delay="0"/>
-                            </p:stCondLst>
-                            <p:childTnLst>
                               <p:par>
-                                <p:cTn id="32" presetID="10" presetClass="entr" presetSubtype="0" fill="hold" grpId="0" nodeType="clickEffect">
+                                <p:cTn id="42" presetID="10" presetClass="entr" presetSubtype="0" fill="hold" grpId="0" nodeType="withEffect">
                                   <p:stCondLst>
                                     <p:cond delay="0"/>
                                   </p:stCondLst>
                                   <p:childTnLst>
                                     <p:set>
                                       <p:cBhvr>
-                                        <p:cTn id="33" dur="1" fill="hold">
+                                        <p:cTn id="43" dur="1" fill="hold">
+                                          <p:stCondLst>
+                                            <p:cond delay="0"/>
+                                          </p:stCondLst>
+                                        </p:cTn>
+                                        <p:tgtEl>
+                                          <p:spTgt spid="38"/>
+                                        </p:tgtEl>
+                                        <p:attrNameLst>
+                                          <p:attrName>style.visibility</p:attrName>
+                                        </p:attrNameLst>
+                                      </p:cBhvr>
+                                      <p:to>
+                                        <p:strVal val="visible"/>
+                                      </p:to>
+                                    </p:set>
+                                    <p:animEffect transition="in" filter="fade">
+                                      <p:cBhvr>
+                                        <p:cTn id="44" dur="500"/>
+                                        <p:tgtEl>
+                                          <p:spTgt spid="38"/>
+                                        </p:tgtEl>
+                                      </p:cBhvr>
+                                    </p:animEffect>
+                                  </p:childTnLst>
+                                </p:cTn>
+                              </p:par>
+                              <p:par>
+                                <p:cTn id="45" presetID="10" presetClass="entr" presetSubtype="0" fill="hold" grpId="0" nodeType="withEffect">
+                                  <p:stCondLst>
+                                    <p:cond delay="0"/>
+                                  </p:stCondLst>
+                                  <p:childTnLst>
+                                    <p:set>
+                                      <p:cBhvr>
+                                        <p:cTn id="46" dur="1" fill="hold">
                                           <p:stCondLst>
                                             <p:cond delay="0"/>
                                           </p:stCondLst>
@@ -12147,9 +12327,79 @@
                                     </p:set>
                                     <p:animEffect transition="in" filter="fade">
                                       <p:cBhvr>
-                                        <p:cTn id="34" dur="500"/>
+                                        <p:cTn id="47" dur="500"/>
                                         <p:tgtEl>
                                           <p:spTgt spid="37"/>
+                                        </p:tgtEl>
+                                      </p:cBhvr>
+                                    </p:animEffect>
+                                  </p:childTnLst>
+                                </p:cTn>
+                              </p:par>
+                              <p:par>
+                                <p:cTn id="48" presetID="10" presetClass="entr" presetSubtype="0" fill="hold" grpId="0" nodeType="withEffect">
+                                  <p:stCondLst>
+                                    <p:cond delay="0"/>
+                                  </p:stCondLst>
+                                  <p:childTnLst>
+                                    <p:set>
+                                      <p:cBhvr>
+                                        <p:cTn id="49" dur="1" fill="hold">
+                                          <p:stCondLst>
+                                            <p:cond delay="0"/>
+                                          </p:stCondLst>
+                                        </p:cTn>
+                                        <p:tgtEl>
+                                          <p:spTgt spid="47"/>
+                                        </p:tgtEl>
+                                        <p:attrNameLst>
+                                          <p:attrName>style.visibility</p:attrName>
+                                        </p:attrNameLst>
+                                      </p:cBhvr>
+                                      <p:to>
+                                        <p:strVal val="visible"/>
+                                      </p:to>
+                                    </p:set>
+                                    <p:animEffect transition="in" filter="fade">
+                                      <p:cBhvr>
+                                        <p:cTn id="50" dur="500"/>
+                                        <p:tgtEl>
+                                          <p:spTgt spid="47"/>
+                                        </p:tgtEl>
+                                      </p:cBhvr>
+                                    </p:animEffect>
+                                  </p:childTnLst>
+                                </p:cTn>
+                              </p:par>
+                              <p:par>
+                                <p:cTn id="51" presetID="10" presetClass="entr" presetSubtype="0" fill="hold" nodeType="withEffect">
+                                  <p:stCondLst>
+                                    <p:cond delay="0"/>
+                                  </p:stCondLst>
+                                  <p:childTnLst>
+                                    <p:set>
+                                      <p:cBhvr>
+                                        <p:cTn id="52" dur="1" fill="hold">
+                                          <p:stCondLst>
+                                            <p:cond delay="0"/>
+                                          </p:stCondLst>
+                                        </p:cTn>
+                                        <p:tgtEl>
+                                          <p:spTgt spid="1030"/>
+                                        </p:tgtEl>
+                                        <p:attrNameLst>
+                                          <p:attrName>style.visibility</p:attrName>
+                                        </p:attrNameLst>
+                                      </p:cBhvr>
+                                      <p:to>
+                                        <p:strVal val="visible"/>
+                                      </p:to>
+                                    </p:set>
+                                    <p:animEffect transition="in" filter="fade">
+                                      <p:cBhvr>
+                                        <p:cTn id="53" dur="500"/>
+                                        <p:tgtEl>
+                                          <p:spTgt spid="1030"/>
                                         </p:tgtEl>
                                       </p:cBhvr>
                                     </p:animEffect>
@@ -12191,7 +12441,9 @@
       <p:bldP spid="46" grpId="0" animBg="1"/>
       <p:bldP spid="47" grpId="0" animBg="1"/>
       <p:bldP spid="56" grpId="0" animBg="1"/>
+      <p:bldP spid="17" grpId="0"/>
       <p:bldP spid="37" grpId="0" animBg="1"/>
+      <p:bldP spid="38" grpId="0"/>
     </p:bldLst>
   </p:timing>
 </p:sld>
@@ -12402,7 +12654,7 @@
         </p:nvSpPr>
         <p:spPr>
           <a:xfrm>
-            <a:off x="2133600" y="1676400"/>
+            <a:off x="2133600" y="1316548"/>
             <a:ext cx="6781800" cy="2308324"/>
           </a:xfrm>
           <a:prstGeom prst="rect">
@@ -12438,15 +12690,6 @@
               </a:rPr>
               <a:t>Main factors (order by important )</a:t>
             </a:r>
-            <a:endParaRPr lang="en-US" sz="3200" dirty="0" smtClean="0">
-              <a:solidFill>
-                <a:schemeClr val="bg2">
-                  <a:lumMod val="25000"/>
-                </a:schemeClr>
-              </a:solidFill>
-              <a:latin typeface="Segoe UI Light" pitchFamily="34" charset="0"/>
-              <a:cs typeface="Segoe UI Light" pitchFamily="34" charset="0"/>
-            </a:endParaRPr>
           </a:p>
           <a:p>
             <a:pPr marL="625475" indent="-396875">
@@ -12522,16 +12765,6 @@
               </a:rPr>
               <a:t>Category – exact matching</a:t>
             </a:r>
-            <a:endParaRPr lang="en-US" dirty="0" smtClean="0">
-              <a:solidFill>
-                <a:schemeClr val="tx1">
-                  <a:lumMod val="75000"/>
-                  <a:lumOff val="25000"/>
-                </a:schemeClr>
-              </a:solidFill>
-              <a:latin typeface="Segoe UI Light" pitchFamily="34" charset="0"/>
-              <a:cs typeface="Segoe UI Light" pitchFamily="34" charset="0"/>
-            </a:endParaRPr>
           </a:p>
           <a:p>
             <a:pPr marL="625475" indent="-396875">
@@ -12611,8 +12844,8 @@
         </p:nvSpPr>
         <p:spPr>
           <a:xfrm>
-            <a:off x="2133600" y="3722638"/>
-            <a:ext cx="6781800" cy="1015663"/>
+            <a:off x="2133600" y="3305312"/>
+            <a:ext cx="6781800" cy="2277547"/>
           </a:xfrm>
           <a:prstGeom prst="rect">
             <a:avLst/>
@@ -12647,10 +12880,181 @@
               </a:rPr>
               <a:t>Others</a:t>
             </a:r>
+          </a:p>
+          <a:p>
+            <a:pPr marL="625475" indent="-396875">
+              <a:spcBef>
+                <a:spcPts val="1200"/>
+              </a:spcBef>
+              <a:buClr>
+                <a:srgbClr val="7030A0"/>
+              </a:buClr>
+              <a:buFont typeface="Wingdings" pitchFamily="2" charset="2"/>
+              <a:buChar char="§"/>
+            </a:pPr>
+            <a:r>
+              <a:rPr lang="en-US" dirty="0">
+                <a:solidFill>
+                  <a:schemeClr val="tx1">
+                    <a:lumMod val="75000"/>
+                    <a:lumOff val="25000"/>
+                  </a:schemeClr>
+                </a:solidFill>
+                <a:latin typeface="Segoe UI Light" pitchFamily="34" charset="0"/>
+                <a:cs typeface="Segoe UI Light" pitchFamily="34" charset="0"/>
+              </a:rPr>
+              <a:t>The nearer it is to the event starting time, the more it is appreciated (at maximum 6 hours</a:t>
+            </a:r>
+            <a:r>
+              <a:rPr lang="en-US" dirty="0" smtClean="0">
+                <a:solidFill>
+                  <a:schemeClr val="tx1">
+                    <a:lumMod val="75000"/>
+                    <a:lumOff val="25000"/>
+                  </a:schemeClr>
+                </a:solidFill>
+                <a:latin typeface="Segoe UI Light" pitchFamily="34" charset="0"/>
+                <a:cs typeface="Segoe UI Light" pitchFamily="34" charset="0"/>
+              </a:rPr>
+              <a:t>)</a:t>
+            </a:r>
+          </a:p>
+          <a:p>
+            <a:pPr marL="625475" indent="-396875">
+              <a:spcBef>
+                <a:spcPts val="1200"/>
+              </a:spcBef>
+              <a:buClr>
+                <a:srgbClr val="7030A0"/>
+              </a:buClr>
+              <a:buFont typeface="Wingdings" pitchFamily="2" charset="2"/>
+              <a:buChar char="§"/>
+            </a:pPr>
+            <a:r>
+              <a:rPr lang="en-US" dirty="0">
+                <a:solidFill>
+                  <a:schemeClr val="tx1">
+                    <a:lumMod val="75000"/>
+                    <a:lumOff val="25000"/>
+                  </a:schemeClr>
+                </a:solidFill>
+                <a:latin typeface="Segoe UI Light" pitchFamily="34" charset="0"/>
+                <a:cs typeface="Segoe UI Light" pitchFamily="34" charset="0"/>
+              </a:rPr>
+              <a:t>The event which happens at the allowed period of time and happens at the same venue will be likely to receive deduction </a:t>
+            </a:r>
+            <a:r>
+              <a:rPr lang="en-US" dirty="0" smtClean="0">
+                <a:solidFill>
+                  <a:schemeClr val="tx1">
+                    <a:lumMod val="75000"/>
+                    <a:lumOff val="25000"/>
+                  </a:schemeClr>
+                </a:solidFill>
+                <a:latin typeface="Segoe UI Light" pitchFamily="34" charset="0"/>
+                <a:cs typeface="Segoe UI Light" pitchFamily="34" charset="0"/>
+              </a:rPr>
+              <a:t>points</a:t>
+            </a:r>
+          </a:p>
+        </p:txBody>
+      </p:sp>
+      <p:sp>
+        <p:nvSpPr>
+          <p:cNvPr id="10" name="TextBox 9"/>
+          <p:cNvSpPr txBox="1"/>
+          <p:nvPr/>
+        </p:nvSpPr>
+        <p:spPr>
+          <a:xfrm>
+            <a:off x="2133600" y="5703838"/>
+            <a:ext cx="6781800" cy="1446550"/>
+          </a:xfrm>
+          <a:prstGeom prst="rect">
+            <a:avLst/>
+          </a:prstGeom>
+          <a:noFill/>
+        </p:spPr>
+        <p:txBody>
+          <a:bodyPr wrap="square" rtlCol="0">
+            <a:spAutoFit/>
+          </a:bodyPr>
+          <a:lstStyle/>
+          <a:p>
+            <a:pPr marL="625475" indent="-396875">
+              <a:spcBef>
+                <a:spcPts val="1200"/>
+              </a:spcBef>
+              <a:buClr>
+                <a:srgbClr val="7030A0"/>
+              </a:buClr>
+              <a:buFont typeface="Segoe UI Light" pitchFamily="34" charset="0"/>
+              <a:buChar char="■"/>
+            </a:pPr>
+            <a:r>
+              <a:rPr lang="en-US" sz="3200" dirty="0" smtClean="0">
+                <a:solidFill>
+                  <a:schemeClr val="bg2">
+                    <a:lumMod val="25000"/>
+                  </a:schemeClr>
+                </a:solidFill>
+                <a:latin typeface="Segoe UI Light" pitchFamily="34" charset="0"/>
+                <a:cs typeface="Segoe UI Light" pitchFamily="34" charset="0"/>
+              </a:rPr>
+              <a:t>Disadvantages</a:t>
+            </a:r>
             <a:endParaRPr lang="en-US" sz="3200" dirty="0" smtClean="0">
               <a:solidFill>
                 <a:schemeClr val="bg2">
                   <a:lumMod val="25000"/>
+                </a:schemeClr>
+              </a:solidFill>
+              <a:latin typeface="Segoe UI Light" pitchFamily="34" charset="0"/>
+              <a:cs typeface="Segoe UI Light" pitchFamily="34" charset="0"/>
+            </a:endParaRPr>
+          </a:p>
+          <a:p>
+            <a:pPr marL="625475" indent="-396875">
+              <a:spcBef>
+                <a:spcPts val="1200"/>
+              </a:spcBef>
+              <a:buClr>
+                <a:srgbClr val="7030A0"/>
+              </a:buClr>
+              <a:buFont typeface="Wingdings" pitchFamily="2" charset="2"/>
+              <a:buChar char="§"/>
+            </a:pPr>
+            <a:r>
+              <a:rPr lang="en-US" dirty="0" smtClean="0">
+                <a:solidFill>
+                  <a:schemeClr val="tx1">
+                    <a:lumMod val="75000"/>
+                    <a:lumOff val="25000"/>
+                  </a:schemeClr>
+                </a:solidFill>
+                <a:latin typeface="Segoe UI Light" pitchFamily="34" charset="0"/>
+                <a:cs typeface="Segoe UI Light" pitchFamily="34" charset="0"/>
+              </a:rPr>
+              <a:t>Event name </a:t>
+            </a:r>
+            <a:r>
+              <a:rPr lang="en-US" dirty="0" smtClean="0">
+                <a:solidFill>
+                  <a:schemeClr val="tx1">
+                    <a:lumMod val="75000"/>
+                    <a:lumOff val="25000"/>
+                  </a:schemeClr>
+                </a:solidFill>
+                <a:latin typeface="Segoe UI Light" pitchFamily="34" charset="0"/>
+                <a:cs typeface="Segoe UI Light" pitchFamily="34" charset="0"/>
+              </a:rPr>
+              <a:t>is not a factor</a:t>
+            </a:r>
+            <a:endParaRPr lang="en-US" dirty="0" smtClean="0">
+              <a:solidFill>
+                <a:schemeClr val="tx1">
+                  <a:lumMod val="75000"/>
+                  <a:lumOff val="25000"/>
                 </a:schemeClr>
               </a:solidFill>
               <a:latin typeface="Segoe UI Light" pitchFamily="34" charset="0"/>
@@ -12694,9 +13098,196 @@
   <p:timing>
     <p:tnLst>
       <p:par>
-        <p:cTn id="1" dur="indefinite" restart="never" nodeType="tmRoot"/>
+        <p:cTn id="1" dur="indefinite" restart="never" nodeType="tmRoot">
+          <p:childTnLst>
+            <p:seq concurrent="1" nextAc="seek">
+              <p:cTn id="2" dur="indefinite" nodeType="mainSeq">
+                <p:childTnLst>
+                  <p:par>
+                    <p:cTn id="3" fill="hold">
+                      <p:stCondLst>
+                        <p:cond delay="indefinite"/>
+                      </p:stCondLst>
+                      <p:childTnLst>
+                        <p:par>
+                          <p:cTn id="4" fill="hold">
+                            <p:stCondLst>
+                              <p:cond delay="0"/>
+                            </p:stCondLst>
+                            <p:childTnLst>
+                              <p:par>
+                                <p:cTn id="5" presetID="10" presetClass="entr" presetSubtype="0" fill="hold" grpId="0" nodeType="clickEffect">
+                                  <p:stCondLst>
+                                    <p:cond delay="0"/>
+                                  </p:stCondLst>
+                                  <p:childTnLst>
+                                    <p:set>
+                                      <p:cBhvr>
+                                        <p:cTn id="6" dur="1" fill="hold">
+                                          <p:stCondLst>
+                                            <p:cond delay="0"/>
+                                          </p:stCondLst>
+                                        </p:cTn>
+                                        <p:tgtEl>
+                                          <p:spTgt spid="9"/>
+                                        </p:tgtEl>
+                                        <p:attrNameLst>
+                                          <p:attrName>style.visibility</p:attrName>
+                                        </p:attrNameLst>
+                                      </p:cBhvr>
+                                      <p:to>
+                                        <p:strVal val="visible"/>
+                                      </p:to>
+                                    </p:set>
+                                    <p:animEffect transition="in" filter="fade">
+                                      <p:cBhvr>
+                                        <p:cTn id="7" dur="500"/>
+                                        <p:tgtEl>
+                                          <p:spTgt spid="9"/>
+                                        </p:tgtEl>
+                                      </p:cBhvr>
+                                    </p:animEffect>
+                                  </p:childTnLst>
+                                </p:cTn>
+                              </p:par>
+                            </p:childTnLst>
+                          </p:cTn>
+                        </p:par>
+                      </p:childTnLst>
+                    </p:cTn>
+                  </p:par>
+                  <p:par>
+                    <p:cTn id="8" fill="hold">
+                      <p:stCondLst>
+                        <p:cond delay="indefinite"/>
+                      </p:stCondLst>
+                      <p:childTnLst>
+                        <p:par>
+                          <p:cTn id="9" fill="hold">
+                            <p:stCondLst>
+                              <p:cond delay="0"/>
+                            </p:stCondLst>
+                            <p:childTnLst>
+                              <p:par>
+                                <p:cTn id="10" presetID="10" presetClass="entr" presetSubtype="0" fill="hold" grpId="0" nodeType="clickEffect">
+                                  <p:stCondLst>
+                                    <p:cond delay="0"/>
+                                  </p:stCondLst>
+                                  <p:childTnLst>
+                                    <p:set>
+                                      <p:cBhvr>
+                                        <p:cTn id="11" dur="1" fill="hold">
+                                          <p:stCondLst>
+                                            <p:cond delay="0"/>
+                                          </p:stCondLst>
+                                        </p:cTn>
+                                        <p:tgtEl>
+                                          <p:spTgt spid="11"/>
+                                        </p:tgtEl>
+                                        <p:attrNameLst>
+                                          <p:attrName>style.visibility</p:attrName>
+                                        </p:attrNameLst>
+                                      </p:cBhvr>
+                                      <p:to>
+                                        <p:strVal val="visible"/>
+                                      </p:to>
+                                    </p:set>
+                                    <p:animEffect transition="in" filter="fade">
+                                      <p:cBhvr>
+                                        <p:cTn id="12" dur="500"/>
+                                        <p:tgtEl>
+                                          <p:spTgt spid="11"/>
+                                        </p:tgtEl>
+                                      </p:cBhvr>
+                                    </p:animEffect>
+                                  </p:childTnLst>
+                                </p:cTn>
+                              </p:par>
+                            </p:childTnLst>
+                          </p:cTn>
+                        </p:par>
+                      </p:childTnLst>
+                    </p:cTn>
+                  </p:par>
+                  <p:par>
+                    <p:cTn id="13" fill="hold">
+                      <p:stCondLst>
+                        <p:cond delay="indefinite"/>
+                      </p:stCondLst>
+                      <p:childTnLst>
+                        <p:par>
+                          <p:cTn id="14" fill="hold">
+                            <p:stCondLst>
+                              <p:cond delay="0"/>
+                            </p:stCondLst>
+                            <p:childTnLst>
+                              <p:par>
+                                <p:cTn id="15" presetID="10" presetClass="entr" presetSubtype="0" fill="hold" grpId="0" nodeType="clickEffect">
+                                  <p:stCondLst>
+                                    <p:cond delay="0"/>
+                                  </p:stCondLst>
+                                  <p:childTnLst>
+                                    <p:set>
+                                      <p:cBhvr>
+                                        <p:cTn id="16" dur="1" fill="hold">
+                                          <p:stCondLst>
+                                            <p:cond delay="0"/>
+                                          </p:stCondLst>
+                                        </p:cTn>
+                                        <p:tgtEl>
+                                          <p:spTgt spid="10"/>
+                                        </p:tgtEl>
+                                        <p:attrNameLst>
+                                          <p:attrName>style.visibility</p:attrName>
+                                        </p:attrNameLst>
+                                      </p:cBhvr>
+                                      <p:to>
+                                        <p:strVal val="visible"/>
+                                      </p:to>
+                                    </p:set>
+                                    <p:animEffect transition="in" filter="fade">
+                                      <p:cBhvr>
+                                        <p:cTn id="17" dur="500"/>
+                                        <p:tgtEl>
+                                          <p:spTgt spid="10"/>
+                                        </p:tgtEl>
+                                      </p:cBhvr>
+                                    </p:animEffect>
+                                  </p:childTnLst>
+                                </p:cTn>
+                              </p:par>
+                            </p:childTnLst>
+                          </p:cTn>
+                        </p:par>
+                      </p:childTnLst>
+                    </p:cTn>
+                  </p:par>
+                </p:childTnLst>
+              </p:cTn>
+              <p:prevCondLst>
+                <p:cond evt="onPrev" delay="0">
+                  <p:tgtEl>
+                    <p:sldTgt/>
+                  </p:tgtEl>
+                </p:cond>
+              </p:prevCondLst>
+              <p:nextCondLst>
+                <p:cond evt="onNext" delay="0">
+                  <p:tgtEl>
+                    <p:sldTgt/>
+                  </p:tgtEl>
+                </p:cond>
+              </p:nextCondLst>
+            </p:seq>
+          </p:childTnLst>
+        </p:cTn>
       </p:par>
     </p:tnLst>
+    <p:bldLst>
+      <p:bldP spid="9" grpId="0" uiExpand="1"/>
+      <p:bldP spid="11" grpId="0" uiExpand="1"/>
+      <p:bldP spid="10" grpId="0" uiExpand="1"/>
+    </p:bldLst>
   </p:timing>
 </p:sld>
 </file>
@@ -12951,7 +13542,7 @@
           <p:nvPr>
             <p:extLst>
               <p:ext uri="{D42A27DB-BD31-4B8C-83A1-F6EECF244321}">
-                <p14:modId xmlns:p14="http://schemas.microsoft.com/office/powerpoint/2010/main" val="2864749100"/>
+                <p14:modId xmlns:p14="http://schemas.microsoft.com/office/powerpoint/2010/main" val="2866024525"/>
               </p:ext>
             </p:extLst>
           </p:nvPr>
@@ -12982,6 +13573,2144 @@
         <p:cTn id="1" dur="indefinite" restart="never" nodeType="tmRoot"/>
       </p:par>
     </p:tnLst>
+  </p:timing>
+</p:sld>
+</file>
+
+<file path=ppt/slides/slide4.xml><?xml version="1.0" encoding="utf-8"?>
+<p:sld xmlns:a="http://schemas.openxmlformats.org/drawingml/2006/main" xmlns:r="http://schemas.openxmlformats.org/officeDocument/2006/relationships" xmlns:p="http://schemas.openxmlformats.org/presentationml/2006/main">
+  <p:cSld>
+    <p:spTree>
+      <p:nvGrpSpPr>
+        <p:cNvPr id="1" name=""/>
+        <p:cNvGrpSpPr/>
+        <p:nvPr/>
+      </p:nvGrpSpPr>
+      <p:grpSpPr>
+        <a:xfrm>
+          <a:off x="0" y="0"/>
+          <a:ext cx="0" cy="0"/>
+          <a:chOff x="0" y="0"/>
+          <a:chExt cx="0" cy="0"/>
+        </a:xfrm>
+      </p:grpSpPr>
+      <p:sp>
+        <p:nvSpPr>
+          <p:cNvPr id="2" name="Rectangle 1"/>
+          <p:cNvSpPr/>
+          <p:nvPr/>
+        </p:nvSpPr>
+        <p:spPr>
+          <a:xfrm>
+            <a:off x="0" y="0"/>
+            <a:ext cx="1828800" cy="6858000"/>
+          </a:xfrm>
+          <a:prstGeom prst="rect">
+            <a:avLst/>
+          </a:prstGeom>
+          <a:solidFill>
+            <a:schemeClr val="bg1">
+              <a:lumMod val="95000"/>
+            </a:schemeClr>
+          </a:solidFill>
+          <a:ln>
+            <a:noFill/>
+          </a:ln>
+        </p:spPr>
+        <p:style>
+          <a:lnRef idx="2">
+            <a:schemeClr val="accent1">
+              <a:shade val="50000"/>
+            </a:schemeClr>
+          </a:lnRef>
+          <a:fillRef idx="1">
+            <a:schemeClr val="accent1"/>
+          </a:fillRef>
+          <a:effectRef idx="0">
+            <a:schemeClr val="accent1"/>
+          </a:effectRef>
+          <a:fontRef idx="minor">
+            <a:schemeClr val="lt1"/>
+          </a:fontRef>
+        </p:style>
+        <p:txBody>
+          <a:bodyPr rtlCol="0" anchor="ctr"/>
+          <a:lstStyle/>
+          <a:p>
+            <a:pPr algn="ctr"/>
+            <a:endParaRPr lang="en-US"/>
+          </a:p>
+        </p:txBody>
+      </p:sp>
+      <p:sp>
+        <p:nvSpPr>
+          <p:cNvPr id="4" name="Rectangle 3"/>
+          <p:cNvSpPr/>
+          <p:nvPr/>
+        </p:nvSpPr>
+        <p:spPr>
+          <a:xfrm>
+            <a:off x="0" y="1219200"/>
+            <a:ext cx="1828800" cy="3657600"/>
+          </a:xfrm>
+          <a:prstGeom prst="rect">
+            <a:avLst/>
+          </a:prstGeom>
+          <a:solidFill>
+            <a:srgbClr val="7030A0"/>
+          </a:solidFill>
+          <a:ln>
+            <a:noFill/>
+          </a:ln>
+        </p:spPr>
+        <p:style>
+          <a:lnRef idx="2">
+            <a:schemeClr val="accent1">
+              <a:shade val="50000"/>
+            </a:schemeClr>
+          </a:lnRef>
+          <a:fillRef idx="1">
+            <a:schemeClr val="accent1"/>
+          </a:fillRef>
+          <a:effectRef idx="0">
+            <a:schemeClr val="accent1"/>
+          </a:effectRef>
+          <a:fontRef idx="minor">
+            <a:schemeClr val="lt1"/>
+          </a:fontRef>
+        </p:style>
+        <p:txBody>
+          <a:bodyPr lIns="822960" rtlCol="0" anchor="ctr"/>
+          <a:lstStyle/>
+          <a:p>
+            <a:endParaRPr lang="en-US" sz="2400" dirty="0">
+              <a:latin typeface="Segoe UI Light" pitchFamily="34" charset="0"/>
+              <a:cs typeface="Segoe UI Light" pitchFamily="34" charset="0"/>
+            </a:endParaRPr>
+          </a:p>
+        </p:txBody>
+      </p:sp>
+      <p:pic>
+        <p:nvPicPr>
+          <p:cNvPr id="12" name="Picture 11" descr="C:\Users\iLucas\Desktop\logo_fpt_university_doc copy.png"/>
+          <p:cNvPicPr>
+            <a:picLocks noChangeAspect="1" noChangeArrowheads="1"/>
+          </p:cNvPicPr>
+          <p:nvPr/>
+        </p:nvPicPr>
+        <p:blipFill>
+          <a:blip r:embed="rId2" cstate="print">
+            <a:extLst>
+              <a:ext uri="{28A0092B-C50C-407E-A947-70E740481C1C}">
+                <a14:useLocalDpi xmlns:a14="http://schemas.microsoft.com/office/drawing/2010/main" val="0"/>
+              </a:ext>
+            </a:extLst>
+          </a:blip>
+          <a:srcRect/>
+          <a:stretch>
+            <a:fillRect/>
+          </a:stretch>
+        </p:blipFill>
+        <p:spPr bwMode="auto">
+          <a:xfrm>
+            <a:off x="415580" y="66329"/>
+            <a:ext cx="997640" cy="773302"/>
+          </a:xfrm>
+          <a:prstGeom prst="rect">
+            <a:avLst/>
+          </a:prstGeom>
+          <a:noFill/>
+          <a:extLst>
+            <a:ext uri="{909E8E84-426E-40DD-AFC4-6F175D3DCCD1}">
+              <a14:hiddenFill xmlns:a14="http://schemas.microsoft.com/office/drawing/2010/main">
+                <a:solidFill>
+                  <a:srgbClr val="FFFFFF"/>
+                </a:solidFill>
+              </a14:hiddenFill>
+            </a:ext>
+          </a:extLst>
+        </p:spPr>
+      </p:pic>
+      <p:sp>
+        <p:nvSpPr>
+          <p:cNvPr id="5" name="TextBox 4"/>
+          <p:cNvSpPr txBox="1"/>
+          <p:nvPr/>
+        </p:nvSpPr>
+        <p:spPr>
+          <a:xfrm>
+            <a:off x="152400" y="2597426"/>
+            <a:ext cx="1600199" cy="400110"/>
+          </a:xfrm>
+          <a:prstGeom prst="rect">
+            <a:avLst/>
+          </a:prstGeom>
+          <a:noFill/>
+        </p:spPr>
+        <p:txBody>
+          <a:bodyPr wrap="square" rtlCol="0">
+            <a:spAutoFit/>
+          </a:bodyPr>
+          <a:lstStyle/>
+          <a:p>
+            <a:pPr algn="ctr"/>
+            <a:r>
+              <a:rPr lang="en-US" sz="2000" dirty="0" smtClean="0">
+                <a:solidFill>
+                  <a:schemeClr val="bg1"/>
+                </a:solidFill>
+                <a:latin typeface="Segoe UI Light" pitchFamily="34" charset="0"/>
+                <a:cs typeface="Segoe UI Light" pitchFamily="34" charset="0"/>
+              </a:rPr>
+              <a:t>Notification</a:t>
+            </a:r>
+            <a:endParaRPr lang="en-US" sz="2400" dirty="0">
+              <a:solidFill>
+                <a:schemeClr val="bg1"/>
+              </a:solidFill>
+              <a:latin typeface="Segoe UI Light" pitchFamily="34" charset="0"/>
+              <a:cs typeface="Segoe UI Light" pitchFamily="34" charset="0"/>
+            </a:endParaRPr>
+          </a:p>
+        </p:txBody>
+      </p:sp>
+      <p:sp>
+        <p:nvSpPr>
+          <p:cNvPr id="6" name="TextBox 5"/>
+          <p:cNvSpPr txBox="1"/>
+          <p:nvPr/>
+        </p:nvSpPr>
+        <p:spPr>
+          <a:xfrm>
+            <a:off x="2722888" y="37481"/>
+            <a:ext cx="5486400" cy="830997"/>
+          </a:xfrm>
+          <a:prstGeom prst="rect">
+            <a:avLst/>
+          </a:prstGeom>
+          <a:noFill/>
+        </p:spPr>
+        <p:txBody>
+          <a:bodyPr wrap="square" rtlCol="0">
+            <a:spAutoFit/>
+          </a:bodyPr>
+          <a:lstStyle/>
+          <a:p>
+            <a:r>
+              <a:rPr lang="en-US" sz="4800" dirty="0" smtClean="0">
+                <a:solidFill>
+                  <a:schemeClr val="bg2">
+                    <a:lumMod val="25000"/>
+                  </a:schemeClr>
+                </a:solidFill>
+                <a:latin typeface="Segoe UI Light" pitchFamily="34" charset="0"/>
+                <a:cs typeface="Segoe UI Light" pitchFamily="34" charset="0"/>
+              </a:rPr>
+              <a:t>Flow</a:t>
+            </a:r>
+            <a:endParaRPr lang="en-US" sz="4800" dirty="0">
+              <a:solidFill>
+                <a:schemeClr val="bg2">
+                  <a:lumMod val="25000"/>
+                </a:schemeClr>
+              </a:solidFill>
+              <a:latin typeface="Segoe UI Light" pitchFamily="34" charset="0"/>
+              <a:cs typeface="Segoe UI Light" pitchFamily="34" charset="0"/>
+            </a:endParaRPr>
+          </a:p>
+        </p:txBody>
+      </p:sp>
+      <p:pic>
+        <p:nvPicPr>
+          <p:cNvPr id="14" name="Picture 5" descr="http://www.veryicon.com/icon/png/Avatar/People/Engineer.png"/>
+          <p:cNvPicPr>
+            <a:picLocks noChangeAspect="1" noChangeArrowheads="1"/>
+          </p:cNvPicPr>
+          <p:nvPr/>
+        </p:nvPicPr>
+        <p:blipFill>
+          <a:blip r:embed="rId3" cstate="print">
+            <a:extLst>
+              <a:ext uri="{28A0092B-C50C-407E-A947-70E740481C1C}">
+                <a14:useLocalDpi xmlns:a14="http://schemas.microsoft.com/office/drawing/2010/main" val="0"/>
+              </a:ext>
+            </a:extLst>
+          </a:blip>
+          <a:srcRect/>
+          <a:stretch>
+            <a:fillRect/>
+          </a:stretch>
+        </p:blipFill>
+        <p:spPr bwMode="auto">
+          <a:xfrm>
+            <a:off x="2713552" y="1018669"/>
+            <a:ext cx="1042220" cy="1042220"/>
+          </a:xfrm>
+          <a:prstGeom prst="rect">
+            <a:avLst/>
+          </a:prstGeom>
+          <a:noFill/>
+          <a:extLst>
+            <a:ext uri="{909E8E84-426E-40DD-AFC4-6F175D3DCCD1}">
+              <a14:hiddenFill xmlns:a14="http://schemas.microsoft.com/office/drawing/2010/main">
+                <a:solidFill>
+                  <a:srgbClr val="FFFFFF"/>
+                </a:solidFill>
+              </a14:hiddenFill>
+            </a:ext>
+          </a:extLst>
+        </p:spPr>
+      </p:pic>
+      <p:sp>
+        <p:nvSpPr>
+          <p:cNvPr id="15" name="Right Arrow 14"/>
+          <p:cNvSpPr/>
+          <p:nvPr/>
+        </p:nvSpPr>
+        <p:spPr>
+          <a:xfrm>
+            <a:off x="3829461" y="1686228"/>
+            <a:ext cx="628664" cy="45719"/>
+          </a:xfrm>
+          <a:prstGeom prst="rightArrow">
+            <a:avLst/>
+          </a:prstGeom>
+          <a:solidFill>
+            <a:schemeClr val="bg1"/>
+          </a:solidFill>
+          <a:ln>
+            <a:solidFill>
+              <a:schemeClr val="bg2">
+                <a:lumMod val="25000"/>
+              </a:schemeClr>
+            </a:solidFill>
+          </a:ln>
+        </p:spPr>
+        <p:style>
+          <a:lnRef idx="2">
+            <a:schemeClr val="accent1">
+              <a:shade val="50000"/>
+            </a:schemeClr>
+          </a:lnRef>
+          <a:fillRef idx="1">
+            <a:schemeClr val="accent1"/>
+          </a:fillRef>
+          <a:effectRef idx="0">
+            <a:schemeClr val="accent1"/>
+          </a:effectRef>
+          <a:fontRef idx="minor">
+            <a:schemeClr val="lt1"/>
+          </a:fontRef>
+        </p:style>
+        <p:txBody>
+          <a:bodyPr rtlCol="0" anchor="ctr"/>
+          <a:lstStyle/>
+          <a:p>
+            <a:pPr algn="ctr"/>
+            <a:endParaRPr lang="en-US"/>
+          </a:p>
+        </p:txBody>
+      </p:sp>
+      <p:sp>
+        <p:nvSpPr>
+          <p:cNvPr id="16" name="Oval 15"/>
+          <p:cNvSpPr/>
+          <p:nvPr/>
+        </p:nvSpPr>
+        <p:spPr>
+          <a:xfrm>
+            <a:off x="4627888" y="1453377"/>
+            <a:ext cx="1129206" cy="557140"/>
+          </a:xfrm>
+          <a:prstGeom prst="ellipse">
+            <a:avLst/>
+          </a:prstGeom>
+          <a:solidFill>
+            <a:schemeClr val="bg2">
+              <a:lumMod val="50000"/>
+            </a:schemeClr>
+          </a:solidFill>
+        </p:spPr>
+        <p:style>
+          <a:lnRef idx="2">
+            <a:schemeClr val="accent1">
+              <a:shade val="50000"/>
+            </a:schemeClr>
+          </a:lnRef>
+          <a:fillRef idx="1">
+            <a:schemeClr val="accent1"/>
+          </a:fillRef>
+          <a:effectRef idx="0">
+            <a:schemeClr val="accent1"/>
+          </a:effectRef>
+          <a:fontRef idx="minor">
+            <a:schemeClr val="lt1"/>
+          </a:fontRef>
+        </p:style>
+        <p:txBody>
+          <a:bodyPr rtlCol="0" anchor="ctr"/>
+          <a:lstStyle/>
+          <a:p>
+            <a:pPr algn="ctr"/>
+            <a:r>
+              <a:rPr lang="en-US" dirty="0" smtClean="0"/>
+              <a:t>Event </a:t>
+            </a:r>
+            <a:endParaRPr lang="en-US" dirty="0"/>
+          </a:p>
+        </p:txBody>
+      </p:sp>
+      <p:pic>
+        <p:nvPicPr>
+          <p:cNvPr id="18" name="Picture 2" descr="C:\Users\Hieu\Desktop\dsa.jpg"/>
+          <p:cNvPicPr>
+            <a:picLocks noChangeAspect="1" noChangeArrowheads="1"/>
+          </p:cNvPicPr>
+          <p:nvPr/>
+        </p:nvPicPr>
+        <p:blipFill>
+          <a:blip r:embed="rId4">
+            <a:extLst>
+              <a:ext uri="{28A0092B-C50C-407E-A947-70E740481C1C}">
+                <a14:useLocalDpi xmlns:a14="http://schemas.microsoft.com/office/drawing/2010/main" val="0"/>
+              </a:ext>
+            </a:extLst>
+          </a:blip>
+          <a:srcRect/>
+          <a:stretch>
+            <a:fillRect/>
+          </a:stretch>
+        </p:blipFill>
+        <p:spPr bwMode="auto">
+          <a:xfrm>
+            <a:off x="6219738" y="66329"/>
+            <a:ext cx="1333115" cy="1188489"/>
+          </a:xfrm>
+          <a:prstGeom prst="rect">
+            <a:avLst/>
+          </a:prstGeom>
+          <a:noFill/>
+          <a:extLst>
+            <a:ext uri="{909E8E84-426E-40DD-AFC4-6F175D3DCCD1}">
+              <a14:hiddenFill xmlns:a14="http://schemas.microsoft.com/office/drawing/2010/main">
+                <a:solidFill>
+                  <a:srgbClr val="FFFFFF"/>
+                </a:solidFill>
+              </a14:hiddenFill>
+            </a:ext>
+          </a:extLst>
+        </p:spPr>
+      </p:pic>
+      <p:sp>
+        <p:nvSpPr>
+          <p:cNvPr id="7" name="TextBox 6"/>
+          <p:cNvSpPr txBox="1"/>
+          <p:nvPr/>
+        </p:nvSpPr>
+        <p:spPr>
+          <a:xfrm>
+            <a:off x="3742017" y="1303449"/>
+            <a:ext cx="800989" cy="369332"/>
+          </a:xfrm>
+          <a:prstGeom prst="rect">
+            <a:avLst/>
+          </a:prstGeom>
+          <a:noFill/>
+        </p:spPr>
+        <p:txBody>
+          <a:bodyPr wrap="none" rtlCol="0">
+            <a:spAutoFit/>
+          </a:bodyPr>
+          <a:lstStyle/>
+          <a:p>
+            <a:r>
+              <a:rPr lang="en-US" dirty="0" smtClean="0">
+                <a:latin typeface="Segoe UI Light" panose="020B0502040204020203" pitchFamily="34" charset="0"/>
+                <a:cs typeface="Segoe UI Light" panose="020B0502040204020203" pitchFamily="34" charset="0"/>
+              </a:rPr>
+              <a:t>Follow</a:t>
+            </a:r>
+            <a:endParaRPr lang="en-US" dirty="0">
+              <a:latin typeface="Segoe UI Light" panose="020B0502040204020203" pitchFamily="34" charset="0"/>
+              <a:cs typeface="Segoe UI Light" panose="020B0502040204020203" pitchFamily="34" charset="0"/>
+            </a:endParaRPr>
+          </a:p>
+        </p:txBody>
+      </p:sp>
+      <p:sp>
+        <p:nvSpPr>
+          <p:cNvPr id="22" name="Right Arrow 21"/>
+          <p:cNvSpPr/>
+          <p:nvPr/>
+        </p:nvSpPr>
+        <p:spPr>
+          <a:xfrm rot="8880451">
+            <a:off x="5676806" y="1322099"/>
+            <a:ext cx="628664" cy="45719"/>
+          </a:xfrm>
+          <a:prstGeom prst="rightArrow">
+            <a:avLst/>
+          </a:prstGeom>
+          <a:solidFill>
+            <a:schemeClr val="bg1"/>
+          </a:solidFill>
+          <a:ln>
+            <a:solidFill>
+              <a:schemeClr val="bg2">
+                <a:lumMod val="25000"/>
+              </a:schemeClr>
+            </a:solidFill>
+          </a:ln>
+        </p:spPr>
+        <p:style>
+          <a:lnRef idx="2">
+            <a:schemeClr val="accent1">
+              <a:shade val="50000"/>
+            </a:schemeClr>
+          </a:lnRef>
+          <a:fillRef idx="1">
+            <a:schemeClr val="accent1"/>
+          </a:fillRef>
+          <a:effectRef idx="0">
+            <a:schemeClr val="accent1"/>
+          </a:effectRef>
+          <a:fontRef idx="minor">
+            <a:schemeClr val="lt1"/>
+          </a:fontRef>
+        </p:style>
+        <p:txBody>
+          <a:bodyPr rtlCol="0" anchor="ctr"/>
+          <a:lstStyle/>
+          <a:p>
+            <a:pPr algn="ctr"/>
+            <a:endParaRPr lang="en-US"/>
+          </a:p>
+        </p:txBody>
+      </p:sp>
+      <p:sp>
+        <p:nvSpPr>
+          <p:cNvPr id="23" name="TextBox 22"/>
+          <p:cNvSpPr txBox="1"/>
+          <p:nvPr/>
+        </p:nvSpPr>
+        <p:spPr>
+          <a:xfrm rot="19585211">
+            <a:off x="5355318" y="807982"/>
+            <a:ext cx="1205651" cy="369332"/>
+          </a:xfrm>
+          <a:prstGeom prst="rect">
+            <a:avLst/>
+          </a:prstGeom>
+          <a:noFill/>
+        </p:spPr>
+        <p:txBody>
+          <a:bodyPr wrap="none" rtlCol="0">
+            <a:spAutoFit/>
+          </a:bodyPr>
+          <a:lstStyle/>
+          <a:p>
+            <a:r>
+              <a:rPr lang="en-US" dirty="0" smtClean="0">
+                <a:latin typeface="Segoe UI Light" panose="020B0502040204020203" pitchFamily="34" charset="0"/>
+                <a:cs typeface="Segoe UI Light" panose="020B0502040204020203" pitchFamily="34" charset="0"/>
+              </a:rPr>
+              <a:t>Post Ticket</a:t>
+            </a:r>
+            <a:endParaRPr lang="en-US" dirty="0">
+              <a:latin typeface="Segoe UI Light" panose="020B0502040204020203" pitchFamily="34" charset="0"/>
+              <a:cs typeface="Segoe UI Light" panose="020B0502040204020203" pitchFamily="34" charset="0"/>
+            </a:endParaRPr>
+          </a:p>
+        </p:txBody>
+      </p:sp>
+      <p:sp>
+        <p:nvSpPr>
+          <p:cNvPr id="24" name="TextBox 23"/>
+          <p:cNvSpPr txBox="1"/>
+          <p:nvPr/>
+        </p:nvSpPr>
+        <p:spPr>
+          <a:xfrm rot="19585211">
+            <a:off x="5844470" y="1231079"/>
+            <a:ext cx="958917" cy="369332"/>
+          </a:xfrm>
+          <a:prstGeom prst="rect">
+            <a:avLst/>
+          </a:prstGeom>
+          <a:noFill/>
+        </p:spPr>
+        <p:txBody>
+          <a:bodyPr wrap="none" rtlCol="0">
+            <a:spAutoFit/>
+          </a:bodyPr>
+          <a:lstStyle/>
+          <a:p>
+            <a:r>
+              <a:rPr lang="en-US" dirty="0" smtClean="0">
+                <a:latin typeface="Segoe UI Light" panose="020B0502040204020203" pitchFamily="34" charset="0"/>
+                <a:cs typeface="Segoe UI Light" panose="020B0502040204020203" pitchFamily="34" charset="0"/>
+              </a:rPr>
+              <a:t>Request</a:t>
+            </a:r>
+            <a:endParaRPr lang="en-US" dirty="0">
+              <a:latin typeface="Segoe UI Light" panose="020B0502040204020203" pitchFamily="34" charset="0"/>
+              <a:cs typeface="Segoe UI Light" panose="020B0502040204020203" pitchFamily="34" charset="0"/>
+            </a:endParaRPr>
+          </a:p>
+        </p:txBody>
+      </p:sp>
+      <p:sp>
+        <p:nvSpPr>
+          <p:cNvPr id="8" name="Can 7"/>
+          <p:cNvSpPr/>
+          <p:nvPr/>
+        </p:nvSpPr>
+        <p:spPr>
+          <a:xfrm>
+            <a:off x="6172200" y="2997536"/>
+            <a:ext cx="1247066" cy="1221804"/>
+          </a:xfrm>
+          <a:prstGeom prst="can">
+            <a:avLst/>
+          </a:prstGeom>
+          <a:solidFill>
+            <a:schemeClr val="bg2">
+              <a:lumMod val="50000"/>
+            </a:schemeClr>
+          </a:solidFill>
+        </p:spPr>
+        <p:style>
+          <a:lnRef idx="2">
+            <a:schemeClr val="accent1">
+              <a:shade val="50000"/>
+            </a:schemeClr>
+          </a:lnRef>
+          <a:fillRef idx="1">
+            <a:schemeClr val="accent1"/>
+          </a:fillRef>
+          <a:effectRef idx="0">
+            <a:schemeClr val="accent1"/>
+          </a:effectRef>
+          <a:fontRef idx="minor">
+            <a:schemeClr val="lt1"/>
+          </a:fontRef>
+        </p:style>
+        <p:txBody>
+          <a:bodyPr rtlCol="0" anchor="ctr"/>
+          <a:lstStyle/>
+          <a:p>
+            <a:pPr algn="ctr"/>
+            <a:r>
+              <a:rPr lang="en-US" sz="1600" dirty="0" smtClean="0">
+                <a:latin typeface="Segoe UI Light" panose="020B0502040204020203" pitchFamily="34" charset="0"/>
+                <a:cs typeface="Segoe UI Light" panose="020B0502040204020203" pitchFamily="34" charset="0"/>
+              </a:rPr>
+              <a:t>Notification Repository</a:t>
+            </a:r>
+          </a:p>
+          <a:p>
+            <a:pPr algn="ctr"/>
+            <a:r>
+              <a:rPr lang="en-US" sz="1600" dirty="0" smtClean="0">
+                <a:latin typeface="Segoe UI Light" panose="020B0502040204020203" pitchFamily="34" charset="0"/>
+                <a:cs typeface="Segoe UI Light" panose="020B0502040204020203" pitchFamily="34" charset="0"/>
+              </a:rPr>
+              <a:t>Of User</a:t>
+            </a:r>
+            <a:endParaRPr lang="en-US" sz="1600" dirty="0">
+              <a:latin typeface="Segoe UI Light" panose="020B0502040204020203" pitchFamily="34" charset="0"/>
+              <a:cs typeface="Segoe UI Light" panose="020B0502040204020203" pitchFamily="34" charset="0"/>
+            </a:endParaRPr>
+          </a:p>
+        </p:txBody>
+      </p:sp>
+      <p:pic>
+        <p:nvPicPr>
+          <p:cNvPr id="25" name="Picture 5" descr="http://www.veryicon.com/icon/png/Avatar/People/Engineer.png"/>
+          <p:cNvPicPr>
+            <a:picLocks noChangeAspect="1" noChangeArrowheads="1"/>
+          </p:cNvPicPr>
+          <p:nvPr/>
+        </p:nvPicPr>
+        <p:blipFill>
+          <a:blip r:embed="rId5" cstate="print">
+            <a:extLst>
+              <a:ext uri="{28A0092B-C50C-407E-A947-70E740481C1C}">
+                <a14:useLocalDpi xmlns:a14="http://schemas.microsoft.com/office/drawing/2010/main" val="0"/>
+              </a:ext>
+            </a:extLst>
+          </a:blip>
+          <a:srcRect/>
+          <a:stretch>
+            <a:fillRect/>
+          </a:stretch>
+        </p:blipFill>
+        <p:spPr bwMode="auto">
+          <a:xfrm>
+            <a:off x="7241490" y="2754019"/>
+            <a:ext cx="622726" cy="622726"/>
+          </a:xfrm>
+          <a:prstGeom prst="roundRect">
+            <a:avLst>
+              <a:gd name="adj" fmla="val 8594"/>
+            </a:avLst>
+          </a:prstGeom>
+          <a:solidFill>
+            <a:srgbClr val="FFFFFF">
+              <a:shade val="85000"/>
+            </a:srgbClr>
+          </a:solidFill>
+          <a:ln>
+            <a:noFill/>
+          </a:ln>
+          <a:effectLst>
+            <a:reflection blurRad="12700" stA="38000" endPos="28000" dist="5000" dir="5400000" sy="-100000" algn="bl" rotWithShape="0"/>
+          </a:effectLst>
+          <a:extLst>
+            <a:ext uri="{909E8E84-426E-40DD-AFC4-6F175D3DCCD1}">
+              <a14:hiddenFill xmlns:a14="http://schemas.microsoft.com/office/drawing/2010/main">
+                <a:solidFill>
+                  <a:srgbClr val="FFFFFF"/>
+                </a:solidFill>
+              </a14:hiddenFill>
+            </a:ext>
+          </a:extLst>
+        </p:spPr>
+      </p:pic>
+      <p:sp>
+        <p:nvSpPr>
+          <p:cNvPr id="28" name="Right Arrow 27"/>
+          <p:cNvSpPr/>
+          <p:nvPr/>
+        </p:nvSpPr>
+        <p:spPr>
+          <a:xfrm rot="2561387">
+            <a:off x="5715554" y="2459717"/>
+            <a:ext cx="1008366" cy="56397"/>
+          </a:xfrm>
+          <a:prstGeom prst="rightArrow">
+            <a:avLst/>
+          </a:prstGeom>
+          <a:solidFill>
+            <a:schemeClr val="bg1"/>
+          </a:solidFill>
+          <a:ln>
+            <a:solidFill>
+              <a:schemeClr val="bg2">
+                <a:lumMod val="25000"/>
+              </a:schemeClr>
+            </a:solidFill>
+          </a:ln>
+        </p:spPr>
+        <p:style>
+          <a:lnRef idx="2">
+            <a:schemeClr val="accent1">
+              <a:shade val="50000"/>
+            </a:schemeClr>
+          </a:lnRef>
+          <a:fillRef idx="1">
+            <a:schemeClr val="accent1"/>
+          </a:fillRef>
+          <a:effectRef idx="0">
+            <a:schemeClr val="accent1"/>
+          </a:effectRef>
+          <a:fontRef idx="minor">
+            <a:schemeClr val="lt1"/>
+          </a:fontRef>
+        </p:style>
+        <p:txBody>
+          <a:bodyPr rtlCol="0" anchor="ctr"/>
+          <a:lstStyle/>
+          <a:p>
+            <a:pPr algn="ctr"/>
+            <a:endParaRPr lang="en-US" dirty="0">
+              <a:solidFill>
+                <a:schemeClr val="tx1"/>
+              </a:solidFill>
+            </a:endParaRPr>
+          </a:p>
+        </p:txBody>
+      </p:sp>
+      <p:sp>
+        <p:nvSpPr>
+          <p:cNvPr id="29" name="TextBox 28"/>
+          <p:cNvSpPr txBox="1"/>
+          <p:nvPr/>
+        </p:nvSpPr>
+        <p:spPr>
+          <a:xfrm rot="2255926">
+            <a:off x="6057831" y="2083047"/>
+            <a:ext cx="646331" cy="369332"/>
+          </a:xfrm>
+          <a:prstGeom prst="rect">
+            <a:avLst/>
+          </a:prstGeom>
+          <a:noFill/>
+        </p:spPr>
+        <p:txBody>
+          <a:bodyPr wrap="none" rtlCol="0">
+            <a:spAutoFit/>
+          </a:bodyPr>
+          <a:lstStyle/>
+          <a:p>
+            <a:r>
+              <a:rPr lang="en-US" dirty="0" smtClean="0">
+                <a:latin typeface="Segoe UI Light" panose="020B0502040204020203" pitchFamily="34" charset="0"/>
+                <a:cs typeface="Segoe UI Light" panose="020B0502040204020203" pitchFamily="34" charset="0"/>
+              </a:rPr>
+              <a:t>Push</a:t>
+            </a:r>
+            <a:endParaRPr lang="en-US" dirty="0">
+              <a:latin typeface="Segoe UI Light" panose="020B0502040204020203" pitchFamily="34" charset="0"/>
+              <a:cs typeface="Segoe UI Light" panose="020B0502040204020203" pitchFamily="34" charset="0"/>
+            </a:endParaRPr>
+          </a:p>
+        </p:txBody>
+      </p:sp>
+      <p:sp>
+        <p:nvSpPr>
+          <p:cNvPr id="30" name="Can 29"/>
+          <p:cNvSpPr/>
+          <p:nvPr/>
+        </p:nvSpPr>
+        <p:spPr>
+          <a:xfrm>
+            <a:off x="2783743" y="3733800"/>
+            <a:ext cx="1158345" cy="1221804"/>
+          </a:xfrm>
+          <a:prstGeom prst="can">
+            <a:avLst/>
+          </a:prstGeom>
+          <a:solidFill>
+            <a:schemeClr val="bg2">
+              <a:lumMod val="50000"/>
+            </a:schemeClr>
+          </a:solidFill>
+        </p:spPr>
+        <p:style>
+          <a:lnRef idx="2">
+            <a:schemeClr val="accent1">
+              <a:shade val="50000"/>
+            </a:schemeClr>
+          </a:lnRef>
+          <a:fillRef idx="1">
+            <a:schemeClr val="accent1"/>
+          </a:fillRef>
+          <a:effectRef idx="0">
+            <a:schemeClr val="accent1"/>
+          </a:effectRef>
+          <a:fontRef idx="minor">
+            <a:schemeClr val="lt1"/>
+          </a:fontRef>
+        </p:style>
+        <p:txBody>
+          <a:bodyPr rtlCol="0" anchor="ctr"/>
+          <a:lstStyle/>
+          <a:p>
+            <a:pPr algn="ctr"/>
+            <a:r>
+              <a:rPr lang="en-US" sz="1600" dirty="0" smtClean="0">
+                <a:latin typeface="Segoe UI Light" panose="020B0502040204020203" pitchFamily="34" charset="0"/>
+                <a:cs typeface="Segoe UI Light" panose="020B0502040204020203" pitchFamily="34" charset="0"/>
+              </a:rPr>
+              <a:t>Online User Repository</a:t>
+            </a:r>
+            <a:endParaRPr lang="en-US" sz="1600" dirty="0">
+              <a:latin typeface="Segoe UI Light" panose="020B0502040204020203" pitchFamily="34" charset="0"/>
+              <a:cs typeface="Segoe UI Light" panose="020B0502040204020203" pitchFamily="34" charset="0"/>
+            </a:endParaRPr>
+          </a:p>
+        </p:txBody>
+      </p:sp>
+      <p:sp>
+        <p:nvSpPr>
+          <p:cNvPr id="32" name="Right Arrow 31"/>
+          <p:cNvSpPr/>
+          <p:nvPr/>
+        </p:nvSpPr>
+        <p:spPr>
+          <a:xfrm rot="5400000" flipV="1">
+            <a:off x="2556009" y="2852450"/>
+            <a:ext cx="1412181" cy="45719"/>
+          </a:xfrm>
+          <a:prstGeom prst="rightArrow">
+            <a:avLst/>
+          </a:prstGeom>
+          <a:solidFill>
+            <a:schemeClr val="bg1"/>
+          </a:solidFill>
+          <a:ln>
+            <a:solidFill>
+              <a:schemeClr val="bg2">
+                <a:lumMod val="25000"/>
+              </a:schemeClr>
+            </a:solidFill>
+          </a:ln>
+        </p:spPr>
+        <p:style>
+          <a:lnRef idx="2">
+            <a:schemeClr val="accent1">
+              <a:shade val="50000"/>
+            </a:schemeClr>
+          </a:lnRef>
+          <a:fillRef idx="1">
+            <a:schemeClr val="accent1"/>
+          </a:fillRef>
+          <a:effectRef idx="0">
+            <a:schemeClr val="accent1"/>
+          </a:effectRef>
+          <a:fontRef idx="minor">
+            <a:schemeClr val="lt1"/>
+          </a:fontRef>
+        </p:style>
+        <p:txBody>
+          <a:bodyPr rtlCol="0" anchor="ctr"/>
+          <a:lstStyle/>
+          <a:p>
+            <a:pPr algn="ctr"/>
+            <a:endParaRPr lang="en-US"/>
+          </a:p>
+        </p:txBody>
+      </p:sp>
+      <p:pic>
+        <p:nvPicPr>
+          <p:cNvPr id="1026" name="Picture 2" descr="http://iconizer.net/files/Crystal_Clear/orig/kservices.png"/>
+          <p:cNvPicPr>
+            <a:picLocks noChangeAspect="1" noChangeArrowheads="1"/>
+          </p:cNvPicPr>
+          <p:nvPr/>
+        </p:nvPicPr>
+        <p:blipFill>
+          <a:blip r:embed="rId6">
+            <a:extLst>
+              <a:ext uri="{28A0092B-C50C-407E-A947-70E740481C1C}">
+                <a14:useLocalDpi xmlns:a14="http://schemas.microsoft.com/office/drawing/2010/main" val="0"/>
+              </a:ext>
+            </a:extLst>
+          </a:blip>
+          <a:srcRect/>
+          <a:stretch>
+            <a:fillRect/>
+          </a:stretch>
+        </p:blipFill>
+        <p:spPr bwMode="auto">
+          <a:xfrm>
+            <a:off x="3554652" y="3480907"/>
+            <a:ext cx="698632" cy="698633"/>
+          </a:xfrm>
+          <a:prstGeom prst="rect">
+            <a:avLst/>
+          </a:prstGeom>
+          <a:noFill/>
+          <a:extLst>
+            <a:ext uri="{909E8E84-426E-40DD-AFC4-6F175D3DCCD1}">
+              <a14:hiddenFill xmlns:a14="http://schemas.microsoft.com/office/drawing/2010/main">
+                <a:solidFill>
+                  <a:srgbClr val="FFFFFF"/>
+                </a:solidFill>
+              </a14:hiddenFill>
+            </a:ext>
+          </a:extLst>
+        </p:spPr>
+      </p:pic>
+      <p:sp>
+        <p:nvSpPr>
+          <p:cNvPr id="35" name="TextBox 34"/>
+          <p:cNvSpPr txBox="1"/>
+          <p:nvPr/>
+        </p:nvSpPr>
+        <p:spPr>
+          <a:xfrm>
+            <a:off x="3335139" y="2228671"/>
+            <a:ext cx="841266" cy="1200329"/>
+          </a:xfrm>
+          <a:prstGeom prst="rect">
+            <a:avLst/>
+          </a:prstGeom>
+          <a:noFill/>
+        </p:spPr>
+        <p:txBody>
+          <a:bodyPr wrap="square" rtlCol="0">
+            <a:spAutoFit/>
+          </a:bodyPr>
+          <a:lstStyle/>
+          <a:p>
+            <a:r>
+              <a:rPr lang="en-US" dirty="0" smtClean="0">
+                <a:latin typeface="Segoe UI Light" panose="020B0502040204020203" pitchFamily="34" charset="0"/>
+                <a:cs typeface="Segoe UI Light" panose="020B0502040204020203" pitchFamily="34" charset="0"/>
+              </a:rPr>
+              <a:t>If user online add to list</a:t>
+            </a:r>
+            <a:endParaRPr lang="en-US" dirty="0">
+              <a:latin typeface="Segoe UI Light" panose="020B0502040204020203" pitchFamily="34" charset="0"/>
+              <a:cs typeface="Segoe UI Light" panose="020B0502040204020203" pitchFamily="34" charset="0"/>
+            </a:endParaRPr>
+          </a:p>
+        </p:txBody>
+      </p:sp>
+      <p:sp>
+        <p:nvSpPr>
+          <p:cNvPr id="36" name="Right Arrow 35"/>
+          <p:cNvSpPr/>
+          <p:nvPr/>
+        </p:nvSpPr>
+        <p:spPr>
+          <a:xfrm rot="9822857">
+            <a:off x="4190702" y="4434657"/>
+            <a:ext cx="1776409" cy="45719"/>
+          </a:xfrm>
+          <a:prstGeom prst="rightArrow">
+            <a:avLst/>
+          </a:prstGeom>
+          <a:solidFill>
+            <a:schemeClr val="bg1"/>
+          </a:solidFill>
+          <a:ln>
+            <a:solidFill>
+              <a:schemeClr val="bg2">
+                <a:lumMod val="25000"/>
+              </a:schemeClr>
+            </a:solidFill>
+          </a:ln>
+        </p:spPr>
+        <p:style>
+          <a:lnRef idx="2">
+            <a:schemeClr val="accent1">
+              <a:shade val="50000"/>
+            </a:schemeClr>
+          </a:lnRef>
+          <a:fillRef idx="1">
+            <a:schemeClr val="accent1"/>
+          </a:fillRef>
+          <a:effectRef idx="0">
+            <a:schemeClr val="accent1"/>
+          </a:effectRef>
+          <a:fontRef idx="minor">
+            <a:schemeClr val="lt1"/>
+          </a:fontRef>
+        </p:style>
+        <p:txBody>
+          <a:bodyPr rtlCol="0" anchor="ctr"/>
+          <a:lstStyle/>
+          <a:p>
+            <a:pPr algn="ctr"/>
+            <a:endParaRPr lang="en-US" dirty="0">
+              <a:solidFill>
+                <a:schemeClr val="tx1"/>
+              </a:solidFill>
+            </a:endParaRPr>
+          </a:p>
+        </p:txBody>
+      </p:sp>
+      <p:sp>
+        <p:nvSpPr>
+          <p:cNvPr id="37" name="TextBox 36"/>
+          <p:cNvSpPr txBox="1"/>
+          <p:nvPr/>
+        </p:nvSpPr>
+        <p:spPr>
+          <a:xfrm rot="20507732">
+            <a:off x="3870125" y="3897824"/>
+            <a:ext cx="2116285" cy="369332"/>
+          </a:xfrm>
+          <a:prstGeom prst="rect">
+            <a:avLst/>
+          </a:prstGeom>
+          <a:noFill/>
+        </p:spPr>
+        <p:txBody>
+          <a:bodyPr wrap="none" rtlCol="0">
+            <a:spAutoFit/>
+          </a:bodyPr>
+          <a:lstStyle/>
+          <a:p>
+            <a:r>
+              <a:rPr lang="en-US" dirty="0" smtClean="0">
+                <a:latin typeface="Segoe UI Light" panose="020B0502040204020203" pitchFamily="34" charset="0"/>
+                <a:cs typeface="Segoe UI Light" panose="020B0502040204020203" pitchFamily="34" charset="0"/>
+              </a:rPr>
+              <a:t>Check if user online</a:t>
+            </a:r>
+            <a:endParaRPr lang="en-US" dirty="0">
+              <a:latin typeface="Segoe UI Light" panose="020B0502040204020203" pitchFamily="34" charset="0"/>
+              <a:cs typeface="Segoe UI Light" panose="020B0502040204020203" pitchFamily="34" charset="0"/>
+            </a:endParaRPr>
+          </a:p>
+        </p:txBody>
+      </p:sp>
+      <p:pic>
+        <p:nvPicPr>
+          <p:cNvPr id="1028" name="Picture 4" descr="http://www.hasbro.com/corporate/the-hub/images/HUB_Logo_BW_3.jpg"/>
+          <p:cNvPicPr>
+            <a:picLocks noChangeAspect="1" noChangeArrowheads="1"/>
+          </p:cNvPicPr>
+          <p:nvPr/>
+        </p:nvPicPr>
+        <p:blipFill>
+          <a:blip r:embed="rId7" cstate="print">
+            <a:extLst>
+              <a:ext uri="{28A0092B-C50C-407E-A947-70E740481C1C}">
+                <a14:useLocalDpi xmlns:a14="http://schemas.microsoft.com/office/drawing/2010/main" val="0"/>
+              </a:ext>
+            </a:extLst>
+          </a:blip>
+          <a:srcRect/>
+          <a:stretch>
+            <a:fillRect/>
+          </a:stretch>
+        </p:blipFill>
+        <p:spPr bwMode="auto">
+          <a:xfrm>
+            <a:off x="4708510" y="4336351"/>
+            <a:ext cx="762685" cy="762685"/>
+          </a:xfrm>
+          <a:prstGeom prst="rect">
+            <a:avLst/>
+          </a:prstGeom>
+          <a:noFill/>
+          <a:extLst>
+            <a:ext uri="{909E8E84-426E-40DD-AFC4-6F175D3DCCD1}">
+              <a14:hiddenFill xmlns:a14="http://schemas.microsoft.com/office/drawing/2010/main">
+                <a:solidFill>
+                  <a:srgbClr val="FFFFFF"/>
+                </a:solidFill>
+              </a14:hiddenFill>
+            </a:ext>
+          </a:extLst>
+        </p:spPr>
+      </p:pic>
+      <p:pic>
+        <p:nvPicPr>
+          <p:cNvPr id="1030" name="Picture 6" descr="http://www.nrg2.be/assets/img/screen-graphics.png"/>
+          <p:cNvPicPr>
+            <a:picLocks noChangeAspect="1" noChangeArrowheads="1"/>
+          </p:cNvPicPr>
+          <p:nvPr/>
+        </p:nvPicPr>
+        <p:blipFill>
+          <a:blip r:embed="rId8" cstate="print">
+            <a:extLst>
+              <a:ext uri="{28A0092B-C50C-407E-A947-70E740481C1C}">
+                <a14:useLocalDpi xmlns:a14="http://schemas.microsoft.com/office/drawing/2010/main" val="0"/>
+              </a:ext>
+            </a:extLst>
+          </a:blip>
+          <a:srcRect/>
+          <a:stretch>
+            <a:fillRect/>
+          </a:stretch>
+        </p:blipFill>
+        <p:spPr bwMode="auto">
+          <a:xfrm>
+            <a:off x="6012281" y="5882925"/>
+            <a:ext cx="1424374" cy="791319"/>
+          </a:xfrm>
+          <a:prstGeom prst="rect">
+            <a:avLst/>
+          </a:prstGeom>
+          <a:noFill/>
+          <a:extLst>
+            <a:ext uri="{909E8E84-426E-40DD-AFC4-6F175D3DCCD1}">
+              <a14:hiddenFill xmlns:a14="http://schemas.microsoft.com/office/drawing/2010/main">
+                <a:solidFill>
+                  <a:srgbClr val="FFFFFF"/>
+                </a:solidFill>
+              </a14:hiddenFill>
+            </a:ext>
+          </a:extLst>
+        </p:spPr>
+      </p:pic>
+      <p:sp>
+        <p:nvSpPr>
+          <p:cNvPr id="40" name="Right Arrow 39"/>
+          <p:cNvSpPr/>
+          <p:nvPr/>
+        </p:nvSpPr>
+        <p:spPr>
+          <a:xfrm rot="2561387">
+            <a:off x="5294332" y="5291040"/>
+            <a:ext cx="1008366" cy="56397"/>
+          </a:xfrm>
+          <a:prstGeom prst="rightArrow">
+            <a:avLst/>
+          </a:prstGeom>
+          <a:solidFill>
+            <a:schemeClr val="bg1"/>
+          </a:solidFill>
+          <a:ln>
+            <a:solidFill>
+              <a:schemeClr val="bg2">
+                <a:lumMod val="25000"/>
+              </a:schemeClr>
+            </a:solidFill>
+          </a:ln>
+        </p:spPr>
+        <p:style>
+          <a:lnRef idx="2">
+            <a:schemeClr val="accent1">
+              <a:shade val="50000"/>
+            </a:schemeClr>
+          </a:lnRef>
+          <a:fillRef idx="1">
+            <a:schemeClr val="accent1"/>
+          </a:fillRef>
+          <a:effectRef idx="0">
+            <a:schemeClr val="accent1"/>
+          </a:effectRef>
+          <a:fontRef idx="minor">
+            <a:schemeClr val="lt1"/>
+          </a:fontRef>
+        </p:style>
+        <p:txBody>
+          <a:bodyPr rtlCol="0" anchor="ctr"/>
+          <a:lstStyle/>
+          <a:p>
+            <a:pPr algn="ctr"/>
+            <a:endParaRPr lang="en-US" dirty="0">
+              <a:solidFill>
+                <a:schemeClr val="tx1"/>
+              </a:solidFill>
+            </a:endParaRPr>
+          </a:p>
+        </p:txBody>
+      </p:sp>
+      <p:sp>
+        <p:nvSpPr>
+          <p:cNvPr id="41" name="TextBox 40"/>
+          <p:cNvSpPr txBox="1"/>
+          <p:nvPr/>
+        </p:nvSpPr>
+        <p:spPr>
+          <a:xfrm rot="2528547">
+            <a:off x="5286603" y="5013825"/>
+            <a:ext cx="1478290" cy="369332"/>
+          </a:xfrm>
+          <a:prstGeom prst="rect">
+            <a:avLst/>
+          </a:prstGeom>
+          <a:noFill/>
+        </p:spPr>
+        <p:txBody>
+          <a:bodyPr wrap="none" rtlCol="0">
+            <a:spAutoFit/>
+          </a:bodyPr>
+          <a:lstStyle/>
+          <a:p>
+            <a:r>
+              <a:rPr lang="en-US" dirty="0" smtClean="0">
+                <a:latin typeface="Segoe UI Light" panose="020B0502040204020203" pitchFamily="34" charset="0"/>
+                <a:cs typeface="Segoe UI Light" panose="020B0502040204020203" pitchFamily="34" charset="0"/>
+              </a:rPr>
+              <a:t>Push to client</a:t>
+            </a:r>
+            <a:endParaRPr lang="en-US" dirty="0">
+              <a:latin typeface="Segoe UI Light" panose="020B0502040204020203" pitchFamily="34" charset="0"/>
+              <a:cs typeface="Segoe UI Light" panose="020B0502040204020203" pitchFamily="34" charset="0"/>
+            </a:endParaRPr>
+          </a:p>
+        </p:txBody>
+      </p:sp>
+    </p:spTree>
+    <p:extLst>
+      <p:ext uri="{BB962C8B-B14F-4D97-AF65-F5344CB8AC3E}">
+        <p14:creationId xmlns:p14="http://schemas.microsoft.com/office/powerpoint/2010/main" val="868550"/>
+      </p:ext>
+    </p:extLst>
+  </p:cSld>
+  <p:clrMapOvr>
+    <a:masterClrMapping/>
+  </p:clrMapOvr>
+  <p:timing>
+    <p:tnLst>
+      <p:par>
+        <p:cTn id="1" dur="indefinite" restart="never" nodeType="tmRoot">
+          <p:childTnLst>
+            <p:seq concurrent="1" nextAc="seek">
+              <p:cTn id="2" dur="indefinite" nodeType="mainSeq">
+                <p:childTnLst>
+                  <p:par>
+                    <p:cTn id="3" fill="hold">
+                      <p:stCondLst>
+                        <p:cond delay="indefinite"/>
+                      </p:stCondLst>
+                      <p:childTnLst>
+                        <p:par>
+                          <p:cTn id="4" fill="hold">
+                            <p:stCondLst>
+                              <p:cond delay="0"/>
+                            </p:stCondLst>
+                            <p:childTnLst>
+                              <p:par>
+                                <p:cTn id="5" presetID="10" presetClass="entr" presetSubtype="0" fill="hold" grpId="0" nodeType="clickEffect">
+                                  <p:stCondLst>
+                                    <p:cond delay="0"/>
+                                  </p:stCondLst>
+                                  <p:childTnLst>
+                                    <p:set>
+                                      <p:cBhvr>
+                                        <p:cTn id="6" dur="1" fill="hold">
+                                          <p:stCondLst>
+                                            <p:cond delay="0"/>
+                                          </p:stCondLst>
+                                        </p:cTn>
+                                        <p:tgtEl>
+                                          <p:spTgt spid="7"/>
+                                        </p:tgtEl>
+                                        <p:attrNameLst>
+                                          <p:attrName>style.visibility</p:attrName>
+                                        </p:attrNameLst>
+                                      </p:cBhvr>
+                                      <p:to>
+                                        <p:strVal val="visible"/>
+                                      </p:to>
+                                    </p:set>
+                                    <p:animEffect transition="in" filter="fade">
+                                      <p:cBhvr>
+                                        <p:cTn id="7" dur="500"/>
+                                        <p:tgtEl>
+                                          <p:spTgt spid="7"/>
+                                        </p:tgtEl>
+                                      </p:cBhvr>
+                                    </p:animEffect>
+                                  </p:childTnLst>
+                                </p:cTn>
+                              </p:par>
+                              <p:par>
+                                <p:cTn id="8" presetID="10" presetClass="entr" presetSubtype="0" fill="hold" grpId="0" nodeType="withEffect">
+                                  <p:stCondLst>
+                                    <p:cond delay="0"/>
+                                  </p:stCondLst>
+                                  <p:childTnLst>
+                                    <p:set>
+                                      <p:cBhvr>
+                                        <p:cTn id="9" dur="1" fill="hold">
+                                          <p:stCondLst>
+                                            <p:cond delay="0"/>
+                                          </p:stCondLst>
+                                        </p:cTn>
+                                        <p:tgtEl>
+                                          <p:spTgt spid="15"/>
+                                        </p:tgtEl>
+                                        <p:attrNameLst>
+                                          <p:attrName>style.visibility</p:attrName>
+                                        </p:attrNameLst>
+                                      </p:cBhvr>
+                                      <p:to>
+                                        <p:strVal val="visible"/>
+                                      </p:to>
+                                    </p:set>
+                                    <p:animEffect transition="in" filter="fade">
+                                      <p:cBhvr>
+                                        <p:cTn id="10" dur="500"/>
+                                        <p:tgtEl>
+                                          <p:spTgt spid="15"/>
+                                        </p:tgtEl>
+                                      </p:cBhvr>
+                                    </p:animEffect>
+                                  </p:childTnLst>
+                                </p:cTn>
+                              </p:par>
+                              <p:par>
+                                <p:cTn id="11" presetID="10" presetClass="entr" presetSubtype="0" fill="hold" grpId="0" nodeType="withEffect">
+                                  <p:stCondLst>
+                                    <p:cond delay="0"/>
+                                  </p:stCondLst>
+                                  <p:childTnLst>
+                                    <p:set>
+                                      <p:cBhvr>
+                                        <p:cTn id="12" dur="1" fill="hold">
+                                          <p:stCondLst>
+                                            <p:cond delay="0"/>
+                                          </p:stCondLst>
+                                        </p:cTn>
+                                        <p:tgtEl>
+                                          <p:spTgt spid="16"/>
+                                        </p:tgtEl>
+                                        <p:attrNameLst>
+                                          <p:attrName>style.visibility</p:attrName>
+                                        </p:attrNameLst>
+                                      </p:cBhvr>
+                                      <p:to>
+                                        <p:strVal val="visible"/>
+                                      </p:to>
+                                    </p:set>
+                                    <p:animEffect transition="in" filter="fade">
+                                      <p:cBhvr>
+                                        <p:cTn id="13" dur="500"/>
+                                        <p:tgtEl>
+                                          <p:spTgt spid="16"/>
+                                        </p:tgtEl>
+                                      </p:cBhvr>
+                                    </p:animEffect>
+                                  </p:childTnLst>
+                                </p:cTn>
+                              </p:par>
+                            </p:childTnLst>
+                          </p:cTn>
+                        </p:par>
+                      </p:childTnLst>
+                    </p:cTn>
+                  </p:par>
+                  <p:par>
+                    <p:cTn id="14" fill="hold">
+                      <p:stCondLst>
+                        <p:cond delay="indefinite"/>
+                      </p:stCondLst>
+                      <p:childTnLst>
+                        <p:par>
+                          <p:cTn id="15" fill="hold">
+                            <p:stCondLst>
+                              <p:cond delay="0"/>
+                            </p:stCondLst>
+                            <p:childTnLst>
+                              <p:par>
+                                <p:cTn id="16" presetID="10" presetClass="entr" presetSubtype="0" fill="hold" nodeType="clickEffect">
+                                  <p:stCondLst>
+                                    <p:cond delay="0"/>
+                                  </p:stCondLst>
+                                  <p:childTnLst>
+                                    <p:set>
+                                      <p:cBhvr>
+                                        <p:cTn id="17" dur="1" fill="hold">
+                                          <p:stCondLst>
+                                            <p:cond delay="0"/>
+                                          </p:stCondLst>
+                                        </p:cTn>
+                                        <p:tgtEl>
+                                          <p:spTgt spid="18"/>
+                                        </p:tgtEl>
+                                        <p:attrNameLst>
+                                          <p:attrName>style.visibility</p:attrName>
+                                        </p:attrNameLst>
+                                      </p:cBhvr>
+                                      <p:to>
+                                        <p:strVal val="visible"/>
+                                      </p:to>
+                                    </p:set>
+                                    <p:animEffect transition="in" filter="fade">
+                                      <p:cBhvr>
+                                        <p:cTn id="18" dur="500"/>
+                                        <p:tgtEl>
+                                          <p:spTgt spid="18"/>
+                                        </p:tgtEl>
+                                      </p:cBhvr>
+                                    </p:animEffect>
+                                  </p:childTnLst>
+                                </p:cTn>
+                              </p:par>
+                              <p:par>
+                                <p:cTn id="19" presetID="10" presetClass="entr" presetSubtype="0" fill="hold" grpId="0" nodeType="withEffect">
+                                  <p:stCondLst>
+                                    <p:cond delay="0"/>
+                                  </p:stCondLst>
+                                  <p:childTnLst>
+                                    <p:set>
+                                      <p:cBhvr>
+                                        <p:cTn id="20" dur="1" fill="hold">
+                                          <p:stCondLst>
+                                            <p:cond delay="0"/>
+                                          </p:stCondLst>
+                                        </p:cTn>
+                                        <p:tgtEl>
+                                          <p:spTgt spid="23"/>
+                                        </p:tgtEl>
+                                        <p:attrNameLst>
+                                          <p:attrName>style.visibility</p:attrName>
+                                        </p:attrNameLst>
+                                      </p:cBhvr>
+                                      <p:to>
+                                        <p:strVal val="visible"/>
+                                      </p:to>
+                                    </p:set>
+                                    <p:animEffect transition="in" filter="fade">
+                                      <p:cBhvr>
+                                        <p:cTn id="21" dur="500"/>
+                                        <p:tgtEl>
+                                          <p:spTgt spid="23"/>
+                                        </p:tgtEl>
+                                      </p:cBhvr>
+                                    </p:animEffect>
+                                  </p:childTnLst>
+                                </p:cTn>
+                              </p:par>
+                              <p:par>
+                                <p:cTn id="22" presetID="10" presetClass="entr" presetSubtype="0" fill="hold" grpId="0" nodeType="withEffect">
+                                  <p:stCondLst>
+                                    <p:cond delay="0"/>
+                                  </p:stCondLst>
+                                  <p:childTnLst>
+                                    <p:set>
+                                      <p:cBhvr>
+                                        <p:cTn id="23" dur="1" fill="hold">
+                                          <p:stCondLst>
+                                            <p:cond delay="0"/>
+                                          </p:stCondLst>
+                                        </p:cTn>
+                                        <p:tgtEl>
+                                          <p:spTgt spid="22"/>
+                                        </p:tgtEl>
+                                        <p:attrNameLst>
+                                          <p:attrName>style.visibility</p:attrName>
+                                        </p:attrNameLst>
+                                      </p:cBhvr>
+                                      <p:to>
+                                        <p:strVal val="visible"/>
+                                      </p:to>
+                                    </p:set>
+                                    <p:animEffect transition="in" filter="fade">
+                                      <p:cBhvr>
+                                        <p:cTn id="24" dur="500"/>
+                                        <p:tgtEl>
+                                          <p:spTgt spid="22"/>
+                                        </p:tgtEl>
+                                      </p:cBhvr>
+                                    </p:animEffect>
+                                  </p:childTnLst>
+                                </p:cTn>
+                              </p:par>
+                              <p:par>
+                                <p:cTn id="25" presetID="10" presetClass="entr" presetSubtype="0" fill="hold" grpId="0" nodeType="withEffect">
+                                  <p:stCondLst>
+                                    <p:cond delay="0"/>
+                                  </p:stCondLst>
+                                  <p:childTnLst>
+                                    <p:set>
+                                      <p:cBhvr>
+                                        <p:cTn id="26" dur="1" fill="hold">
+                                          <p:stCondLst>
+                                            <p:cond delay="0"/>
+                                          </p:stCondLst>
+                                        </p:cTn>
+                                        <p:tgtEl>
+                                          <p:spTgt spid="24"/>
+                                        </p:tgtEl>
+                                        <p:attrNameLst>
+                                          <p:attrName>style.visibility</p:attrName>
+                                        </p:attrNameLst>
+                                      </p:cBhvr>
+                                      <p:to>
+                                        <p:strVal val="visible"/>
+                                      </p:to>
+                                    </p:set>
+                                    <p:animEffect transition="in" filter="fade">
+                                      <p:cBhvr>
+                                        <p:cTn id="27" dur="500"/>
+                                        <p:tgtEl>
+                                          <p:spTgt spid="24"/>
+                                        </p:tgtEl>
+                                      </p:cBhvr>
+                                    </p:animEffect>
+                                  </p:childTnLst>
+                                </p:cTn>
+                              </p:par>
+                            </p:childTnLst>
+                          </p:cTn>
+                        </p:par>
+                      </p:childTnLst>
+                    </p:cTn>
+                  </p:par>
+                  <p:par>
+                    <p:cTn id="28" fill="hold">
+                      <p:stCondLst>
+                        <p:cond delay="indefinite"/>
+                      </p:stCondLst>
+                      <p:childTnLst>
+                        <p:par>
+                          <p:cTn id="29" fill="hold">
+                            <p:stCondLst>
+                              <p:cond delay="0"/>
+                            </p:stCondLst>
+                            <p:childTnLst>
+                              <p:par>
+                                <p:cTn id="30" presetID="10" presetClass="entr" presetSubtype="0" fill="hold" grpId="0" nodeType="clickEffect">
+                                  <p:stCondLst>
+                                    <p:cond delay="0"/>
+                                  </p:stCondLst>
+                                  <p:childTnLst>
+                                    <p:set>
+                                      <p:cBhvr>
+                                        <p:cTn id="31" dur="1" fill="hold">
+                                          <p:stCondLst>
+                                            <p:cond delay="0"/>
+                                          </p:stCondLst>
+                                        </p:cTn>
+                                        <p:tgtEl>
+                                          <p:spTgt spid="29"/>
+                                        </p:tgtEl>
+                                        <p:attrNameLst>
+                                          <p:attrName>style.visibility</p:attrName>
+                                        </p:attrNameLst>
+                                      </p:cBhvr>
+                                      <p:to>
+                                        <p:strVal val="visible"/>
+                                      </p:to>
+                                    </p:set>
+                                    <p:animEffect transition="in" filter="fade">
+                                      <p:cBhvr>
+                                        <p:cTn id="32" dur="500"/>
+                                        <p:tgtEl>
+                                          <p:spTgt spid="29"/>
+                                        </p:tgtEl>
+                                      </p:cBhvr>
+                                    </p:animEffect>
+                                  </p:childTnLst>
+                                </p:cTn>
+                              </p:par>
+                              <p:par>
+                                <p:cTn id="33" presetID="10" presetClass="entr" presetSubtype="0" fill="hold" grpId="0" nodeType="withEffect">
+                                  <p:stCondLst>
+                                    <p:cond delay="0"/>
+                                  </p:stCondLst>
+                                  <p:childTnLst>
+                                    <p:set>
+                                      <p:cBhvr>
+                                        <p:cTn id="34" dur="1" fill="hold">
+                                          <p:stCondLst>
+                                            <p:cond delay="0"/>
+                                          </p:stCondLst>
+                                        </p:cTn>
+                                        <p:tgtEl>
+                                          <p:spTgt spid="28"/>
+                                        </p:tgtEl>
+                                        <p:attrNameLst>
+                                          <p:attrName>style.visibility</p:attrName>
+                                        </p:attrNameLst>
+                                      </p:cBhvr>
+                                      <p:to>
+                                        <p:strVal val="visible"/>
+                                      </p:to>
+                                    </p:set>
+                                    <p:animEffect transition="in" filter="fade">
+                                      <p:cBhvr>
+                                        <p:cTn id="35" dur="500"/>
+                                        <p:tgtEl>
+                                          <p:spTgt spid="28"/>
+                                        </p:tgtEl>
+                                      </p:cBhvr>
+                                    </p:animEffect>
+                                  </p:childTnLst>
+                                </p:cTn>
+                              </p:par>
+                              <p:par>
+                                <p:cTn id="36" presetID="10" presetClass="entr" presetSubtype="0" fill="hold" nodeType="withEffect">
+                                  <p:stCondLst>
+                                    <p:cond delay="0"/>
+                                  </p:stCondLst>
+                                  <p:childTnLst>
+                                    <p:set>
+                                      <p:cBhvr>
+                                        <p:cTn id="37" dur="1" fill="hold">
+                                          <p:stCondLst>
+                                            <p:cond delay="0"/>
+                                          </p:stCondLst>
+                                        </p:cTn>
+                                        <p:tgtEl>
+                                          <p:spTgt spid="25"/>
+                                        </p:tgtEl>
+                                        <p:attrNameLst>
+                                          <p:attrName>style.visibility</p:attrName>
+                                        </p:attrNameLst>
+                                      </p:cBhvr>
+                                      <p:to>
+                                        <p:strVal val="visible"/>
+                                      </p:to>
+                                    </p:set>
+                                    <p:animEffect transition="in" filter="fade">
+                                      <p:cBhvr>
+                                        <p:cTn id="38" dur="500"/>
+                                        <p:tgtEl>
+                                          <p:spTgt spid="25"/>
+                                        </p:tgtEl>
+                                      </p:cBhvr>
+                                    </p:animEffect>
+                                  </p:childTnLst>
+                                </p:cTn>
+                              </p:par>
+                              <p:par>
+                                <p:cTn id="39" presetID="10" presetClass="entr" presetSubtype="0" fill="hold" grpId="0" nodeType="withEffect">
+                                  <p:stCondLst>
+                                    <p:cond delay="0"/>
+                                  </p:stCondLst>
+                                  <p:childTnLst>
+                                    <p:set>
+                                      <p:cBhvr>
+                                        <p:cTn id="40" dur="1" fill="hold">
+                                          <p:stCondLst>
+                                            <p:cond delay="0"/>
+                                          </p:stCondLst>
+                                        </p:cTn>
+                                        <p:tgtEl>
+                                          <p:spTgt spid="8"/>
+                                        </p:tgtEl>
+                                        <p:attrNameLst>
+                                          <p:attrName>style.visibility</p:attrName>
+                                        </p:attrNameLst>
+                                      </p:cBhvr>
+                                      <p:to>
+                                        <p:strVal val="visible"/>
+                                      </p:to>
+                                    </p:set>
+                                    <p:animEffect transition="in" filter="fade">
+                                      <p:cBhvr>
+                                        <p:cTn id="41" dur="500"/>
+                                        <p:tgtEl>
+                                          <p:spTgt spid="8"/>
+                                        </p:tgtEl>
+                                      </p:cBhvr>
+                                    </p:animEffect>
+                                  </p:childTnLst>
+                                </p:cTn>
+                              </p:par>
+                            </p:childTnLst>
+                          </p:cTn>
+                        </p:par>
+                      </p:childTnLst>
+                    </p:cTn>
+                  </p:par>
+                  <p:par>
+                    <p:cTn id="42" fill="hold">
+                      <p:stCondLst>
+                        <p:cond delay="indefinite"/>
+                      </p:stCondLst>
+                      <p:childTnLst>
+                        <p:par>
+                          <p:cTn id="43" fill="hold">
+                            <p:stCondLst>
+                              <p:cond delay="0"/>
+                            </p:stCondLst>
+                            <p:childTnLst>
+                              <p:par>
+                                <p:cTn id="44" presetID="10" presetClass="entr" presetSubtype="0" fill="hold" grpId="0" nodeType="clickEffect">
+                                  <p:stCondLst>
+                                    <p:cond delay="0"/>
+                                  </p:stCondLst>
+                                  <p:childTnLst>
+                                    <p:set>
+                                      <p:cBhvr>
+                                        <p:cTn id="45" dur="1" fill="hold">
+                                          <p:stCondLst>
+                                            <p:cond delay="0"/>
+                                          </p:stCondLst>
+                                        </p:cTn>
+                                        <p:tgtEl>
+                                          <p:spTgt spid="32"/>
+                                        </p:tgtEl>
+                                        <p:attrNameLst>
+                                          <p:attrName>style.visibility</p:attrName>
+                                        </p:attrNameLst>
+                                      </p:cBhvr>
+                                      <p:to>
+                                        <p:strVal val="visible"/>
+                                      </p:to>
+                                    </p:set>
+                                    <p:animEffect transition="in" filter="fade">
+                                      <p:cBhvr>
+                                        <p:cTn id="46" dur="500"/>
+                                        <p:tgtEl>
+                                          <p:spTgt spid="32"/>
+                                        </p:tgtEl>
+                                      </p:cBhvr>
+                                    </p:animEffect>
+                                  </p:childTnLst>
+                                </p:cTn>
+                              </p:par>
+                              <p:par>
+                                <p:cTn id="47" presetID="10" presetClass="entr" presetSubtype="0" fill="hold" grpId="0" nodeType="withEffect">
+                                  <p:stCondLst>
+                                    <p:cond delay="0"/>
+                                  </p:stCondLst>
+                                  <p:childTnLst>
+                                    <p:set>
+                                      <p:cBhvr>
+                                        <p:cTn id="48" dur="1" fill="hold">
+                                          <p:stCondLst>
+                                            <p:cond delay="0"/>
+                                          </p:stCondLst>
+                                        </p:cTn>
+                                        <p:tgtEl>
+                                          <p:spTgt spid="35"/>
+                                        </p:tgtEl>
+                                        <p:attrNameLst>
+                                          <p:attrName>style.visibility</p:attrName>
+                                        </p:attrNameLst>
+                                      </p:cBhvr>
+                                      <p:to>
+                                        <p:strVal val="visible"/>
+                                      </p:to>
+                                    </p:set>
+                                    <p:animEffect transition="in" filter="fade">
+                                      <p:cBhvr>
+                                        <p:cTn id="49" dur="500"/>
+                                        <p:tgtEl>
+                                          <p:spTgt spid="35"/>
+                                        </p:tgtEl>
+                                      </p:cBhvr>
+                                    </p:animEffect>
+                                  </p:childTnLst>
+                                </p:cTn>
+                              </p:par>
+                              <p:par>
+                                <p:cTn id="50" presetID="10" presetClass="entr" presetSubtype="0" fill="hold" grpId="0" nodeType="withEffect">
+                                  <p:stCondLst>
+                                    <p:cond delay="0"/>
+                                  </p:stCondLst>
+                                  <p:childTnLst>
+                                    <p:set>
+                                      <p:cBhvr>
+                                        <p:cTn id="51" dur="1" fill="hold">
+                                          <p:stCondLst>
+                                            <p:cond delay="0"/>
+                                          </p:stCondLst>
+                                        </p:cTn>
+                                        <p:tgtEl>
+                                          <p:spTgt spid="30"/>
+                                        </p:tgtEl>
+                                        <p:attrNameLst>
+                                          <p:attrName>style.visibility</p:attrName>
+                                        </p:attrNameLst>
+                                      </p:cBhvr>
+                                      <p:to>
+                                        <p:strVal val="visible"/>
+                                      </p:to>
+                                    </p:set>
+                                    <p:animEffect transition="in" filter="fade">
+                                      <p:cBhvr>
+                                        <p:cTn id="52" dur="500"/>
+                                        <p:tgtEl>
+                                          <p:spTgt spid="30"/>
+                                        </p:tgtEl>
+                                      </p:cBhvr>
+                                    </p:animEffect>
+                                  </p:childTnLst>
+                                </p:cTn>
+                              </p:par>
+                              <p:par>
+                                <p:cTn id="53" presetID="10" presetClass="entr" presetSubtype="0" fill="hold" nodeType="withEffect">
+                                  <p:stCondLst>
+                                    <p:cond delay="0"/>
+                                  </p:stCondLst>
+                                  <p:childTnLst>
+                                    <p:set>
+                                      <p:cBhvr>
+                                        <p:cTn id="54" dur="1" fill="hold">
+                                          <p:stCondLst>
+                                            <p:cond delay="0"/>
+                                          </p:stCondLst>
+                                        </p:cTn>
+                                        <p:tgtEl>
+                                          <p:spTgt spid="1026"/>
+                                        </p:tgtEl>
+                                        <p:attrNameLst>
+                                          <p:attrName>style.visibility</p:attrName>
+                                        </p:attrNameLst>
+                                      </p:cBhvr>
+                                      <p:to>
+                                        <p:strVal val="visible"/>
+                                      </p:to>
+                                    </p:set>
+                                    <p:animEffect transition="in" filter="fade">
+                                      <p:cBhvr>
+                                        <p:cTn id="55" dur="500"/>
+                                        <p:tgtEl>
+                                          <p:spTgt spid="1026"/>
+                                        </p:tgtEl>
+                                      </p:cBhvr>
+                                    </p:animEffect>
+                                  </p:childTnLst>
+                                </p:cTn>
+                              </p:par>
+                            </p:childTnLst>
+                          </p:cTn>
+                        </p:par>
+                      </p:childTnLst>
+                    </p:cTn>
+                  </p:par>
+                  <p:par>
+                    <p:cTn id="56" fill="hold">
+                      <p:stCondLst>
+                        <p:cond delay="indefinite"/>
+                      </p:stCondLst>
+                      <p:childTnLst>
+                        <p:par>
+                          <p:cTn id="57" fill="hold">
+                            <p:stCondLst>
+                              <p:cond delay="0"/>
+                            </p:stCondLst>
+                            <p:childTnLst>
+                              <p:par>
+                                <p:cTn id="58" presetID="10" presetClass="entr" presetSubtype="0" fill="hold" grpId="0" nodeType="clickEffect">
+                                  <p:stCondLst>
+                                    <p:cond delay="0"/>
+                                  </p:stCondLst>
+                                  <p:childTnLst>
+                                    <p:set>
+                                      <p:cBhvr>
+                                        <p:cTn id="59" dur="1" fill="hold">
+                                          <p:stCondLst>
+                                            <p:cond delay="0"/>
+                                          </p:stCondLst>
+                                        </p:cTn>
+                                        <p:tgtEl>
+                                          <p:spTgt spid="37"/>
+                                        </p:tgtEl>
+                                        <p:attrNameLst>
+                                          <p:attrName>style.visibility</p:attrName>
+                                        </p:attrNameLst>
+                                      </p:cBhvr>
+                                      <p:to>
+                                        <p:strVal val="visible"/>
+                                      </p:to>
+                                    </p:set>
+                                    <p:animEffect transition="in" filter="fade">
+                                      <p:cBhvr>
+                                        <p:cTn id="60" dur="500"/>
+                                        <p:tgtEl>
+                                          <p:spTgt spid="37"/>
+                                        </p:tgtEl>
+                                      </p:cBhvr>
+                                    </p:animEffect>
+                                  </p:childTnLst>
+                                </p:cTn>
+                              </p:par>
+                              <p:par>
+                                <p:cTn id="61" presetID="10" presetClass="entr" presetSubtype="0" fill="hold" nodeType="withEffect">
+                                  <p:stCondLst>
+                                    <p:cond delay="0"/>
+                                  </p:stCondLst>
+                                  <p:childTnLst>
+                                    <p:set>
+                                      <p:cBhvr>
+                                        <p:cTn id="62" dur="1" fill="hold">
+                                          <p:stCondLst>
+                                            <p:cond delay="0"/>
+                                          </p:stCondLst>
+                                        </p:cTn>
+                                        <p:tgtEl>
+                                          <p:spTgt spid="1028"/>
+                                        </p:tgtEl>
+                                        <p:attrNameLst>
+                                          <p:attrName>style.visibility</p:attrName>
+                                        </p:attrNameLst>
+                                      </p:cBhvr>
+                                      <p:to>
+                                        <p:strVal val="visible"/>
+                                      </p:to>
+                                    </p:set>
+                                    <p:animEffect transition="in" filter="fade">
+                                      <p:cBhvr>
+                                        <p:cTn id="63" dur="500"/>
+                                        <p:tgtEl>
+                                          <p:spTgt spid="1028"/>
+                                        </p:tgtEl>
+                                      </p:cBhvr>
+                                    </p:animEffect>
+                                  </p:childTnLst>
+                                </p:cTn>
+                              </p:par>
+                              <p:par>
+                                <p:cTn id="64" presetID="10" presetClass="entr" presetSubtype="0" fill="hold" grpId="0" nodeType="withEffect">
+                                  <p:stCondLst>
+                                    <p:cond delay="0"/>
+                                  </p:stCondLst>
+                                  <p:childTnLst>
+                                    <p:set>
+                                      <p:cBhvr>
+                                        <p:cTn id="65" dur="1" fill="hold">
+                                          <p:stCondLst>
+                                            <p:cond delay="0"/>
+                                          </p:stCondLst>
+                                        </p:cTn>
+                                        <p:tgtEl>
+                                          <p:spTgt spid="36"/>
+                                        </p:tgtEl>
+                                        <p:attrNameLst>
+                                          <p:attrName>style.visibility</p:attrName>
+                                        </p:attrNameLst>
+                                      </p:cBhvr>
+                                      <p:to>
+                                        <p:strVal val="visible"/>
+                                      </p:to>
+                                    </p:set>
+                                    <p:animEffect transition="in" filter="fade">
+                                      <p:cBhvr>
+                                        <p:cTn id="66" dur="500"/>
+                                        <p:tgtEl>
+                                          <p:spTgt spid="36"/>
+                                        </p:tgtEl>
+                                      </p:cBhvr>
+                                    </p:animEffect>
+                                  </p:childTnLst>
+                                </p:cTn>
+                              </p:par>
+                            </p:childTnLst>
+                          </p:cTn>
+                        </p:par>
+                      </p:childTnLst>
+                    </p:cTn>
+                  </p:par>
+                  <p:par>
+                    <p:cTn id="67" fill="hold">
+                      <p:stCondLst>
+                        <p:cond delay="indefinite"/>
+                      </p:stCondLst>
+                      <p:childTnLst>
+                        <p:par>
+                          <p:cTn id="68" fill="hold">
+                            <p:stCondLst>
+                              <p:cond delay="0"/>
+                            </p:stCondLst>
+                            <p:childTnLst>
+                              <p:par>
+                                <p:cTn id="69" presetID="10" presetClass="entr" presetSubtype="0" fill="hold" grpId="0" nodeType="clickEffect">
+                                  <p:stCondLst>
+                                    <p:cond delay="0"/>
+                                  </p:stCondLst>
+                                  <p:childTnLst>
+                                    <p:set>
+                                      <p:cBhvr>
+                                        <p:cTn id="70" dur="1" fill="hold">
+                                          <p:stCondLst>
+                                            <p:cond delay="0"/>
+                                          </p:stCondLst>
+                                        </p:cTn>
+                                        <p:tgtEl>
+                                          <p:spTgt spid="41"/>
+                                        </p:tgtEl>
+                                        <p:attrNameLst>
+                                          <p:attrName>style.visibility</p:attrName>
+                                        </p:attrNameLst>
+                                      </p:cBhvr>
+                                      <p:to>
+                                        <p:strVal val="visible"/>
+                                      </p:to>
+                                    </p:set>
+                                    <p:animEffect transition="in" filter="fade">
+                                      <p:cBhvr>
+                                        <p:cTn id="71" dur="500"/>
+                                        <p:tgtEl>
+                                          <p:spTgt spid="41"/>
+                                        </p:tgtEl>
+                                      </p:cBhvr>
+                                    </p:animEffect>
+                                  </p:childTnLst>
+                                </p:cTn>
+                              </p:par>
+                              <p:par>
+                                <p:cTn id="72" presetID="10" presetClass="entr" presetSubtype="0" fill="hold" grpId="0" nodeType="withEffect">
+                                  <p:stCondLst>
+                                    <p:cond delay="0"/>
+                                  </p:stCondLst>
+                                  <p:childTnLst>
+                                    <p:set>
+                                      <p:cBhvr>
+                                        <p:cTn id="73" dur="1" fill="hold">
+                                          <p:stCondLst>
+                                            <p:cond delay="0"/>
+                                          </p:stCondLst>
+                                        </p:cTn>
+                                        <p:tgtEl>
+                                          <p:spTgt spid="40"/>
+                                        </p:tgtEl>
+                                        <p:attrNameLst>
+                                          <p:attrName>style.visibility</p:attrName>
+                                        </p:attrNameLst>
+                                      </p:cBhvr>
+                                      <p:to>
+                                        <p:strVal val="visible"/>
+                                      </p:to>
+                                    </p:set>
+                                    <p:animEffect transition="in" filter="fade">
+                                      <p:cBhvr>
+                                        <p:cTn id="74" dur="500"/>
+                                        <p:tgtEl>
+                                          <p:spTgt spid="40"/>
+                                        </p:tgtEl>
+                                      </p:cBhvr>
+                                    </p:animEffect>
+                                  </p:childTnLst>
+                                </p:cTn>
+                              </p:par>
+                              <p:par>
+                                <p:cTn id="75" presetID="10" presetClass="entr" presetSubtype="0" fill="hold" nodeType="withEffect">
+                                  <p:stCondLst>
+                                    <p:cond delay="0"/>
+                                  </p:stCondLst>
+                                  <p:childTnLst>
+                                    <p:set>
+                                      <p:cBhvr>
+                                        <p:cTn id="76" dur="1" fill="hold">
+                                          <p:stCondLst>
+                                            <p:cond delay="0"/>
+                                          </p:stCondLst>
+                                        </p:cTn>
+                                        <p:tgtEl>
+                                          <p:spTgt spid="1030"/>
+                                        </p:tgtEl>
+                                        <p:attrNameLst>
+                                          <p:attrName>style.visibility</p:attrName>
+                                        </p:attrNameLst>
+                                      </p:cBhvr>
+                                      <p:to>
+                                        <p:strVal val="visible"/>
+                                      </p:to>
+                                    </p:set>
+                                    <p:animEffect transition="in" filter="fade">
+                                      <p:cBhvr>
+                                        <p:cTn id="77" dur="500"/>
+                                        <p:tgtEl>
+                                          <p:spTgt spid="1030"/>
+                                        </p:tgtEl>
+                                      </p:cBhvr>
+                                    </p:animEffect>
+                                  </p:childTnLst>
+                                </p:cTn>
+                              </p:par>
+                            </p:childTnLst>
+                          </p:cTn>
+                        </p:par>
+                      </p:childTnLst>
+                    </p:cTn>
+                  </p:par>
+                </p:childTnLst>
+              </p:cTn>
+              <p:prevCondLst>
+                <p:cond evt="onPrev" delay="0">
+                  <p:tgtEl>
+                    <p:sldTgt/>
+                  </p:tgtEl>
+                </p:cond>
+              </p:prevCondLst>
+              <p:nextCondLst>
+                <p:cond evt="onNext" delay="0">
+                  <p:tgtEl>
+                    <p:sldTgt/>
+                  </p:tgtEl>
+                </p:cond>
+              </p:nextCondLst>
+            </p:seq>
+          </p:childTnLst>
+        </p:cTn>
+      </p:par>
+    </p:tnLst>
+    <p:bldLst>
+      <p:bldP spid="15" grpId="0" animBg="1"/>
+      <p:bldP spid="16" grpId="0" animBg="1"/>
+      <p:bldP spid="7" grpId="0"/>
+      <p:bldP spid="22" grpId="0" animBg="1"/>
+      <p:bldP spid="23" grpId="0"/>
+      <p:bldP spid="24" grpId="0"/>
+      <p:bldP spid="8" grpId="0" animBg="1"/>
+      <p:bldP spid="28" grpId="0" animBg="1"/>
+      <p:bldP spid="29" grpId="0"/>
+      <p:bldP spid="30" grpId="0" animBg="1"/>
+      <p:bldP spid="32" grpId="0" animBg="1"/>
+      <p:bldP spid="35" grpId="0"/>
+      <p:bldP spid="36" grpId="0" animBg="1"/>
+      <p:bldP spid="37" grpId="0"/>
+      <p:bldP spid="40" grpId="0" animBg="1"/>
+      <p:bldP spid="41" grpId="0"/>
+    </p:bldLst>
   </p:timing>
 </p:sld>
 </file>
